--- a/2019-01-28 Webscraping project presentation (healthgrades physician reviews).pptx
+++ b/2019-01-28 Webscraping project presentation (healthgrades physician reviews).pptx
@@ -1176,7 +1176,7 @@
           <a:p>
             <a:fld id="{7A854366-437A-48A0-AD87-86B9458E7F30}" type="datetimeFigureOut">
               <a:rPr lang="en-US" smtClean="0"/>
-              <a:t>1/28/2019</a:t>
+              <a:t>1/29/2019</a:t>
             </a:fld>
             <a:endParaRPr lang="en-US"/>
           </a:p>
@@ -1911,6 +1911,258 @@
 </p:notes>
 </file>
 
+<file path=ppt/notesSlides/notesSlide6.xml><?xml version="1.0" encoding="utf-8"?>
+<p:notes xmlns:a="http://schemas.openxmlformats.org/drawingml/2006/main" xmlns:r="http://schemas.openxmlformats.org/officeDocument/2006/relationships" xmlns:p="http://schemas.openxmlformats.org/presentationml/2006/main">
+  <p:cSld>
+    <p:spTree>
+      <p:nvGrpSpPr>
+        <p:cNvPr id="1" name=""/>
+        <p:cNvGrpSpPr/>
+        <p:nvPr/>
+      </p:nvGrpSpPr>
+      <p:grpSpPr>
+        <a:xfrm>
+          <a:off x="0" y="0"/>
+          <a:ext cx="0" cy="0"/>
+          <a:chOff x="0" y="0"/>
+          <a:chExt cx="0" cy="0"/>
+        </a:xfrm>
+      </p:grpSpPr>
+      <p:sp>
+        <p:nvSpPr>
+          <p:cNvPr id="2" name="Slide Image Placeholder 1"/>
+          <p:cNvSpPr>
+            <a:spLocks noGrp="1" noRot="1" noChangeAspect="1"/>
+          </p:cNvSpPr>
+          <p:nvPr>
+            <p:ph type="sldImg"/>
+          </p:nvPr>
+        </p:nvSpPr>
+        <p:spPr/>
+      </p:sp>
+      <p:sp>
+        <p:nvSpPr>
+          <p:cNvPr id="3" name="Notes Placeholder 2"/>
+          <p:cNvSpPr>
+            <a:spLocks noGrp="1"/>
+          </p:cNvSpPr>
+          <p:nvPr>
+            <p:ph type="body" idx="1"/>
+          </p:nvPr>
+        </p:nvSpPr>
+        <p:spPr/>
+        <p:txBody>
+          <a:bodyPr/>
+          <a:lstStyle/>
+          <a:p>
+            <a:pPr marL="0" marR="0" lvl="0" indent="0" algn="l" defTabSz="914400" rtl="0" eaLnBrk="1" fontAlgn="auto" latinLnBrk="0" hangingPunct="1">
+              <a:lnSpc>
+                <a:spcPct val="100000"/>
+              </a:lnSpc>
+              <a:spcBef>
+                <a:spcPts val="0"/>
+              </a:spcBef>
+              <a:spcAft>
+                <a:spcPts val="0"/>
+              </a:spcAft>
+              <a:buClrTx/>
+              <a:buSzTx/>
+              <a:buFontTx/>
+              <a:buNone/>
+              <a:tabLst/>
+              <a:defRPr/>
+            </a:pPr>
+            <a:r>
+              <a:rPr lang="en-US" sz="1200" dirty="0"/>
+              <a:t>Doctor score – Staff score: </a:t>
+            </a:r>
+          </a:p>
+          <a:p>
+            <a:pPr marL="0" marR="0" lvl="0" indent="0" algn="l" defTabSz="914400" rtl="0" eaLnBrk="1" fontAlgn="auto" latinLnBrk="0" hangingPunct="1">
+              <a:lnSpc>
+                <a:spcPct val="100000"/>
+              </a:lnSpc>
+              <a:spcBef>
+                <a:spcPts val="0"/>
+              </a:spcBef>
+              <a:spcAft>
+                <a:spcPts val="0"/>
+              </a:spcAft>
+              <a:buClrTx/>
+              <a:buSzTx/>
+              <a:buFontTx/>
+              <a:buNone/>
+              <a:tabLst/>
+              <a:defRPr/>
+            </a:pPr>
+            <a:r>
+              <a:rPr lang="en-US" sz="1200" dirty="0"/>
+              <a:t>Mean 0 </a:t>
+            </a:r>
+          </a:p>
+          <a:p>
+            <a:pPr marL="0" marR="0" lvl="0" indent="0" algn="l" defTabSz="914400" rtl="0" eaLnBrk="1" fontAlgn="auto" latinLnBrk="0" hangingPunct="1">
+              <a:lnSpc>
+                <a:spcPct val="100000"/>
+              </a:lnSpc>
+              <a:spcBef>
+                <a:spcPts val="0"/>
+              </a:spcBef>
+              <a:spcAft>
+                <a:spcPts val="0"/>
+              </a:spcAft>
+              <a:buClrTx/>
+              <a:buSzTx/>
+              <a:buFontTx/>
+              <a:buNone/>
+              <a:tabLst/>
+              <a:defRPr/>
+            </a:pPr>
+            <a:r>
+              <a:rPr lang="en-US" sz="1200" dirty="0"/>
+              <a:t>Std: 0.4 </a:t>
+            </a:r>
+          </a:p>
+          <a:p>
+            <a:endParaRPr lang="en-US" dirty="0"/>
+          </a:p>
+        </p:txBody>
+      </p:sp>
+      <p:sp>
+        <p:nvSpPr>
+          <p:cNvPr id="4" name="Slide Number Placeholder 3"/>
+          <p:cNvSpPr>
+            <a:spLocks noGrp="1"/>
+          </p:cNvSpPr>
+          <p:nvPr>
+            <p:ph type="sldNum" sz="quarter" idx="5"/>
+          </p:nvPr>
+        </p:nvSpPr>
+        <p:spPr/>
+        <p:txBody>
+          <a:bodyPr/>
+          <a:lstStyle/>
+          <a:p>
+            <a:fld id="{1EA075B1-C92D-4901-8DCA-D1B14A8C9B6D}" type="slidenum">
+              <a:rPr lang="en-US" smtClean="0"/>
+              <a:t>16</a:t>
+            </a:fld>
+            <a:endParaRPr lang="en-US"/>
+          </a:p>
+        </p:txBody>
+      </p:sp>
+    </p:spTree>
+    <p:extLst>
+      <p:ext uri="{BB962C8B-B14F-4D97-AF65-F5344CB8AC3E}">
+        <p14:creationId xmlns:p14="http://schemas.microsoft.com/office/powerpoint/2010/main" val="1201601350"/>
+      </p:ext>
+    </p:extLst>
+  </p:cSld>
+  <p:clrMapOvr>
+    <a:masterClrMapping/>
+  </p:clrMapOvr>
+</p:notes>
+</file>
+
+<file path=ppt/notesSlides/notesSlide7.xml><?xml version="1.0" encoding="utf-8"?>
+<p:notes xmlns:a="http://schemas.openxmlformats.org/drawingml/2006/main" xmlns:r="http://schemas.openxmlformats.org/officeDocument/2006/relationships" xmlns:p="http://schemas.openxmlformats.org/presentationml/2006/main">
+  <p:cSld>
+    <p:spTree>
+      <p:nvGrpSpPr>
+        <p:cNvPr id="1" name=""/>
+        <p:cNvGrpSpPr/>
+        <p:nvPr/>
+      </p:nvGrpSpPr>
+      <p:grpSpPr>
+        <a:xfrm>
+          <a:off x="0" y="0"/>
+          <a:ext cx="0" cy="0"/>
+          <a:chOff x="0" y="0"/>
+          <a:chExt cx="0" cy="0"/>
+        </a:xfrm>
+      </p:grpSpPr>
+      <p:sp>
+        <p:nvSpPr>
+          <p:cNvPr id="2" name="Slide Image Placeholder 1"/>
+          <p:cNvSpPr>
+            <a:spLocks noGrp="1" noRot="1" noChangeAspect="1"/>
+          </p:cNvSpPr>
+          <p:nvPr>
+            <p:ph type="sldImg"/>
+          </p:nvPr>
+        </p:nvSpPr>
+        <p:spPr/>
+      </p:sp>
+      <p:sp>
+        <p:nvSpPr>
+          <p:cNvPr id="3" name="Notes Placeholder 2"/>
+          <p:cNvSpPr>
+            <a:spLocks noGrp="1"/>
+          </p:cNvSpPr>
+          <p:nvPr>
+            <p:ph type="body" idx="1"/>
+          </p:nvPr>
+        </p:nvSpPr>
+        <p:spPr/>
+        <p:txBody>
+          <a:bodyPr/>
+          <a:lstStyle/>
+          <a:p>
+            <a:r>
+              <a:rPr lang="en-US" dirty="0"/>
+              <a:t>Rating – doc score: distribution skewed to the negative side</a:t>
+            </a:r>
+          </a:p>
+          <a:p>
+            <a:r>
+              <a:rPr lang="en-US" dirty="0"/>
+              <a:t>Mean: -0.1 </a:t>
+            </a:r>
+          </a:p>
+          <a:p>
+            <a:r>
+              <a:rPr lang="en-US" dirty="0"/>
+              <a:t>Std: 0.23</a:t>
+            </a:r>
+          </a:p>
+        </p:txBody>
+      </p:sp>
+      <p:sp>
+        <p:nvSpPr>
+          <p:cNvPr id="4" name="Slide Number Placeholder 3"/>
+          <p:cNvSpPr>
+            <a:spLocks noGrp="1"/>
+          </p:cNvSpPr>
+          <p:nvPr>
+            <p:ph type="sldNum" sz="quarter" idx="5"/>
+          </p:nvPr>
+        </p:nvSpPr>
+        <p:spPr/>
+        <p:txBody>
+          <a:bodyPr/>
+          <a:lstStyle/>
+          <a:p>
+            <a:fld id="{1EA075B1-C92D-4901-8DCA-D1B14A8C9B6D}" type="slidenum">
+              <a:rPr lang="en-US" smtClean="0"/>
+              <a:t>17</a:t>
+            </a:fld>
+            <a:endParaRPr lang="en-US"/>
+          </a:p>
+        </p:txBody>
+      </p:sp>
+    </p:spTree>
+    <p:extLst>
+      <p:ext uri="{BB962C8B-B14F-4D97-AF65-F5344CB8AC3E}">
+        <p14:creationId xmlns:p14="http://schemas.microsoft.com/office/powerpoint/2010/main" val="3933745571"/>
+      </p:ext>
+    </p:extLst>
+  </p:cSld>
+  <p:clrMapOvr>
+    <a:masterClrMapping/>
+  </p:clrMapOvr>
+</p:notes>
+</file>
+
 <file path=ppt/slideLayouts/slideLayout1.xml><?xml version="1.0" encoding="utf-8"?>
 <p:sldLayout xmlns:a="http://schemas.openxmlformats.org/drawingml/2006/main" xmlns:r="http://schemas.openxmlformats.org/officeDocument/2006/relationships" xmlns:p="http://schemas.openxmlformats.org/presentationml/2006/main" type="title" preserve="1">
   <p:cSld name="Title Slide">
@@ -2097,7 +2349,7 @@
           <a:p>
             <a:fld id="{D3848E1C-89ED-4A9D-B82B-A79B27F37B5E}" type="datetime2">
               <a:rPr lang="en-US" smtClean="0"/>
-              <a:t>Monday, January 28, 2019</a:t>
+              <a:t>Tuesday, January 29, 2019</a:t>
             </a:fld>
             <a:endParaRPr lang="en-US"/>
           </a:p>
@@ -2315,7 +2567,7 @@
           <a:p>
             <a:fld id="{EEA0E15E-AC25-4311-A8BD-7236DC688F73}" type="datetime2">
               <a:rPr lang="en-US" smtClean="0"/>
-              <a:t>Monday, January 28, 2019</a:t>
+              <a:t>Tuesday, January 29, 2019</a:t>
             </a:fld>
             <a:endParaRPr lang="en-US"/>
           </a:p>
@@ -2468,7 +2720,7 @@
           <a:p>
             <a:fld id="{4ED1AA39-4B19-48F8-B7BC-C966F91EBDA3}" type="datetime2">
               <a:rPr lang="en-US" smtClean="0"/>
-              <a:t>Monday, January 28, 2019</a:t>
+              <a:t>Tuesday, January 29, 2019</a:t>
             </a:fld>
             <a:endParaRPr lang="en-US"/>
           </a:p>
@@ -2629,7 +2881,7 @@
           <a:p>
             <a:fld id="{FB2E9AD9-34C2-44BD-9E81-65687102272E}" type="datetime2">
               <a:rPr lang="en-US" smtClean="0"/>
-              <a:t>Monday, January 28, 2019</a:t>
+              <a:t>Tuesday, January 29, 2019</a:t>
             </a:fld>
             <a:endParaRPr lang="en-US"/>
           </a:p>
@@ -2985,7 +3237,7 @@
           <a:p>
             <a:fld id="{9FFD6704-699A-4F42-AB17-09919A402336}" type="datetime2">
               <a:rPr lang="en-US" smtClean="0"/>
-              <a:t>Monday, January 28, 2019</a:t>
+              <a:t>Tuesday, January 29, 2019</a:t>
             </a:fld>
             <a:endParaRPr lang="en-US"/>
           </a:p>
@@ -3284,7 +3536,7 @@
           <a:p>
             <a:fld id="{83AC6CCE-BB11-457A-A481-35C367855D71}" type="datetime2">
               <a:rPr lang="en-US" smtClean="0"/>
-              <a:t>Monday, January 28, 2019</a:t>
+              <a:t>Tuesday, January 29, 2019</a:t>
             </a:fld>
             <a:endParaRPr lang="en-US"/>
           </a:p>
@@ -3727,7 +3979,7 @@
           <a:p>
             <a:fld id="{9B2C3A35-E3B8-40D5-BD3D-673E6029BFB1}" type="datetime2">
               <a:rPr lang="en-US" smtClean="0"/>
-              <a:t>Monday, January 28, 2019</a:t>
+              <a:t>Tuesday, January 29, 2019</a:t>
             </a:fld>
             <a:endParaRPr lang="en-US"/>
           </a:p>
@@ -3858,7 +4110,7 @@
           <a:p>
             <a:fld id="{5E1356A2-4381-4485-A6ED-CCA92C47C082}" type="datetime2">
               <a:rPr lang="en-US" smtClean="0"/>
-              <a:t>Monday, January 28, 2019</a:t>
+              <a:t>Tuesday, January 29, 2019</a:t>
             </a:fld>
             <a:endParaRPr lang="en-US"/>
           </a:p>
@@ -4056,7 +4308,7 @@
           <a:p>
             <a:fld id="{0FFA9D5A-86CE-48AD-9CCA-EDE3D4A15468}" type="datetime2">
               <a:rPr lang="en-US" smtClean="0"/>
-              <a:t>Monday, January 28, 2019</a:t>
+              <a:t>Tuesday, January 29, 2019</a:t>
             </a:fld>
             <a:endParaRPr lang="en-US"/>
           </a:p>
@@ -4437,7 +4689,7 @@
           <a:p>
             <a:fld id="{3FB264F4-D3BA-4246-8F3D-E2E537469BF1}" type="datetime2">
               <a:rPr lang="en-US" smtClean="0"/>
-              <a:t>Monday, January 28, 2019</a:t>
+              <a:t>Tuesday, January 29, 2019</a:t>
             </a:fld>
             <a:endParaRPr lang="en-US"/>
           </a:p>
@@ -4720,7 +4972,7 @@
           <a:p>
             <a:fld id="{440379FA-2752-47BA-BB43-EBFA51A43CFC}" type="datetime2">
               <a:rPr lang="en-US" smtClean="0"/>
-              <a:t>Monday, January 28, 2019</a:t>
+              <a:t>Tuesday, January 29, 2019</a:t>
             </a:fld>
             <a:endParaRPr lang="en-US"/>
           </a:p>
@@ -4996,7 +5248,7 @@
           <a:p>
             <a:fld id="{1AAAB486-9B77-4865-A016-029732D93890}" type="datetime2">
               <a:rPr lang="en-US" smtClean="0"/>
-              <a:t>Monday, January 28, 2019</a:t>
+              <a:t>Tuesday, January 29, 2019</a:t>
             </a:fld>
             <a:endParaRPr lang="en-US" dirty="0"/>
           </a:p>
@@ -10041,7 +10293,7 @@
           <p:nvPr/>
         </p:nvPicPr>
         <p:blipFill>
-          <a:blip r:embed="rId2"/>
+          <a:blip r:embed="rId3"/>
           <a:stretch>
             <a:fillRect/>
           </a:stretch>
@@ -10368,7 +10620,7 @@
           <p:nvPr>
             <p:extLst>
               <p:ext uri="{D42A27DB-BD31-4B8C-83A1-F6EECF244321}">
-                <p14:modId xmlns:p14="http://schemas.microsoft.com/office/powerpoint/2010/main" val="4220843808"/>
+                <p14:modId xmlns:p14="http://schemas.microsoft.com/office/powerpoint/2010/main" val="4224007922"/>
               </p:ext>
             </p:extLst>
           </p:nvPr>
@@ -10867,7 +11119,7 @@
           <p:nvPr/>
         </p:nvPicPr>
         <p:blipFill rotWithShape="1">
-          <a:blip r:embed="rId2"/>
+          <a:blip r:embed="rId3"/>
           <a:srcRect l="6272" b="5514"/>
           <a:stretch/>
         </p:blipFill>

--- a/2019-01-28 Webscraping project presentation (healthgrades physician reviews).pptx
+++ b/2019-01-28 Webscraping project presentation (healthgrades physician reviews).pptx
@@ -5,7 +5,7 @@
     <p:sldMasterId id="2147483960" r:id="rId1"/>
   </p:sldMasterIdLst>
   <p:notesMasterIdLst>
-    <p:notesMasterId r:id="rId21"/>
+    <p:notesMasterId r:id="rId25"/>
   </p:notesMasterIdLst>
   <p:sldIdLst>
     <p:sldId id="256" r:id="rId2"/>
@@ -13,20 +13,24 @@
     <p:sldId id="269" r:id="rId4"/>
     <p:sldId id="259" r:id="rId5"/>
     <p:sldId id="260" r:id="rId6"/>
-    <p:sldId id="261" r:id="rId7"/>
-    <p:sldId id="262" r:id="rId8"/>
-    <p:sldId id="263" r:id="rId9"/>
-    <p:sldId id="264" r:id="rId10"/>
-    <p:sldId id="265" r:id="rId11"/>
-    <p:sldId id="266" r:id="rId12"/>
-    <p:sldId id="268" r:id="rId13"/>
-    <p:sldId id="270" r:id="rId14"/>
-    <p:sldId id="267" r:id="rId15"/>
-    <p:sldId id="271" r:id="rId16"/>
-    <p:sldId id="272" r:id="rId17"/>
-    <p:sldId id="273" r:id="rId18"/>
-    <p:sldId id="274" r:id="rId19"/>
-    <p:sldId id="275" r:id="rId20"/>
+    <p:sldId id="262" r:id="rId7"/>
+    <p:sldId id="263" r:id="rId8"/>
+    <p:sldId id="264" r:id="rId9"/>
+    <p:sldId id="265" r:id="rId10"/>
+    <p:sldId id="266" r:id="rId11"/>
+    <p:sldId id="268" r:id="rId12"/>
+    <p:sldId id="267" r:id="rId13"/>
+    <p:sldId id="271" r:id="rId14"/>
+    <p:sldId id="280" r:id="rId15"/>
+    <p:sldId id="273" r:id="rId16"/>
+    <p:sldId id="274" r:id="rId17"/>
+    <p:sldId id="275" r:id="rId18"/>
+    <p:sldId id="277" r:id="rId19"/>
+    <p:sldId id="261" r:id="rId20"/>
+    <p:sldId id="276" r:id="rId21"/>
+    <p:sldId id="270" r:id="rId22"/>
+    <p:sldId id="279" r:id="rId23"/>
+    <p:sldId id="278" r:id="rId24"/>
   </p:sldIdLst>
   <p:sldSz cx="9144000" cy="6858000" type="screen4x3"/>
   <p:notesSz cx="6858000" cy="9144000"/>
@@ -1489,37 +1493,65 @@
           <a:p>
             <a:r>
               <a:rPr lang="en-US" dirty="0"/>
-              <a:t>With all 947 doctors: </a:t>
+              <a:t>Cardiology stats (total 1572): comparable</a:t>
             </a:r>
           </a:p>
           <a:p>
             <a:r>
               <a:rPr lang="en-US" dirty="0"/>
-              <a:t>Mean: 7.4</a:t>
+              <a:t>age 19% </a:t>
             </a:r>
           </a:p>
           <a:p>
             <a:r>
               <a:rPr lang="en-US" dirty="0"/>
-              <a:t>Std: 11.6 </a:t>
+              <a:t>gender 9% </a:t>
             </a:r>
           </a:p>
           <a:p>
             <a:r>
               <a:rPr lang="en-US" dirty="0"/>
-              <a:t>Median: 4 </a:t>
-            </a:r>
-          </a:p>
-          <a:p>
+              <a:t>rating 37% </a:t>
+            </a:r>
+          </a:p>
+          <a:p>
+            <a:r>
+              <a:rPr lang="en-US" dirty="0" err="1"/>
+              <a:t>practice_name</a:t>
+            </a:r>
             <a:r>
               <a:rPr lang="en-US" dirty="0"/>
-              <a:t>75%: 11 </a:t>
-            </a:r>
-          </a:p>
-          <a:p>
+              <a:t> 13% </a:t>
+            </a:r>
+          </a:p>
+          <a:p>
+            <a:r>
+              <a:rPr lang="en-US" dirty="0" err="1"/>
+              <a:t>hosp_fellow</a:t>
+            </a:r>
             <a:r>
               <a:rPr lang="en-US" dirty="0"/>
-              <a:t>Max: 158</a:t>
+              <a:t> 40% </a:t>
+            </a:r>
+          </a:p>
+          <a:p>
+            <a:r>
+              <a:rPr lang="en-US" dirty="0" err="1"/>
+              <a:t>hosp_md</a:t>
+            </a:r>
+            <a:r>
+              <a:rPr lang="en-US" dirty="0"/>
+              <a:t> 23% </a:t>
+            </a:r>
+          </a:p>
+          <a:p>
+            <a:r>
+              <a:rPr lang="en-US" dirty="0" err="1"/>
+              <a:t>hosp_res</a:t>
+            </a:r>
+            <a:r>
+              <a:rPr lang="en-US" dirty="0"/>
+              <a:t> 32%</a:t>
             </a:r>
           </a:p>
         </p:txBody>
@@ -1541,7 +1573,7 @@
           <a:p>
             <a:fld id="{1EA075B1-C92D-4901-8DCA-D1B14A8C9B6D}" type="slidenum">
               <a:rPr lang="en-US" smtClean="0"/>
-              <a:t>9</a:t>
+              <a:t>6</a:t>
             </a:fld>
             <a:endParaRPr lang="en-US"/>
           </a:p>
@@ -1550,7 +1582,91 @@
     </p:spTree>
     <p:extLst>
       <p:ext uri="{BB962C8B-B14F-4D97-AF65-F5344CB8AC3E}">
-        <p14:creationId xmlns:p14="http://schemas.microsoft.com/office/powerpoint/2010/main" val="2889509098"/>
+        <p14:creationId xmlns:p14="http://schemas.microsoft.com/office/powerpoint/2010/main" val="950208439"/>
+      </p:ext>
+    </p:extLst>
+  </p:cSld>
+  <p:clrMapOvr>
+    <a:masterClrMapping/>
+  </p:clrMapOvr>
+</p:notes>
+</file>
+
+<file path=ppt/notesSlides/notesSlide10.xml><?xml version="1.0" encoding="utf-8"?>
+<p:notes xmlns:a="http://schemas.openxmlformats.org/drawingml/2006/main" xmlns:r="http://schemas.openxmlformats.org/officeDocument/2006/relationships" xmlns:p="http://schemas.openxmlformats.org/presentationml/2006/main">
+  <p:cSld>
+    <p:spTree>
+      <p:nvGrpSpPr>
+        <p:cNvPr id="1" name=""/>
+        <p:cNvGrpSpPr/>
+        <p:nvPr/>
+      </p:nvGrpSpPr>
+      <p:grpSpPr>
+        <a:xfrm>
+          <a:off x="0" y="0"/>
+          <a:ext cx="0" cy="0"/>
+          <a:chOff x="0" y="0"/>
+          <a:chExt cx="0" cy="0"/>
+        </a:xfrm>
+      </p:grpSpPr>
+      <p:sp>
+        <p:nvSpPr>
+          <p:cNvPr id="2" name="Slide Image Placeholder 1"/>
+          <p:cNvSpPr>
+            <a:spLocks noGrp="1" noRot="1" noChangeAspect="1"/>
+          </p:cNvSpPr>
+          <p:nvPr>
+            <p:ph type="sldImg"/>
+          </p:nvPr>
+        </p:nvSpPr>
+        <p:spPr/>
+      </p:sp>
+      <p:sp>
+        <p:nvSpPr>
+          <p:cNvPr id="3" name="Notes Placeholder 2"/>
+          <p:cNvSpPr>
+            <a:spLocks noGrp="1"/>
+          </p:cNvSpPr>
+          <p:nvPr>
+            <p:ph type="body" idx="1"/>
+          </p:nvPr>
+        </p:nvSpPr>
+        <p:spPr/>
+        <p:txBody>
+          <a:bodyPr/>
+          <a:lstStyle/>
+          <a:p>
+            <a:endParaRPr lang="en-US" dirty="0"/>
+          </a:p>
+        </p:txBody>
+      </p:sp>
+      <p:sp>
+        <p:nvSpPr>
+          <p:cNvPr id="4" name="Slide Number Placeholder 3"/>
+          <p:cNvSpPr>
+            <a:spLocks noGrp="1"/>
+          </p:cNvSpPr>
+          <p:nvPr>
+            <p:ph type="sldNum" sz="quarter" idx="5"/>
+          </p:nvPr>
+        </p:nvSpPr>
+        <p:spPr/>
+        <p:txBody>
+          <a:bodyPr/>
+          <a:lstStyle/>
+          <a:p>
+            <a:fld id="{1EA075B1-C92D-4901-8DCA-D1B14A8C9B6D}" type="slidenum">
+              <a:rPr lang="en-US" smtClean="0"/>
+              <a:t>21</a:t>
+            </a:fld>
+            <a:endParaRPr lang="en-US"/>
+          </a:p>
+        </p:txBody>
+      </p:sp>
+    </p:spTree>
+    <p:extLst>
+      <p:ext uri="{BB962C8B-B14F-4D97-AF65-F5344CB8AC3E}">
+        <p14:creationId xmlns:p14="http://schemas.microsoft.com/office/powerpoint/2010/main" val="3751868716"/>
       </p:ext>
     </p:extLst>
   </p:cSld>
@@ -1604,10 +1720,7 @@
           <a:bodyPr/>
           <a:lstStyle/>
           <a:p>
-            <a:r>
-              <a:rPr lang="en-US" dirty="0"/>
-              <a:t>Check exceptional group</a:t>
-            </a:r>
+            <a:endParaRPr lang="en-US" dirty="0"/>
           </a:p>
         </p:txBody>
       </p:sp>
@@ -1628,7 +1741,7 @@
           <a:p>
             <a:fld id="{1EA075B1-C92D-4901-8DCA-D1B14A8C9B6D}" type="slidenum">
               <a:rPr lang="en-US" smtClean="0"/>
-              <a:t>10</a:t>
+              <a:t>7</a:t>
             </a:fld>
             <a:endParaRPr lang="en-US"/>
           </a:p>
@@ -1637,7 +1750,7 @@
     </p:spTree>
     <p:extLst>
       <p:ext uri="{BB962C8B-B14F-4D97-AF65-F5344CB8AC3E}">
-        <p14:creationId xmlns:p14="http://schemas.microsoft.com/office/powerpoint/2010/main" val="2861821245"/>
+        <p14:creationId xmlns:p14="http://schemas.microsoft.com/office/powerpoint/2010/main" val="922035725"/>
       </p:ext>
     </p:extLst>
   </p:cSld>
@@ -1693,13 +1806,46 @@
           <a:p>
             <a:r>
               <a:rPr lang="en-US" dirty="0"/>
-              <a:t>Mean = 4.0</a:t>
+              <a:t>With all 947 doctors: </a:t>
             </a:r>
           </a:p>
           <a:p>
             <a:r>
               <a:rPr lang="en-US" dirty="0"/>
-              <a:t>Std = 0.8</a:t>
+              <a:t>Mean: 7.4</a:t>
+            </a:r>
+          </a:p>
+          <a:p>
+            <a:r>
+              <a:rPr lang="en-US" dirty="0"/>
+              <a:t>Std: 11.6 </a:t>
+            </a:r>
+          </a:p>
+          <a:p>
+            <a:r>
+              <a:rPr lang="en-US" dirty="0"/>
+              <a:t>Median: 4 </a:t>
+            </a:r>
+          </a:p>
+          <a:p>
+            <a:r>
+              <a:rPr lang="en-US" dirty="0"/>
+              <a:t>75%: 11 </a:t>
+            </a:r>
+          </a:p>
+          <a:p>
+            <a:r>
+              <a:rPr lang="en-US" dirty="0"/>
+              <a:t>Max: 158</a:t>
+            </a:r>
+          </a:p>
+          <a:p>
+            <a:endParaRPr lang="en-US" dirty="0"/>
+          </a:p>
+          <a:p>
+            <a:r>
+              <a:rPr lang="en-US" dirty="0"/>
+              <a:t>Results for Cardiologists: even more skewed. </a:t>
             </a:r>
           </a:p>
         </p:txBody>
@@ -1721,7 +1867,7 @@
           <a:p>
             <a:fld id="{1EA075B1-C92D-4901-8DCA-D1B14A8C9B6D}" type="slidenum">
               <a:rPr lang="en-US" smtClean="0"/>
-              <a:t>11</a:t>
+              <a:t>8</a:t>
             </a:fld>
             <a:endParaRPr lang="en-US"/>
           </a:p>
@@ -1730,7 +1876,7 @@
     </p:spTree>
     <p:extLst>
       <p:ext uri="{BB962C8B-B14F-4D97-AF65-F5344CB8AC3E}">
-        <p14:creationId xmlns:p14="http://schemas.microsoft.com/office/powerpoint/2010/main" val="1095862574"/>
+        <p14:creationId xmlns:p14="http://schemas.microsoft.com/office/powerpoint/2010/main" val="2889509098"/>
       </p:ext>
     </p:extLst>
   </p:cSld>
@@ -1784,7 +1930,16 @@
           <a:bodyPr/>
           <a:lstStyle/>
           <a:p>
-            <a:endParaRPr lang="en-US" dirty="0"/>
+            <a:r>
+              <a:rPr lang="en-US" dirty="0"/>
+              <a:t>Similar trends for cardiologists</a:t>
+            </a:r>
+          </a:p>
+          <a:p>
+            <a:r>
+              <a:rPr lang="en-US" dirty="0"/>
+              <a:t>Check exceptional group</a:t>
+            </a:r>
           </a:p>
         </p:txBody>
       </p:sp>
@@ -1805,7 +1960,7 @@
           <a:p>
             <a:fld id="{1EA075B1-C92D-4901-8DCA-D1B14A8C9B6D}" type="slidenum">
               <a:rPr lang="en-US" smtClean="0"/>
-              <a:t>13</a:t>
+              <a:t>9</a:t>
             </a:fld>
             <a:endParaRPr lang="en-US"/>
           </a:p>
@@ -1814,7 +1969,7 @@
     </p:spTree>
     <p:extLst>
       <p:ext uri="{BB962C8B-B14F-4D97-AF65-F5344CB8AC3E}">
-        <p14:creationId xmlns:p14="http://schemas.microsoft.com/office/powerpoint/2010/main" val="1116650630"/>
+        <p14:creationId xmlns:p14="http://schemas.microsoft.com/office/powerpoint/2010/main" val="2861821245"/>
       </p:ext>
     </p:extLst>
   </p:cSld>
@@ -1870,7 +2025,13 @@
           <a:p>
             <a:r>
               <a:rPr lang="en-US" dirty="0"/>
-              <a:t>N for [30,40) = 17</a:t>
+              <a:t>Mean = 4.0</a:t>
+            </a:r>
+          </a:p>
+          <a:p>
+            <a:r>
+              <a:rPr lang="en-US" dirty="0"/>
+              <a:t>Std = 0.8</a:t>
             </a:r>
           </a:p>
         </p:txBody>
@@ -1892,7 +2053,7 @@
           <a:p>
             <a:fld id="{1EA075B1-C92D-4901-8DCA-D1B14A8C9B6D}" type="slidenum">
               <a:rPr lang="en-US" smtClean="0"/>
-              <a:t>14</a:t>
+              <a:t>10</a:t>
             </a:fld>
             <a:endParaRPr lang="en-US"/>
           </a:p>
@@ -1901,7 +2062,7 @@
     </p:spTree>
     <p:extLst>
       <p:ext uri="{BB962C8B-B14F-4D97-AF65-F5344CB8AC3E}">
-        <p14:creationId xmlns:p14="http://schemas.microsoft.com/office/powerpoint/2010/main" val="845662542"/>
+        <p14:creationId xmlns:p14="http://schemas.microsoft.com/office/powerpoint/2010/main" val="1095862574"/>
       </p:ext>
     </p:extLst>
   </p:cSld>
@@ -1955,76 +2116,16 @@
           <a:bodyPr/>
           <a:lstStyle/>
           <a:p>
-            <a:pPr marL="0" marR="0" lvl="0" indent="0" algn="l" defTabSz="914400" rtl="0" eaLnBrk="1" fontAlgn="auto" latinLnBrk="0" hangingPunct="1">
-              <a:lnSpc>
-                <a:spcPct val="100000"/>
-              </a:lnSpc>
-              <a:spcBef>
-                <a:spcPts val="0"/>
-              </a:spcBef>
-              <a:spcAft>
-                <a:spcPts val="0"/>
-              </a:spcAft>
-              <a:buClrTx/>
-              <a:buSzTx/>
-              <a:buFontTx/>
-              <a:buNone/>
-              <a:tabLst/>
-              <a:defRPr/>
-            </a:pPr>
-            <a:r>
-              <a:rPr lang="en-US" sz="1200" dirty="0"/>
-              <a:t>Doctor score – Staff score: </a:t>
-            </a:r>
-          </a:p>
-          <a:p>
-            <a:pPr marL="0" marR="0" lvl="0" indent="0" algn="l" defTabSz="914400" rtl="0" eaLnBrk="1" fontAlgn="auto" latinLnBrk="0" hangingPunct="1">
-              <a:lnSpc>
-                <a:spcPct val="100000"/>
-              </a:lnSpc>
-              <a:spcBef>
-                <a:spcPts val="0"/>
-              </a:spcBef>
-              <a:spcAft>
-                <a:spcPts val="0"/>
-              </a:spcAft>
-              <a:buClrTx/>
-              <a:buSzTx/>
-              <a:buFontTx/>
-              <a:buNone/>
-              <a:tabLst/>
-              <a:defRPr/>
-            </a:pPr>
-            <a:r>
-              <a:rPr lang="en-US" sz="1200" dirty="0"/>
-              <a:t>Mean 0 </a:t>
-            </a:r>
-          </a:p>
-          <a:p>
-            <a:pPr marL="0" marR="0" lvl="0" indent="0" algn="l" defTabSz="914400" rtl="0" eaLnBrk="1" fontAlgn="auto" latinLnBrk="0" hangingPunct="1">
-              <a:lnSpc>
-                <a:spcPct val="100000"/>
-              </a:lnSpc>
-              <a:spcBef>
-                <a:spcPts val="0"/>
-              </a:spcBef>
-              <a:spcAft>
-                <a:spcPts val="0"/>
-              </a:spcAft>
-              <a:buClrTx/>
-              <a:buSzTx/>
-              <a:buFontTx/>
-              <a:buNone/>
-              <a:tabLst/>
-              <a:defRPr/>
-            </a:pPr>
-            <a:r>
-              <a:rPr lang="en-US" sz="1200" dirty="0"/>
-              <a:t>Std: 0.4 </a:t>
-            </a:r>
-          </a:p>
-          <a:p>
-            <a:endParaRPr lang="en-US" dirty="0"/>
+            <a:r>
+              <a:rPr lang="en-US" dirty="0"/>
+              <a:t>N for [30,40) = 17</a:t>
+            </a:r>
+          </a:p>
+          <a:p>
+            <a:r>
+              <a:rPr lang="en-US" dirty="0"/>
+              <a:t>Age does seem to have an impact on doctor’s rating for cardiologists (correlation = -0.15), </a:t>
+            </a:r>
           </a:p>
         </p:txBody>
       </p:sp>
@@ -2045,7 +2146,7 @@
           <a:p>
             <a:fld id="{1EA075B1-C92D-4901-8DCA-D1B14A8C9B6D}" type="slidenum">
               <a:rPr lang="en-US" smtClean="0"/>
-              <a:t>16</a:t>
+              <a:t>12</a:t>
             </a:fld>
             <a:endParaRPr lang="en-US"/>
           </a:p>
@@ -2054,7 +2155,7 @@
     </p:spTree>
     <p:extLst>
       <p:ext uri="{BB962C8B-B14F-4D97-AF65-F5344CB8AC3E}">
-        <p14:creationId xmlns:p14="http://schemas.microsoft.com/office/powerpoint/2010/main" val="1201601350"/>
+        <p14:creationId xmlns:p14="http://schemas.microsoft.com/office/powerpoint/2010/main" val="845662542"/>
       </p:ext>
     </p:extLst>
   </p:cSld>
@@ -2110,19 +2211,19 @@
           <a:p>
             <a:r>
               <a:rPr lang="en-US" dirty="0"/>
-              <a:t>Rating – doc score: distribution skewed to the negative side</a:t>
+              <a:t>Same trend holds true for cardiologists both in terms of number of reviews and rating distribution</a:t>
             </a:r>
           </a:p>
           <a:p>
             <a:r>
               <a:rPr lang="en-US" dirty="0"/>
-              <a:t>Mean: -0.1 </a:t>
+              <a:t>GI mean Female: 4; Male: 8</a:t>
             </a:r>
           </a:p>
           <a:p>
             <a:r>
               <a:rPr lang="en-US" dirty="0"/>
-              <a:t>Std: 0.23</a:t>
+              <a:t>Cardio mean Female: 2.8; Male 5.3</a:t>
             </a:r>
           </a:p>
         </p:txBody>
@@ -2144,7 +2245,259 @@
           <a:p>
             <a:fld id="{1EA075B1-C92D-4901-8DCA-D1B14A8C9B6D}" type="slidenum">
               <a:rPr lang="en-US" smtClean="0"/>
-              <a:t>17</a:t>
+              <a:t>13</a:t>
+            </a:fld>
+            <a:endParaRPr lang="en-US"/>
+          </a:p>
+        </p:txBody>
+      </p:sp>
+    </p:spTree>
+    <p:extLst>
+      <p:ext uri="{BB962C8B-B14F-4D97-AF65-F5344CB8AC3E}">
+        <p14:creationId xmlns:p14="http://schemas.microsoft.com/office/powerpoint/2010/main" val="3755137529"/>
+      </p:ext>
+    </p:extLst>
+  </p:cSld>
+  <p:clrMapOvr>
+    <a:masterClrMapping/>
+  </p:clrMapOvr>
+</p:notes>
+</file>
+
+<file path=ppt/notesSlides/notesSlide8.xml><?xml version="1.0" encoding="utf-8"?>
+<p:notes xmlns:a="http://schemas.openxmlformats.org/drawingml/2006/main" xmlns:r="http://schemas.openxmlformats.org/officeDocument/2006/relationships" xmlns:p="http://schemas.openxmlformats.org/presentationml/2006/main">
+  <p:cSld>
+    <p:spTree>
+      <p:nvGrpSpPr>
+        <p:cNvPr id="1" name=""/>
+        <p:cNvGrpSpPr/>
+        <p:nvPr/>
+      </p:nvGrpSpPr>
+      <p:grpSpPr>
+        <a:xfrm>
+          <a:off x="0" y="0"/>
+          <a:ext cx="0" cy="0"/>
+          <a:chOff x="0" y="0"/>
+          <a:chExt cx="0" cy="0"/>
+        </a:xfrm>
+      </p:grpSpPr>
+      <p:sp>
+        <p:nvSpPr>
+          <p:cNvPr id="2" name="Slide Image Placeholder 1"/>
+          <p:cNvSpPr>
+            <a:spLocks noGrp="1" noRot="1" noChangeAspect="1"/>
+          </p:cNvSpPr>
+          <p:nvPr>
+            <p:ph type="sldImg"/>
+          </p:nvPr>
+        </p:nvSpPr>
+        <p:spPr/>
+      </p:sp>
+      <p:sp>
+        <p:nvSpPr>
+          <p:cNvPr id="3" name="Notes Placeholder 2"/>
+          <p:cNvSpPr>
+            <a:spLocks noGrp="1"/>
+          </p:cNvSpPr>
+          <p:nvPr>
+            <p:ph type="body" idx="1"/>
+          </p:nvPr>
+        </p:nvSpPr>
+        <p:spPr/>
+        <p:txBody>
+          <a:bodyPr/>
+          <a:lstStyle/>
+          <a:p>
+            <a:pPr marL="0" marR="0" lvl="0" indent="0" algn="l" defTabSz="914400" rtl="0" eaLnBrk="1" fontAlgn="auto" latinLnBrk="0" hangingPunct="1">
+              <a:lnSpc>
+                <a:spcPct val="100000"/>
+              </a:lnSpc>
+              <a:spcBef>
+                <a:spcPts val="0"/>
+              </a:spcBef>
+              <a:spcAft>
+                <a:spcPts val="0"/>
+              </a:spcAft>
+              <a:buClrTx/>
+              <a:buSzTx/>
+              <a:buFontTx/>
+              <a:buNone/>
+              <a:tabLst/>
+              <a:defRPr/>
+            </a:pPr>
+            <a:r>
+              <a:rPr lang="en-US" sz="1200" dirty="0"/>
+              <a:t>Doctor score – Staff score: </a:t>
+            </a:r>
+          </a:p>
+          <a:p>
+            <a:pPr marL="0" marR="0" lvl="0" indent="0" algn="l" defTabSz="914400" rtl="0" eaLnBrk="1" fontAlgn="auto" latinLnBrk="0" hangingPunct="1">
+              <a:lnSpc>
+                <a:spcPct val="100000"/>
+              </a:lnSpc>
+              <a:spcBef>
+                <a:spcPts val="0"/>
+              </a:spcBef>
+              <a:spcAft>
+                <a:spcPts val="0"/>
+              </a:spcAft>
+              <a:buClrTx/>
+              <a:buSzTx/>
+              <a:buFontTx/>
+              <a:buNone/>
+              <a:tabLst/>
+              <a:defRPr/>
+            </a:pPr>
+            <a:r>
+              <a:rPr lang="en-US" sz="1200" dirty="0"/>
+              <a:t>Mean 0 </a:t>
+            </a:r>
+          </a:p>
+          <a:p>
+            <a:pPr marL="0" marR="0" lvl="0" indent="0" algn="l" defTabSz="914400" rtl="0" eaLnBrk="1" fontAlgn="auto" latinLnBrk="0" hangingPunct="1">
+              <a:lnSpc>
+                <a:spcPct val="100000"/>
+              </a:lnSpc>
+              <a:spcBef>
+                <a:spcPts val="0"/>
+              </a:spcBef>
+              <a:spcAft>
+                <a:spcPts val="0"/>
+              </a:spcAft>
+              <a:buClrTx/>
+              <a:buSzTx/>
+              <a:buFontTx/>
+              <a:buNone/>
+              <a:tabLst/>
+              <a:defRPr/>
+            </a:pPr>
+            <a:r>
+              <a:rPr lang="en-US" sz="1200" dirty="0"/>
+              <a:t>Std: 0.4 </a:t>
+            </a:r>
+          </a:p>
+          <a:p>
+            <a:endParaRPr lang="en-US" dirty="0"/>
+          </a:p>
+        </p:txBody>
+      </p:sp>
+      <p:sp>
+        <p:nvSpPr>
+          <p:cNvPr id="4" name="Slide Number Placeholder 3"/>
+          <p:cNvSpPr>
+            <a:spLocks noGrp="1"/>
+          </p:cNvSpPr>
+          <p:nvPr>
+            <p:ph type="sldNum" sz="quarter" idx="5"/>
+          </p:nvPr>
+        </p:nvSpPr>
+        <p:spPr/>
+        <p:txBody>
+          <a:bodyPr/>
+          <a:lstStyle/>
+          <a:p>
+            <a:fld id="{1EA075B1-C92D-4901-8DCA-D1B14A8C9B6D}" type="slidenum">
+              <a:rPr lang="en-US" smtClean="0"/>
+              <a:t>14</a:t>
+            </a:fld>
+            <a:endParaRPr lang="en-US"/>
+          </a:p>
+        </p:txBody>
+      </p:sp>
+    </p:spTree>
+    <p:extLst>
+      <p:ext uri="{BB962C8B-B14F-4D97-AF65-F5344CB8AC3E}">
+        <p14:creationId xmlns:p14="http://schemas.microsoft.com/office/powerpoint/2010/main" val="474917449"/>
+      </p:ext>
+    </p:extLst>
+  </p:cSld>
+  <p:clrMapOvr>
+    <a:masterClrMapping/>
+  </p:clrMapOvr>
+</p:notes>
+</file>
+
+<file path=ppt/notesSlides/notesSlide9.xml><?xml version="1.0" encoding="utf-8"?>
+<p:notes xmlns:a="http://schemas.openxmlformats.org/drawingml/2006/main" xmlns:r="http://schemas.openxmlformats.org/officeDocument/2006/relationships" xmlns:p="http://schemas.openxmlformats.org/presentationml/2006/main">
+  <p:cSld>
+    <p:spTree>
+      <p:nvGrpSpPr>
+        <p:cNvPr id="1" name=""/>
+        <p:cNvGrpSpPr/>
+        <p:nvPr/>
+      </p:nvGrpSpPr>
+      <p:grpSpPr>
+        <a:xfrm>
+          <a:off x="0" y="0"/>
+          <a:ext cx="0" cy="0"/>
+          <a:chOff x="0" y="0"/>
+          <a:chExt cx="0" cy="0"/>
+        </a:xfrm>
+      </p:grpSpPr>
+      <p:sp>
+        <p:nvSpPr>
+          <p:cNvPr id="2" name="Slide Image Placeholder 1"/>
+          <p:cNvSpPr>
+            <a:spLocks noGrp="1" noRot="1" noChangeAspect="1"/>
+          </p:cNvSpPr>
+          <p:nvPr>
+            <p:ph type="sldImg"/>
+          </p:nvPr>
+        </p:nvSpPr>
+        <p:spPr/>
+      </p:sp>
+      <p:sp>
+        <p:nvSpPr>
+          <p:cNvPr id="3" name="Notes Placeholder 2"/>
+          <p:cNvSpPr>
+            <a:spLocks noGrp="1"/>
+          </p:cNvSpPr>
+          <p:nvPr>
+            <p:ph type="body" idx="1"/>
+          </p:nvPr>
+        </p:nvSpPr>
+        <p:spPr/>
+        <p:txBody>
+          <a:bodyPr/>
+          <a:lstStyle/>
+          <a:p>
+            <a:r>
+              <a:rPr lang="en-US" dirty="0"/>
+              <a:t>Rating – doc score: distribution skewed to the negative side</a:t>
+            </a:r>
+          </a:p>
+          <a:p>
+            <a:r>
+              <a:rPr lang="en-US" dirty="0"/>
+              <a:t>Mean: -0.1 </a:t>
+            </a:r>
+          </a:p>
+          <a:p>
+            <a:r>
+              <a:rPr lang="en-US" dirty="0"/>
+              <a:t>Std: 0.23</a:t>
+            </a:r>
+          </a:p>
+        </p:txBody>
+      </p:sp>
+      <p:sp>
+        <p:nvSpPr>
+          <p:cNvPr id="4" name="Slide Number Placeholder 3"/>
+          <p:cNvSpPr>
+            <a:spLocks noGrp="1"/>
+          </p:cNvSpPr>
+          <p:nvPr>
+            <p:ph type="sldNum" sz="quarter" idx="5"/>
+          </p:nvPr>
+        </p:nvSpPr>
+        <p:spPr/>
+        <p:txBody>
+          <a:bodyPr/>
+          <a:lstStyle/>
+          <a:p>
+            <a:fld id="{1EA075B1-C92D-4901-8DCA-D1B14A8C9B6D}" type="slidenum">
+              <a:rPr lang="en-US" smtClean="0"/>
+              <a:t>15</a:t>
             </a:fld>
             <a:endParaRPr lang="en-US"/>
           </a:p>
@@ -5746,1214 +6099,6 @@
 </file>
 
 <file path=ppt/slides/slide10.xml><?xml version="1.0" encoding="utf-8"?>
-<p:sld xmlns:a="http://schemas.openxmlformats.org/drawingml/2006/main" xmlns:r="http://schemas.openxmlformats.org/officeDocument/2006/relationships" xmlns:p="http://schemas.openxmlformats.org/presentationml/2006/main">
-  <p:cSld>
-    <p:spTree>
-      <p:nvGrpSpPr>
-        <p:cNvPr id="1" name=""/>
-        <p:cNvGrpSpPr/>
-        <p:nvPr/>
-      </p:nvGrpSpPr>
-      <p:grpSpPr>
-        <a:xfrm>
-          <a:off x="0" y="0"/>
-          <a:ext cx="0" cy="0"/>
-          <a:chOff x="0" y="0"/>
-          <a:chExt cx="0" cy="0"/>
-        </a:xfrm>
-      </p:grpSpPr>
-      <p:pic>
-        <p:nvPicPr>
-          <p:cNvPr id="7" name="Picture 6">
-            <a:extLst>
-              <a:ext uri="{FF2B5EF4-FFF2-40B4-BE49-F238E27FC236}">
-                <a16:creationId xmlns:a16="http://schemas.microsoft.com/office/drawing/2014/main" id="{A3A6F8CB-611D-4E59-9A7B-DA8767CCF530}"/>
-              </a:ext>
-            </a:extLst>
-          </p:cNvPr>
-          <p:cNvPicPr>
-            <a:picLocks noChangeAspect="1"/>
-          </p:cNvPicPr>
-          <p:nvPr/>
-        </p:nvPicPr>
-        <p:blipFill>
-          <a:blip r:embed="rId3"/>
-          <a:stretch>
-            <a:fillRect/>
-          </a:stretch>
-        </p:blipFill>
-        <p:spPr>
-          <a:xfrm>
-            <a:off x="570275" y="1779769"/>
-            <a:ext cx="8081068" cy="4148194"/>
-          </a:xfrm>
-          <a:prstGeom prst="rect">
-            <a:avLst/>
-          </a:prstGeom>
-        </p:spPr>
-      </p:pic>
-      <p:sp>
-        <p:nvSpPr>
-          <p:cNvPr id="2" name="Title 1">
-            <a:extLst>
-              <a:ext uri="{FF2B5EF4-FFF2-40B4-BE49-F238E27FC236}">
-                <a16:creationId xmlns:a16="http://schemas.microsoft.com/office/drawing/2014/main" id="{2E1143B4-D17F-4A92-BF93-64AF851573C3}"/>
-              </a:ext>
-            </a:extLst>
-          </p:cNvPr>
-          <p:cNvSpPr>
-            <a:spLocks noGrp="1"/>
-          </p:cNvSpPr>
-          <p:nvPr>
-            <p:ph type="title"/>
-          </p:nvPr>
-        </p:nvSpPr>
-        <p:spPr/>
-        <p:txBody>
-          <a:bodyPr>
-            <a:normAutofit/>
-          </a:bodyPr>
-          <a:lstStyle/>
-          <a:p>
-            <a:r>
-              <a:rPr lang="en-US" sz="2400" dirty="0"/>
-              <a:t>Examining rating in conjunction with the number of substantiating reviews help consumer pick providers in a more reliable way</a:t>
-            </a:r>
-          </a:p>
-        </p:txBody>
-      </p:sp>
-      <p:sp>
-        <p:nvSpPr>
-          <p:cNvPr id="4" name="Rectangle 3">
-            <a:extLst>
-              <a:ext uri="{FF2B5EF4-FFF2-40B4-BE49-F238E27FC236}">
-                <a16:creationId xmlns:a16="http://schemas.microsoft.com/office/drawing/2014/main" id="{4F897188-BCC1-4BAF-8DB8-7F8678244311}"/>
-              </a:ext>
-            </a:extLst>
-          </p:cNvPr>
-          <p:cNvSpPr/>
-          <p:nvPr/>
-        </p:nvSpPr>
-        <p:spPr>
-          <a:xfrm>
-            <a:off x="6806973" y="1887991"/>
-            <a:ext cx="1645104" cy="2879952"/>
-          </a:xfrm>
-          <a:prstGeom prst="rect">
-            <a:avLst/>
-          </a:prstGeom>
-          <a:solidFill>
-            <a:srgbClr val="00B050">
-              <a:alpha val="25000"/>
-            </a:srgbClr>
-          </a:solidFill>
-          <a:ln w="12700"/>
-        </p:spPr>
-        <p:style>
-          <a:lnRef idx="2">
-            <a:schemeClr val="accent1">
-              <a:shade val="50000"/>
-            </a:schemeClr>
-          </a:lnRef>
-          <a:fillRef idx="1">
-            <a:schemeClr val="accent1"/>
-          </a:fillRef>
-          <a:effectRef idx="0">
-            <a:schemeClr val="accent1"/>
-          </a:effectRef>
-          <a:fontRef idx="minor">
-            <a:schemeClr val="lt1"/>
-          </a:fontRef>
-        </p:style>
-        <p:txBody>
-          <a:bodyPr rtlCol="0" anchor="ctr"/>
-          <a:lstStyle/>
-          <a:p>
-            <a:pPr algn="ctr"/>
-            <a:endParaRPr lang="en-US"/>
-          </a:p>
-        </p:txBody>
-      </p:sp>
-      <p:sp>
-        <p:nvSpPr>
-          <p:cNvPr id="5" name="Rectangle 4">
-            <a:extLst>
-              <a:ext uri="{FF2B5EF4-FFF2-40B4-BE49-F238E27FC236}">
-                <a16:creationId xmlns:a16="http://schemas.microsoft.com/office/drawing/2014/main" id="{31D94BCB-9798-4208-B502-A06249EDC800}"/>
-              </a:ext>
-            </a:extLst>
-          </p:cNvPr>
-          <p:cNvSpPr/>
-          <p:nvPr/>
-        </p:nvSpPr>
-        <p:spPr>
-          <a:xfrm>
-            <a:off x="7545841" y="1886505"/>
-            <a:ext cx="906236" cy="2153676"/>
-          </a:xfrm>
-          <a:prstGeom prst="rect">
-            <a:avLst/>
-          </a:prstGeom>
-          <a:solidFill>
-            <a:srgbClr val="00B050">
-              <a:alpha val="25000"/>
-            </a:srgbClr>
-          </a:solidFill>
-          <a:ln w="12700"/>
-        </p:spPr>
-        <p:style>
-          <a:lnRef idx="2">
-            <a:schemeClr val="accent1">
-              <a:shade val="50000"/>
-            </a:schemeClr>
-          </a:lnRef>
-          <a:fillRef idx="1">
-            <a:schemeClr val="accent1"/>
-          </a:fillRef>
-          <a:effectRef idx="0">
-            <a:schemeClr val="accent1"/>
-          </a:effectRef>
-          <a:fontRef idx="minor">
-            <a:schemeClr val="lt1"/>
-          </a:fontRef>
-        </p:style>
-        <p:txBody>
-          <a:bodyPr rtlCol="0" anchor="ctr"/>
-          <a:lstStyle/>
-          <a:p>
-            <a:pPr algn="ctr"/>
-            <a:endParaRPr lang="en-US"/>
-          </a:p>
-        </p:txBody>
-      </p:sp>
-      <p:sp>
-        <p:nvSpPr>
-          <p:cNvPr id="8" name="Rectangle 7">
-            <a:extLst>
-              <a:ext uri="{FF2B5EF4-FFF2-40B4-BE49-F238E27FC236}">
-                <a16:creationId xmlns:a16="http://schemas.microsoft.com/office/drawing/2014/main" id="{B943245B-9790-4477-BCFF-70A2A156411E}"/>
-              </a:ext>
-            </a:extLst>
-          </p:cNvPr>
-          <p:cNvSpPr/>
-          <p:nvPr/>
-        </p:nvSpPr>
-        <p:spPr>
-          <a:xfrm>
-            <a:off x="1097541" y="1879481"/>
-            <a:ext cx="3217284" cy="3590590"/>
-          </a:xfrm>
-          <a:prstGeom prst="rect">
-            <a:avLst/>
-          </a:prstGeom>
-          <a:solidFill>
-            <a:schemeClr val="tx2">
-              <a:lumMod val="75000"/>
-              <a:alpha val="25000"/>
-            </a:schemeClr>
-          </a:solidFill>
-          <a:ln w="12700"/>
-        </p:spPr>
-        <p:style>
-          <a:lnRef idx="2">
-            <a:schemeClr val="accent1">
-              <a:shade val="50000"/>
-            </a:schemeClr>
-          </a:lnRef>
-          <a:fillRef idx="1">
-            <a:schemeClr val="accent1"/>
-          </a:fillRef>
-          <a:effectRef idx="0">
-            <a:schemeClr val="accent1"/>
-          </a:effectRef>
-          <a:fontRef idx="minor">
-            <a:schemeClr val="lt1"/>
-          </a:fontRef>
-        </p:style>
-        <p:txBody>
-          <a:bodyPr rtlCol="0" anchor="ctr"/>
-          <a:lstStyle/>
-          <a:p>
-            <a:pPr algn="ctr"/>
-            <a:endParaRPr lang="en-US"/>
-          </a:p>
-        </p:txBody>
-      </p:sp>
-      <p:sp>
-        <p:nvSpPr>
-          <p:cNvPr id="11" name="TextBox 10">
-            <a:extLst>
-              <a:ext uri="{FF2B5EF4-FFF2-40B4-BE49-F238E27FC236}">
-                <a16:creationId xmlns:a16="http://schemas.microsoft.com/office/drawing/2014/main" id="{32F4864B-05FE-4263-A815-F701FA045A47}"/>
-              </a:ext>
-            </a:extLst>
-          </p:cNvPr>
-          <p:cNvSpPr txBox="1"/>
-          <p:nvPr/>
-        </p:nvSpPr>
-        <p:spPr>
-          <a:xfrm>
-            <a:off x="1629275" y="1526722"/>
-            <a:ext cx="2130878" cy="307777"/>
-          </a:xfrm>
-          <a:prstGeom prst="rect">
-            <a:avLst/>
-          </a:prstGeom>
-          <a:noFill/>
-          <a:ln>
-            <a:solidFill>
-              <a:schemeClr val="tx1"/>
-            </a:solidFill>
-          </a:ln>
-        </p:spPr>
-        <p:txBody>
-          <a:bodyPr wrap="square" rtlCol="0">
-            <a:spAutoFit/>
-          </a:bodyPr>
-          <a:lstStyle/>
-          <a:p>
-            <a:r>
-              <a:rPr lang="en-US" sz="1400" dirty="0"/>
-              <a:t>Avoid if has other choice</a:t>
-            </a:r>
-          </a:p>
-        </p:txBody>
-      </p:sp>
-      <p:sp>
-        <p:nvSpPr>
-          <p:cNvPr id="12" name="Oval 11">
-            <a:extLst>
-              <a:ext uri="{FF2B5EF4-FFF2-40B4-BE49-F238E27FC236}">
-                <a16:creationId xmlns:a16="http://schemas.microsoft.com/office/drawing/2014/main" id="{B703AB8A-ACC3-42FF-BF52-5136DC21989B}"/>
-              </a:ext>
-            </a:extLst>
-          </p:cNvPr>
-          <p:cNvSpPr>
-            <a:spLocks noChangeAspect="1"/>
-          </p:cNvSpPr>
-          <p:nvPr/>
-        </p:nvSpPr>
-        <p:spPr>
-          <a:xfrm>
-            <a:off x="4167559" y="1749345"/>
-            <a:ext cx="274320" cy="274320"/>
-          </a:xfrm>
-          <a:prstGeom prst="ellipse">
-            <a:avLst/>
-          </a:prstGeom>
-          <a:solidFill>
-            <a:srgbClr val="688A92"/>
-          </a:solidFill>
-          <a:ln w="25400" cap="flat" cmpd="sng" algn="ctr">
-            <a:solidFill>
-              <a:srgbClr val="FFFFFF"/>
-            </a:solidFill>
-            <a:prstDash val="solid"/>
-          </a:ln>
-          <a:effectLst>
-            <a:outerShdw blurRad="63500" sx="102000" sy="102000" algn="ctr" rotWithShape="0">
-              <a:prstClr val="black">
-                <a:alpha val="40000"/>
-              </a:prstClr>
-            </a:outerShdw>
-          </a:effectLst>
-        </p:spPr>
-        <p:txBody>
-          <a:bodyPr anchor="ctr"/>
-          <a:lstStyle/>
-          <a:p>
-            <a:pPr algn="ctr">
-              <a:defRPr/>
-            </a:pPr>
-            <a:r>
-              <a:rPr lang="en-US" sz="1400" b="1" kern="0" dirty="0">
-                <a:solidFill>
-                  <a:srgbClr val="FFFFFF"/>
-                </a:solidFill>
-                <a:ea typeface="ＭＳ Ｐゴシック" charset="-128"/>
-              </a:rPr>
-              <a:t>1</a:t>
-            </a:r>
-          </a:p>
-        </p:txBody>
-      </p:sp>
-      <p:sp>
-        <p:nvSpPr>
-          <p:cNvPr id="13" name="Oval 12">
-            <a:extLst>
-              <a:ext uri="{FF2B5EF4-FFF2-40B4-BE49-F238E27FC236}">
-                <a16:creationId xmlns:a16="http://schemas.microsoft.com/office/drawing/2014/main" id="{2C224527-F087-4035-81A1-704B1561992B}"/>
-              </a:ext>
-            </a:extLst>
-          </p:cNvPr>
-          <p:cNvSpPr>
-            <a:spLocks noChangeAspect="1"/>
-          </p:cNvSpPr>
-          <p:nvPr/>
-        </p:nvSpPr>
-        <p:spPr>
-          <a:xfrm>
-            <a:off x="6679919" y="1749345"/>
-            <a:ext cx="274320" cy="274320"/>
-          </a:xfrm>
-          <a:prstGeom prst="ellipse">
-            <a:avLst/>
-          </a:prstGeom>
-          <a:solidFill>
-            <a:srgbClr val="688A92"/>
-          </a:solidFill>
-          <a:ln w="25400" cap="flat" cmpd="sng" algn="ctr">
-            <a:solidFill>
-              <a:srgbClr val="FFFFFF"/>
-            </a:solidFill>
-            <a:prstDash val="solid"/>
-          </a:ln>
-          <a:effectLst>
-            <a:outerShdw blurRad="63500" sx="102000" sy="102000" algn="ctr" rotWithShape="0">
-              <a:prstClr val="black">
-                <a:alpha val="40000"/>
-              </a:prstClr>
-            </a:outerShdw>
-          </a:effectLst>
-        </p:spPr>
-        <p:txBody>
-          <a:bodyPr anchor="ctr"/>
-          <a:lstStyle/>
-          <a:p>
-            <a:pPr algn="ctr">
-              <a:defRPr/>
-            </a:pPr>
-            <a:r>
-              <a:rPr lang="en-US" sz="1400" b="1" kern="0" dirty="0">
-                <a:solidFill>
-                  <a:srgbClr val="FFFFFF"/>
-                </a:solidFill>
-                <a:ea typeface="ＭＳ Ｐゴシック" charset="-128"/>
-              </a:rPr>
-              <a:t>2</a:t>
-            </a:r>
-          </a:p>
-        </p:txBody>
-      </p:sp>
-      <p:cxnSp>
-        <p:nvCxnSpPr>
-          <p:cNvPr id="16" name="Straight Arrow Connector 15">
-            <a:extLst>
-              <a:ext uri="{FF2B5EF4-FFF2-40B4-BE49-F238E27FC236}">
-                <a16:creationId xmlns:a16="http://schemas.microsoft.com/office/drawing/2014/main" id="{F720A1EF-AF73-4AD1-BD75-77DC1C723820}"/>
-              </a:ext>
-            </a:extLst>
-          </p:cNvPr>
-          <p:cNvCxnSpPr>
-            <a:cxnSpLocks/>
-            <a:stCxn id="11" idx="3"/>
-            <a:endCxn id="12" idx="1"/>
-          </p:cNvCxnSpPr>
-          <p:nvPr/>
-        </p:nvCxnSpPr>
-        <p:spPr>
-          <a:xfrm>
-            <a:off x="3760153" y="1680611"/>
-            <a:ext cx="447579" cy="108907"/>
-          </a:xfrm>
-          <a:prstGeom prst="straightConnector1">
-            <a:avLst/>
-          </a:prstGeom>
-          <a:ln>
-            <a:tailEnd type="triangle"/>
-          </a:ln>
-        </p:spPr>
-        <p:style>
-          <a:lnRef idx="1">
-            <a:schemeClr val="accent1"/>
-          </a:lnRef>
-          <a:fillRef idx="0">
-            <a:schemeClr val="accent1"/>
-          </a:fillRef>
-          <a:effectRef idx="0">
-            <a:schemeClr val="accent1"/>
-          </a:effectRef>
-          <a:fontRef idx="minor">
-            <a:schemeClr val="tx1"/>
-          </a:fontRef>
-        </p:style>
-      </p:cxnSp>
-      <p:sp>
-        <p:nvSpPr>
-          <p:cNvPr id="17" name="TextBox 16">
-            <a:extLst>
-              <a:ext uri="{FF2B5EF4-FFF2-40B4-BE49-F238E27FC236}">
-                <a16:creationId xmlns:a16="http://schemas.microsoft.com/office/drawing/2014/main" id="{B18C9672-88E5-478A-893C-963B933720C5}"/>
-              </a:ext>
-            </a:extLst>
-          </p:cNvPr>
-          <p:cNvSpPr txBox="1"/>
-          <p:nvPr/>
-        </p:nvSpPr>
-        <p:spPr>
-          <a:xfrm>
-            <a:off x="4966911" y="1502931"/>
-            <a:ext cx="1409563" cy="307777"/>
-          </a:xfrm>
-          <a:prstGeom prst="rect">
-            <a:avLst/>
-          </a:prstGeom>
-          <a:noFill/>
-          <a:ln>
-            <a:solidFill>
-              <a:schemeClr val="tx1"/>
-            </a:solidFill>
-          </a:ln>
-        </p:spPr>
-        <p:txBody>
-          <a:bodyPr wrap="square" rtlCol="0">
-            <a:spAutoFit/>
-          </a:bodyPr>
-          <a:lstStyle/>
-          <a:p>
-            <a:r>
-              <a:rPr lang="en-US" sz="1400" dirty="0"/>
-              <a:t>Top of the crop</a:t>
-            </a:r>
-          </a:p>
-        </p:txBody>
-      </p:sp>
-      <p:cxnSp>
-        <p:nvCxnSpPr>
-          <p:cNvPr id="18" name="Straight Arrow Connector 17">
-            <a:extLst>
-              <a:ext uri="{FF2B5EF4-FFF2-40B4-BE49-F238E27FC236}">
-                <a16:creationId xmlns:a16="http://schemas.microsoft.com/office/drawing/2014/main" id="{ABB746C4-3968-4A4C-ADDB-2D29F1258A98}"/>
-              </a:ext>
-            </a:extLst>
-          </p:cNvPr>
-          <p:cNvCxnSpPr>
-            <a:cxnSpLocks/>
-            <a:stCxn id="17" idx="3"/>
-            <a:endCxn id="13" idx="1"/>
-          </p:cNvCxnSpPr>
-          <p:nvPr/>
-        </p:nvCxnSpPr>
-        <p:spPr>
-          <a:xfrm>
-            <a:off x="6376474" y="1656820"/>
-            <a:ext cx="343618" cy="132698"/>
-          </a:xfrm>
-          <a:prstGeom prst="straightConnector1">
-            <a:avLst/>
-          </a:prstGeom>
-          <a:ln>
-            <a:tailEnd type="triangle"/>
-          </a:ln>
-        </p:spPr>
-        <p:style>
-          <a:lnRef idx="1">
-            <a:schemeClr val="accent1"/>
-          </a:lnRef>
-          <a:fillRef idx="0">
-            <a:schemeClr val="accent1"/>
-          </a:fillRef>
-          <a:effectRef idx="0">
-            <a:schemeClr val="accent1"/>
-          </a:effectRef>
-          <a:fontRef idx="minor">
-            <a:schemeClr val="tx1"/>
-          </a:fontRef>
-        </p:style>
-      </p:cxnSp>
-      <p:sp>
-        <p:nvSpPr>
-          <p:cNvPr id="20" name="TextBox 19">
-            <a:extLst>
-              <a:ext uri="{FF2B5EF4-FFF2-40B4-BE49-F238E27FC236}">
-                <a16:creationId xmlns:a16="http://schemas.microsoft.com/office/drawing/2014/main" id="{23B2FA68-0E6A-4574-ACD8-70337E348A20}"/>
-              </a:ext>
-            </a:extLst>
-          </p:cNvPr>
-          <p:cNvSpPr txBox="1"/>
-          <p:nvPr/>
-        </p:nvSpPr>
-        <p:spPr>
-          <a:xfrm>
-            <a:off x="7043204" y="1502931"/>
-            <a:ext cx="1150142" cy="307777"/>
-          </a:xfrm>
-          <a:prstGeom prst="rect">
-            <a:avLst/>
-          </a:prstGeom>
-          <a:noFill/>
-          <a:ln>
-            <a:solidFill>
-              <a:schemeClr val="tx1"/>
-            </a:solidFill>
-          </a:ln>
-        </p:spPr>
-        <p:txBody>
-          <a:bodyPr wrap="square" rtlCol="0">
-            <a:spAutoFit/>
-          </a:bodyPr>
-          <a:lstStyle/>
-          <a:p>
-            <a:r>
-              <a:rPr lang="en-US" sz="1400" dirty="0"/>
-              <a:t>Exceptional</a:t>
-            </a:r>
-          </a:p>
-        </p:txBody>
-      </p:sp>
-      <p:sp>
-        <p:nvSpPr>
-          <p:cNvPr id="21" name="Oval 20">
-            <a:extLst>
-              <a:ext uri="{FF2B5EF4-FFF2-40B4-BE49-F238E27FC236}">
-                <a16:creationId xmlns:a16="http://schemas.microsoft.com/office/drawing/2014/main" id="{55BFEB4C-3F8C-4871-B0D4-E77712F4E301}"/>
-              </a:ext>
-            </a:extLst>
-          </p:cNvPr>
-          <p:cNvSpPr>
-            <a:spLocks noChangeAspect="1"/>
-          </p:cNvSpPr>
-          <p:nvPr/>
-        </p:nvSpPr>
-        <p:spPr>
-          <a:xfrm>
-            <a:off x="8319242" y="1769219"/>
-            <a:ext cx="274320" cy="274320"/>
-          </a:xfrm>
-          <a:prstGeom prst="ellipse">
-            <a:avLst/>
-          </a:prstGeom>
-          <a:solidFill>
-            <a:srgbClr val="688A92"/>
-          </a:solidFill>
-          <a:ln w="25400" cap="flat" cmpd="sng" algn="ctr">
-            <a:solidFill>
-              <a:srgbClr val="FFFFFF"/>
-            </a:solidFill>
-            <a:prstDash val="solid"/>
-          </a:ln>
-          <a:effectLst>
-            <a:outerShdw blurRad="63500" sx="102000" sy="102000" algn="ctr" rotWithShape="0">
-              <a:prstClr val="black">
-                <a:alpha val="40000"/>
-              </a:prstClr>
-            </a:outerShdw>
-          </a:effectLst>
-        </p:spPr>
-        <p:txBody>
-          <a:bodyPr anchor="ctr"/>
-          <a:lstStyle/>
-          <a:p>
-            <a:pPr algn="ctr">
-              <a:defRPr/>
-            </a:pPr>
-            <a:r>
-              <a:rPr lang="en-US" sz="1400" b="1" kern="0" dirty="0">
-                <a:solidFill>
-                  <a:srgbClr val="FFFFFF"/>
-                </a:solidFill>
-                <a:ea typeface="ＭＳ Ｐゴシック" charset="-128"/>
-              </a:rPr>
-              <a:t>3</a:t>
-            </a:r>
-          </a:p>
-        </p:txBody>
-      </p:sp>
-      <p:cxnSp>
-        <p:nvCxnSpPr>
-          <p:cNvPr id="22" name="Straight Arrow Connector 21">
-            <a:extLst>
-              <a:ext uri="{FF2B5EF4-FFF2-40B4-BE49-F238E27FC236}">
-                <a16:creationId xmlns:a16="http://schemas.microsoft.com/office/drawing/2014/main" id="{B28C83FE-7BA8-4CC9-B880-411F6EE6B05D}"/>
-              </a:ext>
-            </a:extLst>
-          </p:cNvPr>
-          <p:cNvCxnSpPr>
-            <a:cxnSpLocks/>
-          </p:cNvCxnSpPr>
-          <p:nvPr/>
-        </p:nvCxnSpPr>
-        <p:spPr>
-          <a:xfrm>
-            <a:off x="8193346" y="1636075"/>
-            <a:ext cx="228998" cy="135481"/>
-          </a:xfrm>
-          <a:prstGeom prst="straightConnector1">
-            <a:avLst/>
-          </a:prstGeom>
-          <a:ln>
-            <a:tailEnd type="triangle"/>
-          </a:ln>
-        </p:spPr>
-        <p:style>
-          <a:lnRef idx="1">
-            <a:schemeClr val="accent1"/>
-          </a:lnRef>
-          <a:fillRef idx="0">
-            <a:schemeClr val="accent1"/>
-          </a:fillRef>
-          <a:effectRef idx="0">
-            <a:schemeClr val="accent1"/>
-          </a:effectRef>
-          <a:fontRef idx="minor">
-            <a:schemeClr val="tx1"/>
-          </a:fontRef>
-        </p:style>
-      </p:cxnSp>
-      <p:sp>
-        <p:nvSpPr>
-          <p:cNvPr id="31" name="Rectangle 30">
-            <a:extLst>
-              <a:ext uri="{FF2B5EF4-FFF2-40B4-BE49-F238E27FC236}">
-                <a16:creationId xmlns:a16="http://schemas.microsoft.com/office/drawing/2014/main" id="{5CC90789-4785-4336-9B52-C64C79B65D5C}"/>
-              </a:ext>
-            </a:extLst>
-          </p:cNvPr>
-          <p:cNvSpPr/>
-          <p:nvPr/>
-        </p:nvSpPr>
-        <p:spPr bwMode="auto">
-          <a:xfrm>
-            <a:off x="1097542" y="5962415"/>
-            <a:ext cx="7354536" cy="702405"/>
-          </a:xfrm>
-          <a:prstGeom prst="rect">
-            <a:avLst/>
-          </a:prstGeom>
-          <a:gradFill rotWithShape="1">
-            <a:gsLst>
-              <a:gs pos="0">
-                <a:srgbClr val="FDD4AB">
-                  <a:tint val="50000"/>
-                  <a:satMod val="300000"/>
-                </a:srgbClr>
-              </a:gs>
-              <a:gs pos="35000">
-                <a:srgbClr val="FDD4AB">
-                  <a:tint val="37000"/>
-                  <a:satMod val="300000"/>
-                </a:srgbClr>
-              </a:gs>
-              <a:gs pos="100000">
-                <a:srgbClr val="FDD4AB">
-                  <a:tint val="15000"/>
-                  <a:satMod val="350000"/>
-                </a:srgbClr>
-              </a:gs>
-            </a:gsLst>
-            <a:lin ang="16200000" scaled="1"/>
-          </a:gradFill>
-          <a:ln w="9525" cap="flat" cmpd="sng" algn="ctr">
-            <a:solidFill>
-              <a:srgbClr val="FDD4AB">
-                <a:shade val="95000"/>
-                <a:satMod val="105000"/>
-              </a:srgbClr>
-            </a:solidFill>
-            <a:prstDash val="solid"/>
-          </a:ln>
-          <a:effectLst>
-            <a:outerShdw blurRad="40000" dist="20000" dir="5400000" rotWithShape="0">
-              <a:srgbClr val="000000">
-                <a:alpha val="38000"/>
-              </a:srgbClr>
-            </a:outerShdw>
-          </a:effectLst>
-        </p:spPr>
-        <p:txBody>
-          <a:bodyPr wrap="square" tIns="0" bIns="0" rtlCol="0">
-            <a:noAutofit/>
-          </a:bodyPr>
-          <a:lstStyle/>
-          <a:p>
-            <a:pPr marL="111125" lvl="0" indent="-111125">
-              <a:lnSpc>
-                <a:spcPct val="150000"/>
-              </a:lnSpc>
-              <a:buClr>
-                <a:srgbClr val="EC8026"/>
-              </a:buClr>
-              <a:buSzPct val="130000"/>
-              <a:buFont typeface="Arial" pitchFamily="34" charset="0"/>
-              <a:buChar char="•"/>
-              <a:defRPr/>
-            </a:pPr>
-            <a:r>
-              <a:rPr lang="en-US" sz="1300" kern="0" dirty="0">
-                <a:solidFill>
-                  <a:srgbClr val="000000"/>
-                </a:solidFill>
-                <a:ea typeface="ＭＳ Ｐゴシック" charset="-128"/>
-              </a:rPr>
-              <a:t>Doctors with low rating in generally much less likely to get a large number of reviews</a:t>
-            </a:r>
-          </a:p>
-          <a:p>
-            <a:pPr marL="111125" marR="0" lvl="0" indent="-111125" defTabSz="914400" eaLnBrk="1" fontAlgn="auto" latinLnBrk="0" hangingPunct="1">
-              <a:lnSpc>
-                <a:spcPct val="150000"/>
-              </a:lnSpc>
-              <a:spcBef>
-                <a:spcPts val="0"/>
-              </a:spcBef>
-              <a:spcAft>
-                <a:spcPts val="0"/>
-              </a:spcAft>
-              <a:buClr>
-                <a:srgbClr val="EC8026"/>
-              </a:buClr>
-              <a:buSzPct val="130000"/>
-              <a:buFont typeface="Arial" pitchFamily="34" charset="0"/>
-              <a:buChar char="•"/>
-              <a:tabLst/>
-              <a:defRPr/>
-            </a:pPr>
-            <a:r>
-              <a:rPr lang="en-US" sz="1300" kern="0" dirty="0">
-                <a:solidFill>
-                  <a:srgbClr val="000000"/>
-                </a:solidFill>
-                <a:latin typeface="Arial"/>
-                <a:ea typeface="ＭＳ Ｐゴシック" charset="-128"/>
-              </a:rPr>
-              <a:t>Among patients submitting a review, more are motivated by positive than negative experiences</a:t>
-            </a:r>
-          </a:p>
-        </p:txBody>
-      </p:sp>
-    </p:spTree>
-    <p:extLst>
-      <p:ext uri="{BB962C8B-B14F-4D97-AF65-F5344CB8AC3E}">
-        <p14:creationId xmlns:p14="http://schemas.microsoft.com/office/powerpoint/2010/main" val="15389748"/>
-      </p:ext>
-    </p:extLst>
-  </p:cSld>
-  <p:clrMapOvr>
-    <a:masterClrMapping/>
-  </p:clrMapOvr>
-  <p:timing>
-    <p:tnLst>
-      <p:par>
-        <p:cTn id="1" dur="indefinite" restart="never" nodeType="tmRoot">
-          <p:childTnLst>
-            <p:seq concurrent="1" nextAc="seek">
-              <p:cTn id="2" dur="indefinite" nodeType="mainSeq">
-                <p:childTnLst>
-                  <p:par>
-                    <p:cTn id="3" fill="hold">
-                      <p:stCondLst>
-                        <p:cond delay="indefinite"/>
-                      </p:stCondLst>
-                      <p:childTnLst>
-                        <p:par>
-                          <p:cTn id="4" fill="hold">
-                            <p:stCondLst>
-                              <p:cond delay="0"/>
-                            </p:stCondLst>
-                            <p:childTnLst>
-                              <p:par>
-                                <p:cTn id="5" presetID="1" presetClass="entr" presetSubtype="0" fill="hold" grpId="0" nodeType="clickEffect">
-                                  <p:stCondLst>
-                                    <p:cond delay="0"/>
-                                  </p:stCondLst>
-                                  <p:childTnLst>
-                                    <p:set>
-                                      <p:cBhvr>
-                                        <p:cTn id="6" dur="1" fill="hold">
-                                          <p:stCondLst>
-                                            <p:cond delay="0"/>
-                                          </p:stCondLst>
-                                        </p:cTn>
-                                        <p:tgtEl>
-                                          <p:spTgt spid="8"/>
-                                        </p:tgtEl>
-                                        <p:attrNameLst>
-                                          <p:attrName>style.visibility</p:attrName>
-                                        </p:attrNameLst>
-                                      </p:cBhvr>
-                                      <p:to>
-                                        <p:strVal val="visible"/>
-                                      </p:to>
-                                    </p:set>
-                                  </p:childTnLst>
-                                </p:cTn>
-                              </p:par>
-                              <p:par>
-                                <p:cTn id="7" presetID="1" presetClass="entr" presetSubtype="0" fill="hold" grpId="0" nodeType="withEffect">
-                                  <p:stCondLst>
-                                    <p:cond delay="0"/>
-                                  </p:stCondLst>
-                                  <p:childTnLst>
-                                    <p:set>
-                                      <p:cBhvr>
-                                        <p:cTn id="8" dur="1" fill="hold">
-                                          <p:stCondLst>
-                                            <p:cond delay="0"/>
-                                          </p:stCondLst>
-                                        </p:cTn>
-                                        <p:tgtEl>
-                                          <p:spTgt spid="11"/>
-                                        </p:tgtEl>
-                                        <p:attrNameLst>
-                                          <p:attrName>style.visibility</p:attrName>
-                                        </p:attrNameLst>
-                                      </p:cBhvr>
-                                      <p:to>
-                                        <p:strVal val="visible"/>
-                                      </p:to>
-                                    </p:set>
-                                  </p:childTnLst>
-                                </p:cTn>
-                              </p:par>
-                              <p:par>
-                                <p:cTn id="9" presetID="1" presetClass="entr" presetSubtype="0" fill="hold" grpId="0" nodeType="withEffect">
-                                  <p:stCondLst>
-                                    <p:cond delay="0"/>
-                                  </p:stCondLst>
-                                  <p:childTnLst>
-                                    <p:set>
-                                      <p:cBhvr>
-                                        <p:cTn id="10" dur="1" fill="hold">
-                                          <p:stCondLst>
-                                            <p:cond delay="0"/>
-                                          </p:stCondLst>
-                                        </p:cTn>
-                                        <p:tgtEl>
-                                          <p:spTgt spid="12"/>
-                                        </p:tgtEl>
-                                        <p:attrNameLst>
-                                          <p:attrName>style.visibility</p:attrName>
-                                        </p:attrNameLst>
-                                      </p:cBhvr>
-                                      <p:to>
-                                        <p:strVal val="visible"/>
-                                      </p:to>
-                                    </p:set>
-                                  </p:childTnLst>
-                                </p:cTn>
-                              </p:par>
-                              <p:par>
-                                <p:cTn id="11" presetID="1" presetClass="entr" presetSubtype="0" fill="hold" nodeType="withEffect">
-                                  <p:stCondLst>
-                                    <p:cond delay="0"/>
-                                  </p:stCondLst>
-                                  <p:childTnLst>
-                                    <p:set>
-                                      <p:cBhvr>
-                                        <p:cTn id="12" dur="1" fill="hold">
-                                          <p:stCondLst>
-                                            <p:cond delay="0"/>
-                                          </p:stCondLst>
-                                        </p:cTn>
-                                        <p:tgtEl>
-                                          <p:spTgt spid="16"/>
-                                        </p:tgtEl>
-                                        <p:attrNameLst>
-                                          <p:attrName>style.visibility</p:attrName>
-                                        </p:attrNameLst>
-                                      </p:cBhvr>
-                                      <p:to>
-                                        <p:strVal val="visible"/>
-                                      </p:to>
-                                    </p:set>
-                                  </p:childTnLst>
-                                </p:cTn>
-                              </p:par>
-                            </p:childTnLst>
-                          </p:cTn>
-                        </p:par>
-                      </p:childTnLst>
-                    </p:cTn>
-                  </p:par>
-                  <p:par>
-                    <p:cTn id="13" fill="hold">
-                      <p:stCondLst>
-                        <p:cond delay="indefinite"/>
-                      </p:stCondLst>
-                      <p:childTnLst>
-                        <p:par>
-                          <p:cTn id="14" fill="hold">
-                            <p:stCondLst>
-                              <p:cond delay="0"/>
-                            </p:stCondLst>
-                            <p:childTnLst>
-                              <p:par>
-                                <p:cTn id="15" presetID="1" presetClass="entr" presetSubtype="0" fill="hold" grpId="0" nodeType="clickEffect">
-                                  <p:stCondLst>
-                                    <p:cond delay="0"/>
-                                  </p:stCondLst>
-                                  <p:childTnLst>
-                                    <p:set>
-                                      <p:cBhvr>
-                                        <p:cTn id="16" dur="1" fill="hold">
-                                          <p:stCondLst>
-                                            <p:cond delay="0"/>
-                                          </p:stCondLst>
-                                        </p:cTn>
-                                        <p:tgtEl>
-                                          <p:spTgt spid="4"/>
-                                        </p:tgtEl>
-                                        <p:attrNameLst>
-                                          <p:attrName>style.visibility</p:attrName>
-                                        </p:attrNameLst>
-                                      </p:cBhvr>
-                                      <p:to>
-                                        <p:strVal val="visible"/>
-                                      </p:to>
-                                    </p:set>
-                                  </p:childTnLst>
-                                </p:cTn>
-                              </p:par>
-                              <p:par>
-                                <p:cTn id="17" presetID="1" presetClass="entr" presetSubtype="0" fill="hold" grpId="0" nodeType="withEffect">
-                                  <p:stCondLst>
-                                    <p:cond delay="0"/>
-                                  </p:stCondLst>
-                                  <p:childTnLst>
-                                    <p:set>
-                                      <p:cBhvr>
-                                        <p:cTn id="18" dur="1" fill="hold">
-                                          <p:stCondLst>
-                                            <p:cond delay="0"/>
-                                          </p:stCondLst>
-                                        </p:cTn>
-                                        <p:tgtEl>
-                                          <p:spTgt spid="13"/>
-                                        </p:tgtEl>
-                                        <p:attrNameLst>
-                                          <p:attrName>style.visibility</p:attrName>
-                                        </p:attrNameLst>
-                                      </p:cBhvr>
-                                      <p:to>
-                                        <p:strVal val="visible"/>
-                                      </p:to>
-                                    </p:set>
-                                  </p:childTnLst>
-                                </p:cTn>
-                              </p:par>
-                              <p:par>
-                                <p:cTn id="19" presetID="1" presetClass="entr" presetSubtype="0" fill="hold" grpId="0" nodeType="withEffect">
-                                  <p:stCondLst>
-                                    <p:cond delay="0"/>
-                                  </p:stCondLst>
-                                  <p:childTnLst>
-                                    <p:set>
-                                      <p:cBhvr>
-                                        <p:cTn id="20" dur="1" fill="hold">
-                                          <p:stCondLst>
-                                            <p:cond delay="0"/>
-                                          </p:stCondLst>
-                                        </p:cTn>
-                                        <p:tgtEl>
-                                          <p:spTgt spid="17"/>
-                                        </p:tgtEl>
-                                        <p:attrNameLst>
-                                          <p:attrName>style.visibility</p:attrName>
-                                        </p:attrNameLst>
-                                      </p:cBhvr>
-                                      <p:to>
-                                        <p:strVal val="visible"/>
-                                      </p:to>
-                                    </p:set>
-                                  </p:childTnLst>
-                                </p:cTn>
-                              </p:par>
-                              <p:par>
-                                <p:cTn id="21" presetID="1" presetClass="entr" presetSubtype="0" fill="hold" nodeType="withEffect">
-                                  <p:stCondLst>
-                                    <p:cond delay="0"/>
-                                  </p:stCondLst>
-                                  <p:childTnLst>
-                                    <p:set>
-                                      <p:cBhvr>
-                                        <p:cTn id="22" dur="1" fill="hold">
-                                          <p:stCondLst>
-                                            <p:cond delay="0"/>
-                                          </p:stCondLst>
-                                        </p:cTn>
-                                        <p:tgtEl>
-                                          <p:spTgt spid="18"/>
-                                        </p:tgtEl>
-                                        <p:attrNameLst>
-                                          <p:attrName>style.visibility</p:attrName>
-                                        </p:attrNameLst>
-                                      </p:cBhvr>
-                                      <p:to>
-                                        <p:strVal val="visible"/>
-                                      </p:to>
-                                    </p:set>
-                                  </p:childTnLst>
-                                </p:cTn>
-                              </p:par>
-                            </p:childTnLst>
-                          </p:cTn>
-                        </p:par>
-                      </p:childTnLst>
-                    </p:cTn>
-                  </p:par>
-                  <p:par>
-                    <p:cTn id="23" fill="hold">
-                      <p:stCondLst>
-                        <p:cond delay="indefinite"/>
-                      </p:stCondLst>
-                      <p:childTnLst>
-                        <p:par>
-                          <p:cTn id="24" fill="hold">
-                            <p:stCondLst>
-                              <p:cond delay="0"/>
-                            </p:stCondLst>
-                            <p:childTnLst>
-                              <p:par>
-                                <p:cTn id="25" presetID="1" presetClass="entr" presetSubtype="0" fill="hold" grpId="0" nodeType="clickEffect">
-                                  <p:stCondLst>
-                                    <p:cond delay="0"/>
-                                  </p:stCondLst>
-                                  <p:childTnLst>
-                                    <p:set>
-                                      <p:cBhvr>
-                                        <p:cTn id="26" dur="1" fill="hold">
-                                          <p:stCondLst>
-                                            <p:cond delay="0"/>
-                                          </p:stCondLst>
-                                        </p:cTn>
-                                        <p:tgtEl>
-                                          <p:spTgt spid="5"/>
-                                        </p:tgtEl>
-                                        <p:attrNameLst>
-                                          <p:attrName>style.visibility</p:attrName>
-                                        </p:attrNameLst>
-                                      </p:cBhvr>
-                                      <p:to>
-                                        <p:strVal val="visible"/>
-                                      </p:to>
-                                    </p:set>
-                                  </p:childTnLst>
-                                </p:cTn>
-                              </p:par>
-                              <p:par>
-                                <p:cTn id="27" presetID="1" presetClass="entr" presetSubtype="0" fill="hold" grpId="0" nodeType="withEffect">
-                                  <p:stCondLst>
-                                    <p:cond delay="0"/>
-                                  </p:stCondLst>
-                                  <p:childTnLst>
-                                    <p:set>
-                                      <p:cBhvr>
-                                        <p:cTn id="28" dur="1" fill="hold">
-                                          <p:stCondLst>
-                                            <p:cond delay="0"/>
-                                          </p:stCondLst>
-                                        </p:cTn>
-                                        <p:tgtEl>
-                                          <p:spTgt spid="20"/>
-                                        </p:tgtEl>
-                                        <p:attrNameLst>
-                                          <p:attrName>style.visibility</p:attrName>
-                                        </p:attrNameLst>
-                                      </p:cBhvr>
-                                      <p:to>
-                                        <p:strVal val="visible"/>
-                                      </p:to>
-                                    </p:set>
-                                  </p:childTnLst>
-                                </p:cTn>
-                              </p:par>
-                              <p:par>
-                                <p:cTn id="29" presetID="1" presetClass="entr" presetSubtype="0" fill="hold" grpId="0" nodeType="withEffect">
-                                  <p:stCondLst>
-                                    <p:cond delay="0"/>
-                                  </p:stCondLst>
-                                  <p:childTnLst>
-                                    <p:set>
-                                      <p:cBhvr>
-                                        <p:cTn id="30" dur="1" fill="hold">
-                                          <p:stCondLst>
-                                            <p:cond delay="0"/>
-                                          </p:stCondLst>
-                                        </p:cTn>
-                                        <p:tgtEl>
-                                          <p:spTgt spid="21"/>
-                                        </p:tgtEl>
-                                        <p:attrNameLst>
-                                          <p:attrName>style.visibility</p:attrName>
-                                        </p:attrNameLst>
-                                      </p:cBhvr>
-                                      <p:to>
-                                        <p:strVal val="visible"/>
-                                      </p:to>
-                                    </p:set>
-                                  </p:childTnLst>
-                                </p:cTn>
-                              </p:par>
-                              <p:par>
-                                <p:cTn id="31" presetID="1" presetClass="entr" presetSubtype="0" fill="hold" nodeType="withEffect">
-                                  <p:stCondLst>
-                                    <p:cond delay="0"/>
-                                  </p:stCondLst>
-                                  <p:childTnLst>
-                                    <p:set>
-                                      <p:cBhvr>
-                                        <p:cTn id="32" dur="1" fill="hold">
-                                          <p:stCondLst>
-                                            <p:cond delay="0"/>
-                                          </p:stCondLst>
-                                        </p:cTn>
-                                        <p:tgtEl>
-                                          <p:spTgt spid="22"/>
-                                        </p:tgtEl>
-                                        <p:attrNameLst>
-                                          <p:attrName>style.visibility</p:attrName>
-                                        </p:attrNameLst>
-                                      </p:cBhvr>
-                                      <p:to>
-                                        <p:strVal val="visible"/>
-                                      </p:to>
-                                    </p:set>
-                                  </p:childTnLst>
-                                </p:cTn>
-                              </p:par>
-                            </p:childTnLst>
-                          </p:cTn>
-                        </p:par>
-                      </p:childTnLst>
-                    </p:cTn>
-                  </p:par>
-                </p:childTnLst>
-              </p:cTn>
-              <p:prevCondLst>
-                <p:cond evt="onPrev" delay="0">
-                  <p:tgtEl>
-                    <p:sldTgt/>
-                  </p:tgtEl>
-                </p:cond>
-              </p:prevCondLst>
-              <p:nextCondLst>
-                <p:cond evt="onNext" delay="0">
-                  <p:tgtEl>
-                    <p:sldTgt/>
-                  </p:tgtEl>
-                </p:cond>
-              </p:nextCondLst>
-            </p:seq>
-          </p:childTnLst>
-        </p:cTn>
-      </p:par>
-    </p:tnLst>
-    <p:bldLst>
-      <p:bldP spid="4" grpId="0" animBg="1"/>
-      <p:bldP spid="5" grpId="0" animBg="1"/>
-      <p:bldP spid="8" grpId="0" animBg="1"/>
-      <p:bldP spid="11" grpId="0" animBg="1"/>
-      <p:bldP spid="12" grpId="0" animBg="1"/>
-      <p:bldP spid="13" grpId="0" animBg="1"/>
-      <p:bldP spid="17" grpId="0" animBg="1"/>
-      <p:bldP spid="20" grpId="0" animBg="1"/>
-      <p:bldP spid="21" grpId="0" animBg="1"/>
-    </p:bldLst>
-  </p:timing>
-</p:sld>
-</file>
-
-<file path=ppt/slides/slide11.xml><?xml version="1.0" encoding="utf-8"?>
 <p:sld xmlns:a="http://schemas.openxmlformats.org/drawingml/2006/main" xmlns:r="http://schemas.openxmlformats.org/officeDocument/2006/relationships" xmlns:p="http://schemas.openxmlformats.org/presentationml/2006/main">
   <p:cSld>
     <p:spTree>
@@ -7725,7 +6870,7 @@
 </p:sld>
 </file>
 
-<file path=ppt/slides/slide12.xml><?xml version="1.0" encoding="utf-8"?>
+<file path=ppt/slides/slide11.xml><?xml version="1.0" encoding="utf-8"?>
 <p:sld xmlns:a="http://schemas.openxmlformats.org/drawingml/2006/main" xmlns:r="http://schemas.openxmlformats.org/officeDocument/2006/relationships" xmlns:p="http://schemas.openxmlformats.org/presentationml/2006/main">
   <p:cSld>
     <p:spTree>
@@ -9053,638 +8198,7 @@
 </p:sld>
 </file>
 
-<file path=ppt/slides/slide13.xml><?xml version="1.0" encoding="utf-8"?>
-<p:sld xmlns:a="http://schemas.openxmlformats.org/drawingml/2006/main" xmlns:r="http://schemas.openxmlformats.org/officeDocument/2006/relationships" xmlns:p="http://schemas.openxmlformats.org/presentationml/2006/main">
-  <p:cSld>
-    <p:spTree>
-      <p:nvGrpSpPr>
-        <p:cNvPr id="1" name=""/>
-        <p:cNvGrpSpPr/>
-        <p:nvPr/>
-      </p:nvGrpSpPr>
-      <p:grpSpPr>
-        <a:xfrm>
-          <a:off x="0" y="0"/>
-          <a:ext cx="0" cy="0"/>
-          <a:chOff x="0" y="0"/>
-          <a:chExt cx="0" cy="0"/>
-        </a:xfrm>
-      </p:grpSpPr>
-      <p:pic>
-        <p:nvPicPr>
-          <p:cNvPr id="26" name="Picture 25">
-            <a:extLst>
-              <a:ext uri="{FF2B5EF4-FFF2-40B4-BE49-F238E27FC236}">
-                <a16:creationId xmlns:a16="http://schemas.microsoft.com/office/drawing/2014/main" id="{88CEDAE4-0985-4C83-82E0-7B4D020E7BB5}"/>
-              </a:ext>
-            </a:extLst>
-          </p:cNvPr>
-          <p:cNvPicPr>
-            <a:picLocks noChangeAspect="1"/>
-          </p:cNvPicPr>
-          <p:nvPr/>
-        </p:nvPicPr>
-        <p:blipFill>
-          <a:blip r:embed="rId3"/>
-          <a:stretch>
-            <a:fillRect/>
-          </a:stretch>
-        </p:blipFill>
-        <p:spPr>
-          <a:xfrm>
-            <a:off x="4523020" y="1975389"/>
-            <a:ext cx="4517559" cy="2985442"/>
-          </a:xfrm>
-          <a:prstGeom prst="rect">
-            <a:avLst/>
-          </a:prstGeom>
-        </p:spPr>
-      </p:pic>
-      <p:pic>
-        <p:nvPicPr>
-          <p:cNvPr id="18" name="Picture 17">
-            <a:extLst>
-              <a:ext uri="{FF2B5EF4-FFF2-40B4-BE49-F238E27FC236}">
-                <a16:creationId xmlns:a16="http://schemas.microsoft.com/office/drawing/2014/main" id="{9F764F7E-E164-4AAE-B0C3-3ABE6904BE82}"/>
-              </a:ext>
-            </a:extLst>
-          </p:cNvPr>
-          <p:cNvPicPr>
-            <a:picLocks noChangeAspect="1"/>
-          </p:cNvPicPr>
-          <p:nvPr/>
-        </p:nvPicPr>
-        <p:blipFill rotWithShape="1">
-          <a:blip r:embed="rId4"/>
-          <a:srcRect r="4051"/>
-          <a:stretch/>
-        </p:blipFill>
-        <p:spPr>
-          <a:xfrm>
-            <a:off x="179336" y="1977847"/>
-            <a:ext cx="4379794" cy="3048960"/>
-          </a:xfrm>
-          <a:prstGeom prst="rect">
-            <a:avLst/>
-          </a:prstGeom>
-        </p:spPr>
-      </p:pic>
-      <p:sp>
-        <p:nvSpPr>
-          <p:cNvPr id="2" name="Title 1">
-            <a:extLst>
-              <a:ext uri="{FF2B5EF4-FFF2-40B4-BE49-F238E27FC236}">
-                <a16:creationId xmlns:a16="http://schemas.microsoft.com/office/drawing/2014/main" id="{0E4B7723-5988-4485-BB04-A1FAD129A538}"/>
-              </a:ext>
-            </a:extLst>
-          </p:cNvPr>
-          <p:cNvSpPr>
-            <a:spLocks noGrp="1"/>
-          </p:cNvSpPr>
-          <p:nvPr>
-            <p:ph type="title"/>
-          </p:nvPr>
-        </p:nvSpPr>
-        <p:spPr/>
-        <p:txBody>
-          <a:bodyPr>
-            <a:noAutofit/>
-          </a:bodyPr>
-          <a:lstStyle/>
-          <a:p>
-            <a:r>
-              <a:rPr lang="en-US" sz="2400" dirty="0"/>
-              <a:t>Gastroenterologists 50 to 70 years old account for 52% of the pool and tend to receive more patient reviews than other groups</a:t>
-            </a:r>
-          </a:p>
-        </p:txBody>
-      </p:sp>
-      <p:sp>
-        <p:nvSpPr>
-          <p:cNvPr id="11" name="TextBox 10">
-            <a:extLst>
-              <a:ext uri="{FF2B5EF4-FFF2-40B4-BE49-F238E27FC236}">
-                <a16:creationId xmlns:a16="http://schemas.microsoft.com/office/drawing/2014/main" id="{A97D75BD-0B59-434C-B4AC-C94795F7E946}"/>
-              </a:ext>
-            </a:extLst>
-          </p:cNvPr>
-          <p:cNvSpPr txBox="1"/>
-          <p:nvPr/>
-        </p:nvSpPr>
-        <p:spPr>
-          <a:xfrm>
-            <a:off x="2996322" y="1647109"/>
-            <a:ext cx="3548144" cy="307777"/>
-          </a:xfrm>
-          <a:prstGeom prst="rect">
-            <a:avLst/>
-          </a:prstGeom>
-          <a:noFill/>
-          <a:ln>
-            <a:solidFill>
-              <a:schemeClr val="bg1">
-                <a:lumMod val="65000"/>
-              </a:schemeClr>
-            </a:solidFill>
-          </a:ln>
-        </p:spPr>
-        <p:txBody>
-          <a:bodyPr wrap="square" rtlCol="0">
-            <a:spAutoFit/>
-          </a:bodyPr>
-          <a:lstStyle/>
-          <a:p>
-            <a:pPr algn="ctr"/>
-            <a:r>
-              <a:rPr lang="en-US" sz="1400" i="1" dirty="0">
-                <a:latin typeface="Calibri" panose="020F0502020204030204" pitchFamily="34" charset="0"/>
-                <a:cs typeface="Calibri" panose="020F0502020204030204" pitchFamily="34" charset="0"/>
-              </a:rPr>
-              <a:t>N = </a:t>
-            </a:r>
-            <a:r>
-              <a:rPr lang="en-US" sz="1400" dirty="0">
-                <a:latin typeface="Calibri" panose="020F0502020204030204" pitchFamily="34" charset="0"/>
-                <a:cs typeface="Calibri" panose="020F0502020204030204" pitchFamily="34" charset="0"/>
-              </a:rPr>
-              <a:t>737 doctors with age information</a:t>
-            </a:r>
-          </a:p>
-        </p:txBody>
-      </p:sp>
-      <p:sp>
-        <p:nvSpPr>
-          <p:cNvPr id="12" name="TextBox 11">
-            <a:extLst>
-              <a:ext uri="{FF2B5EF4-FFF2-40B4-BE49-F238E27FC236}">
-                <a16:creationId xmlns:a16="http://schemas.microsoft.com/office/drawing/2014/main" id="{3518C54A-A47F-43A0-9040-589DE8D579B8}"/>
-              </a:ext>
-            </a:extLst>
-          </p:cNvPr>
-          <p:cNvSpPr txBox="1"/>
-          <p:nvPr/>
-        </p:nvSpPr>
-        <p:spPr>
-          <a:xfrm>
-            <a:off x="1351358" y="3763360"/>
-            <a:ext cx="404278" cy="307777"/>
-          </a:xfrm>
-          <a:prstGeom prst="rect">
-            <a:avLst/>
-          </a:prstGeom>
-          <a:noFill/>
-        </p:spPr>
-        <p:txBody>
-          <a:bodyPr wrap="none" rtlCol="0">
-            <a:spAutoFit/>
-          </a:bodyPr>
-          <a:lstStyle/>
-          <a:p>
-            <a:r>
-              <a:rPr lang="en-US" sz="1400" dirty="0">
-                <a:solidFill>
-                  <a:schemeClr val="bg1"/>
-                </a:solidFill>
-                <a:latin typeface="Calibri" panose="020F0502020204030204" pitchFamily="34" charset="0"/>
-                <a:cs typeface="Calibri" panose="020F0502020204030204" pitchFamily="34" charset="0"/>
-              </a:rPr>
-              <a:t>8%</a:t>
-            </a:r>
-          </a:p>
-        </p:txBody>
-      </p:sp>
-      <p:sp>
-        <p:nvSpPr>
-          <p:cNvPr id="13" name="TextBox 12">
-            <a:extLst>
-              <a:ext uri="{FF2B5EF4-FFF2-40B4-BE49-F238E27FC236}">
-                <a16:creationId xmlns:a16="http://schemas.microsoft.com/office/drawing/2014/main" id="{C9693111-BDFF-4C8E-BCE5-68F7784CD44C}"/>
-              </a:ext>
-            </a:extLst>
-          </p:cNvPr>
-          <p:cNvSpPr txBox="1"/>
-          <p:nvPr/>
-        </p:nvSpPr>
-        <p:spPr>
-          <a:xfrm>
-            <a:off x="1713212" y="2920202"/>
-            <a:ext cx="495649" cy="307777"/>
-          </a:xfrm>
-          <a:prstGeom prst="rect">
-            <a:avLst/>
-          </a:prstGeom>
-          <a:noFill/>
-        </p:spPr>
-        <p:txBody>
-          <a:bodyPr wrap="none" rtlCol="0">
-            <a:spAutoFit/>
-          </a:bodyPr>
-          <a:lstStyle/>
-          <a:p>
-            <a:r>
-              <a:rPr lang="en-US" sz="1400" dirty="0">
-                <a:solidFill>
-                  <a:schemeClr val="bg1"/>
-                </a:solidFill>
-                <a:latin typeface="Calibri" panose="020F0502020204030204" pitchFamily="34" charset="0"/>
-                <a:cs typeface="Calibri" panose="020F0502020204030204" pitchFamily="34" charset="0"/>
-              </a:rPr>
-              <a:t>19%</a:t>
-            </a:r>
-          </a:p>
-        </p:txBody>
-      </p:sp>
-      <p:sp>
-        <p:nvSpPr>
-          <p:cNvPr id="14" name="TextBox 13">
-            <a:extLst>
-              <a:ext uri="{FF2B5EF4-FFF2-40B4-BE49-F238E27FC236}">
-                <a16:creationId xmlns:a16="http://schemas.microsoft.com/office/drawing/2014/main" id="{2B0E9759-86B4-49FC-9BA7-0066619B7E1E}"/>
-              </a:ext>
-            </a:extLst>
-          </p:cNvPr>
-          <p:cNvSpPr txBox="1"/>
-          <p:nvPr/>
-        </p:nvSpPr>
-        <p:spPr>
-          <a:xfrm>
-            <a:off x="2121408" y="2477114"/>
-            <a:ext cx="495649" cy="307777"/>
-          </a:xfrm>
-          <a:prstGeom prst="rect">
-            <a:avLst/>
-          </a:prstGeom>
-          <a:noFill/>
-        </p:spPr>
-        <p:txBody>
-          <a:bodyPr wrap="none" rtlCol="0">
-            <a:spAutoFit/>
-          </a:bodyPr>
-          <a:lstStyle/>
-          <a:p>
-            <a:r>
-              <a:rPr lang="en-US" sz="1400" dirty="0">
-                <a:solidFill>
-                  <a:schemeClr val="bg1"/>
-                </a:solidFill>
-                <a:latin typeface="Calibri" panose="020F0502020204030204" pitchFamily="34" charset="0"/>
-                <a:cs typeface="Calibri" panose="020F0502020204030204" pitchFamily="34" charset="0"/>
-              </a:rPr>
-              <a:t>24%</a:t>
-            </a:r>
-          </a:p>
-        </p:txBody>
-      </p:sp>
-      <p:sp>
-        <p:nvSpPr>
-          <p:cNvPr id="15" name="TextBox 14">
-            <a:extLst>
-              <a:ext uri="{FF2B5EF4-FFF2-40B4-BE49-F238E27FC236}">
-                <a16:creationId xmlns:a16="http://schemas.microsoft.com/office/drawing/2014/main" id="{C1FF7434-90D1-4B2B-AB40-3AD11AF63449}"/>
-              </a:ext>
-            </a:extLst>
-          </p:cNvPr>
-          <p:cNvSpPr txBox="1"/>
-          <p:nvPr/>
-        </p:nvSpPr>
-        <p:spPr>
-          <a:xfrm>
-            <a:off x="2583367" y="2169337"/>
-            <a:ext cx="495649" cy="307777"/>
-          </a:xfrm>
-          <a:prstGeom prst="rect">
-            <a:avLst/>
-          </a:prstGeom>
-          <a:noFill/>
-        </p:spPr>
-        <p:txBody>
-          <a:bodyPr wrap="none" rtlCol="0">
-            <a:spAutoFit/>
-          </a:bodyPr>
-          <a:lstStyle/>
-          <a:p>
-            <a:r>
-              <a:rPr lang="en-US" sz="1400" dirty="0">
-                <a:solidFill>
-                  <a:schemeClr val="bg1"/>
-                </a:solidFill>
-                <a:latin typeface="Calibri" panose="020F0502020204030204" pitchFamily="34" charset="0"/>
-                <a:cs typeface="Calibri" panose="020F0502020204030204" pitchFamily="34" charset="0"/>
-              </a:rPr>
-              <a:t>28%</a:t>
-            </a:r>
-          </a:p>
-        </p:txBody>
-      </p:sp>
-      <p:sp>
-        <p:nvSpPr>
-          <p:cNvPr id="16" name="TextBox 15">
-            <a:extLst>
-              <a:ext uri="{FF2B5EF4-FFF2-40B4-BE49-F238E27FC236}">
-                <a16:creationId xmlns:a16="http://schemas.microsoft.com/office/drawing/2014/main" id="{C8747F32-D502-496B-9880-8A59A552FEFB}"/>
-              </a:ext>
-            </a:extLst>
-          </p:cNvPr>
-          <p:cNvSpPr txBox="1"/>
-          <p:nvPr/>
-        </p:nvSpPr>
-        <p:spPr>
-          <a:xfrm>
-            <a:off x="2996322" y="3280463"/>
-            <a:ext cx="495649" cy="307777"/>
-          </a:xfrm>
-          <a:prstGeom prst="rect">
-            <a:avLst/>
-          </a:prstGeom>
-          <a:noFill/>
-        </p:spPr>
-        <p:txBody>
-          <a:bodyPr wrap="none" rtlCol="0">
-            <a:spAutoFit/>
-          </a:bodyPr>
-          <a:lstStyle/>
-          <a:p>
-            <a:r>
-              <a:rPr lang="en-US" sz="1400" dirty="0">
-                <a:solidFill>
-                  <a:schemeClr val="bg1"/>
-                </a:solidFill>
-                <a:latin typeface="Calibri" panose="020F0502020204030204" pitchFamily="34" charset="0"/>
-                <a:cs typeface="Calibri" panose="020F0502020204030204" pitchFamily="34" charset="0"/>
-              </a:rPr>
-              <a:t>14%</a:t>
-            </a:r>
-          </a:p>
-        </p:txBody>
-      </p:sp>
-      <p:sp>
-        <p:nvSpPr>
-          <p:cNvPr id="17" name="TextBox 16">
-            <a:extLst>
-              <a:ext uri="{FF2B5EF4-FFF2-40B4-BE49-F238E27FC236}">
-                <a16:creationId xmlns:a16="http://schemas.microsoft.com/office/drawing/2014/main" id="{9BD9DE14-A98B-4ACF-B908-522C5A8104FB}"/>
-              </a:ext>
-            </a:extLst>
-          </p:cNvPr>
-          <p:cNvSpPr txBox="1"/>
-          <p:nvPr/>
-        </p:nvSpPr>
-        <p:spPr>
-          <a:xfrm>
-            <a:off x="3477223" y="3956579"/>
-            <a:ext cx="404278" cy="307777"/>
-          </a:xfrm>
-          <a:prstGeom prst="rect">
-            <a:avLst/>
-          </a:prstGeom>
-          <a:noFill/>
-        </p:spPr>
-        <p:txBody>
-          <a:bodyPr wrap="none" rtlCol="0">
-            <a:spAutoFit/>
-          </a:bodyPr>
-          <a:lstStyle/>
-          <a:p>
-            <a:r>
-              <a:rPr lang="en-US" sz="1400" dirty="0">
-                <a:solidFill>
-                  <a:schemeClr val="bg1"/>
-                </a:solidFill>
-                <a:latin typeface="Calibri" panose="020F0502020204030204" pitchFamily="34" charset="0"/>
-                <a:cs typeface="Calibri" panose="020F0502020204030204" pitchFamily="34" charset="0"/>
-              </a:rPr>
-              <a:t>6%</a:t>
-            </a:r>
-          </a:p>
-        </p:txBody>
-      </p:sp>
-      <p:sp>
-        <p:nvSpPr>
-          <p:cNvPr id="20" name="Comment1">
-            <a:extLst>
-              <a:ext uri="{FF2B5EF4-FFF2-40B4-BE49-F238E27FC236}">
-                <a16:creationId xmlns:a16="http://schemas.microsoft.com/office/drawing/2014/main" id="{64B09D8F-5332-4372-99A7-E9E54C118BC1}"/>
-              </a:ext>
-            </a:extLst>
-          </p:cNvPr>
-          <p:cNvSpPr/>
-          <p:nvPr/>
-        </p:nvSpPr>
-        <p:spPr>
-          <a:xfrm>
-            <a:off x="5073445" y="5122606"/>
-            <a:ext cx="3770672" cy="1493905"/>
-          </a:xfrm>
-          <a:prstGeom prst="borderCallout1">
-            <a:avLst>
-              <a:gd name="adj1" fmla="val -3308"/>
-              <a:gd name="adj2" fmla="val 32475"/>
-              <a:gd name="adj3" fmla="val -15284"/>
-              <a:gd name="adj4" fmla="val 38851"/>
-            </a:avLst>
-          </a:prstGeom>
-          <a:gradFill rotWithShape="1">
-            <a:gsLst>
-              <a:gs pos="0">
-                <a:srgbClr val="FCAF17">
-                  <a:tint val="50000"/>
-                  <a:satMod val="300000"/>
-                </a:srgbClr>
-              </a:gs>
-              <a:gs pos="35000">
-                <a:srgbClr val="FCAF17">
-                  <a:tint val="37000"/>
-                  <a:satMod val="300000"/>
-                </a:srgbClr>
-              </a:gs>
-              <a:gs pos="100000">
-                <a:srgbClr val="FCAF17">
-                  <a:tint val="15000"/>
-                  <a:satMod val="350000"/>
-                </a:srgbClr>
-              </a:gs>
-            </a:gsLst>
-            <a:lin ang="16200000" scaled="1"/>
-          </a:gradFill>
-          <a:ln w="9525" cap="flat" cmpd="sng" algn="ctr">
-            <a:noFill/>
-            <a:prstDash val="solid"/>
-            <a:tailEnd type="triangle"/>
-          </a:ln>
-          <a:effectLst>
-            <a:outerShdw blurRad="40000" dist="20000" dir="5400000" rotWithShape="0">
-              <a:srgbClr val="000000">
-                <a:alpha val="38000"/>
-              </a:srgbClr>
-            </a:outerShdw>
-          </a:effectLst>
-        </p:spPr>
-        <p:txBody>
-          <a:bodyPr wrap="square" lIns="0" tIns="0" rIns="0" bIns="0" anchor="ctr">
-            <a:noAutofit/>
-          </a:bodyPr>
-          <a:lstStyle/>
-          <a:p>
-            <a:pPr marL="109538" marR="0" lvl="0" indent="0" defTabSz="914400" eaLnBrk="1" fontAlgn="auto" latinLnBrk="0" hangingPunct="1">
-              <a:lnSpc>
-                <a:spcPct val="100000"/>
-              </a:lnSpc>
-              <a:spcBef>
-                <a:spcPts val="0"/>
-              </a:spcBef>
-              <a:spcAft>
-                <a:spcPts val="0"/>
-              </a:spcAft>
-              <a:buClrTx/>
-              <a:buSzTx/>
-              <a:buFontTx/>
-              <a:buNone/>
-              <a:tabLst/>
-              <a:defRPr/>
-            </a:pPr>
-            <a:r>
-              <a:rPr kumimoji="0" lang="en-US" sz="1400" b="0" i="0" u="none" strike="noStrike" kern="0" cap="none" spc="0" normalizeH="0" baseline="0" noProof="0" dirty="0">
-                <a:ln>
-                  <a:noFill/>
-                </a:ln>
-                <a:solidFill>
-                  <a:srgbClr val="000000"/>
-                </a:solidFill>
-                <a:effectLst/>
-                <a:uLnTx/>
-                <a:uFillTx/>
-                <a:latin typeface="Arial"/>
-                <a:ea typeface="+mn-ea"/>
-                <a:cs typeface="+mn-cs"/>
-              </a:rPr>
-              <a:t>The higher number of reviews per physician in the 50-70 age range could be due to:</a:t>
-            </a:r>
-          </a:p>
-          <a:p>
-            <a:pPr marL="395288" marR="0" lvl="0" indent="-285750" defTabSz="914400" eaLnBrk="1" fontAlgn="auto" latinLnBrk="0" hangingPunct="1">
-              <a:lnSpc>
-                <a:spcPct val="100000"/>
-              </a:lnSpc>
-              <a:spcBef>
-                <a:spcPts val="0"/>
-              </a:spcBef>
-              <a:spcAft>
-                <a:spcPts val="0"/>
-              </a:spcAft>
-              <a:buClrTx/>
-              <a:buSzTx/>
-              <a:buFont typeface="Arial" panose="020B0604020202020204" pitchFamily="34" charset="0"/>
-              <a:buChar char="•"/>
-              <a:tabLst/>
-              <a:defRPr/>
-            </a:pPr>
-            <a:r>
-              <a:rPr lang="en-US" sz="1400" kern="0" dirty="0">
-                <a:solidFill>
-                  <a:srgbClr val="000000"/>
-                </a:solidFill>
-                <a:latin typeface="Arial"/>
-              </a:rPr>
-              <a:t>More accumulated patients over time due to longer time in practice</a:t>
-            </a:r>
-          </a:p>
-          <a:p>
-            <a:pPr marL="395288" marR="0" lvl="0" indent="-285750" defTabSz="914400" eaLnBrk="1" fontAlgn="auto" latinLnBrk="0" hangingPunct="1">
-              <a:lnSpc>
-                <a:spcPct val="100000"/>
-              </a:lnSpc>
-              <a:spcBef>
-                <a:spcPts val="0"/>
-              </a:spcBef>
-              <a:spcAft>
-                <a:spcPts val="0"/>
-              </a:spcAft>
-              <a:buClrTx/>
-              <a:buSzTx/>
-              <a:buFont typeface="Arial" panose="020B0604020202020204" pitchFamily="34" charset="0"/>
-              <a:buChar char="•"/>
-              <a:tabLst/>
-              <a:defRPr/>
-            </a:pPr>
-            <a:r>
-              <a:rPr lang="en-US" sz="1400" kern="0" dirty="0">
-                <a:solidFill>
-                  <a:srgbClr val="000000"/>
-                </a:solidFill>
-                <a:latin typeface="Arial"/>
-              </a:rPr>
-              <a:t>Higher patient volume due to patient preference for physicians in this group</a:t>
-            </a:r>
-          </a:p>
-        </p:txBody>
-      </p:sp>
-      <p:sp>
-        <p:nvSpPr>
-          <p:cNvPr id="25" name="Rectangle 24">
-            <a:extLst>
-              <a:ext uri="{FF2B5EF4-FFF2-40B4-BE49-F238E27FC236}">
-                <a16:creationId xmlns:a16="http://schemas.microsoft.com/office/drawing/2014/main" id="{2FC5F18C-7498-41A3-A0D6-9DA4F2C5B1B3}"/>
-              </a:ext>
-            </a:extLst>
-          </p:cNvPr>
-          <p:cNvSpPr/>
-          <p:nvPr/>
-        </p:nvSpPr>
-        <p:spPr>
-          <a:xfrm>
-            <a:off x="6223819" y="2109019"/>
-            <a:ext cx="1115962" cy="2349910"/>
-          </a:xfrm>
-          <a:prstGeom prst="rect">
-            <a:avLst/>
-          </a:prstGeom>
-          <a:noFill/>
-          <a:ln w="15875">
-            <a:solidFill>
-              <a:schemeClr val="tx2"/>
-            </a:solidFill>
-            <a:prstDash val="sysDash"/>
-          </a:ln>
-        </p:spPr>
-        <p:style>
-          <a:lnRef idx="2">
-            <a:schemeClr val="accent1">
-              <a:shade val="50000"/>
-            </a:schemeClr>
-          </a:lnRef>
-          <a:fillRef idx="1">
-            <a:schemeClr val="accent1"/>
-          </a:fillRef>
-          <a:effectRef idx="0">
-            <a:schemeClr val="accent1"/>
-          </a:effectRef>
-          <a:fontRef idx="minor">
-            <a:schemeClr val="lt1"/>
-          </a:fontRef>
-        </p:style>
-        <p:txBody>
-          <a:bodyPr rtlCol="0" anchor="ctr"/>
-          <a:lstStyle/>
-          <a:p>
-            <a:pPr algn="ctr"/>
-            <a:endParaRPr lang="en-US"/>
-          </a:p>
-        </p:txBody>
-      </p:sp>
-    </p:spTree>
-    <p:extLst>
-      <p:ext uri="{BB962C8B-B14F-4D97-AF65-F5344CB8AC3E}">
-        <p14:creationId xmlns:p14="http://schemas.microsoft.com/office/powerpoint/2010/main" val="1273911871"/>
-      </p:ext>
-    </p:extLst>
-  </p:cSld>
-  <p:clrMapOvr>
-    <a:masterClrMapping/>
-  </p:clrMapOvr>
-</p:sld>
-</file>
-
-<file path=ppt/slides/slide14.xml><?xml version="1.0" encoding="utf-8"?>
+<file path=ppt/slides/slide12.xml><?xml version="1.0" encoding="utf-8"?>
 <p:sld xmlns:a="http://schemas.openxmlformats.org/drawingml/2006/main" xmlns:r="http://schemas.openxmlformats.org/officeDocument/2006/relationships" xmlns:p="http://schemas.openxmlformats.org/presentationml/2006/main">
   <p:cSld>
     <p:spTree>
@@ -9896,7 +8410,7 @@
 </p:sld>
 </file>
 
-<file path=ppt/slides/slide15.xml><?xml version="1.0" encoding="utf-8"?>
+<file path=ppt/slides/slide13.xml><?xml version="1.0" encoding="utf-8"?>
 <p:sld xmlns:a="http://schemas.openxmlformats.org/drawingml/2006/main" xmlns:r="http://schemas.openxmlformats.org/officeDocument/2006/relationships" xmlns:p="http://schemas.openxmlformats.org/presentationml/2006/main">
   <p:cSld>
     <p:spTree>
@@ -9959,7 +8473,7 @@
           <p:nvPr/>
         </p:nvPicPr>
         <p:blipFill>
-          <a:blip r:embed="rId2"/>
+          <a:blip r:embed="rId3"/>
           <a:stretch>
             <a:fillRect/>
           </a:stretch>
@@ -9989,7 +8503,7 @@
           <p:nvPr/>
         </p:nvPicPr>
         <p:blipFill>
-          <a:blip r:embed="rId3"/>
+          <a:blip r:embed="rId4"/>
           <a:stretch>
             <a:fillRect/>
           </a:stretch>
@@ -10261,7 +8775,7 @@
 </p:sld>
 </file>
 
-<file path=ppt/slides/slide16.xml><?xml version="1.0" encoding="utf-8"?>
+<file path=ppt/slides/slide14.xml><?xml version="1.0" encoding="utf-8"?>
 <p:sld xmlns:a="http://schemas.openxmlformats.org/drawingml/2006/main" xmlns:r="http://schemas.openxmlformats.org/officeDocument/2006/relationships" xmlns:p="http://schemas.openxmlformats.org/presentationml/2006/main">
   <p:cSld>
     <p:spTree>
@@ -10300,7 +8814,7 @@
         </p:blipFill>
         <p:spPr>
           <a:xfrm>
-            <a:off x="801784" y="1734459"/>
+            <a:off x="3738814" y="1545538"/>
             <a:ext cx="5013995" cy="4590141"/>
           </a:xfrm>
           <a:prstGeom prst="rect">
@@ -10352,7 +8866,7 @@
         </p:nvSpPr>
         <p:spPr>
           <a:xfrm rot="19389775">
-            <a:off x="2997114" y="2616141"/>
+            <a:off x="5981205" y="2370825"/>
             <a:ext cx="1976284" cy="286703"/>
           </a:xfrm>
           <a:prstGeom prst="ellipse">
@@ -10404,7 +8918,7 @@
         </p:nvSpPr>
         <p:spPr>
           <a:xfrm rot="19389775">
-            <a:off x="3524865" y="3372465"/>
+            <a:off x="6558117" y="3120832"/>
             <a:ext cx="1976284" cy="286703"/>
           </a:xfrm>
           <a:prstGeom prst="ellipse">
@@ -10442,169 +8956,6 @@
           </a:p>
         </p:txBody>
       </p:sp>
-      <p:sp>
-        <p:nvSpPr>
-          <p:cNvPr id="9" name="Comment1">
-            <a:extLst>
-              <a:ext uri="{FF2B5EF4-FFF2-40B4-BE49-F238E27FC236}">
-                <a16:creationId xmlns:a16="http://schemas.microsoft.com/office/drawing/2014/main" id="{C1EC2E68-E8E3-4EB3-87FE-9B8B9A2C6590}"/>
-              </a:ext>
-            </a:extLst>
-          </p:cNvPr>
-          <p:cNvSpPr/>
-          <p:nvPr/>
-        </p:nvSpPr>
-        <p:spPr>
-          <a:xfrm>
-            <a:off x="5855930" y="1804685"/>
-            <a:ext cx="3116826" cy="1661971"/>
-          </a:xfrm>
-          <a:prstGeom prst="wedgeRoundRectCallout">
-            <a:avLst>
-              <a:gd name="adj1" fmla="val -61635"/>
-              <a:gd name="adj2" fmla="val 25481"/>
-              <a:gd name="adj3" fmla="val 16667"/>
-            </a:avLst>
-          </a:prstGeom>
-          <a:gradFill rotWithShape="1">
-            <a:gsLst>
-              <a:gs pos="0">
-                <a:srgbClr val="FCAF17">
-                  <a:tint val="50000"/>
-                  <a:satMod val="300000"/>
-                </a:srgbClr>
-              </a:gs>
-              <a:gs pos="35000">
-                <a:srgbClr val="FCAF17">
-                  <a:tint val="37000"/>
-                  <a:satMod val="300000"/>
-                </a:srgbClr>
-              </a:gs>
-              <a:gs pos="100000">
-                <a:srgbClr val="FCAF17">
-                  <a:tint val="15000"/>
-                  <a:satMod val="350000"/>
-                </a:srgbClr>
-              </a:gs>
-            </a:gsLst>
-            <a:lin ang="16200000" scaled="1"/>
-          </a:gradFill>
-          <a:ln w="9525" cap="flat" cmpd="sng" algn="ctr">
-            <a:solidFill>
-              <a:srgbClr val="FCAF17">
-                <a:shade val="95000"/>
-                <a:satMod val="105000"/>
-              </a:srgbClr>
-            </a:solidFill>
-            <a:prstDash val="solid"/>
-          </a:ln>
-          <a:effectLst>
-            <a:outerShdw blurRad="40000" dist="20000" dir="5400000" rotWithShape="0">
-              <a:srgbClr val="000000">
-                <a:alpha val="38000"/>
-              </a:srgbClr>
-            </a:outerShdw>
-          </a:effectLst>
-        </p:spPr>
-        <p:txBody>
-          <a:bodyPr wrap="square" lIns="0" tIns="0" rIns="0" bIns="0">
-            <a:noAutofit/>
-          </a:bodyPr>
-          <a:lstStyle/>
-          <a:p>
-            <a:pPr marL="109538" marR="0" lvl="0" indent="0" defTabSz="914400" eaLnBrk="1" fontAlgn="auto" latinLnBrk="0" hangingPunct="1">
-              <a:lnSpc>
-                <a:spcPct val="150000"/>
-              </a:lnSpc>
-              <a:spcBef>
-                <a:spcPts val="0"/>
-              </a:spcBef>
-              <a:spcAft>
-                <a:spcPts val="0"/>
-              </a:spcAft>
-              <a:buClrTx/>
-              <a:buSzTx/>
-              <a:buFontTx/>
-              <a:buNone/>
-              <a:tabLst/>
-              <a:defRPr/>
-            </a:pPr>
-            <a:r>
-              <a:rPr kumimoji="0" lang="en-US" sz="1600" b="0" i="0" u="none" strike="noStrike" kern="0" cap="none" spc="0" normalizeH="0" baseline="0" noProof="0" dirty="0">
-                <a:ln>
-                  <a:noFill/>
-                </a:ln>
-                <a:solidFill>
-                  <a:srgbClr val="000000"/>
-                </a:solidFill>
-                <a:effectLst/>
-                <a:uLnTx/>
-                <a:uFillTx/>
-                <a:latin typeface="Arial"/>
-                <a:ea typeface="+mn-ea"/>
-                <a:cs typeface="+mn-cs"/>
-              </a:rPr>
-              <a:t>What happens to the overall rating when the staff’s score is </a:t>
-            </a:r>
-          </a:p>
-          <a:p>
-            <a:pPr marL="452438" marR="0" lvl="0" indent="-342900" defTabSz="914400" eaLnBrk="1" fontAlgn="auto" latinLnBrk="0" hangingPunct="1">
-              <a:lnSpc>
-                <a:spcPct val="150000"/>
-              </a:lnSpc>
-              <a:spcBef>
-                <a:spcPts val="0"/>
-              </a:spcBef>
-              <a:spcAft>
-                <a:spcPts val="0"/>
-              </a:spcAft>
-              <a:buClrTx/>
-              <a:buSzTx/>
-              <a:buFontTx/>
-              <a:buAutoNum type="alphaLcPeriod"/>
-              <a:tabLst/>
-              <a:defRPr/>
-            </a:pPr>
-            <a:r>
-              <a:rPr lang="en-US" sz="1600" kern="0" dirty="0">
-                <a:solidFill>
-                  <a:srgbClr val="000000"/>
-                </a:solidFill>
-                <a:latin typeface="Arial"/>
-              </a:rPr>
-              <a:t>Higher than doctor’s score?</a:t>
-            </a:r>
-          </a:p>
-          <a:p>
-            <a:pPr marL="452438" marR="0" lvl="0" indent="-342900" defTabSz="914400" eaLnBrk="1" fontAlgn="auto" latinLnBrk="0" hangingPunct="1">
-              <a:lnSpc>
-                <a:spcPct val="150000"/>
-              </a:lnSpc>
-              <a:spcBef>
-                <a:spcPts val="0"/>
-              </a:spcBef>
-              <a:spcAft>
-                <a:spcPts val="0"/>
-              </a:spcAft>
-              <a:buClrTx/>
-              <a:buSzTx/>
-              <a:buFontTx/>
-              <a:buAutoNum type="alphaLcPeriod"/>
-              <a:tabLst/>
-              <a:defRPr/>
-            </a:pPr>
-            <a:r>
-              <a:rPr lang="en-US" sz="1600" kern="0" dirty="0">
-                <a:solidFill>
-                  <a:srgbClr val="000000"/>
-                </a:solidFill>
-                <a:latin typeface="Arial"/>
-              </a:rPr>
-              <a:t>Lower than doctor’s score?</a:t>
-            </a:r>
-          </a:p>
-        </p:txBody>
-      </p:sp>
       <p:graphicFrame>
         <p:nvGraphicFramePr>
           <p:cNvPr id="10" name="Table 9">
@@ -10620,13 +8971,13 @@
           <p:nvPr>
             <p:extLst>
               <p:ext uri="{D42A27DB-BD31-4B8C-83A1-F6EECF244321}">
-                <p14:modId xmlns:p14="http://schemas.microsoft.com/office/powerpoint/2010/main" val="4224007922"/>
+                <p14:modId xmlns:p14="http://schemas.microsoft.com/office/powerpoint/2010/main" val="2334147740"/>
               </p:ext>
             </p:extLst>
           </p:nvPr>
         </p:nvGraphicFramePr>
         <p:xfrm>
-          <a:off x="5954152" y="4152233"/>
+          <a:off x="590655" y="2190698"/>
           <a:ext cx="2732648" cy="1979658"/>
         </p:xfrm>
         <a:graphic>
@@ -11023,7 +9374,7 @@
         </p:nvSpPr>
         <p:spPr>
           <a:xfrm>
-            <a:off x="6343530" y="3747341"/>
+            <a:off x="980033" y="1785806"/>
             <a:ext cx="2236510" cy="369332"/>
           </a:xfrm>
           <a:prstGeom prst="rect">
@@ -11044,10 +9395,243 @@
           </a:p>
         </p:txBody>
       </p:sp>
+      <p:sp>
+        <p:nvSpPr>
+          <p:cNvPr id="12" name="Comment1">
+            <a:extLst>
+              <a:ext uri="{FF2B5EF4-FFF2-40B4-BE49-F238E27FC236}">
+                <a16:creationId xmlns:a16="http://schemas.microsoft.com/office/drawing/2014/main" id="{2C4D20B6-7CF3-4E07-9F32-282E81C61692}"/>
+              </a:ext>
+            </a:extLst>
+          </p:cNvPr>
+          <p:cNvSpPr/>
+          <p:nvPr/>
+        </p:nvSpPr>
+        <p:spPr>
+          <a:xfrm>
+            <a:off x="539875" y="4577382"/>
+            <a:ext cx="3116826" cy="1661971"/>
+          </a:xfrm>
+          <a:prstGeom prst="wedgeRoundRectCallout">
+            <a:avLst>
+              <a:gd name="adj1" fmla="val 62655"/>
+              <a:gd name="adj2" fmla="val -39891"/>
+              <a:gd name="adj3" fmla="val 16667"/>
+            </a:avLst>
+          </a:prstGeom>
+          <a:gradFill rotWithShape="1">
+            <a:gsLst>
+              <a:gs pos="0">
+                <a:srgbClr val="FCAF17">
+                  <a:tint val="50000"/>
+                  <a:satMod val="300000"/>
+                </a:srgbClr>
+              </a:gs>
+              <a:gs pos="35000">
+                <a:srgbClr val="FCAF17">
+                  <a:tint val="37000"/>
+                  <a:satMod val="300000"/>
+                </a:srgbClr>
+              </a:gs>
+              <a:gs pos="100000">
+                <a:srgbClr val="FCAF17">
+                  <a:tint val="15000"/>
+                  <a:satMod val="350000"/>
+                </a:srgbClr>
+              </a:gs>
+            </a:gsLst>
+            <a:lin ang="16200000" scaled="1"/>
+          </a:gradFill>
+          <a:ln w="9525" cap="flat" cmpd="sng" algn="ctr">
+            <a:solidFill>
+              <a:srgbClr val="FCAF17">
+                <a:shade val="95000"/>
+                <a:satMod val="105000"/>
+              </a:srgbClr>
+            </a:solidFill>
+            <a:prstDash val="solid"/>
+          </a:ln>
+          <a:effectLst>
+            <a:outerShdw blurRad="40000" dist="20000" dir="5400000" rotWithShape="0">
+              <a:srgbClr val="000000">
+                <a:alpha val="38000"/>
+              </a:srgbClr>
+            </a:outerShdw>
+          </a:effectLst>
+        </p:spPr>
+        <p:txBody>
+          <a:bodyPr wrap="square" lIns="0" tIns="0" rIns="0" bIns="0">
+            <a:noAutofit/>
+          </a:bodyPr>
+          <a:lstStyle/>
+          <a:p>
+            <a:pPr marL="109538" marR="0" lvl="0" indent="0" defTabSz="914400" eaLnBrk="1" fontAlgn="auto" latinLnBrk="0" hangingPunct="1">
+              <a:lnSpc>
+                <a:spcPct val="150000"/>
+              </a:lnSpc>
+              <a:spcBef>
+                <a:spcPts val="0"/>
+              </a:spcBef>
+              <a:spcAft>
+                <a:spcPts val="0"/>
+              </a:spcAft>
+              <a:buClrTx/>
+              <a:buSzTx/>
+              <a:buFontTx/>
+              <a:buNone/>
+              <a:tabLst/>
+              <a:defRPr/>
+            </a:pPr>
+            <a:r>
+              <a:rPr kumimoji="0" lang="en-US" sz="1600" b="0" i="0" u="none" strike="noStrike" kern="0" cap="none" spc="0" normalizeH="0" baseline="0" noProof="0" dirty="0">
+                <a:ln>
+                  <a:noFill/>
+                </a:ln>
+                <a:solidFill>
+                  <a:srgbClr val="000000"/>
+                </a:solidFill>
+                <a:effectLst/>
+                <a:uLnTx/>
+                <a:uFillTx/>
+                <a:latin typeface="Arial"/>
+                <a:ea typeface="+mn-ea"/>
+                <a:cs typeface="+mn-cs"/>
+              </a:rPr>
+              <a:t>What happens to the overall rating when the staff’s score is </a:t>
+            </a:r>
+          </a:p>
+          <a:p>
+            <a:pPr marL="452438" marR="0" lvl="0" indent="-342900" defTabSz="914400" eaLnBrk="1" fontAlgn="auto" latinLnBrk="0" hangingPunct="1">
+              <a:lnSpc>
+                <a:spcPct val="150000"/>
+              </a:lnSpc>
+              <a:spcBef>
+                <a:spcPts val="0"/>
+              </a:spcBef>
+              <a:spcAft>
+                <a:spcPts val="0"/>
+              </a:spcAft>
+              <a:buClrTx/>
+              <a:buSzTx/>
+              <a:buFontTx/>
+              <a:buAutoNum type="alphaLcPeriod"/>
+              <a:tabLst/>
+              <a:defRPr/>
+            </a:pPr>
+            <a:r>
+              <a:rPr lang="en-US" sz="1600" kern="0" dirty="0">
+                <a:solidFill>
+                  <a:srgbClr val="000000"/>
+                </a:solidFill>
+                <a:latin typeface="Arial"/>
+              </a:rPr>
+              <a:t>Higher than doctor’s score?</a:t>
+            </a:r>
+          </a:p>
+          <a:p>
+            <a:pPr marL="452438" marR="0" lvl="0" indent="-342900" defTabSz="914400" eaLnBrk="1" fontAlgn="auto" latinLnBrk="0" hangingPunct="1">
+              <a:lnSpc>
+                <a:spcPct val="150000"/>
+              </a:lnSpc>
+              <a:spcBef>
+                <a:spcPts val="0"/>
+              </a:spcBef>
+              <a:spcAft>
+                <a:spcPts val="0"/>
+              </a:spcAft>
+              <a:buClrTx/>
+              <a:buSzTx/>
+              <a:buFontTx/>
+              <a:buAutoNum type="alphaLcPeriod"/>
+              <a:tabLst/>
+              <a:defRPr/>
+            </a:pPr>
+            <a:r>
+              <a:rPr lang="en-US" sz="1600" kern="0" dirty="0">
+                <a:solidFill>
+                  <a:srgbClr val="000000"/>
+                </a:solidFill>
+                <a:latin typeface="Arial"/>
+              </a:rPr>
+              <a:t>Lower than doctor’s score?</a:t>
+            </a:r>
+          </a:p>
+        </p:txBody>
+      </p:sp>
+      <p:sp>
+        <p:nvSpPr>
+          <p:cNvPr id="3" name="TextBox 2">
+            <a:extLst>
+              <a:ext uri="{FF2B5EF4-FFF2-40B4-BE49-F238E27FC236}">
+                <a16:creationId xmlns:a16="http://schemas.microsoft.com/office/drawing/2014/main" id="{6EB19E0B-2740-4DAB-9ACE-4E4A75D81A92}"/>
+              </a:ext>
+            </a:extLst>
+          </p:cNvPr>
+          <p:cNvSpPr txBox="1"/>
+          <p:nvPr/>
+        </p:nvSpPr>
+        <p:spPr>
+          <a:xfrm>
+            <a:off x="6192491" y="2611837"/>
+            <a:ext cx="377026" cy="369332"/>
+          </a:xfrm>
+          <a:prstGeom prst="rect">
+            <a:avLst/>
+          </a:prstGeom>
+          <a:noFill/>
+        </p:spPr>
+        <p:txBody>
+          <a:bodyPr wrap="none" rtlCol="0">
+            <a:spAutoFit/>
+          </a:bodyPr>
+          <a:lstStyle/>
+          <a:p>
+            <a:r>
+              <a:rPr lang="en-US" dirty="0"/>
+              <a:t>a.</a:t>
+            </a:r>
+          </a:p>
+        </p:txBody>
+      </p:sp>
+      <p:sp>
+        <p:nvSpPr>
+          <p:cNvPr id="14" name="TextBox 13">
+            <a:extLst>
+              <a:ext uri="{FF2B5EF4-FFF2-40B4-BE49-F238E27FC236}">
+                <a16:creationId xmlns:a16="http://schemas.microsoft.com/office/drawing/2014/main" id="{C4919F85-36C8-4409-AD47-C61DAF342A2E}"/>
+              </a:ext>
+            </a:extLst>
+          </p:cNvPr>
+          <p:cNvSpPr txBox="1"/>
+          <p:nvPr/>
+        </p:nvSpPr>
+        <p:spPr>
+          <a:xfrm>
+            <a:off x="7169233" y="3368921"/>
+            <a:ext cx="377026" cy="369332"/>
+          </a:xfrm>
+          <a:prstGeom prst="rect">
+            <a:avLst/>
+          </a:prstGeom>
+          <a:noFill/>
+        </p:spPr>
+        <p:txBody>
+          <a:bodyPr wrap="none" rtlCol="0">
+            <a:spAutoFit/>
+          </a:bodyPr>
+          <a:lstStyle/>
+          <a:p>
+            <a:r>
+              <a:rPr lang="en-US" dirty="0"/>
+              <a:t>b.</a:t>
+            </a:r>
+          </a:p>
+        </p:txBody>
+      </p:sp>
     </p:spTree>
     <p:extLst>
       <p:ext uri="{BB962C8B-B14F-4D97-AF65-F5344CB8AC3E}">
-        <p14:creationId xmlns:p14="http://schemas.microsoft.com/office/powerpoint/2010/main" val="985378225"/>
+        <p14:creationId xmlns:p14="http://schemas.microsoft.com/office/powerpoint/2010/main" val="2965176869"/>
       </p:ext>
     </p:extLst>
   </p:cSld>
@@ -11057,7 +9641,7 @@
 </p:sld>
 </file>
 
-<file path=ppt/slides/slide17.xml><?xml version="1.0" encoding="utf-8"?>
+<file path=ppt/slides/slide15.xml><?xml version="1.0" encoding="utf-8"?>
 <p:sld xmlns:a="http://schemas.openxmlformats.org/drawingml/2006/main" xmlns:r="http://schemas.openxmlformats.org/officeDocument/2006/relationships" xmlns:p="http://schemas.openxmlformats.org/presentationml/2006/main">
   <p:cSld>
     <p:spTree>
@@ -12168,7 +10752,7 @@
 </p:sld>
 </file>
 
-<file path=ppt/slides/slide18.xml><?xml version="1.0" encoding="utf-8"?>
+<file path=ppt/slides/slide16.xml><?xml version="1.0" encoding="utf-8"?>
 <p:sld xmlns:a="http://schemas.openxmlformats.org/drawingml/2006/main" xmlns:r="http://schemas.openxmlformats.org/officeDocument/2006/relationships" xmlns:p="http://schemas.openxmlformats.org/presentationml/2006/main">
   <p:cSld>
     <p:spTree>
@@ -12232,7 +10816,7 @@
         <p:spPr/>
         <p:txBody>
           <a:bodyPr>
-            <a:normAutofit lnSpcReduction="10000"/>
+            <a:normAutofit/>
           </a:bodyPr>
           <a:lstStyle/>
           <a:p>
@@ -12246,7 +10830,7 @@
             </a:r>
             <a:r>
               <a:rPr lang="en-US" sz="1800" dirty="0"/>
-              <a:t> has done is a great effort towards empowering consumers in their healthcare choices, but the current data collected have a number of caveats, such as</a:t>
+              <a:t> has done is a great effort, but the current data collected have a number of potential caveats, such as</a:t>
             </a:r>
           </a:p>
           <a:p>
@@ -12260,7 +10844,7 @@
             <a:pPr lvl="1"/>
             <a:r>
               <a:rPr lang="en-US" sz="1600" dirty="0"/>
-              <a:t>The way search result is ordered by “best match” promotes rich-gets-richer in the number of reviews and does not help generate reviews more evenly across the physician universe</a:t>
+              <a:t>The way search result is ordered by “best match” may promote rich-gets-richer does not help generate reviews more evenly across the physician universe</a:t>
             </a:r>
           </a:p>
           <a:p>
@@ -12269,34 +10853,34 @@
           </a:p>
           <a:p>
             <a:r>
-              <a:rPr lang="en-US" sz="2000" dirty="0"/>
+              <a:rPr lang="en-US" sz="1800" dirty="0"/>
               <a:t>Physicians with different length of time in practice are perceived similarly by patients in terms of bedside matter and quality of interaction</a:t>
             </a:r>
           </a:p>
           <a:p>
-            <a:r>
-              <a:rPr lang="en-US" sz="2000" dirty="0"/>
+            <a:endParaRPr lang="en-US" sz="1800" dirty="0"/>
+          </a:p>
+          <a:p>
+            <a:r>
+              <a:rPr lang="en-US" sz="1800" dirty="0"/>
               <a:t>Female GI specialists have much lower visibility on </a:t>
             </a:r>
             <a:r>
-              <a:rPr lang="en-US" sz="2000" dirty="0" err="1"/>
+              <a:rPr lang="en-US" sz="1800" dirty="0" err="1"/>
               <a:t>healthgrades</a:t>
             </a:r>
             <a:r>
-              <a:rPr lang="en-US" sz="2000" dirty="0"/>
+              <a:rPr lang="en-US" sz="1800" dirty="0"/>
               <a:t> as reflected by the smaller number of reviews, but their ratings do not differ from the male doctors</a:t>
             </a:r>
           </a:p>
           <a:p>
-            <a:r>
-              <a:rPr lang="en-US" sz="2000" dirty="0"/>
-              <a:t>Overall rating is primarily driven by doctor’s own performance</a:t>
-            </a:r>
-          </a:p>
-          <a:p>
-            <a:r>
-              <a:rPr lang="en-US" sz="2000" dirty="0"/>
-              <a:t>Negative experience with the office staff can bring down the overall rating while positive experience generally does not lift the overall rating</a:t>
+            <a:endParaRPr lang="en-US" sz="1800" dirty="0"/>
+          </a:p>
+          <a:p>
+            <a:r>
+              <a:rPr lang="en-US" sz="1800" dirty="0"/>
+              <a:t>Overall rating is primarily driven by doctor’s own performance. Negative experience with the office staff can bring down the overall rating while positive experience generally does not lift the overall rating</a:t>
             </a:r>
           </a:p>
           <a:p>
@@ -12322,7 +10906,7 @@
 </p:sld>
 </file>
 
-<file path=ppt/slides/slide19.xml><?xml version="1.0" encoding="utf-8"?>
+<file path=ppt/slides/slide17.xml><?xml version="1.0" encoding="utf-8"?>
 <p:sld xmlns:a="http://schemas.openxmlformats.org/drawingml/2006/main" xmlns:r="http://schemas.openxmlformats.org/officeDocument/2006/relationships" xmlns:p="http://schemas.openxmlformats.org/presentationml/2006/main">
   <p:cSld>
     <p:spTree>
@@ -12633,6 +11217,431 @@
 </p:sld>
 </file>
 
+<file path=ppt/slides/slide18.xml><?xml version="1.0" encoding="utf-8"?>
+<p:sld xmlns:a="http://schemas.openxmlformats.org/drawingml/2006/main" xmlns:r="http://schemas.openxmlformats.org/officeDocument/2006/relationships" xmlns:p="http://schemas.openxmlformats.org/presentationml/2006/main">
+  <p:cSld>
+    <p:spTree>
+      <p:nvGrpSpPr>
+        <p:cNvPr id="1" name=""/>
+        <p:cNvGrpSpPr/>
+        <p:nvPr/>
+      </p:nvGrpSpPr>
+      <p:grpSpPr>
+        <a:xfrm>
+          <a:off x="0" y="0"/>
+          <a:ext cx="0" cy="0"/>
+          <a:chOff x="0" y="0"/>
+          <a:chExt cx="0" cy="0"/>
+        </a:xfrm>
+      </p:grpSpPr>
+      <p:sp>
+        <p:nvSpPr>
+          <p:cNvPr id="2" name="Title 1">
+            <a:extLst>
+              <a:ext uri="{FF2B5EF4-FFF2-40B4-BE49-F238E27FC236}">
+                <a16:creationId xmlns:a16="http://schemas.microsoft.com/office/drawing/2014/main" id="{CD7CB11D-1157-440E-A2E5-546B19731E6C}"/>
+              </a:ext>
+            </a:extLst>
+          </p:cNvPr>
+          <p:cNvSpPr>
+            <a:spLocks noGrp="1"/>
+          </p:cNvSpPr>
+          <p:nvPr>
+            <p:ph type="title"/>
+          </p:nvPr>
+        </p:nvSpPr>
+        <p:spPr/>
+        <p:txBody>
+          <a:bodyPr/>
+          <a:lstStyle/>
+          <a:p>
+            <a:r>
+              <a:rPr lang="en-US" dirty="0"/>
+              <a:t>Appendix</a:t>
+            </a:r>
+          </a:p>
+        </p:txBody>
+      </p:sp>
+    </p:spTree>
+    <p:extLst>
+      <p:ext uri="{BB962C8B-B14F-4D97-AF65-F5344CB8AC3E}">
+        <p14:creationId xmlns:p14="http://schemas.microsoft.com/office/powerpoint/2010/main" val="757469831"/>
+      </p:ext>
+    </p:extLst>
+  </p:cSld>
+  <p:clrMapOvr>
+    <a:masterClrMapping/>
+  </p:clrMapOvr>
+</p:sld>
+</file>
+
+<file path=ppt/slides/slide19.xml><?xml version="1.0" encoding="utf-8"?>
+<p:sld xmlns:a="http://schemas.openxmlformats.org/drawingml/2006/main" xmlns:r="http://schemas.openxmlformats.org/officeDocument/2006/relationships" xmlns:p="http://schemas.openxmlformats.org/presentationml/2006/main">
+  <p:cSld>
+    <p:spTree>
+      <p:nvGrpSpPr>
+        <p:cNvPr id="1" name=""/>
+        <p:cNvGrpSpPr/>
+        <p:nvPr/>
+      </p:nvGrpSpPr>
+      <p:grpSpPr>
+        <a:xfrm>
+          <a:off x="0" y="0"/>
+          <a:ext cx="0" cy="0"/>
+          <a:chOff x="0" y="0"/>
+          <a:chExt cx="0" cy="0"/>
+        </a:xfrm>
+      </p:grpSpPr>
+      <p:sp>
+        <p:nvSpPr>
+          <p:cNvPr id="2" name="Title 1">
+            <a:extLst>
+              <a:ext uri="{FF2B5EF4-FFF2-40B4-BE49-F238E27FC236}">
+                <a16:creationId xmlns:a16="http://schemas.microsoft.com/office/drawing/2014/main" id="{6814ED1E-225B-49BA-8FE3-BE1EB24D38D4}"/>
+              </a:ext>
+            </a:extLst>
+          </p:cNvPr>
+          <p:cNvSpPr>
+            <a:spLocks noGrp="1"/>
+          </p:cNvSpPr>
+          <p:nvPr>
+            <p:ph type="title"/>
+          </p:nvPr>
+        </p:nvSpPr>
+        <p:spPr/>
+        <p:txBody>
+          <a:bodyPr>
+            <a:normAutofit/>
+          </a:bodyPr>
+          <a:lstStyle/>
+          <a:p>
+            <a:r>
+              <a:rPr lang="en-US" sz="2800" dirty="0"/>
+              <a:t>Healthgrades has a good coverage of physicians from a variety of specialties, including gastroenterologists</a:t>
+            </a:r>
+          </a:p>
+        </p:txBody>
+      </p:sp>
+      <p:graphicFrame>
+        <p:nvGraphicFramePr>
+          <p:cNvPr id="5" name="Chart 4">
+            <a:extLst>
+              <a:ext uri="{FF2B5EF4-FFF2-40B4-BE49-F238E27FC236}">
+                <a16:creationId xmlns:a16="http://schemas.microsoft.com/office/drawing/2014/main" id="{4E647C3E-17A4-4D64-A5FD-4C36C72DA75A}"/>
+              </a:ext>
+            </a:extLst>
+          </p:cNvPr>
+          <p:cNvGraphicFramePr/>
+          <p:nvPr>
+            <p:extLst>
+              <p:ext uri="{D42A27DB-BD31-4B8C-83A1-F6EECF244321}">
+                <p14:modId xmlns:p14="http://schemas.microsoft.com/office/powerpoint/2010/main" val="4229033137"/>
+              </p:ext>
+            </p:extLst>
+          </p:nvPr>
+        </p:nvGraphicFramePr>
+        <p:xfrm>
+          <a:off x="457200" y="1628154"/>
+          <a:ext cx="6096000" cy="4064000"/>
+        </p:xfrm>
+        <a:graphic>
+          <a:graphicData uri="http://schemas.openxmlformats.org/drawingml/2006/chart">
+            <c:chart xmlns:c="http://schemas.openxmlformats.org/drawingml/2006/chart" xmlns:r="http://schemas.openxmlformats.org/officeDocument/2006/relationships" r:id="rId2"/>
+          </a:graphicData>
+        </a:graphic>
+      </p:graphicFrame>
+      <p:sp>
+        <p:nvSpPr>
+          <p:cNvPr id="6" name="Rectangle 5">
+            <a:extLst>
+              <a:ext uri="{FF2B5EF4-FFF2-40B4-BE49-F238E27FC236}">
+                <a16:creationId xmlns:a16="http://schemas.microsoft.com/office/drawing/2014/main" id="{D186F91B-C384-420F-98CC-F6FA38606FC8}"/>
+              </a:ext>
+            </a:extLst>
+          </p:cNvPr>
+          <p:cNvSpPr/>
+          <p:nvPr/>
+        </p:nvSpPr>
+        <p:spPr bwMode="auto">
+          <a:xfrm>
+            <a:off x="6629622" y="2022946"/>
+            <a:ext cx="2310938" cy="2998089"/>
+          </a:xfrm>
+          <a:prstGeom prst="rect">
+            <a:avLst/>
+          </a:prstGeom>
+          <a:gradFill rotWithShape="1">
+            <a:gsLst>
+              <a:gs pos="0">
+                <a:srgbClr val="FDD4AB">
+                  <a:tint val="50000"/>
+                  <a:satMod val="300000"/>
+                </a:srgbClr>
+              </a:gs>
+              <a:gs pos="35000">
+                <a:srgbClr val="FDD4AB">
+                  <a:tint val="37000"/>
+                  <a:satMod val="300000"/>
+                </a:srgbClr>
+              </a:gs>
+              <a:gs pos="100000">
+                <a:srgbClr val="FDD4AB">
+                  <a:tint val="15000"/>
+                  <a:satMod val="350000"/>
+                </a:srgbClr>
+              </a:gs>
+            </a:gsLst>
+            <a:lin ang="16200000" scaled="1"/>
+          </a:gradFill>
+          <a:ln w="9525" cap="flat" cmpd="sng" algn="ctr">
+            <a:solidFill>
+              <a:srgbClr val="FDD4AB">
+                <a:shade val="95000"/>
+                <a:satMod val="105000"/>
+              </a:srgbClr>
+            </a:solidFill>
+            <a:prstDash val="solid"/>
+          </a:ln>
+          <a:effectLst>
+            <a:outerShdw blurRad="40000" dist="20000" dir="5400000" rotWithShape="0">
+              <a:srgbClr val="000000">
+                <a:alpha val="38000"/>
+              </a:srgbClr>
+            </a:outerShdw>
+          </a:effectLst>
+        </p:spPr>
+        <p:txBody>
+          <a:bodyPr wrap="square" tIns="0" bIns="0" rtlCol="0">
+            <a:noAutofit/>
+          </a:bodyPr>
+          <a:lstStyle/>
+          <a:p>
+            <a:pPr marL="111125" marR="0" lvl="0" indent="-111125" defTabSz="914400" eaLnBrk="1" fontAlgn="auto" latinLnBrk="0" hangingPunct="1">
+              <a:lnSpc>
+                <a:spcPct val="150000"/>
+              </a:lnSpc>
+              <a:spcBef>
+                <a:spcPts val="0"/>
+              </a:spcBef>
+              <a:spcAft>
+                <a:spcPts val="0"/>
+              </a:spcAft>
+              <a:buClr>
+                <a:srgbClr val="EC8026"/>
+              </a:buClr>
+              <a:buSzPct val="130000"/>
+              <a:buFont typeface="Arial" pitchFamily="34" charset="0"/>
+              <a:buChar char="•"/>
+              <a:tabLst/>
+              <a:defRPr/>
+            </a:pPr>
+            <a:r>
+              <a:rPr kumimoji="0" lang="en-US" sz="1600" b="0" i="0" u="none" strike="noStrike" kern="0" cap="none" spc="0" normalizeH="0" baseline="0" noProof="0" dirty="0">
+                <a:ln>
+                  <a:noFill/>
+                </a:ln>
+                <a:solidFill>
+                  <a:srgbClr val="000000"/>
+                </a:solidFill>
+                <a:effectLst/>
+                <a:uLnTx/>
+                <a:uFillTx/>
+                <a:latin typeface="Arial"/>
+                <a:ea typeface="ＭＳ Ｐゴシック" charset="-128"/>
+                <a:cs typeface="+mn-cs"/>
+              </a:rPr>
+              <a:t>Healthgrades reports a larger number of doctors than AAMC</a:t>
+            </a:r>
+          </a:p>
+          <a:p>
+            <a:pPr marL="111125" marR="0" lvl="0" indent="-111125" defTabSz="914400" eaLnBrk="1" fontAlgn="auto" latinLnBrk="0" hangingPunct="1">
+              <a:lnSpc>
+                <a:spcPct val="150000"/>
+              </a:lnSpc>
+              <a:spcBef>
+                <a:spcPts val="0"/>
+              </a:spcBef>
+              <a:spcAft>
+                <a:spcPts val="0"/>
+              </a:spcAft>
+              <a:buClr>
+                <a:srgbClr val="EC8026"/>
+              </a:buClr>
+              <a:buSzPct val="130000"/>
+              <a:buFont typeface="Arial" pitchFamily="34" charset="0"/>
+              <a:buChar char="•"/>
+              <a:tabLst/>
+              <a:defRPr/>
+            </a:pPr>
+            <a:r>
+              <a:rPr lang="en-US" sz="1600" kern="0" dirty="0">
+                <a:solidFill>
+                  <a:srgbClr val="000000"/>
+                </a:solidFill>
+                <a:latin typeface="Arial"/>
+                <a:ea typeface="ＭＳ Ｐゴシック" charset="-128"/>
+              </a:rPr>
+              <a:t>Healthgrades physician universe likely includes both active and inactive physicians</a:t>
+            </a:r>
+          </a:p>
+        </p:txBody>
+      </p:sp>
+      <p:sp>
+        <p:nvSpPr>
+          <p:cNvPr id="7" name="Foot Notes">
+            <a:extLst>
+              <a:ext uri="{FF2B5EF4-FFF2-40B4-BE49-F238E27FC236}">
+                <a16:creationId xmlns:a16="http://schemas.microsoft.com/office/drawing/2014/main" id="{1CD641F1-2EA9-43F9-8B53-E91F6DDD0B57}"/>
+              </a:ext>
+            </a:extLst>
+          </p:cNvPr>
+          <p:cNvSpPr txBox="1"/>
+          <p:nvPr/>
+        </p:nvSpPr>
+        <p:spPr bwMode="blackWhite">
+          <a:xfrm>
+            <a:off x="326572" y="6324600"/>
+            <a:ext cx="8686800" cy="457200"/>
+          </a:xfrm>
+          <a:prstGeom prst="rect">
+            <a:avLst/>
+          </a:prstGeom>
+          <a:noFill/>
+        </p:spPr>
+        <p:txBody>
+          <a:bodyPr vert="horz" wrap="square" lIns="91439" tIns="45719" rIns="91439" bIns="45719" rtlCol="0" anchor="b">
+            <a:noAutofit/>
+          </a:bodyPr>
+          <a:lstStyle/>
+          <a:p>
+            <a:r>
+              <a:rPr lang="en-US" sz="1000" i="1" dirty="0">
+                <a:solidFill>
+                  <a:srgbClr val="000000"/>
+                </a:solidFill>
+                <a:latin typeface="Arial"/>
+              </a:rPr>
+              <a:t>Association of American Medical Colleges, </a:t>
+            </a:r>
+            <a:r>
+              <a:rPr lang="en-US" sz="1000" i="1" dirty="0">
+                <a:solidFill>
+                  <a:srgbClr val="000000"/>
+                </a:solidFill>
+              </a:rPr>
+              <a:t>report link: https://www.aamc.org/data/workforce/reports/492560/1-3-chart.html</a:t>
+            </a:r>
+            <a:endParaRPr lang="en-US" sz="1000" i="1" dirty="0">
+              <a:solidFill>
+                <a:srgbClr val="000000"/>
+              </a:solidFill>
+              <a:latin typeface="Arial"/>
+            </a:endParaRPr>
+          </a:p>
+        </p:txBody>
+      </p:sp>
+      <p:sp>
+        <p:nvSpPr>
+          <p:cNvPr id="9" name="Take-away Box">
+            <a:extLst>
+              <a:ext uri="{FF2B5EF4-FFF2-40B4-BE49-F238E27FC236}">
+                <a16:creationId xmlns:a16="http://schemas.microsoft.com/office/drawing/2014/main" id="{7F3ABC9C-EA94-4B54-A830-C14F333285AA}"/>
+              </a:ext>
+            </a:extLst>
+          </p:cNvPr>
+          <p:cNvSpPr/>
+          <p:nvPr/>
+        </p:nvSpPr>
+        <p:spPr bwMode="blackWhite">
+          <a:xfrm>
+            <a:off x="914400" y="5857460"/>
+            <a:ext cx="7315200" cy="530433"/>
+          </a:xfrm>
+          <a:prstGeom prst="roundRect">
+            <a:avLst/>
+          </a:prstGeom>
+          <a:solidFill>
+            <a:srgbClr val="C7CBD7"/>
+          </a:solidFill>
+          <a:ln w="9525" cap="flat" cmpd="sng" algn="ctr">
+            <a:noFill/>
+            <a:prstDash val="solid"/>
+            <a:headEnd type="none" w="med" len="med"/>
+            <a:tailEnd type="none" w="med" len="med"/>
+          </a:ln>
+          <a:effectLst>
+            <a:outerShdw blurRad="40000" dist="20000" dir="5400000" rotWithShape="0">
+              <a:srgbClr val="000000">
+                <a:alpha val="38000"/>
+              </a:srgbClr>
+            </a:outerShdw>
+          </a:effectLst>
+        </p:spPr>
+        <p:txBody>
+          <a:bodyPr vert="horz" wrap="square" lIns="100584" tIns="45719" rIns="100584" bIns="45719" numCol="1" rtlCol="0" anchor="ctr" anchorCtr="0" compatLnSpc="1">
+            <a:prstTxWarp prst="textNoShape">
+              <a:avLst/>
+            </a:prstTxWarp>
+            <a:noAutofit/>
+          </a:bodyPr>
+          <a:lstStyle/>
+          <a:p>
+            <a:pPr marL="228600" marR="0" lvl="0" indent="-228600" algn="ctr" defTabSz="914400" eaLnBrk="1" fontAlgn="base" latinLnBrk="0" hangingPunct="1">
+              <a:lnSpc>
+                <a:spcPct val="100000"/>
+              </a:lnSpc>
+              <a:spcBef>
+                <a:spcPct val="0"/>
+              </a:spcBef>
+              <a:spcAft>
+                <a:spcPct val="0"/>
+              </a:spcAft>
+              <a:buClrTx/>
+              <a:buSzTx/>
+              <a:buFontTx/>
+              <a:buNone/>
+              <a:tabLst/>
+              <a:defRPr/>
+            </a:pPr>
+            <a:r>
+              <a:rPr lang="en-US" kern="0" dirty="0">
+                <a:solidFill>
+                  <a:srgbClr val="000000"/>
+                </a:solidFill>
+                <a:latin typeface="Arial"/>
+              </a:rPr>
+              <a:t>The ~950 gastroenterologists in New York metro area represent ~5% of all GI doctors in the nation</a:t>
+            </a:r>
+            <a:endParaRPr kumimoji="0" lang="en-US" sz="1800" b="0" i="0" u="none" strike="noStrike" kern="0" cap="none" spc="0" normalizeH="0" baseline="0" noProof="0" dirty="0">
+              <a:ln>
+                <a:noFill/>
+              </a:ln>
+              <a:solidFill>
+                <a:srgbClr val="000000"/>
+              </a:solidFill>
+              <a:effectLst/>
+              <a:uLnTx/>
+              <a:uFillTx/>
+              <a:latin typeface="Arial"/>
+              <a:ea typeface="+mn-ea"/>
+              <a:cs typeface="+mn-cs"/>
+            </a:endParaRPr>
+          </a:p>
+        </p:txBody>
+      </p:sp>
+    </p:spTree>
+    <p:extLst>
+      <p:ext uri="{BB962C8B-B14F-4D97-AF65-F5344CB8AC3E}">
+        <p14:creationId xmlns:p14="http://schemas.microsoft.com/office/powerpoint/2010/main" val="2702828276"/>
+      </p:ext>
+    </p:extLst>
+  </p:cSld>
+  <p:clrMapOvr>
+    <a:masterClrMapping/>
+  </p:clrMapOvr>
+</p:sld>
+</file>
+
 <file path=ppt/slides/slide2.xml><?xml version="1.0" encoding="utf-8"?>
 <p:sld xmlns:a="http://schemas.openxmlformats.org/drawingml/2006/main" xmlns:r="http://schemas.openxmlformats.org/officeDocument/2006/relationships" xmlns:p="http://schemas.openxmlformats.org/presentationml/2006/main">
   <p:cSld>
@@ -13049,6 +12058,1778 @@
 </p:sld>
 </file>
 
+<file path=ppt/slides/slide20.xml><?xml version="1.0" encoding="utf-8"?>
+<p:sld xmlns:a="http://schemas.openxmlformats.org/drawingml/2006/main" xmlns:r="http://schemas.openxmlformats.org/officeDocument/2006/relationships" xmlns:p="http://schemas.openxmlformats.org/presentationml/2006/main">
+  <p:cSld>
+    <p:spTree>
+      <p:nvGrpSpPr>
+        <p:cNvPr id="1" name=""/>
+        <p:cNvGrpSpPr/>
+        <p:nvPr/>
+      </p:nvGrpSpPr>
+      <p:grpSpPr>
+        <a:xfrm>
+          <a:off x="0" y="0"/>
+          <a:ext cx="0" cy="0"/>
+          <a:chOff x="0" y="0"/>
+          <a:chExt cx="0" cy="0"/>
+        </a:xfrm>
+      </p:grpSpPr>
+      <p:sp>
+        <p:nvSpPr>
+          <p:cNvPr id="2" name="Title 1">
+            <a:extLst>
+              <a:ext uri="{FF2B5EF4-FFF2-40B4-BE49-F238E27FC236}">
+                <a16:creationId xmlns:a16="http://schemas.microsoft.com/office/drawing/2014/main" id="{CECB7114-625D-4776-B32A-8192817FD3E2}"/>
+              </a:ext>
+            </a:extLst>
+          </p:cNvPr>
+          <p:cNvSpPr>
+            <a:spLocks noGrp="1"/>
+          </p:cNvSpPr>
+          <p:nvPr>
+            <p:ph type="title"/>
+          </p:nvPr>
+        </p:nvSpPr>
+        <p:spPr/>
+        <p:txBody>
+          <a:bodyPr>
+            <a:normAutofit fontScale="90000"/>
+          </a:bodyPr>
+          <a:lstStyle/>
+          <a:p>
+            <a:r>
+              <a:rPr lang="en-US" sz="2400" dirty="0"/>
+              <a:t>Quick look at the exceptional doctors shows that some are from large group practices and most completed fellowship in local hospitals</a:t>
+            </a:r>
+          </a:p>
+        </p:txBody>
+      </p:sp>
+      <p:graphicFrame>
+        <p:nvGraphicFramePr>
+          <p:cNvPr id="3" name="Table 2">
+            <a:extLst>
+              <a:ext uri="{FF2B5EF4-FFF2-40B4-BE49-F238E27FC236}">
+                <a16:creationId xmlns:a16="http://schemas.microsoft.com/office/drawing/2014/main" id="{8952567B-A095-4042-B16B-0E319BB96DF0}"/>
+              </a:ext>
+            </a:extLst>
+          </p:cNvPr>
+          <p:cNvGraphicFramePr>
+            <a:graphicFrameLocks noGrp="1"/>
+          </p:cNvGraphicFramePr>
+          <p:nvPr/>
+        </p:nvGraphicFramePr>
+        <p:xfrm>
+          <a:off x="719959" y="2628724"/>
+          <a:ext cx="2958661" cy="1645920"/>
+        </p:xfrm>
+        <a:graphic>
+          <a:graphicData uri="http://schemas.openxmlformats.org/drawingml/2006/table">
+            <a:tbl>
+              <a:tblPr firstRow="1" bandRow="1">
+                <a:tableStyleId>{5C22544A-7EE6-4342-B048-85BDC9FD1C3A}</a:tableStyleId>
+              </a:tblPr>
+              <a:tblGrid>
+                <a:gridCol w="1597572">
+                  <a:extLst>
+                    <a:ext uri="{9D8B030D-6E8A-4147-A177-3AD203B41FA5}">
+                      <a16:colId xmlns:a16="http://schemas.microsoft.com/office/drawing/2014/main" val="565020004"/>
+                    </a:ext>
+                  </a:extLst>
+                </a:gridCol>
+                <a:gridCol w="1361089">
+                  <a:extLst>
+                    <a:ext uri="{9D8B030D-6E8A-4147-A177-3AD203B41FA5}">
+                      <a16:colId xmlns:a16="http://schemas.microsoft.com/office/drawing/2014/main" val="4255944594"/>
+                    </a:ext>
+                  </a:extLst>
+                </a:gridCol>
+              </a:tblGrid>
+              <a:tr h="321441">
+                <a:tc>
+                  <a:txBody>
+                    <a:bodyPr/>
+                    <a:lstStyle/>
+                    <a:p>
+                      <a:pPr algn="ctr"/>
+                      <a:r>
+                        <a:rPr lang="en-US" sz="1400" dirty="0"/>
+                        <a:t>Practice name</a:t>
+                      </a:r>
+                    </a:p>
+                  </a:txBody>
+                  <a:tcPr anchor="b"/>
+                </a:tc>
+                <a:tc>
+                  <a:txBody>
+                    <a:bodyPr/>
+                    <a:lstStyle/>
+                    <a:p>
+                      <a:pPr algn="ctr"/>
+                      <a:r>
+                        <a:rPr lang="en-US" sz="1400" dirty="0"/>
+                        <a:t># of exceptional doctors</a:t>
+                      </a:r>
+                    </a:p>
+                  </a:txBody>
+                  <a:tcPr anchor="b"/>
+                </a:tc>
+                <a:extLst>
+                  <a:ext uri="{0D108BD9-81ED-4DB2-BD59-A6C34878D82A}">
+                    <a16:rowId xmlns:a16="http://schemas.microsoft.com/office/drawing/2014/main" val="1900685966"/>
+                  </a:ext>
+                </a:extLst>
+              </a:tr>
+              <a:tr h="366412">
+                <a:tc>
+                  <a:txBody>
+                    <a:bodyPr/>
+                    <a:lstStyle/>
+                    <a:p>
+                      <a:pPr algn="r" fontAlgn="ctr"/>
+                      <a:r>
+                        <a:rPr lang="en-US" sz="1200" b="1" dirty="0">
+                          <a:effectLst/>
+                        </a:rPr>
+                        <a:t>GOTHAM MEDICAL ASSOCIATES</a:t>
+                      </a:r>
+                    </a:p>
+                  </a:txBody>
+                  <a:tcPr anchor="ctr"/>
+                </a:tc>
+                <a:tc>
+                  <a:txBody>
+                    <a:bodyPr/>
+                    <a:lstStyle/>
+                    <a:p>
+                      <a:pPr algn="ctr" fontAlgn="ctr"/>
+                      <a:r>
+                        <a:rPr lang="en-US" sz="1200" dirty="0">
+                          <a:effectLst/>
+                        </a:rPr>
+                        <a:t>3 (10%)</a:t>
+                      </a:r>
+                    </a:p>
+                  </a:txBody>
+                  <a:tcPr anchor="ctr"/>
+                </a:tc>
+                <a:extLst>
+                  <a:ext uri="{0D108BD9-81ED-4DB2-BD59-A6C34878D82A}">
+                    <a16:rowId xmlns:a16="http://schemas.microsoft.com/office/drawing/2014/main" val="3560931520"/>
+                  </a:ext>
+                </a:extLst>
+              </a:tr>
+              <a:tr h="366412">
+                <a:tc>
+                  <a:txBody>
+                    <a:bodyPr/>
+                    <a:lstStyle/>
+                    <a:p>
+                      <a:pPr algn="r" fontAlgn="ctr"/>
+                      <a:r>
+                        <a:rPr lang="en-US" sz="1200" b="1" dirty="0">
+                          <a:effectLst/>
+                        </a:rPr>
+                        <a:t>Concorde Medical Group</a:t>
+                      </a:r>
+                    </a:p>
+                  </a:txBody>
+                  <a:tcPr anchor="ctr"/>
+                </a:tc>
+                <a:tc>
+                  <a:txBody>
+                    <a:bodyPr/>
+                    <a:lstStyle/>
+                    <a:p>
+                      <a:pPr algn="ctr" fontAlgn="ctr"/>
+                      <a:r>
+                        <a:rPr lang="en-US" sz="1200" dirty="0">
+                          <a:effectLst/>
+                        </a:rPr>
+                        <a:t>2 (7%)</a:t>
+                      </a:r>
+                    </a:p>
+                  </a:txBody>
+                  <a:tcPr anchor="ctr"/>
+                </a:tc>
+                <a:extLst>
+                  <a:ext uri="{0D108BD9-81ED-4DB2-BD59-A6C34878D82A}">
+                    <a16:rowId xmlns:a16="http://schemas.microsoft.com/office/drawing/2014/main" val="2644386914"/>
+                  </a:ext>
+                </a:extLst>
+              </a:tr>
+            </a:tbl>
+          </a:graphicData>
+        </a:graphic>
+      </p:graphicFrame>
+      <p:sp>
+        <p:nvSpPr>
+          <p:cNvPr id="4" name="TextBox 3">
+            <a:extLst>
+              <a:ext uri="{FF2B5EF4-FFF2-40B4-BE49-F238E27FC236}">
+                <a16:creationId xmlns:a16="http://schemas.microsoft.com/office/drawing/2014/main" id="{E43514A9-B806-4309-971D-CBDA065380CB}"/>
+              </a:ext>
+            </a:extLst>
+          </p:cNvPr>
+          <p:cNvSpPr txBox="1"/>
+          <p:nvPr/>
+        </p:nvSpPr>
+        <p:spPr>
+          <a:xfrm>
+            <a:off x="415159" y="1670481"/>
+            <a:ext cx="3909848" cy="646331"/>
+          </a:xfrm>
+          <a:prstGeom prst="rect">
+            <a:avLst/>
+          </a:prstGeom>
+          <a:noFill/>
+        </p:spPr>
+        <p:txBody>
+          <a:bodyPr wrap="square" rtlCol="0">
+            <a:spAutoFit/>
+          </a:bodyPr>
+          <a:lstStyle/>
+          <a:p>
+            <a:pPr algn="ctr"/>
+            <a:r>
+              <a:rPr lang="en-US" dirty="0"/>
+              <a:t>Top 2 practices based on number of exceptional doctors</a:t>
+            </a:r>
+          </a:p>
+        </p:txBody>
+      </p:sp>
+      <p:sp>
+        <p:nvSpPr>
+          <p:cNvPr id="6" name="TextBox 5">
+            <a:extLst>
+              <a:ext uri="{FF2B5EF4-FFF2-40B4-BE49-F238E27FC236}">
+                <a16:creationId xmlns:a16="http://schemas.microsoft.com/office/drawing/2014/main" id="{26BDA91C-B0E8-4EE1-AC47-4A60695E6325}"/>
+              </a:ext>
+            </a:extLst>
+          </p:cNvPr>
+          <p:cNvSpPr txBox="1"/>
+          <p:nvPr/>
+        </p:nvSpPr>
+        <p:spPr>
+          <a:xfrm>
+            <a:off x="4729655" y="1670481"/>
+            <a:ext cx="3909848" cy="646331"/>
+          </a:xfrm>
+          <a:prstGeom prst="rect">
+            <a:avLst/>
+          </a:prstGeom>
+          <a:noFill/>
+        </p:spPr>
+        <p:txBody>
+          <a:bodyPr wrap="square" rtlCol="0">
+            <a:spAutoFit/>
+          </a:bodyPr>
+          <a:lstStyle/>
+          <a:p>
+            <a:pPr algn="ctr"/>
+            <a:r>
+              <a:rPr lang="en-US" dirty="0"/>
+              <a:t>Top 6 practices based on total # of GI doctors</a:t>
+            </a:r>
+          </a:p>
+        </p:txBody>
+      </p:sp>
+      <p:graphicFrame>
+        <p:nvGraphicFramePr>
+          <p:cNvPr id="7" name="Table 6">
+            <a:extLst>
+              <a:ext uri="{FF2B5EF4-FFF2-40B4-BE49-F238E27FC236}">
+                <a16:creationId xmlns:a16="http://schemas.microsoft.com/office/drawing/2014/main" id="{699B89C6-FCB2-4483-9039-E96695EAD94C}"/>
+              </a:ext>
+            </a:extLst>
+          </p:cNvPr>
+          <p:cNvGraphicFramePr>
+            <a:graphicFrameLocks noGrp="1"/>
+          </p:cNvGraphicFramePr>
+          <p:nvPr/>
+        </p:nvGraphicFramePr>
+        <p:xfrm>
+          <a:off x="4214649" y="2628724"/>
+          <a:ext cx="4472151" cy="2610701"/>
+        </p:xfrm>
+        <a:graphic>
+          <a:graphicData uri="http://schemas.openxmlformats.org/drawingml/2006/table">
+            <a:tbl>
+              <a:tblPr firstRow="1" bandRow="1">
+                <a:tableStyleId>{5C22544A-7EE6-4342-B048-85BDC9FD1C3A}</a:tableStyleId>
+              </a:tblPr>
+              <a:tblGrid>
+                <a:gridCol w="2721076">
+                  <a:extLst>
+                    <a:ext uri="{9D8B030D-6E8A-4147-A177-3AD203B41FA5}">
+                      <a16:colId xmlns:a16="http://schemas.microsoft.com/office/drawing/2014/main" val="565020004"/>
+                    </a:ext>
+                  </a:extLst>
+                </a:gridCol>
+                <a:gridCol w="862950">
+                  <a:extLst>
+                    <a:ext uri="{9D8B030D-6E8A-4147-A177-3AD203B41FA5}">
+                      <a16:colId xmlns:a16="http://schemas.microsoft.com/office/drawing/2014/main" val="4255944594"/>
+                    </a:ext>
+                  </a:extLst>
+                </a:gridCol>
+                <a:gridCol w="888125">
+                  <a:extLst>
+                    <a:ext uri="{9D8B030D-6E8A-4147-A177-3AD203B41FA5}">
+                      <a16:colId xmlns:a16="http://schemas.microsoft.com/office/drawing/2014/main" val="3853504396"/>
+                    </a:ext>
+                  </a:extLst>
+                </a:gridCol>
+              </a:tblGrid>
+              <a:tr h="321441">
+                <a:tc>
+                  <a:txBody>
+                    <a:bodyPr/>
+                    <a:lstStyle/>
+                    <a:p>
+                      <a:pPr algn="ctr"/>
+                      <a:r>
+                        <a:rPr lang="en-US" sz="1400" dirty="0"/>
+                        <a:t>Practice name</a:t>
+                      </a:r>
+                    </a:p>
+                  </a:txBody>
+                  <a:tcPr/>
+                </a:tc>
+                <a:tc>
+                  <a:txBody>
+                    <a:bodyPr/>
+                    <a:lstStyle/>
+                    <a:p>
+                      <a:pPr algn="ctr"/>
+                      <a:r>
+                        <a:rPr lang="en-US" sz="1400" dirty="0"/>
+                        <a:t>#</a:t>
+                      </a:r>
+                    </a:p>
+                  </a:txBody>
+                  <a:tcPr/>
+                </a:tc>
+                <a:tc>
+                  <a:txBody>
+                    <a:bodyPr/>
+                    <a:lstStyle/>
+                    <a:p>
+                      <a:pPr algn="ctr"/>
+                      <a:r>
+                        <a:rPr lang="en-US" sz="1400" dirty="0"/>
+                        <a:t>%</a:t>
+                      </a:r>
+                    </a:p>
+                  </a:txBody>
+                  <a:tcPr/>
+                </a:tc>
+                <a:extLst>
+                  <a:ext uri="{0D108BD9-81ED-4DB2-BD59-A6C34878D82A}">
+                    <a16:rowId xmlns:a16="http://schemas.microsoft.com/office/drawing/2014/main" val="1900685966"/>
+                  </a:ext>
+                </a:extLst>
+              </a:tr>
+              <a:tr h="366412">
+                <a:tc>
+                  <a:txBody>
+                    <a:bodyPr/>
+                    <a:lstStyle/>
+                    <a:p>
+                      <a:pPr algn="r" fontAlgn="ctr"/>
+                      <a:r>
+                        <a:rPr lang="en-US" sz="1200" b="1" kern="1200" dirty="0">
+                          <a:solidFill>
+                            <a:schemeClr val="dk1"/>
+                          </a:solidFill>
+                          <a:effectLst/>
+                          <a:latin typeface="+mn-lt"/>
+                          <a:ea typeface="+mn-ea"/>
+                          <a:cs typeface="+mn-cs"/>
+                        </a:rPr>
+                        <a:t>Mount Sinai Gastroenterology</a:t>
+                      </a:r>
+                    </a:p>
+                  </a:txBody>
+                  <a:tcPr anchor="ctr"/>
+                </a:tc>
+                <a:tc>
+                  <a:txBody>
+                    <a:bodyPr/>
+                    <a:lstStyle/>
+                    <a:p>
+                      <a:pPr algn="r" fontAlgn="ctr"/>
+                      <a:r>
+                        <a:rPr lang="en-US" sz="1200" kern="1200" dirty="0">
+                          <a:solidFill>
+                            <a:schemeClr val="dk1"/>
+                          </a:solidFill>
+                          <a:effectLst/>
+                          <a:latin typeface="+mn-lt"/>
+                          <a:ea typeface="+mn-ea"/>
+                          <a:cs typeface="+mn-cs"/>
+                        </a:rPr>
+                        <a:t>31</a:t>
+                      </a:r>
+                    </a:p>
+                  </a:txBody>
+                  <a:tcPr anchor="ctr"/>
+                </a:tc>
+                <a:tc>
+                  <a:txBody>
+                    <a:bodyPr/>
+                    <a:lstStyle/>
+                    <a:p>
+                      <a:pPr algn="r" fontAlgn="ctr"/>
+                      <a:r>
+                        <a:rPr lang="en-US" sz="1200" kern="1200" dirty="0">
+                          <a:solidFill>
+                            <a:schemeClr val="dk1"/>
+                          </a:solidFill>
+                          <a:effectLst/>
+                          <a:latin typeface="+mn-lt"/>
+                          <a:ea typeface="+mn-ea"/>
+                          <a:cs typeface="+mn-cs"/>
+                        </a:rPr>
+                        <a:t>3.7%</a:t>
+                      </a:r>
+                    </a:p>
+                  </a:txBody>
+                  <a:tcPr anchor="ctr"/>
+                </a:tc>
+                <a:extLst>
+                  <a:ext uri="{0D108BD9-81ED-4DB2-BD59-A6C34878D82A}">
+                    <a16:rowId xmlns:a16="http://schemas.microsoft.com/office/drawing/2014/main" val="3560931520"/>
+                  </a:ext>
+                </a:extLst>
+              </a:tr>
+              <a:tr h="366412">
+                <a:tc>
+                  <a:txBody>
+                    <a:bodyPr/>
+                    <a:lstStyle/>
+                    <a:p>
+                      <a:pPr algn="r" fontAlgn="ctr"/>
+                      <a:r>
+                        <a:rPr lang="en-US" sz="1200" b="1" kern="1200" dirty="0">
+                          <a:solidFill>
+                            <a:schemeClr val="dk1"/>
+                          </a:solidFill>
+                          <a:effectLst/>
+                          <a:latin typeface="+mn-lt"/>
+                          <a:ea typeface="+mn-ea"/>
+                          <a:cs typeface="+mn-cs"/>
+                        </a:rPr>
+                        <a:t>Concorde Medical Group</a:t>
+                      </a:r>
+                    </a:p>
+                  </a:txBody>
+                  <a:tcPr anchor="ctr"/>
+                </a:tc>
+                <a:tc>
+                  <a:txBody>
+                    <a:bodyPr/>
+                    <a:lstStyle/>
+                    <a:p>
+                      <a:pPr algn="r" fontAlgn="ctr"/>
+                      <a:r>
+                        <a:rPr lang="en-US" sz="1200" kern="1200" dirty="0">
+                          <a:solidFill>
+                            <a:schemeClr val="dk1"/>
+                          </a:solidFill>
+                          <a:effectLst/>
+                          <a:latin typeface="+mn-lt"/>
+                          <a:ea typeface="+mn-ea"/>
+                          <a:cs typeface="+mn-cs"/>
+                        </a:rPr>
+                        <a:t>14</a:t>
+                      </a:r>
+                    </a:p>
+                  </a:txBody>
+                  <a:tcPr anchor="ctr"/>
+                </a:tc>
+                <a:tc>
+                  <a:txBody>
+                    <a:bodyPr/>
+                    <a:lstStyle/>
+                    <a:p>
+                      <a:pPr algn="r" fontAlgn="ctr"/>
+                      <a:r>
+                        <a:rPr lang="en-US" sz="1200" kern="1200" dirty="0">
+                          <a:solidFill>
+                            <a:schemeClr val="dk1"/>
+                          </a:solidFill>
+                          <a:effectLst/>
+                          <a:latin typeface="+mn-lt"/>
+                          <a:ea typeface="+mn-ea"/>
+                          <a:cs typeface="+mn-cs"/>
+                        </a:rPr>
+                        <a:t>1.7%</a:t>
+                      </a:r>
+                    </a:p>
+                  </a:txBody>
+                  <a:tcPr anchor="ctr"/>
+                </a:tc>
+                <a:extLst>
+                  <a:ext uri="{0D108BD9-81ED-4DB2-BD59-A6C34878D82A}">
+                    <a16:rowId xmlns:a16="http://schemas.microsoft.com/office/drawing/2014/main" val="2644386914"/>
+                  </a:ext>
+                </a:extLst>
+              </a:tr>
+              <a:tr h="366412">
+                <a:tc>
+                  <a:txBody>
+                    <a:bodyPr/>
+                    <a:lstStyle/>
+                    <a:p>
+                      <a:pPr algn="r" fontAlgn="ctr"/>
+                      <a:r>
+                        <a:rPr lang="en-US" sz="1200" b="1" kern="1200" dirty="0">
+                          <a:solidFill>
+                            <a:schemeClr val="dk1"/>
+                          </a:solidFill>
+                          <a:effectLst/>
+                          <a:latin typeface="+mn-lt"/>
+                          <a:ea typeface="+mn-ea"/>
+                          <a:cs typeface="+mn-cs"/>
+                        </a:rPr>
+                        <a:t>Advantage Care Physicians</a:t>
+                      </a:r>
+                    </a:p>
+                  </a:txBody>
+                  <a:tcPr anchor="ctr"/>
+                </a:tc>
+                <a:tc>
+                  <a:txBody>
+                    <a:bodyPr/>
+                    <a:lstStyle/>
+                    <a:p>
+                      <a:pPr algn="r" fontAlgn="ctr"/>
+                      <a:r>
+                        <a:rPr lang="en-US" sz="1200" kern="1200" dirty="0">
+                          <a:solidFill>
+                            <a:schemeClr val="dk1"/>
+                          </a:solidFill>
+                          <a:effectLst/>
+                          <a:latin typeface="+mn-lt"/>
+                          <a:ea typeface="+mn-ea"/>
+                          <a:cs typeface="+mn-cs"/>
+                        </a:rPr>
+                        <a:t>11</a:t>
+                      </a:r>
+                    </a:p>
+                  </a:txBody>
+                  <a:tcPr anchor="ctr"/>
+                </a:tc>
+                <a:tc>
+                  <a:txBody>
+                    <a:bodyPr/>
+                    <a:lstStyle/>
+                    <a:p>
+                      <a:pPr algn="r" fontAlgn="ctr"/>
+                      <a:r>
+                        <a:rPr lang="en-US" sz="1200" kern="1200" dirty="0">
+                          <a:solidFill>
+                            <a:schemeClr val="dk1"/>
+                          </a:solidFill>
+                          <a:effectLst/>
+                          <a:latin typeface="+mn-lt"/>
+                          <a:ea typeface="+mn-ea"/>
+                          <a:cs typeface="+mn-cs"/>
+                        </a:rPr>
+                        <a:t>1.3%</a:t>
+                      </a:r>
+                    </a:p>
+                  </a:txBody>
+                  <a:tcPr anchor="ctr"/>
+                </a:tc>
+                <a:extLst>
+                  <a:ext uri="{0D108BD9-81ED-4DB2-BD59-A6C34878D82A}">
+                    <a16:rowId xmlns:a16="http://schemas.microsoft.com/office/drawing/2014/main" val="1394677878"/>
+                  </a:ext>
+                </a:extLst>
+              </a:tr>
+              <a:tr h="366412">
+                <a:tc>
+                  <a:txBody>
+                    <a:bodyPr/>
+                    <a:lstStyle/>
+                    <a:p>
+                      <a:pPr algn="r" fontAlgn="ctr"/>
+                      <a:r>
+                        <a:rPr lang="en-US" sz="1200" b="1" kern="1200" dirty="0">
+                          <a:solidFill>
+                            <a:schemeClr val="dk1"/>
+                          </a:solidFill>
+                          <a:effectLst/>
+                          <a:latin typeface="+mn-lt"/>
+                          <a:ea typeface="+mn-ea"/>
+                          <a:cs typeface="+mn-cs"/>
+                        </a:rPr>
+                        <a:t>NYU LANGONE HOSPITAL CENTER</a:t>
+                      </a:r>
+                    </a:p>
+                  </a:txBody>
+                  <a:tcPr anchor="ctr"/>
+                </a:tc>
+                <a:tc>
+                  <a:txBody>
+                    <a:bodyPr/>
+                    <a:lstStyle/>
+                    <a:p>
+                      <a:pPr algn="r" fontAlgn="ctr"/>
+                      <a:r>
+                        <a:rPr lang="en-US" sz="1200" kern="1200" dirty="0">
+                          <a:solidFill>
+                            <a:schemeClr val="dk1"/>
+                          </a:solidFill>
+                          <a:effectLst/>
+                          <a:latin typeface="+mn-lt"/>
+                          <a:ea typeface="+mn-ea"/>
+                          <a:cs typeface="+mn-cs"/>
+                        </a:rPr>
+                        <a:t>10</a:t>
+                      </a:r>
+                    </a:p>
+                  </a:txBody>
+                  <a:tcPr anchor="ctr"/>
+                </a:tc>
+                <a:tc>
+                  <a:txBody>
+                    <a:bodyPr/>
+                    <a:lstStyle/>
+                    <a:p>
+                      <a:pPr algn="r" fontAlgn="ctr"/>
+                      <a:r>
+                        <a:rPr lang="en-US" sz="1200" kern="1200" dirty="0">
+                          <a:solidFill>
+                            <a:schemeClr val="dk1"/>
+                          </a:solidFill>
+                          <a:effectLst/>
+                          <a:latin typeface="+mn-lt"/>
+                          <a:ea typeface="+mn-ea"/>
+                          <a:cs typeface="+mn-cs"/>
+                        </a:rPr>
+                        <a:t>1.2%</a:t>
+                      </a:r>
+                    </a:p>
+                  </a:txBody>
+                  <a:tcPr anchor="ctr"/>
+                </a:tc>
+                <a:extLst>
+                  <a:ext uri="{0D108BD9-81ED-4DB2-BD59-A6C34878D82A}">
+                    <a16:rowId xmlns:a16="http://schemas.microsoft.com/office/drawing/2014/main" val="3546039497"/>
+                  </a:ext>
+                </a:extLst>
+              </a:tr>
+              <a:tr h="366412">
+                <a:tc>
+                  <a:txBody>
+                    <a:bodyPr/>
+                    <a:lstStyle/>
+                    <a:p>
+                      <a:pPr algn="r" fontAlgn="ctr"/>
+                      <a:r>
+                        <a:rPr lang="en-US" sz="1200" b="1" kern="1200" dirty="0">
+                          <a:solidFill>
+                            <a:schemeClr val="dk1"/>
+                          </a:solidFill>
+                          <a:effectLst/>
+                          <a:latin typeface="+mn-lt"/>
+                          <a:ea typeface="+mn-ea"/>
+                          <a:cs typeface="+mn-cs"/>
+                        </a:rPr>
+                        <a:t>MOUNT SINAI HOSPITAL</a:t>
+                      </a:r>
+                    </a:p>
+                  </a:txBody>
+                  <a:tcPr anchor="ctr"/>
+                </a:tc>
+                <a:tc>
+                  <a:txBody>
+                    <a:bodyPr/>
+                    <a:lstStyle/>
+                    <a:p>
+                      <a:pPr algn="r" fontAlgn="ctr"/>
+                      <a:r>
+                        <a:rPr lang="en-US" sz="1200" kern="1200" dirty="0">
+                          <a:solidFill>
+                            <a:schemeClr val="dk1"/>
+                          </a:solidFill>
+                          <a:effectLst/>
+                          <a:latin typeface="+mn-lt"/>
+                          <a:ea typeface="+mn-ea"/>
+                          <a:cs typeface="+mn-cs"/>
+                        </a:rPr>
+                        <a:t>10</a:t>
+                      </a:r>
+                    </a:p>
+                  </a:txBody>
+                  <a:tcPr anchor="ctr"/>
+                </a:tc>
+                <a:tc>
+                  <a:txBody>
+                    <a:bodyPr/>
+                    <a:lstStyle/>
+                    <a:p>
+                      <a:pPr algn="r" fontAlgn="ctr"/>
+                      <a:r>
+                        <a:rPr lang="en-US" sz="1200" kern="1200" dirty="0">
+                          <a:solidFill>
+                            <a:schemeClr val="dk1"/>
+                          </a:solidFill>
+                          <a:effectLst/>
+                          <a:latin typeface="+mn-lt"/>
+                          <a:ea typeface="+mn-ea"/>
+                          <a:cs typeface="+mn-cs"/>
+                        </a:rPr>
+                        <a:t>1.2%</a:t>
+                      </a:r>
+                    </a:p>
+                  </a:txBody>
+                  <a:tcPr anchor="ctr"/>
+                </a:tc>
+                <a:extLst>
+                  <a:ext uri="{0D108BD9-81ED-4DB2-BD59-A6C34878D82A}">
+                    <a16:rowId xmlns:a16="http://schemas.microsoft.com/office/drawing/2014/main" val="533603965"/>
+                  </a:ext>
+                </a:extLst>
+              </a:tr>
+              <a:tr h="366412">
+                <a:tc>
+                  <a:txBody>
+                    <a:bodyPr/>
+                    <a:lstStyle/>
+                    <a:p>
+                      <a:pPr algn="r" fontAlgn="ctr"/>
+                      <a:r>
+                        <a:rPr lang="en-US" sz="1200" b="1" kern="1200" dirty="0">
+                          <a:solidFill>
+                            <a:schemeClr val="dk1"/>
+                          </a:solidFill>
+                          <a:effectLst/>
+                          <a:latin typeface="+mn-lt"/>
+                          <a:ea typeface="+mn-ea"/>
+                          <a:cs typeface="+mn-cs"/>
+                        </a:rPr>
+                        <a:t>GOTHAM MEDICAL ASSOCIATES</a:t>
+                      </a:r>
+                    </a:p>
+                  </a:txBody>
+                  <a:tcPr anchor="ctr"/>
+                </a:tc>
+                <a:tc>
+                  <a:txBody>
+                    <a:bodyPr/>
+                    <a:lstStyle/>
+                    <a:p>
+                      <a:pPr algn="r" fontAlgn="ctr"/>
+                      <a:r>
+                        <a:rPr lang="en-US" sz="1200" kern="1200" dirty="0">
+                          <a:solidFill>
+                            <a:schemeClr val="dk1"/>
+                          </a:solidFill>
+                          <a:effectLst/>
+                          <a:latin typeface="+mn-lt"/>
+                          <a:ea typeface="+mn-ea"/>
+                          <a:cs typeface="+mn-cs"/>
+                        </a:rPr>
+                        <a:t>9</a:t>
+                      </a:r>
+                    </a:p>
+                  </a:txBody>
+                  <a:tcPr anchor="ctr"/>
+                </a:tc>
+                <a:tc>
+                  <a:txBody>
+                    <a:bodyPr/>
+                    <a:lstStyle/>
+                    <a:p>
+                      <a:pPr algn="r" fontAlgn="ctr"/>
+                      <a:r>
+                        <a:rPr lang="en-US" sz="1200" kern="1200" dirty="0">
+                          <a:solidFill>
+                            <a:schemeClr val="dk1"/>
+                          </a:solidFill>
+                          <a:effectLst/>
+                          <a:latin typeface="+mn-lt"/>
+                          <a:ea typeface="+mn-ea"/>
+                          <a:cs typeface="+mn-cs"/>
+                        </a:rPr>
+                        <a:t>1.1%</a:t>
+                      </a:r>
+                    </a:p>
+                  </a:txBody>
+                  <a:tcPr anchor="ctr"/>
+                </a:tc>
+                <a:extLst>
+                  <a:ext uri="{0D108BD9-81ED-4DB2-BD59-A6C34878D82A}">
+                    <a16:rowId xmlns:a16="http://schemas.microsoft.com/office/drawing/2014/main" val="1117828014"/>
+                  </a:ext>
+                </a:extLst>
+              </a:tr>
+            </a:tbl>
+          </a:graphicData>
+        </a:graphic>
+      </p:graphicFrame>
+      <p:sp>
+        <p:nvSpPr>
+          <p:cNvPr id="8" name="Rectangle 7">
+            <a:extLst>
+              <a:ext uri="{FF2B5EF4-FFF2-40B4-BE49-F238E27FC236}">
+                <a16:creationId xmlns:a16="http://schemas.microsoft.com/office/drawing/2014/main" id="{6A527464-7B57-49D9-A8AD-8B58E89344B0}"/>
+              </a:ext>
+            </a:extLst>
+          </p:cNvPr>
+          <p:cNvSpPr/>
+          <p:nvPr/>
+        </p:nvSpPr>
+        <p:spPr>
+          <a:xfrm>
+            <a:off x="4214649" y="4866968"/>
+            <a:ext cx="4424854" cy="372457"/>
+          </a:xfrm>
+          <a:prstGeom prst="rect">
+            <a:avLst/>
+          </a:prstGeom>
+          <a:noFill/>
+          <a:ln>
+            <a:solidFill>
+              <a:schemeClr val="tx2"/>
+            </a:solidFill>
+          </a:ln>
+        </p:spPr>
+        <p:style>
+          <a:lnRef idx="2">
+            <a:schemeClr val="accent1">
+              <a:shade val="50000"/>
+            </a:schemeClr>
+          </a:lnRef>
+          <a:fillRef idx="1">
+            <a:schemeClr val="accent1"/>
+          </a:fillRef>
+          <a:effectRef idx="0">
+            <a:schemeClr val="accent1"/>
+          </a:effectRef>
+          <a:fontRef idx="minor">
+            <a:schemeClr val="lt1"/>
+          </a:fontRef>
+        </p:style>
+        <p:txBody>
+          <a:bodyPr rtlCol="0" anchor="ctr"/>
+          <a:lstStyle/>
+          <a:p>
+            <a:pPr algn="ctr"/>
+            <a:endParaRPr lang="en-US"/>
+          </a:p>
+        </p:txBody>
+      </p:sp>
+      <p:sp>
+        <p:nvSpPr>
+          <p:cNvPr id="9" name="Rectangle 8">
+            <a:extLst>
+              <a:ext uri="{FF2B5EF4-FFF2-40B4-BE49-F238E27FC236}">
+                <a16:creationId xmlns:a16="http://schemas.microsoft.com/office/drawing/2014/main" id="{60B6916C-930C-4051-86FD-73C6EB03FB05}"/>
+              </a:ext>
+            </a:extLst>
+          </p:cNvPr>
+          <p:cNvSpPr/>
+          <p:nvPr/>
+        </p:nvSpPr>
+        <p:spPr>
+          <a:xfrm>
+            <a:off x="4238297" y="3299189"/>
+            <a:ext cx="4424854" cy="372457"/>
+          </a:xfrm>
+          <a:prstGeom prst="rect">
+            <a:avLst/>
+          </a:prstGeom>
+          <a:noFill/>
+          <a:ln>
+            <a:solidFill>
+              <a:schemeClr val="tx2"/>
+            </a:solidFill>
+          </a:ln>
+        </p:spPr>
+        <p:style>
+          <a:lnRef idx="2">
+            <a:schemeClr val="accent1">
+              <a:shade val="50000"/>
+            </a:schemeClr>
+          </a:lnRef>
+          <a:fillRef idx="1">
+            <a:schemeClr val="accent1"/>
+          </a:fillRef>
+          <a:effectRef idx="0">
+            <a:schemeClr val="accent1"/>
+          </a:effectRef>
+          <a:fontRef idx="minor">
+            <a:schemeClr val="lt1"/>
+          </a:fontRef>
+        </p:style>
+        <p:txBody>
+          <a:bodyPr rtlCol="0" anchor="ctr"/>
+          <a:lstStyle/>
+          <a:p>
+            <a:pPr algn="ctr"/>
+            <a:endParaRPr lang="en-US"/>
+          </a:p>
+        </p:txBody>
+      </p:sp>
+    </p:spTree>
+    <p:extLst>
+      <p:ext uri="{BB962C8B-B14F-4D97-AF65-F5344CB8AC3E}">
+        <p14:creationId xmlns:p14="http://schemas.microsoft.com/office/powerpoint/2010/main" val="3403494613"/>
+      </p:ext>
+    </p:extLst>
+  </p:cSld>
+  <p:clrMapOvr>
+    <a:masterClrMapping/>
+  </p:clrMapOvr>
+</p:sld>
+</file>
+
+<file path=ppt/slides/slide21.xml><?xml version="1.0" encoding="utf-8"?>
+<p:sld xmlns:a="http://schemas.openxmlformats.org/drawingml/2006/main" xmlns:r="http://schemas.openxmlformats.org/officeDocument/2006/relationships" xmlns:p="http://schemas.openxmlformats.org/presentationml/2006/main">
+  <p:cSld>
+    <p:spTree>
+      <p:nvGrpSpPr>
+        <p:cNvPr id="1" name=""/>
+        <p:cNvGrpSpPr/>
+        <p:nvPr/>
+      </p:nvGrpSpPr>
+      <p:grpSpPr>
+        <a:xfrm>
+          <a:off x="0" y="0"/>
+          <a:ext cx="0" cy="0"/>
+          <a:chOff x="0" y="0"/>
+          <a:chExt cx="0" cy="0"/>
+        </a:xfrm>
+      </p:grpSpPr>
+      <p:pic>
+        <p:nvPicPr>
+          <p:cNvPr id="26" name="Picture 25">
+            <a:extLst>
+              <a:ext uri="{FF2B5EF4-FFF2-40B4-BE49-F238E27FC236}">
+                <a16:creationId xmlns:a16="http://schemas.microsoft.com/office/drawing/2014/main" id="{88CEDAE4-0985-4C83-82E0-7B4D020E7BB5}"/>
+              </a:ext>
+            </a:extLst>
+          </p:cNvPr>
+          <p:cNvPicPr>
+            <a:picLocks noChangeAspect="1"/>
+          </p:cNvPicPr>
+          <p:nvPr/>
+        </p:nvPicPr>
+        <p:blipFill>
+          <a:blip r:embed="rId3"/>
+          <a:stretch>
+            <a:fillRect/>
+          </a:stretch>
+        </p:blipFill>
+        <p:spPr>
+          <a:xfrm>
+            <a:off x="4523020" y="1975389"/>
+            <a:ext cx="4517559" cy="2985442"/>
+          </a:xfrm>
+          <a:prstGeom prst="rect">
+            <a:avLst/>
+          </a:prstGeom>
+        </p:spPr>
+      </p:pic>
+      <p:pic>
+        <p:nvPicPr>
+          <p:cNvPr id="18" name="Picture 17">
+            <a:extLst>
+              <a:ext uri="{FF2B5EF4-FFF2-40B4-BE49-F238E27FC236}">
+                <a16:creationId xmlns:a16="http://schemas.microsoft.com/office/drawing/2014/main" id="{9F764F7E-E164-4AAE-B0C3-3ABE6904BE82}"/>
+              </a:ext>
+            </a:extLst>
+          </p:cNvPr>
+          <p:cNvPicPr>
+            <a:picLocks noChangeAspect="1"/>
+          </p:cNvPicPr>
+          <p:nvPr/>
+        </p:nvPicPr>
+        <p:blipFill rotWithShape="1">
+          <a:blip r:embed="rId4"/>
+          <a:srcRect r="4051"/>
+          <a:stretch/>
+        </p:blipFill>
+        <p:spPr>
+          <a:xfrm>
+            <a:off x="179336" y="1977847"/>
+            <a:ext cx="4379794" cy="3048960"/>
+          </a:xfrm>
+          <a:prstGeom prst="rect">
+            <a:avLst/>
+          </a:prstGeom>
+        </p:spPr>
+      </p:pic>
+      <p:sp>
+        <p:nvSpPr>
+          <p:cNvPr id="2" name="Title 1">
+            <a:extLst>
+              <a:ext uri="{FF2B5EF4-FFF2-40B4-BE49-F238E27FC236}">
+                <a16:creationId xmlns:a16="http://schemas.microsoft.com/office/drawing/2014/main" id="{0E4B7723-5988-4485-BB04-A1FAD129A538}"/>
+              </a:ext>
+            </a:extLst>
+          </p:cNvPr>
+          <p:cNvSpPr>
+            <a:spLocks noGrp="1"/>
+          </p:cNvSpPr>
+          <p:nvPr>
+            <p:ph type="title"/>
+          </p:nvPr>
+        </p:nvSpPr>
+        <p:spPr/>
+        <p:txBody>
+          <a:bodyPr>
+            <a:noAutofit/>
+          </a:bodyPr>
+          <a:lstStyle/>
+          <a:p>
+            <a:r>
+              <a:rPr lang="en-US" sz="2400" dirty="0"/>
+              <a:t>Gastroenterologists 50 to 70 years old account for 52% of the pool and tend to receive more patient reviews than other groups</a:t>
+            </a:r>
+          </a:p>
+        </p:txBody>
+      </p:sp>
+      <p:sp>
+        <p:nvSpPr>
+          <p:cNvPr id="11" name="TextBox 10">
+            <a:extLst>
+              <a:ext uri="{FF2B5EF4-FFF2-40B4-BE49-F238E27FC236}">
+                <a16:creationId xmlns:a16="http://schemas.microsoft.com/office/drawing/2014/main" id="{A97D75BD-0B59-434C-B4AC-C94795F7E946}"/>
+              </a:ext>
+            </a:extLst>
+          </p:cNvPr>
+          <p:cNvSpPr txBox="1"/>
+          <p:nvPr/>
+        </p:nvSpPr>
+        <p:spPr>
+          <a:xfrm>
+            <a:off x="2996322" y="1647109"/>
+            <a:ext cx="3548144" cy="307777"/>
+          </a:xfrm>
+          <a:prstGeom prst="rect">
+            <a:avLst/>
+          </a:prstGeom>
+          <a:noFill/>
+          <a:ln>
+            <a:solidFill>
+              <a:schemeClr val="bg1">
+                <a:lumMod val="65000"/>
+              </a:schemeClr>
+            </a:solidFill>
+          </a:ln>
+        </p:spPr>
+        <p:txBody>
+          <a:bodyPr wrap="square" rtlCol="0">
+            <a:spAutoFit/>
+          </a:bodyPr>
+          <a:lstStyle/>
+          <a:p>
+            <a:pPr algn="ctr"/>
+            <a:r>
+              <a:rPr lang="en-US" sz="1400" i="1" dirty="0">
+                <a:latin typeface="Calibri" panose="020F0502020204030204" pitchFamily="34" charset="0"/>
+                <a:cs typeface="Calibri" panose="020F0502020204030204" pitchFamily="34" charset="0"/>
+              </a:rPr>
+              <a:t>N = </a:t>
+            </a:r>
+            <a:r>
+              <a:rPr lang="en-US" sz="1400" dirty="0">
+                <a:latin typeface="Calibri" panose="020F0502020204030204" pitchFamily="34" charset="0"/>
+                <a:cs typeface="Calibri" panose="020F0502020204030204" pitchFamily="34" charset="0"/>
+              </a:rPr>
+              <a:t>737 doctors with age information</a:t>
+            </a:r>
+          </a:p>
+        </p:txBody>
+      </p:sp>
+      <p:sp>
+        <p:nvSpPr>
+          <p:cNvPr id="12" name="TextBox 11">
+            <a:extLst>
+              <a:ext uri="{FF2B5EF4-FFF2-40B4-BE49-F238E27FC236}">
+                <a16:creationId xmlns:a16="http://schemas.microsoft.com/office/drawing/2014/main" id="{3518C54A-A47F-43A0-9040-589DE8D579B8}"/>
+              </a:ext>
+            </a:extLst>
+          </p:cNvPr>
+          <p:cNvSpPr txBox="1"/>
+          <p:nvPr/>
+        </p:nvSpPr>
+        <p:spPr>
+          <a:xfrm>
+            <a:off x="1351358" y="3763360"/>
+            <a:ext cx="404278" cy="307777"/>
+          </a:xfrm>
+          <a:prstGeom prst="rect">
+            <a:avLst/>
+          </a:prstGeom>
+          <a:noFill/>
+        </p:spPr>
+        <p:txBody>
+          <a:bodyPr wrap="none" rtlCol="0">
+            <a:spAutoFit/>
+          </a:bodyPr>
+          <a:lstStyle/>
+          <a:p>
+            <a:r>
+              <a:rPr lang="en-US" sz="1400" dirty="0">
+                <a:solidFill>
+                  <a:schemeClr val="bg1"/>
+                </a:solidFill>
+                <a:latin typeface="Calibri" panose="020F0502020204030204" pitchFamily="34" charset="0"/>
+                <a:cs typeface="Calibri" panose="020F0502020204030204" pitchFamily="34" charset="0"/>
+              </a:rPr>
+              <a:t>8%</a:t>
+            </a:r>
+          </a:p>
+        </p:txBody>
+      </p:sp>
+      <p:sp>
+        <p:nvSpPr>
+          <p:cNvPr id="13" name="TextBox 12">
+            <a:extLst>
+              <a:ext uri="{FF2B5EF4-FFF2-40B4-BE49-F238E27FC236}">
+                <a16:creationId xmlns:a16="http://schemas.microsoft.com/office/drawing/2014/main" id="{C9693111-BDFF-4C8E-BCE5-68F7784CD44C}"/>
+              </a:ext>
+            </a:extLst>
+          </p:cNvPr>
+          <p:cNvSpPr txBox="1"/>
+          <p:nvPr/>
+        </p:nvSpPr>
+        <p:spPr>
+          <a:xfrm>
+            <a:off x="1713212" y="2920202"/>
+            <a:ext cx="495649" cy="307777"/>
+          </a:xfrm>
+          <a:prstGeom prst="rect">
+            <a:avLst/>
+          </a:prstGeom>
+          <a:noFill/>
+        </p:spPr>
+        <p:txBody>
+          <a:bodyPr wrap="none" rtlCol="0">
+            <a:spAutoFit/>
+          </a:bodyPr>
+          <a:lstStyle/>
+          <a:p>
+            <a:r>
+              <a:rPr lang="en-US" sz="1400" dirty="0">
+                <a:solidFill>
+                  <a:schemeClr val="bg1"/>
+                </a:solidFill>
+                <a:latin typeface="Calibri" panose="020F0502020204030204" pitchFamily="34" charset="0"/>
+                <a:cs typeface="Calibri" panose="020F0502020204030204" pitchFamily="34" charset="0"/>
+              </a:rPr>
+              <a:t>19%</a:t>
+            </a:r>
+          </a:p>
+        </p:txBody>
+      </p:sp>
+      <p:sp>
+        <p:nvSpPr>
+          <p:cNvPr id="14" name="TextBox 13">
+            <a:extLst>
+              <a:ext uri="{FF2B5EF4-FFF2-40B4-BE49-F238E27FC236}">
+                <a16:creationId xmlns:a16="http://schemas.microsoft.com/office/drawing/2014/main" id="{2B0E9759-86B4-49FC-9BA7-0066619B7E1E}"/>
+              </a:ext>
+            </a:extLst>
+          </p:cNvPr>
+          <p:cNvSpPr txBox="1"/>
+          <p:nvPr/>
+        </p:nvSpPr>
+        <p:spPr>
+          <a:xfrm>
+            <a:off x="2121408" y="2477114"/>
+            <a:ext cx="495649" cy="307777"/>
+          </a:xfrm>
+          <a:prstGeom prst="rect">
+            <a:avLst/>
+          </a:prstGeom>
+          <a:noFill/>
+        </p:spPr>
+        <p:txBody>
+          <a:bodyPr wrap="none" rtlCol="0">
+            <a:spAutoFit/>
+          </a:bodyPr>
+          <a:lstStyle/>
+          <a:p>
+            <a:r>
+              <a:rPr lang="en-US" sz="1400" dirty="0">
+                <a:solidFill>
+                  <a:schemeClr val="bg1"/>
+                </a:solidFill>
+                <a:latin typeface="Calibri" panose="020F0502020204030204" pitchFamily="34" charset="0"/>
+                <a:cs typeface="Calibri" panose="020F0502020204030204" pitchFamily="34" charset="0"/>
+              </a:rPr>
+              <a:t>24%</a:t>
+            </a:r>
+          </a:p>
+        </p:txBody>
+      </p:sp>
+      <p:sp>
+        <p:nvSpPr>
+          <p:cNvPr id="15" name="TextBox 14">
+            <a:extLst>
+              <a:ext uri="{FF2B5EF4-FFF2-40B4-BE49-F238E27FC236}">
+                <a16:creationId xmlns:a16="http://schemas.microsoft.com/office/drawing/2014/main" id="{C1FF7434-90D1-4B2B-AB40-3AD11AF63449}"/>
+              </a:ext>
+            </a:extLst>
+          </p:cNvPr>
+          <p:cNvSpPr txBox="1"/>
+          <p:nvPr/>
+        </p:nvSpPr>
+        <p:spPr>
+          <a:xfrm>
+            <a:off x="2583367" y="2169337"/>
+            <a:ext cx="495649" cy="307777"/>
+          </a:xfrm>
+          <a:prstGeom prst="rect">
+            <a:avLst/>
+          </a:prstGeom>
+          <a:noFill/>
+        </p:spPr>
+        <p:txBody>
+          <a:bodyPr wrap="none" rtlCol="0">
+            <a:spAutoFit/>
+          </a:bodyPr>
+          <a:lstStyle/>
+          <a:p>
+            <a:r>
+              <a:rPr lang="en-US" sz="1400" dirty="0">
+                <a:solidFill>
+                  <a:schemeClr val="bg1"/>
+                </a:solidFill>
+                <a:latin typeface="Calibri" panose="020F0502020204030204" pitchFamily="34" charset="0"/>
+                <a:cs typeface="Calibri" panose="020F0502020204030204" pitchFamily="34" charset="0"/>
+              </a:rPr>
+              <a:t>28%</a:t>
+            </a:r>
+          </a:p>
+        </p:txBody>
+      </p:sp>
+      <p:sp>
+        <p:nvSpPr>
+          <p:cNvPr id="16" name="TextBox 15">
+            <a:extLst>
+              <a:ext uri="{FF2B5EF4-FFF2-40B4-BE49-F238E27FC236}">
+                <a16:creationId xmlns:a16="http://schemas.microsoft.com/office/drawing/2014/main" id="{C8747F32-D502-496B-9880-8A59A552FEFB}"/>
+              </a:ext>
+            </a:extLst>
+          </p:cNvPr>
+          <p:cNvSpPr txBox="1"/>
+          <p:nvPr/>
+        </p:nvSpPr>
+        <p:spPr>
+          <a:xfrm>
+            <a:off x="2996322" y="3280463"/>
+            <a:ext cx="495649" cy="307777"/>
+          </a:xfrm>
+          <a:prstGeom prst="rect">
+            <a:avLst/>
+          </a:prstGeom>
+          <a:noFill/>
+        </p:spPr>
+        <p:txBody>
+          <a:bodyPr wrap="none" rtlCol="0">
+            <a:spAutoFit/>
+          </a:bodyPr>
+          <a:lstStyle/>
+          <a:p>
+            <a:r>
+              <a:rPr lang="en-US" sz="1400" dirty="0">
+                <a:solidFill>
+                  <a:schemeClr val="bg1"/>
+                </a:solidFill>
+                <a:latin typeface="Calibri" panose="020F0502020204030204" pitchFamily="34" charset="0"/>
+                <a:cs typeface="Calibri" panose="020F0502020204030204" pitchFamily="34" charset="0"/>
+              </a:rPr>
+              <a:t>14%</a:t>
+            </a:r>
+          </a:p>
+        </p:txBody>
+      </p:sp>
+      <p:sp>
+        <p:nvSpPr>
+          <p:cNvPr id="17" name="TextBox 16">
+            <a:extLst>
+              <a:ext uri="{FF2B5EF4-FFF2-40B4-BE49-F238E27FC236}">
+                <a16:creationId xmlns:a16="http://schemas.microsoft.com/office/drawing/2014/main" id="{9BD9DE14-A98B-4ACF-B908-522C5A8104FB}"/>
+              </a:ext>
+            </a:extLst>
+          </p:cNvPr>
+          <p:cNvSpPr txBox="1"/>
+          <p:nvPr/>
+        </p:nvSpPr>
+        <p:spPr>
+          <a:xfrm>
+            <a:off x="3477223" y="3956579"/>
+            <a:ext cx="404278" cy="307777"/>
+          </a:xfrm>
+          <a:prstGeom prst="rect">
+            <a:avLst/>
+          </a:prstGeom>
+          <a:noFill/>
+        </p:spPr>
+        <p:txBody>
+          <a:bodyPr wrap="none" rtlCol="0">
+            <a:spAutoFit/>
+          </a:bodyPr>
+          <a:lstStyle/>
+          <a:p>
+            <a:r>
+              <a:rPr lang="en-US" sz="1400" dirty="0">
+                <a:solidFill>
+                  <a:schemeClr val="bg1"/>
+                </a:solidFill>
+                <a:latin typeface="Calibri" panose="020F0502020204030204" pitchFamily="34" charset="0"/>
+                <a:cs typeface="Calibri" panose="020F0502020204030204" pitchFamily="34" charset="0"/>
+              </a:rPr>
+              <a:t>6%</a:t>
+            </a:r>
+          </a:p>
+        </p:txBody>
+      </p:sp>
+      <p:sp>
+        <p:nvSpPr>
+          <p:cNvPr id="20" name="Comment1">
+            <a:extLst>
+              <a:ext uri="{FF2B5EF4-FFF2-40B4-BE49-F238E27FC236}">
+                <a16:creationId xmlns:a16="http://schemas.microsoft.com/office/drawing/2014/main" id="{64B09D8F-5332-4372-99A7-E9E54C118BC1}"/>
+              </a:ext>
+            </a:extLst>
+          </p:cNvPr>
+          <p:cNvSpPr/>
+          <p:nvPr/>
+        </p:nvSpPr>
+        <p:spPr>
+          <a:xfrm>
+            <a:off x="5073445" y="5122606"/>
+            <a:ext cx="3770672" cy="1493905"/>
+          </a:xfrm>
+          <a:prstGeom prst="borderCallout1">
+            <a:avLst>
+              <a:gd name="adj1" fmla="val -3308"/>
+              <a:gd name="adj2" fmla="val 32475"/>
+              <a:gd name="adj3" fmla="val -15284"/>
+              <a:gd name="adj4" fmla="val 38851"/>
+            </a:avLst>
+          </a:prstGeom>
+          <a:gradFill rotWithShape="1">
+            <a:gsLst>
+              <a:gs pos="0">
+                <a:srgbClr val="FCAF17">
+                  <a:tint val="50000"/>
+                  <a:satMod val="300000"/>
+                </a:srgbClr>
+              </a:gs>
+              <a:gs pos="35000">
+                <a:srgbClr val="FCAF17">
+                  <a:tint val="37000"/>
+                  <a:satMod val="300000"/>
+                </a:srgbClr>
+              </a:gs>
+              <a:gs pos="100000">
+                <a:srgbClr val="FCAF17">
+                  <a:tint val="15000"/>
+                  <a:satMod val="350000"/>
+                </a:srgbClr>
+              </a:gs>
+            </a:gsLst>
+            <a:lin ang="16200000" scaled="1"/>
+          </a:gradFill>
+          <a:ln w="9525" cap="flat" cmpd="sng" algn="ctr">
+            <a:noFill/>
+            <a:prstDash val="solid"/>
+            <a:tailEnd type="triangle"/>
+          </a:ln>
+          <a:effectLst>
+            <a:outerShdw blurRad="40000" dist="20000" dir="5400000" rotWithShape="0">
+              <a:srgbClr val="000000">
+                <a:alpha val="38000"/>
+              </a:srgbClr>
+            </a:outerShdw>
+          </a:effectLst>
+        </p:spPr>
+        <p:txBody>
+          <a:bodyPr wrap="square" lIns="0" tIns="0" rIns="0" bIns="0" anchor="ctr">
+            <a:noAutofit/>
+          </a:bodyPr>
+          <a:lstStyle/>
+          <a:p>
+            <a:pPr marL="109538" marR="0" lvl="0" indent="0" defTabSz="914400" eaLnBrk="1" fontAlgn="auto" latinLnBrk="0" hangingPunct="1">
+              <a:lnSpc>
+                <a:spcPct val="100000"/>
+              </a:lnSpc>
+              <a:spcBef>
+                <a:spcPts val="0"/>
+              </a:spcBef>
+              <a:spcAft>
+                <a:spcPts val="0"/>
+              </a:spcAft>
+              <a:buClrTx/>
+              <a:buSzTx/>
+              <a:buFontTx/>
+              <a:buNone/>
+              <a:tabLst/>
+              <a:defRPr/>
+            </a:pPr>
+            <a:r>
+              <a:rPr kumimoji="0" lang="en-US" sz="1400" b="0" i="0" u="none" strike="noStrike" kern="0" cap="none" spc="0" normalizeH="0" baseline="0" noProof="0" dirty="0">
+                <a:ln>
+                  <a:noFill/>
+                </a:ln>
+                <a:solidFill>
+                  <a:srgbClr val="000000"/>
+                </a:solidFill>
+                <a:effectLst/>
+                <a:uLnTx/>
+                <a:uFillTx/>
+                <a:latin typeface="Arial"/>
+                <a:ea typeface="+mn-ea"/>
+                <a:cs typeface="+mn-cs"/>
+              </a:rPr>
+              <a:t>The higher number of reviews per physician in the 50-70 age range could be due to:</a:t>
+            </a:r>
+          </a:p>
+          <a:p>
+            <a:pPr marL="395288" marR="0" lvl="0" indent="-285750" defTabSz="914400" eaLnBrk="1" fontAlgn="auto" latinLnBrk="0" hangingPunct="1">
+              <a:lnSpc>
+                <a:spcPct val="100000"/>
+              </a:lnSpc>
+              <a:spcBef>
+                <a:spcPts val="0"/>
+              </a:spcBef>
+              <a:spcAft>
+                <a:spcPts val="0"/>
+              </a:spcAft>
+              <a:buClrTx/>
+              <a:buSzTx/>
+              <a:buFont typeface="Arial" panose="020B0604020202020204" pitchFamily="34" charset="0"/>
+              <a:buChar char="•"/>
+              <a:tabLst/>
+              <a:defRPr/>
+            </a:pPr>
+            <a:r>
+              <a:rPr lang="en-US" sz="1400" kern="0" dirty="0">
+                <a:solidFill>
+                  <a:srgbClr val="000000"/>
+                </a:solidFill>
+                <a:latin typeface="Arial"/>
+              </a:rPr>
+              <a:t>More accumulated patients over time due to longer time in practice</a:t>
+            </a:r>
+          </a:p>
+          <a:p>
+            <a:pPr marL="395288" marR="0" lvl="0" indent="-285750" defTabSz="914400" eaLnBrk="1" fontAlgn="auto" latinLnBrk="0" hangingPunct="1">
+              <a:lnSpc>
+                <a:spcPct val="100000"/>
+              </a:lnSpc>
+              <a:spcBef>
+                <a:spcPts val="0"/>
+              </a:spcBef>
+              <a:spcAft>
+                <a:spcPts val="0"/>
+              </a:spcAft>
+              <a:buClrTx/>
+              <a:buSzTx/>
+              <a:buFont typeface="Arial" panose="020B0604020202020204" pitchFamily="34" charset="0"/>
+              <a:buChar char="•"/>
+              <a:tabLst/>
+              <a:defRPr/>
+            </a:pPr>
+            <a:r>
+              <a:rPr lang="en-US" sz="1400" kern="0" dirty="0">
+                <a:solidFill>
+                  <a:srgbClr val="000000"/>
+                </a:solidFill>
+                <a:latin typeface="Arial"/>
+              </a:rPr>
+              <a:t>Higher patient volume due to patient preference for physicians in this group</a:t>
+            </a:r>
+          </a:p>
+        </p:txBody>
+      </p:sp>
+      <p:sp>
+        <p:nvSpPr>
+          <p:cNvPr id="25" name="Rectangle 24">
+            <a:extLst>
+              <a:ext uri="{FF2B5EF4-FFF2-40B4-BE49-F238E27FC236}">
+                <a16:creationId xmlns:a16="http://schemas.microsoft.com/office/drawing/2014/main" id="{2FC5F18C-7498-41A3-A0D6-9DA4F2C5B1B3}"/>
+              </a:ext>
+            </a:extLst>
+          </p:cNvPr>
+          <p:cNvSpPr/>
+          <p:nvPr/>
+        </p:nvSpPr>
+        <p:spPr>
+          <a:xfrm>
+            <a:off x="6223819" y="2109019"/>
+            <a:ext cx="1115962" cy="2349910"/>
+          </a:xfrm>
+          <a:prstGeom prst="rect">
+            <a:avLst/>
+          </a:prstGeom>
+          <a:noFill/>
+          <a:ln w="15875">
+            <a:solidFill>
+              <a:schemeClr val="tx2"/>
+            </a:solidFill>
+            <a:prstDash val="sysDash"/>
+          </a:ln>
+        </p:spPr>
+        <p:style>
+          <a:lnRef idx="2">
+            <a:schemeClr val="accent1">
+              <a:shade val="50000"/>
+            </a:schemeClr>
+          </a:lnRef>
+          <a:fillRef idx="1">
+            <a:schemeClr val="accent1"/>
+          </a:fillRef>
+          <a:effectRef idx="0">
+            <a:schemeClr val="accent1"/>
+          </a:effectRef>
+          <a:fontRef idx="minor">
+            <a:schemeClr val="lt1"/>
+          </a:fontRef>
+        </p:style>
+        <p:txBody>
+          <a:bodyPr rtlCol="0" anchor="ctr"/>
+          <a:lstStyle/>
+          <a:p>
+            <a:pPr algn="ctr"/>
+            <a:endParaRPr lang="en-US"/>
+          </a:p>
+        </p:txBody>
+      </p:sp>
+    </p:spTree>
+    <p:extLst>
+      <p:ext uri="{BB962C8B-B14F-4D97-AF65-F5344CB8AC3E}">
+        <p14:creationId xmlns:p14="http://schemas.microsoft.com/office/powerpoint/2010/main" val="3792428085"/>
+      </p:ext>
+    </p:extLst>
+  </p:cSld>
+  <p:clrMapOvr>
+    <a:masterClrMapping/>
+  </p:clrMapOvr>
+</p:sld>
+</file>
+
+<file path=ppt/slides/slide22.xml><?xml version="1.0" encoding="utf-8"?>
+<p:sld xmlns:a="http://schemas.openxmlformats.org/drawingml/2006/main" xmlns:r="http://schemas.openxmlformats.org/officeDocument/2006/relationships" xmlns:p="http://schemas.openxmlformats.org/presentationml/2006/main">
+  <p:cSld>
+    <p:spTree>
+      <p:nvGrpSpPr>
+        <p:cNvPr id="1" name=""/>
+        <p:cNvGrpSpPr/>
+        <p:nvPr/>
+      </p:nvGrpSpPr>
+      <p:grpSpPr>
+        <a:xfrm>
+          <a:off x="0" y="0"/>
+          <a:ext cx="0" cy="0"/>
+          <a:chOff x="0" y="0"/>
+          <a:chExt cx="0" cy="0"/>
+        </a:xfrm>
+      </p:grpSpPr>
+      <p:sp>
+        <p:nvSpPr>
+          <p:cNvPr id="2" name="Title 1">
+            <a:extLst>
+              <a:ext uri="{FF2B5EF4-FFF2-40B4-BE49-F238E27FC236}">
+                <a16:creationId xmlns:a16="http://schemas.microsoft.com/office/drawing/2014/main" id="{4A6D90A8-A9D9-46FE-8FDE-CBE88DB00666}"/>
+              </a:ext>
+            </a:extLst>
+          </p:cNvPr>
+          <p:cNvSpPr>
+            <a:spLocks noGrp="1"/>
+          </p:cNvSpPr>
+          <p:nvPr>
+            <p:ph type="title"/>
+          </p:nvPr>
+        </p:nvSpPr>
+        <p:spPr/>
+        <p:txBody>
+          <a:bodyPr>
+            <a:normAutofit/>
+          </a:bodyPr>
+          <a:lstStyle/>
+          <a:p>
+            <a:r>
+              <a:rPr lang="en-US" sz="2600" dirty="0"/>
+              <a:t>Doctor’s score is usually higher than the staff score and the overall rating is either same as doctor’s score or lower</a:t>
+            </a:r>
+          </a:p>
+        </p:txBody>
+      </p:sp>
+      <p:pic>
+        <p:nvPicPr>
+          <p:cNvPr id="3" name="Picture 2">
+            <a:extLst>
+              <a:ext uri="{FF2B5EF4-FFF2-40B4-BE49-F238E27FC236}">
+                <a16:creationId xmlns:a16="http://schemas.microsoft.com/office/drawing/2014/main" id="{6B854E26-2470-4924-85D8-DBCA77AE61C4}"/>
+              </a:ext>
+            </a:extLst>
+          </p:cNvPr>
+          <p:cNvPicPr>
+            <a:picLocks noChangeAspect="1"/>
+          </p:cNvPicPr>
+          <p:nvPr/>
+        </p:nvPicPr>
+        <p:blipFill>
+          <a:blip r:embed="rId2"/>
+          <a:stretch>
+            <a:fillRect/>
+          </a:stretch>
+        </p:blipFill>
+        <p:spPr>
+          <a:xfrm>
+            <a:off x="126124" y="2202839"/>
+            <a:ext cx="4393608" cy="2912141"/>
+          </a:xfrm>
+          <a:prstGeom prst="rect">
+            <a:avLst/>
+          </a:prstGeom>
+        </p:spPr>
+      </p:pic>
+      <p:pic>
+        <p:nvPicPr>
+          <p:cNvPr id="4" name="Picture 3">
+            <a:extLst>
+              <a:ext uri="{FF2B5EF4-FFF2-40B4-BE49-F238E27FC236}">
+                <a16:creationId xmlns:a16="http://schemas.microsoft.com/office/drawing/2014/main" id="{BF50DEF5-88E8-4933-B1F0-0443D98676FE}"/>
+              </a:ext>
+            </a:extLst>
+          </p:cNvPr>
+          <p:cNvPicPr>
+            <a:picLocks noChangeAspect="1"/>
+          </p:cNvPicPr>
+          <p:nvPr/>
+        </p:nvPicPr>
+        <p:blipFill>
+          <a:blip r:embed="rId3"/>
+          <a:stretch>
+            <a:fillRect/>
+          </a:stretch>
+        </p:blipFill>
+        <p:spPr>
+          <a:xfrm>
+            <a:off x="4335518" y="2202839"/>
+            <a:ext cx="4288220" cy="2870272"/>
+          </a:xfrm>
+          <a:prstGeom prst="rect">
+            <a:avLst/>
+          </a:prstGeom>
+        </p:spPr>
+      </p:pic>
+    </p:spTree>
+    <p:extLst>
+      <p:ext uri="{BB962C8B-B14F-4D97-AF65-F5344CB8AC3E}">
+        <p14:creationId xmlns:p14="http://schemas.microsoft.com/office/powerpoint/2010/main" val="1142293693"/>
+      </p:ext>
+    </p:extLst>
+  </p:cSld>
+  <p:clrMapOvr>
+    <a:masterClrMapping/>
+  </p:clrMapOvr>
+</p:sld>
+</file>
+
+<file path=ppt/slides/slide23.xml><?xml version="1.0" encoding="utf-8"?>
+<p:sld xmlns:a="http://schemas.openxmlformats.org/drawingml/2006/main" xmlns:r="http://schemas.openxmlformats.org/officeDocument/2006/relationships" xmlns:p="http://schemas.openxmlformats.org/presentationml/2006/main">
+  <p:cSld>
+    <p:spTree>
+      <p:nvGrpSpPr>
+        <p:cNvPr id="1" name=""/>
+        <p:cNvGrpSpPr/>
+        <p:nvPr/>
+      </p:nvGrpSpPr>
+      <p:grpSpPr>
+        <a:xfrm>
+          <a:off x="0" y="0"/>
+          <a:ext cx="0" cy="0"/>
+          <a:chOff x="0" y="0"/>
+          <a:chExt cx="0" cy="0"/>
+        </a:xfrm>
+      </p:grpSpPr>
+      <p:sp>
+        <p:nvSpPr>
+          <p:cNvPr id="2" name="Title 1">
+            <a:extLst>
+              <a:ext uri="{FF2B5EF4-FFF2-40B4-BE49-F238E27FC236}">
+                <a16:creationId xmlns:a16="http://schemas.microsoft.com/office/drawing/2014/main" id="{08822C53-1234-4E1B-B227-42CAE27664CB}"/>
+              </a:ext>
+            </a:extLst>
+          </p:cNvPr>
+          <p:cNvSpPr>
+            <a:spLocks noGrp="1"/>
+          </p:cNvSpPr>
+          <p:nvPr>
+            <p:ph type="title"/>
+          </p:nvPr>
+        </p:nvSpPr>
+        <p:spPr/>
+        <p:txBody>
+          <a:bodyPr>
+            <a:normAutofit fontScale="90000"/>
+          </a:bodyPr>
+          <a:lstStyle/>
+          <a:p>
+            <a:r>
+              <a:rPr lang="en-US" dirty="0"/>
+              <a:t>Patients are most satisfied with cardiologists in NYC metro area aged between 40 to 60 years old</a:t>
+            </a:r>
+          </a:p>
+        </p:txBody>
+      </p:sp>
+      <p:pic>
+        <p:nvPicPr>
+          <p:cNvPr id="3" name="Picture 2">
+            <a:extLst>
+              <a:ext uri="{FF2B5EF4-FFF2-40B4-BE49-F238E27FC236}">
+                <a16:creationId xmlns:a16="http://schemas.microsoft.com/office/drawing/2014/main" id="{F141A82F-9823-43EC-99D0-2D9170F2EAAE}"/>
+              </a:ext>
+            </a:extLst>
+          </p:cNvPr>
+          <p:cNvPicPr>
+            <a:picLocks noChangeAspect="1"/>
+          </p:cNvPicPr>
+          <p:nvPr/>
+        </p:nvPicPr>
+        <p:blipFill>
+          <a:blip r:embed="rId2"/>
+          <a:stretch>
+            <a:fillRect/>
+          </a:stretch>
+        </p:blipFill>
+        <p:spPr>
+          <a:xfrm>
+            <a:off x="578541" y="1695686"/>
+            <a:ext cx="7986918" cy="4836494"/>
+          </a:xfrm>
+          <a:prstGeom prst="rect">
+            <a:avLst/>
+          </a:prstGeom>
+        </p:spPr>
+      </p:pic>
+    </p:spTree>
+    <p:extLst>
+      <p:ext uri="{BB962C8B-B14F-4D97-AF65-F5344CB8AC3E}">
+        <p14:creationId xmlns:p14="http://schemas.microsoft.com/office/powerpoint/2010/main" val="3754839700"/>
+      </p:ext>
+    </p:extLst>
+  </p:cSld>
+  <p:clrMapOvr>
+    <a:masterClrMapping/>
+  </p:clrMapOvr>
+</p:sld>
+</file>
+
 <file path=ppt/slides/slide3.xml><?xml version="1.0" encoding="utf-8"?>
 <p:sld xmlns:a="http://schemas.openxmlformats.org/drawingml/2006/main" xmlns:r="http://schemas.openxmlformats.org/officeDocument/2006/relationships" xmlns:p="http://schemas.openxmlformats.org/presentationml/2006/main">
   <p:cSld>
@@ -13282,7 +14063,7 @@
           <a:p>
             <a:r>
               <a:rPr lang="en-US" sz="2400" dirty="0"/>
-              <a:t>Pilot analysis includes ~950 gastroenterologists in New York metro area</a:t>
+              <a:t>Pilot analysis includes ~950 gastroenterologists in New York City metro area</a:t>
             </a:r>
           </a:p>
         </p:txBody>
@@ -15211,373 +15992,6 @@
           <p:cNvPr id="2" name="Title 1">
             <a:extLst>
               <a:ext uri="{FF2B5EF4-FFF2-40B4-BE49-F238E27FC236}">
-                <a16:creationId xmlns:a16="http://schemas.microsoft.com/office/drawing/2014/main" id="{6814ED1E-225B-49BA-8FE3-BE1EB24D38D4}"/>
-              </a:ext>
-            </a:extLst>
-          </p:cNvPr>
-          <p:cNvSpPr>
-            <a:spLocks noGrp="1"/>
-          </p:cNvSpPr>
-          <p:nvPr>
-            <p:ph type="title"/>
-          </p:nvPr>
-        </p:nvSpPr>
-        <p:spPr/>
-        <p:txBody>
-          <a:bodyPr>
-            <a:normAutofit/>
-          </a:bodyPr>
-          <a:lstStyle/>
-          <a:p>
-            <a:r>
-              <a:rPr lang="en-US" sz="2800" dirty="0"/>
-              <a:t>Healthgrades has a good coverage of physicians from a variety of specialties, including gastroenterologists</a:t>
-            </a:r>
-          </a:p>
-        </p:txBody>
-      </p:sp>
-      <p:graphicFrame>
-        <p:nvGraphicFramePr>
-          <p:cNvPr id="5" name="Chart 4">
-            <a:extLst>
-              <a:ext uri="{FF2B5EF4-FFF2-40B4-BE49-F238E27FC236}">
-                <a16:creationId xmlns:a16="http://schemas.microsoft.com/office/drawing/2014/main" id="{4E647C3E-17A4-4D64-A5FD-4C36C72DA75A}"/>
-              </a:ext>
-            </a:extLst>
-          </p:cNvPr>
-          <p:cNvGraphicFramePr/>
-          <p:nvPr>
-            <p:extLst>
-              <p:ext uri="{D42A27DB-BD31-4B8C-83A1-F6EECF244321}">
-                <p14:modId xmlns:p14="http://schemas.microsoft.com/office/powerpoint/2010/main" val="4229033137"/>
-              </p:ext>
-            </p:extLst>
-          </p:nvPr>
-        </p:nvGraphicFramePr>
-        <p:xfrm>
-          <a:off x="457200" y="1628154"/>
-          <a:ext cx="6096000" cy="4064000"/>
-        </p:xfrm>
-        <a:graphic>
-          <a:graphicData uri="http://schemas.openxmlformats.org/drawingml/2006/chart">
-            <c:chart xmlns:c="http://schemas.openxmlformats.org/drawingml/2006/chart" xmlns:r="http://schemas.openxmlformats.org/officeDocument/2006/relationships" r:id="rId2"/>
-          </a:graphicData>
-        </a:graphic>
-      </p:graphicFrame>
-      <p:sp>
-        <p:nvSpPr>
-          <p:cNvPr id="6" name="Rectangle 5">
-            <a:extLst>
-              <a:ext uri="{FF2B5EF4-FFF2-40B4-BE49-F238E27FC236}">
-                <a16:creationId xmlns:a16="http://schemas.microsoft.com/office/drawing/2014/main" id="{D186F91B-C384-420F-98CC-F6FA38606FC8}"/>
-              </a:ext>
-            </a:extLst>
-          </p:cNvPr>
-          <p:cNvSpPr/>
-          <p:nvPr/>
-        </p:nvSpPr>
-        <p:spPr bwMode="auto">
-          <a:xfrm>
-            <a:off x="6629622" y="2022946"/>
-            <a:ext cx="2310938" cy="2998089"/>
-          </a:xfrm>
-          <a:prstGeom prst="rect">
-            <a:avLst/>
-          </a:prstGeom>
-          <a:gradFill rotWithShape="1">
-            <a:gsLst>
-              <a:gs pos="0">
-                <a:srgbClr val="FDD4AB">
-                  <a:tint val="50000"/>
-                  <a:satMod val="300000"/>
-                </a:srgbClr>
-              </a:gs>
-              <a:gs pos="35000">
-                <a:srgbClr val="FDD4AB">
-                  <a:tint val="37000"/>
-                  <a:satMod val="300000"/>
-                </a:srgbClr>
-              </a:gs>
-              <a:gs pos="100000">
-                <a:srgbClr val="FDD4AB">
-                  <a:tint val="15000"/>
-                  <a:satMod val="350000"/>
-                </a:srgbClr>
-              </a:gs>
-            </a:gsLst>
-            <a:lin ang="16200000" scaled="1"/>
-          </a:gradFill>
-          <a:ln w="9525" cap="flat" cmpd="sng" algn="ctr">
-            <a:solidFill>
-              <a:srgbClr val="FDD4AB">
-                <a:shade val="95000"/>
-                <a:satMod val="105000"/>
-              </a:srgbClr>
-            </a:solidFill>
-            <a:prstDash val="solid"/>
-          </a:ln>
-          <a:effectLst>
-            <a:outerShdw blurRad="40000" dist="20000" dir="5400000" rotWithShape="0">
-              <a:srgbClr val="000000">
-                <a:alpha val="38000"/>
-              </a:srgbClr>
-            </a:outerShdw>
-          </a:effectLst>
-        </p:spPr>
-        <p:txBody>
-          <a:bodyPr wrap="square" tIns="0" bIns="0" rtlCol="0">
-            <a:noAutofit/>
-          </a:bodyPr>
-          <a:lstStyle/>
-          <a:p>
-            <a:pPr marL="111125" marR="0" lvl="0" indent="-111125" defTabSz="914400" eaLnBrk="1" fontAlgn="auto" latinLnBrk="0" hangingPunct="1">
-              <a:lnSpc>
-                <a:spcPct val="150000"/>
-              </a:lnSpc>
-              <a:spcBef>
-                <a:spcPts val="0"/>
-              </a:spcBef>
-              <a:spcAft>
-                <a:spcPts val="0"/>
-              </a:spcAft>
-              <a:buClr>
-                <a:srgbClr val="EC8026"/>
-              </a:buClr>
-              <a:buSzPct val="130000"/>
-              <a:buFont typeface="Arial" pitchFamily="34" charset="0"/>
-              <a:buChar char="•"/>
-              <a:tabLst/>
-              <a:defRPr/>
-            </a:pPr>
-            <a:r>
-              <a:rPr kumimoji="0" lang="en-US" sz="1600" b="0" i="0" u="none" strike="noStrike" kern="0" cap="none" spc="0" normalizeH="0" baseline="0" noProof="0" dirty="0">
-                <a:ln>
-                  <a:noFill/>
-                </a:ln>
-                <a:solidFill>
-                  <a:srgbClr val="000000"/>
-                </a:solidFill>
-                <a:effectLst/>
-                <a:uLnTx/>
-                <a:uFillTx/>
-                <a:latin typeface="Arial"/>
-                <a:ea typeface="ＭＳ Ｐゴシック" charset="-128"/>
-                <a:cs typeface="+mn-cs"/>
-              </a:rPr>
-              <a:t>Healthgrades reports a larger number of doctors than AAMC</a:t>
-            </a:r>
-          </a:p>
-          <a:p>
-            <a:pPr marL="111125" marR="0" lvl="0" indent="-111125" defTabSz="914400" eaLnBrk="1" fontAlgn="auto" latinLnBrk="0" hangingPunct="1">
-              <a:lnSpc>
-                <a:spcPct val="150000"/>
-              </a:lnSpc>
-              <a:spcBef>
-                <a:spcPts val="0"/>
-              </a:spcBef>
-              <a:spcAft>
-                <a:spcPts val="0"/>
-              </a:spcAft>
-              <a:buClr>
-                <a:srgbClr val="EC8026"/>
-              </a:buClr>
-              <a:buSzPct val="130000"/>
-              <a:buFont typeface="Arial" pitchFamily="34" charset="0"/>
-              <a:buChar char="•"/>
-              <a:tabLst/>
-              <a:defRPr/>
-            </a:pPr>
-            <a:r>
-              <a:rPr lang="en-US" sz="1600" kern="0" dirty="0">
-                <a:solidFill>
-                  <a:srgbClr val="000000"/>
-                </a:solidFill>
-                <a:latin typeface="Arial"/>
-                <a:ea typeface="ＭＳ Ｐゴシック" charset="-128"/>
-              </a:rPr>
-              <a:t>Healthgrades physician universe likely includes both active and inactive physicians</a:t>
-            </a:r>
-          </a:p>
-        </p:txBody>
-      </p:sp>
-      <p:sp>
-        <p:nvSpPr>
-          <p:cNvPr id="7" name="Foot Notes">
-            <a:extLst>
-              <a:ext uri="{FF2B5EF4-FFF2-40B4-BE49-F238E27FC236}">
-                <a16:creationId xmlns:a16="http://schemas.microsoft.com/office/drawing/2014/main" id="{1CD641F1-2EA9-43F9-8B53-E91F6DDD0B57}"/>
-              </a:ext>
-            </a:extLst>
-          </p:cNvPr>
-          <p:cNvSpPr txBox="1"/>
-          <p:nvPr/>
-        </p:nvSpPr>
-        <p:spPr bwMode="blackWhite">
-          <a:xfrm>
-            <a:off x="326572" y="6324600"/>
-            <a:ext cx="8686800" cy="457200"/>
-          </a:xfrm>
-          <a:prstGeom prst="rect">
-            <a:avLst/>
-          </a:prstGeom>
-          <a:noFill/>
-        </p:spPr>
-        <p:txBody>
-          <a:bodyPr vert="horz" wrap="square" lIns="91439" tIns="45719" rIns="91439" bIns="45719" rtlCol="0" anchor="b">
-            <a:noAutofit/>
-          </a:bodyPr>
-          <a:lstStyle/>
-          <a:p>
-            <a:r>
-              <a:rPr lang="en-US" sz="1000" i="1" dirty="0">
-                <a:solidFill>
-                  <a:srgbClr val="000000"/>
-                </a:solidFill>
-                <a:latin typeface="Arial"/>
-              </a:rPr>
-              <a:t>Association of American Medical Colleges, </a:t>
-            </a:r>
-            <a:r>
-              <a:rPr lang="en-US" sz="1000" i="1" dirty="0">
-                <a:solidFill>
-                  <a:srgbClr val="000000"/>
-                </a:solidFill>
-              </a:rPr>
-              <a:t>report link: https://www.aamc.org/data/workforce/reports/492560/1-3-chart.html</a:t>
-            </a:r>
-            <a:endParaRPr lang="en-US" sz="1000" i="1" dirty="0">
-              <a:solidFill>
-                <a:srgbClr val="000000"/>
-              </a:solidFill>
-              <a:latin typeface="Arial"/>
-            </a:endParaRPr>
-          </a:p>
-        </p:txBody>
-      </p:sp>
-      <p:sp>
-        <p:nvSpPr>
-          <p:cNvPr id="9" name="Take-away Box">
-            <a:extLst>
-              <a:ext uri="{FF2B5EF4-FFF2-40B4-BE49-F238E27FC236}">
-                <a16:creationId xmlns:a16="http://schemas.microsoft.com/office/drawing/2014/main" id="{7F3ABC9C-EA94-4B54-A830-C14F333285AA}"/>
-              </a:ext>
-            </a:extLst>
-          </p:cNvPr>
-          <p:cNvSpPr/>
-          <p:nvPr/>
-        </p:nvSpPr>
-        <p:spPr bwMode="blackWhite">
-          <a:xfrm>
-            <a:off x="914400" y="5857460"/>
-            <a:ext cx="7315200" cy="530433"/>
-          </a:xfrm>
-          <a:prstGeom prst="roundRect">
-            <a:avLst/>
-          </a:prstGeom>
-          <a:solidFill>
-            <a:srgbClr val="C7CBD7"/>
-          </a:solidFill>
-          <a:ln w="9525" cap="flat" cmpd="sng" algn="ctr">
-            <a:noFill/>
-            <a:prstDash val="solid"/>
-            <a:headEnd type="none" w="med" len="med"/>
-            <a:tailEnd type="none" w="med" len="med"/>
-          </a:ln>
-          <a:effectLst>
-            <a:outerShdw blurRad="40000" dist="20000" dir="5400000" rotWithShape="0">
-              <a:srgbClr val="000000">
-                <a:alpha val="38000"/>
-              </a:srgbClr>
-            </a:outerShdw>
-          </a:effectLst>
-        </p:spPr>
-        <p:txBody>
-          <a:bodyPr vert="horz" wrap="square" lIns="100584" tIns="45719" rIns="100584" bIns="45719" numCol="1" rtlCol="0" anchor="ctr" anchorCtr="0" compatLnSpc="1">
-            <a:prstTxWarp prst="textNoShape">
-              <a:avLst/>
-            </a:prstTxWarp>
-            <a:noAutofit/>
-          </a:bodyPr>
-          <a:lstStyle/>
-          <a:p>
-            <a:pPr marL="228600" marR="0" lvl="0" indent="-228600" algn="ctr" defTabSz="914400" eaLnBrk="1" fontAlgn="base" latinLnBrk="0" hangingPunct="1">
-              <a:lnSpc>
-                <a:spcPct val="100000"/>
-              </a:lnSpc>
-              <a:spcBef>
-                <a:spcPct val="0"/>
-              </a:spcBef>
-              <a:spcAft>
-                <a:spcPct val="0"/>
-              </a:spcAft>
-              <a:buClrTx/>
-              <a:buSzTx/>
-              <a:buFontTx/>
-              <a:buNone/>
-              <a:tabLst/>
-              <a:defRPr/>
-            </a:pPr>
-            <a:r>
-              <a:rPr lang="en-US" kern="0" dirty="0">
-                <a:solidFill>
-                  <a:srgbClr val="000000"/>
-                </a:solidFill>
-                <a:latin typeface="Arial"/>
-              </a:rPr>
-              <a:t>The ~950 gastroenterologists in New York metro area represent ~5% of all GI doctors in the nation</a:t>
-            </a:r>
-            <a:endParaRPr kumimoji="0" lang="en-US" sz="1800" b="0" i="0" u="none" strike="noStrike" kern="0" cap="none" spc="0" normalizeH="0" baseline="0" noProof="0" dirty="0">
-              <a:ln>
-                <a:noFill/>
-              </a:ln>
-              <a:solidFill>
-                <a:srgbClr val="000000"/>
-              </a:solidFill>
-              <a:effectLst/>
-              <a:uLnTx/>
-              <a:uFillTx/>
-              <a:latin typeface="Arial"/>
-              <a:ea typeface="+mn-ea"/>
-              <a:cs typeface="+mn-cs"/>
-            </a:endParaRPr>
-          </a:p>
-        </p:txBody>
-      </p:sp>
-    </p:spTree>
-    <p:extLst>
-      <p:ext uri="{BB962C8B-B14F-4D97-AF65-F5344CB8AC3E}">
-        <p14:creationId xmlns:p14="http://schemas.microsoft.com/office/powerpoint/2010/main" val="2702828276"/>
-      </p:ext>
-    </p:extLst>
-  </p:cSld>
-  <p:clrMapOvr>
-    <a:masterClrMapping/>
-  </p:clrMapOvr>
-</p:sld>
-</file>
-
-<file path=ppt/slides/slide7.xml><?xml version="1.0" encoding="utf-8"?>
-<p:sld xmlns:a="http://schemas.openxmlformats.org/drawingml/2006/main" xmlns:r="http://schemas.openxmlformats.org/officeDocument/2006/relationships" xmlns:p="http://schemas.openxmlformats.org/presentationml/2006/main">
-  <p:cSld>
-    <p:spTree>
-      <p:nvGrpSpPr>
-        <p:cNvPr id="1" name=""/>
-        <p:cNvGrpSpPr/>
-        <p:nvPr/>
-      </p:nvGrpSpPr>
-      <p:grpSpPr>
-        <a:xfrm>
-          <a:off x="0" y="0"/>
-          <a:ext cx="0" cy="0"/>
-          <a:chOff x="0" y="0"/>
-          <a:chExt cx="0" cy="0"/>
-        </a:xfrm>
-      </p:grpSpPr>
-      <p:sp>
-        <p:nvSpPr>
-          <p:cNvPr id="2" name="Title 1">
-            <a:extLst>
-              <a:ext uri="{FF2B5EF4-FFF2-40B4-BE49-F238E27FC236}">
                 <a16:creationId xmlns:a16="http://schemas.microsoft.com/office/drawing/2014/main" id="{0C6EF3EE-63D6-4949-9B5B-C35E98FA0228}"/>
               </a:ext>
             </a:extLst>
@@ -16380,7 +16794,7 @@
 </p:sld>
 </file>
 
-<file path=ppt/slides/slide8.xml><?xml version="1.0" encoding="utf-8"?>
+<file path=ppt/slides/slide7.xml><?xml version="1.0" encoding="utf-8"?>
 <p:sld xmlns:a="http://schemas.openxmlformats.org/drawingml/2006/main" xmlns:r="http://schemas.openxmlformats.org/officeDocument/2006/relationships" xmlns:p="http://schemas.openxmlformats.org/presentationml/2006/main">
   <p:cSld>
     <p:spTree>
@@ -16442,7 +16856,7 @@
           <p:nvPr/>
         </p:nvPicPr>
         <p:blipFill>
-          <a:blip r:embed="rId2"/>
+          <a:blip r:embed="rId3"/>
           <a:stretch>
             <a:fillRect/>
           </a:stretch>
@@ -16613,7 +17027,7 @@
 </p:sld>
 </file>
 
-<file path=ppt/slides/slide9.xml><?xml version="1.0" encoding="utf-8"?>
+<file path=ppt/slides/slide8.xml><?xml version="1.0" encoding="utf-8"?>
 <p:sld xmlns:a="http://schemas.openxmlformats.org/drawingml/2006/main" xmlns:r="http://schemas.openxmlformats.org/officeDocument/2006/relationships" xmlns:p="http://schemas.openxmlformats.org/presentationml/2006/main">
   <p:cSld>
     <p:spTree>
@@ -17103,6 +17517,1214 @@
   <p:clrMapOvr>
     <a:masterClrMapping/>
   </p:clrMapOvr>
+</p:sld>
+</file>
+
+<file path=ppt/slides/slide9.xml><?xml version="1.0" encoding="utf-8"?>
+<p:sld xmlns:a="http://schemas.openxmlformats.org/drawingml/2006/main" xmlns:r="http://schemas.openxmlformats.org/officeDocument/2006/relationships" xmlns:p="http://schemas.openxmlformats.org/presentationml/2006/main">
+  <p:cSld>
+    <p:spTree>
+      <p:nvGrpSpPr>
+        <p:cNvPr id="1" name=""/>
+        <p:cNvGrpSpPr/>
+        <p:nvPr/>
+      </p:nvGrpSpPr>
+      <p:grpSpPr>
+        <a:xfrm>
+          <a:off x="0" y="0"/>
+          <a:ext cx="0" cy="0"/>
+          <a:chOff x="0" y="0"/>
+          <a:chExt cx="0" cy="0"/>
+        </a:xfrm>
+      </p:grpSpPr>
+      <p:pic>
+        <p:nvPicPr>
+          <p:cNvPr id="7" name="Picture 6">
+            <a:extLst>
+              <a:ext uri="{FF2B5EF4-FFF2-40B4-BE49-F238E27FC236}">
+                <a16:creationId xmlns:a16="http://schemas.microsoft.com/office/drawing/2014/main" id="{A3A6F8CB-611D-4E59-9A7B-DA8767CCF530}"/>
+              </a:ext>
+            </a:extLst>
+          </p:cNvPr>
+          <p:cNvPicPr>
+            <a:picLocks noChangeAspect="1"/>
+          </p:cNvPicPr>
+          <p:nvPr/>
+        </p:nvPicPr>
+        <p:blipFill>
+          <a:blip r:embed="rId3"/>
+          <a:stretch>
+            <a:fillRect/>
+          </a:stretch>
+        </p:blipFill>
+        <p:spPr>
+          <a:xfrm>
+            <a:off x="570275" y="1779769"/>
+            <a:ext cx="8081068" cy="4148194"/>
+          </a:xfrm>
+          <a:prstGeom prst="rect">
+            <a:avLst/>
+          </a:prstGeom>
+        </p:spPr>
+      </p:pic>
+      <p:sp>
+        <p:nvSpPr>
+          <p:cNvPr id="2" name="Title 1">
+            <a:extLst>
+              <a:ext uri="{FF2B5EF4-FFF2-40B4-BE49-F238E27FC236}">
+                <a16:creationId xmlns:a16="http://schemas.microsoft.com/office/drawing/2014/main" id="{2E1143B4-D17F-4A92-BF93-64AF851573C3}"/>
+              </a:ext>
+            </a:extLst>
+          </p:cNvPr>
+          <p:cNvSpPr>
+            <a:spLocks noGrp="1"/>
+          </p:cNvSpPr>
+          <p:nvPr>
+            <p:ph type="title"/>
+          </p:nvPr>
+        </p:nvSpPr>
+        <p:spPr/>
+        <p:txBody>
+          <a:bodyPr>
+            <a:normAutofit/>
+          </a:bodyPr>
+          <a:lstStyle/>
+          <a:p>
+            <a:r>
+              <a:rPr lang="en-US" sz="2400" dirty="0"/>
+              <a:t>Examining rating in conjunction with the number of substantiating reviews help consumer pick providers in a more reliable way</a:t>
+            </a:r>
+          </a:p>
+        </p:txBody>
+      </p:sp>
+      <p:sp>
+        <p:nvSpPr>
+          <p:cNvPr id="4" name="Rectangle 3">
+            <a:extLst>
+              <a:ext uri="{FF2B5EF4-FFF2-40B4-BE49-F238E27FC236}">
+                <a16:creationId xmlns:a16="http://schemas.microsoft.com/office/drawing/2014/main" id="{4F897188-BCC1-4BAF-8DB8-7F8678244311}"/>
+              </a:ext>
+            </a:extLst>
+          </p:cNvPr>
+          <p:cNvSpPr/>
+          <p:nvPr/>
+        </p:nvSpPr>
+        <p:spPr>
+          <a:xfrm>
+            <a:off x="6806973" y="1887991"/>
+            <a:ext cx="1645104" cy="2879952"/>
+          </a:xfrm>
+          <a:prstGeom prst="rect">
+            <a:avLst/>
+          </a:prstGeom>
+          <a:solidFill>
+            <a:srgbClr val="00B050">
+              <a:alpha val="25000"/>
+            </a:srgbClr>
+          </a:solidFill>
+          <a:ln w="12700"/>
+        </p:spPr>
+        <p:style>
+          <a:lnRef idx="2">
+            <a:schemeClr val="accent1">
+              <a:shade val="50000"/>
+            </a:schemeClr>
+          </a:lnRef>
+          <a:fillRef idx="1">
+            <a:schemeClr val="accent1"/>
+          </a:fillRef>
+          <a:effectRef idx="0">
+            <a:schemeClr val="accent1"/>
+          </a:effectRef>
+          <a:fontRef idx="minor">
+            <a:schemeClr val="lt1"/>
+          </a:fontRef>
+        </p:style>
+        <p:txBody>
+          <a:bodyPr rtlCol="0" anchor="ctr"/>
+          <a:lstStyle/>
+          <a:p>
+            <a:pPr algn="ctr"/>
+            <a:endParaRPr lang="en-US"/>
+          </a:p>
+        </p:txBody>
+      </p:sp>
+      <p:sp>
+        <p:nvSpPr>
+          <p:cNvPr id="5" name="Rectangle 4">
+            <a:extLst>
+              <a:ext uri="{FF2B5EF4-FFF2-40B4-BE49-F238E27FC236}">
+                <a16:creationId xmlns:a16="http://schemas.microsoft.com/office/drawing/2014/main" id="{31D94BCB-9798-4208-B502-A06249EDC800}"/>
+              </a:ext>
+            </a:extLst>
+          </p:cNvPr>
+          <p:cNvSpPr/>
+          <p:nvPr/>
+        </p:nvSpPr>
+        <p:spPr>
+          <a:xfrm>
+            <a:off x="7545841" y="1886504"/>
+            <a:ext cx="906236" cy="2879951"/>
+          </a:xfrm>
+          <a:prstGeom prst="rect">
+            <a:avLst/>
+          </a:prstGeom>
+          <a:solidFill>
+            <a:srgbClr val="00B050">
+              <a:alpha val="25000"/>
+            </a:srgbClr>
+          </a:solidFill>
+          <a:ln w="12700"/>
+        </p:spPr>
+        <p:style>
+          <a:lnRef idx="2">
+            <a:schemeClr val="accent1">
+              <a:shade val="50000"/>
+            </a:schemeClr>
+          </a:lnRef>
+          <a:fillRef idx="1">
+            <a:schemeClr val="accent1"/>
+          </a:fillRef>
+          <a:effectRef idx="0">
+            <a:schemeClr val="accent1"/>
+          </a:effectRef>
+          <a:fontRef idx="minor">
+            <a:schemeClr val="lt1"/>
+          </a:fontRef>
+        </p:style>
+        <p:txBody>
+          <a:bodyPr rtlCol="0" anchor="ctr"/>
+          <a:lstStyle/>
+          <a:p>
+            <a:pPr algn="ctr"/>
+            <a:endParaRPr lang="en-US"/>
+          </a:p>
+        </p:txBody>
+      </p:sp>
+      <p:sp>
+        <p:nvSpPr>
+          <p:cNvPr id="8" name="Rectangle 7">
+            <a:extLst>
+              <a:ext uri="{FF2B5EF4-FFF2-40B4-BE49-F238E27FC236}">
+                <a16:creationId xmlns:a16="http://schemas.microsoft.com/office/drawing/2014/main" id="{B943245B-9790-4477-BCFF-70A2A156411E}"/>
+              </a:ext>
+            </a:extLst>
+          </p:cNvPr>
+          <p:cNvSpPr/>
+          <p:nvPr/>
+        </p:nvSpPr>
+        <p:spPr>
+          <a:xfrm>
+            <a:off x="1097541" y="1879481"/>
+            <a:ext cx="3217284" cy="3590590"/>
+          </a:xfrm>
+          <a:prstGeom prst="rect">
+            <a:avLst/>
+          </a:prstGeom>
+          <a:solidFill>
+            <a:schemeClr val="tx2">
+              <a:lumMod val="75000"/>
+              <a:alpha val="25000"/>
+            </a:schemeClr>
+          </a:solidFill>
+          <a:ln w="12700"/>
+        </p:spPr>
+        <p:style>
+          <a:lnRef idx="2">
+            <a:schemeClr val="accent1">
+              <a:shade val="50000"/>
+            </a:schemeClr>
+          </a:lnRef>
+          <a:fillRef idx="1">
+            <a:schemeClr val="accent1"/>
+          </a:fillRef>
+          <a:effectRef idx="0">
+            <a:schemeClr val="accent1"/>
+          </a:effectRef>
+          <a:fontRef idx="minor">
+            <a:schemeClr val="lt1"/>
+          </a:fontRef>
+        </p:style>
+        <p:txBody>
+          <a:bodyPr rtlCol="0" anchor="ctr"/>
+          <a:lstStyle/>
+          <a:p>
+            <a:pPr algn="ctr"/>
+            <a:endParaRPr lang="en-US"/>
+          </a:p>
+        </p:txBody>
+      </p:sp>
+      <p:sp>
+        <p:nvSpPr>
+          <p:cNvPr id="11" name="TextBox 10">
+            <a:extLst>
+              <a:ext uri="{FF2B5EF4-FFF2-40B4-BE49-F238E27FC236}">
+                <a16:creationId xmlns:a16="http://schemas.microsoft.com/office/drawing/2014/main" id="{32F4864B-05FE-4263-A815-F701FA045A47}"/>
+              </a:ext>
+            </a:extLst>
+          </p:cNvPr>
+          <p:cNvSpPr txBox="1"/>
+          <p:nvPr/>
+        </p:nvSpPr>
+        <p:spPr>
+          <a:xfrm>
+            <a:off x="1629275" y="1526722"/>
+            <a:ext cx="2130878" cy="307777"/>
+          </a:xfrm>
+          <a:prstGeom prst="rect">
+            <a:avLst/>
+          </a:prstGeom>
+          <a:noFill/>
+          <a:ln>
+            <a:solidFill>
+              <a:schemeClr val="tx1"/>
+            </a:solidFill>
+          </a:ln>
+        </p:spPr>
+        <p:txBody>
+          <a:bodyPr wrap="square" rtlCol="0">
+            <a:spAutoFit/>
+          </a:bodyPr>
+          <a:lstStyle/>
+          <a:p>
+            <a:r>
+              <a:rPr lang="en-US" sz="1400" dirty="0"/>
+              <a:t>Avoid if has other choice</a:t>
+            </a:r>
+          </a:p>
+        </p:txBody>
+      </p:sp>
+      <p:sp>
+        <p:nvSpPr>
+          <p:cNvPr id="12" name="Oval 11">
+            <a:extLst>
+              <a:ext uri="{FF2B5EF4-FFF2-40B4-BE49-F238E27FC236}">
+                <a16:creationId xmlns:a16="http://schemas.microsoft.com/office/drawing/2014/main" id="{B703AB8A-ACC3-42FF-BF52-5136DC21989B}"/>
+              </a:ext>
+            </a:extLst>
+          </p:cNvPr>
+          <p:cNvSpPr>
+            <a:spLocks noChangeAspect="1"/>
+          </p:cNvSpPr>
+          <p:nvPr/>
+        </p:nvSpPr>
+        <p:spPr>
+          <a:xfrm>
+            <a:off x="4167559" y="1749345"/>
+            <a:ext cx="274320" cy="274320"/>
+          </a:xfrm>
+          <a:prstGeom prst="ellipse">
+            <a:avLst/>
+          </a:prstGeom>
+          <a:solidFill>
+            <a:srgbClr val="688A92"/>
+          </a:solidFill>
+          <a:ln w="25400" cap="flat" cmpd="sng" algn="ctr">
+            <a:solidFill>
+              <a:srgbClr val="FFFFFF"/>
+            </a:solidFill>
+            <a:prstDash val="solid"/>
+          </a:ln>
+          <a:effectLst>
+            <a:outerShdw blurRad="63500" sx="102000" sy="102000" algn="ctr" rotWithShape="0">
+              <a:prstClr val="black">
+                <a:alpha val="40000"/>
+              </a:prstClr>
+            </a:outerShdw>
+          </a:effectLst>
+        </p:spPr>
+        <p:txBody>
+          <a:bodyPr anchor="ctr"/>
+          <a:lstStyle/>
+          <a:p>
+            <a:pPr algn="ctr">
+              <a:defRPr/>
+            </a:pPr>
+            <a:r>
+              <a:rPr lang="en-US" sz="1400" b="1" kern="0" dirty="0">
+                <a:solidFill>
+                  <a:srgbClr val="FFFFFF"/>
+                </a:solidFill>
+                <a:ea typeface="ＭＳ Ｐゴシック" charset="-128"/>
+              </a:rPr>
+              <a:t>1</a:t>
+            </a:r>
+          </a:p>
+        </p:txBody>
+      </p:sp>
+      <p:sp>
+        <p:nvSpPr>
+          <p:cNvPr id="13" name="Oval 12">
+            <a:extLst>
+              <a:ext uri="{FF2B5EF4-FFF2-40B4-BE49-F238E27FC236}">
+                <a16:creationId xmlns:a16="http://schemas.microsoft.com/office/drawing/2014/main" id="{2C224527-F087-4035-81A1-704B1561992B}"/>
+              </a:ext>
+            </a:extLst>
+          </p:cNvPr>
+          <p:cNvSpPr>
+            <a:spLocks noChangeAspect="1"/>
+          </p:cNvSpPr>
+          <p:nvPr/>
+        </p:nvSpPr>
+        <p:spPr>
+          <a:xfrm>
+            <a:off x="6679919" y="1749345"/>
+            <a:ext cx="274320" cy="274320"/>
+          </a:xfrm>
+          <a:prstGeom prst="ellipse">
+            <a:avLst/>
+          </a:prstGeom>
+          <a:solidFill>
+            <a:srgbClr val="688A92"/>
+          </a:solidFill>
+          <a:ln w="25400" cap="flat" cmpd="sng" algn="ctr">
+            <a:solidFill>
+              <a:srgbClr val="FFFFFF"/>
+            </a:solidFill>
+            <a:prstDash val="solid"/>
+          </a:ln>
+          <a:effectLst>
+            <a:outerShdw blurRad="63500" sx="102000" sy="102000" algn="ctr" rotWithShape="0">
+              <a:prstClr val="black">
+                <a:alpha val="40000"/>
+              </a:prstClr>
+            </a:outerShdw>
+          </a:effectLst>
+        </p:spPr>
+        <p:txBody>
+          <a:bodyPr anchor="ctr"/>
+          <a:lstStyle/>
+          <a:p>
+            <a:pPr algn="ctr">
+              <a:defRPr/>
+            </a:pPr>
+            <a:r>
+              <a:rPr lang="en-US" sz="1400" b="1" kern="0" dirty="0">
+                <a:solidFill>
+                  <a:srgbClr val="FFFFFF"/>
+                </a:solidFill>
+                <a:ea typeface="ＭＳ Ｐゴシック" charset="-128"/>
+              </a:rPr>
+              <a:t>2</a:t>
+            </a:r>
+          </a:p>
+        </p:txBody>
+      </p:sp>
+      <p:cxnSp>
+        <p:nvCxnSpPr>
+          <p:cNvPr id="16" name="Straight Arrow Connector 15">
+            <a:extLst>
+              <a:ext uri="{FF2B5EF4-FFF2-40B4-BE49-F238E27FC236}">
+                <a16:creationId xmlns:a16="http://schemas.microsoft.com/office/drawing/2014/main" id="{F720A1EF-AF73-4AD1-BD75-77DC1C723820}"/>
+              </a:ext>
+            </a:extLst>
+          </p:cNvPr>
+          <p:cNvCxnSpPr>
+            <a:cxnSpLocks/>
+            <a:stCxn id="11" idx="3"/>
+            <a:endCxn id="12" idx="1"/>
+          </p:cNvCxnSpPr>
+          <p:nvPr/>
+        </p:nvCxnSpPr>
+        <p:spPr>
+          <a:xfrm>
+            <a:off x="3760153" y="1680611"/>
+            <a:ext cx="447579" cy="108907"/>
+          </a:xfrm>
+          <a:prstGeom prst="straightConnector1">
+            <a:avLst/>
+          </a:prstGeom>
+          <a:ln>
+            <a:tailEnd type="triangle"/>
+          </a:ln>
+        </p:spPr>
+        <p:style>
+          <a:lnRef idx="1">
+            <a:schemeClr val="accent1"/>
+          </a:lnRef>
+          <a:fillRef idx="0">
+            <a:schemeClr val="accent1"/>
+          </a:fillRef>
+          <a:effectRef idx="0">
+            <a:schemeClr val="accent1"/>
+          </a:effectRef>
+          <a:fontRef idx="minor">
+            <a:schemeClr val="tx1"/>
+          </a:fontRef>
+        </p:style>
+      </p:cxnSp>
+      <p:sp>
+        <p:nvSpPr>
+          <p:cNvPr id="17" name="TextBox 16">
+            <a:extLst>
+              <a:ext uri="{FF2B5EF4-FFF2-40B4-BE49-F238E27FC236}">
+                <a16:creationId xmlns:a16="http://schemas.microsoft.com/office/drawing/2014/main" id="{B18C9672-88E5-478A-893C-963B933720C5}"/>
+              </a:ext>
+            </a:extLst>
+          </p:cNvPr>
+          <p:cNvSpPr txBox="1"/>
+          <p:nvPr/>
+        </p:nvSpPr>
+        <p:spPr>
+          <a:xfrm>
+            <a:off x="4966911" y="1502931"/>
+            <a:ext cx="1409563" cy="307777"/>
+          </a:xfrm>
+          <a:prstGeom prst="rect">
+            <a:avLst/>
+          </a:prstGeom>
+          <a:noFill/>
+          <a:ln>
+            <a:solidFill>
+              <a:schemeClr val="tx1"/>
+            </a:solidFill>
+          </a:ln>
+        </p:spPr>
+        <p:txBody>
+          <a:bodyPr wrap="square" rtlCol="0">
+            <a:spAutoFit/>
+          </a:bodyPr>
+          <a:lstStyle/>
+          <a:p>
+            <a:r>
+              <a:rPr lang="en-US" sz="1400" dirty="0"/>
+              <a:t>Top of the crop</a:t>
+            </a:r>
+          </a:p>
+        </p:txBody>
+      </p:sp>
+      <p:cxnSp>
+        <p:nvCxnSpPr>
+          <p:cNvPr id="18" name="Straight Arrow Connector 17">
+            <a:extLst>
+              <a:ext uri="{FF2B5EF4-FFF2-40B4-BE49-F238E27FC236}">
+                <a16:creationId xmlns:a16="http://schemas.microsoft.com/office/drawing/2014/main" id="{ABB746C4-3968-4A4C-ADDB-2D29F1258A98}"/>
+              </a:ext>
+            </a:extLst>
+          </p:cNvPr>
+          <p:cNvCxnSpPr>
+            <a:cxnSpLocks/>
+            <a:stCxn id="17" idx="3"/>
+            <a:endCxn id="13" idx="1"/>
+          </p:cNvCxnSpPr>
+          <p:nvPr/>
+        </p:nvCxnSpPr>
+        <p:spPr>
+          <a:xfrm>
+            <a:off x="6376474" y="1656820"/>
+            <a:ext cx="343618" cy="132698"/>
+          </a:xfrm>
+          <a:prstGeom prst="straightConnector1">
+            <a:avLst/>
+          </a:prstGeom>
+          <a:ln>
+            <a:tailEnd type="triangle"/>
+          </a:ln>
+        </p:spPr>
+        <p:style>
+          <a:lnRef idx="1">
+            <a:schemeClr val="accent1"/>
+          </a:lnRef>
+          <a:fillRef idx="0">
+            <a:schemeClr val="accent1"/>
+          </a:fillRef>
+          <a:effectRef idx="0">
+            <a:schemeClr val="accent1"/>
+          </a:effectRef>
+          <a:fontRef idx="minor">
+            <a:schemeClr val="tx1"/>
+          </a:fontRef>
+        </p:style>
+      </p:cxnSp>
+      <p:sp>
+        <p:nvSpPr>
+          <p:cNvPr id="20" name="TextBox 19">
+            <a:extLst>
+              <a:ext uri="{FF2B5EF4-FFF2-40B4-BE49-F238E27FC236}">
+                <a16:creationId xmlns:a16="http://schemas.microsoft.com/office/drawing/2014/main" id="{23B2FA68-0E6A-4574-ACD8-70337E348A20}"/>
+              </a:ext>
+            </a:extLst>
+          </p:cNvPr>
+          <p:cNvSpPr txBox="1"/>
+          <p:nvPr/>
+        </p:nvSpPr>
+        <p:spPr>
+          <a:xfrm>
+            <a:off x="7043204" y="1502931"/>
+            <a:ext cx="1150142" cy="307777"/>
+          </a:xfrm>
+          <a:prstGeom prst="rect">
+            <a:avLst/>
+          </a:prstGeom>
+          <a:noFill/>
+          <a:ln>
+            <a:solidFill>
+              <a:schemeClr val="tx1"/>
+            </a:solidFill>
+          </a:ln>
+        </p:spPr>
+        <p:txBody>
+          <a:bodyPr wrap="square" rtlCol="0">
+            <a:spAutoFit/>
+          </a:bodyPr>
+          <a:lstStyle/>
+          <a:p>
+            <a:r>
+              <a:rPr lang="en-US" sz="1400" dirty="0"/>
+              <a:t>Exceptional</a:t>
+            </a:r>
+          </a:p>
+        </p:txBody>
+      </p:sp>
+      <p:sp>
+        <p:nvSpPr>
+          <p:cNvPr id="21" name="Oval 20">
+            <a:extLst>
+              <a:ext uri="{FF2B5EF4-FFF2-40B4-BE49-F238E27FC236}">
+                <a16:creationId xmlns:a16="http://schemas.microsoft.com/office/drawing/2014/main" id="{55BFEB4C-3F8C-4871-B0D4-E77712F4E301}"/>
+              </a:ext>
+            </a:extLst>
+          </p:cNvPr>
+          <p:cNvSpPr>
+            <a:spLocks noChangeAspect="1"/>
+          </p:cNvSpPr>
+          <p:nvPr/>
+        </p:nvSpPr>
+        <p:spPr>
+          <a:xfrm>
+            <a:off x="8319242" y="1769219"/>
+            <a:ext cx="274320" cy="274320"/>
+          </a:xfrm>
+          <a:prstGeom prst="ellipse">
+            <a:avLst/>
+          </a:prstGeom>
+          <a:solidFill>
+            <a:srgbClr val="688A92"/>
+          </a:solidFill>
+          <a:ln w="25400" cap="flat" cmpd="sng" algn="ctr">
+            <a:solidFill>
+              <a:srgbClr val="FFFFFF"/>
+            </a:solidFill>
+            <a:prstDash val="solid"/>
+          </a:ln>
+          <a:effectLst>
+            <a:outerShdw blurRad="63500" sx="102000" sy="102000" algn="ctr" rotWithShape="0">
+              <a:prstClr val="black">
+                <a:alpha val="40000"/>
+              </a:prstClr>
+            </a:outerShdw>
+          </a:effectLst>
+        </p:spPr>
+        <p:txBody>
+          <a:bodyPr anchor="ctr"/>
+          <a:lstStyle/>
+          <a:p>
+            <a:pPr algn="ctr">
+              <a:defRPr/>
+            </a:pPr>
+            <a:r>
+              <a:rPr lang="en-US" sz="1400" b="1" kern="0" dirty="0">
+                <a:solidFill>
+                  <a:srgbClr val="FFFFFF"/>
+                </a:solidFill>
+                <a:ea typeface="ＭＳ Ｐゴシック" charset="-128"/>
+              </a:rPr>
+              <a:t>3</a:t>
+            </a:r>
+          </a:p>
+        </p:txBody>
+      </p:sp>
+      <p:cxnSp>
+        <p:nvCxnSpPr>
+          <p:cNvPr id="22" name="Straight Arrow Connector 21">
+            <a:extLst>
+              <a:ext uri="{FF2B5EF4-FFF2-40B4-BE49-F238E27FC236}">
+                <a16:creationId xmlns:a16="http://schemas.microsoft.com/office/drawing/2014/main" id="{B28C83FE-7BA8-4CC9-B880-411F6EE6B05D}"/>
+              </a:ext>
+            </a:extLst>
+          </p:cNvPr>
+          <p:cNvCxnSpPr>
+            <a:cxnSpLocks/>
+          </p:cNvCxnSpPr>
+          <p:nvPr/>
+        </p:nvCxnSpPr>
+        <p:spPr>
+          <a:xfrm>
+            <a:off x="8193346" y="1636075"/>
+            <a:ext cx="228998" cy="135481"/>
+          </a:xfrm>
+          <a:prstGeom prst="straightConnector1">
+            <a:avLst/>
+          </a:prstGeom>
+          <a:ln>
+            <a:tailEnd type="triangle"/>
+          </a:ln>
+        </p:spPr>
+        <p:style>
+          <a:lnRef idx="1">
+            <a:schemeClr val="accent1"/>
+          </a:lnRef>
+          <a:fillRef idx="0">
+            <a:schemeClr val="accent1"/>
+          </a:fillRef>
+          <a:effectRef idx="0">
+            <a:schemeClr val="accent1"/>
+          </a:effectRef>
+          <a:fontRef idx="minor">
+            <a:schemeClr val="tx1"/>
+          </a:fontRef>
+        </p:style>
+      </p:cxnSp>
+      <p:sp>
+        <p:nvSpPr>
+          <p:cNvPr id="31" name="Rectangle 30">
+            <a:extLst>
+              <a:ext uri="{FF2B5EF4-FFF2-40B4-BE49-F238E27FC236}">
+                <a16:creationId xmlns:a16="http://schemas.microsoft.com/office/drawing/2014/main" id="{5CC90789-4785-4336-9B52-C64C79B65D5C}"/>
+              </a:ext>
+            </a:extLst>
+          </p:cNvPr>
+          <p:cNvSpPr/>
+          <p:nvPr/>
+        </p:nvSpPr>
+        <p:spPr bwMode="auto">
+          <a:xfrm>
+            <a:off x="1097542" y="5962415"/>
+            <a:ext cx="7354536" cy="702405"/>
+          </a:xfrm>
+          <a:prstGeom prst="rect">
+            <a:avLst/>
+          </a:prstGeom>
+          <a:gradFill rotWithShape="1">
+            <a:gsLst>
+              <a:gs pos="0">
+                <a:srgbClr val="FDD4AB">
+                  <a:tint val="50000"/>
+                  <a:satMod val="300000"/>
+                </a:srgbClr>
+              </a:gs>
+              <a:gs pos="35000">
+                <a:srgbClr val="FDD4AB">
+                  <a:tint val="37000"/>
+                  <a:satMod val="300000"/>
+                </a:srgbClr>
+              </a:gs>
+              <a:gs pos="100000">
+                <a:srgbClr val="FDD4AB">
+                  <a:tint val="15000"/>
+                  <a:satMod val="350000"/>
+                </a:srgbClr>
+              </a:gs>
+            </a:gsLst>
+            <a:lin ang="16200000" scaled="1"/>
+          </a:gradFill>
+          <a:ln w="9525" cap="flat" cmpd="sng" algn="ctr">
+            <a:solidFill>
+              <a:srgbClr val="FDD4AB">
+                <a:shade val="95000"/>
+                <a:satMod val="105000"/>
+              </a:srgbClr>
+            </a:solidFill>
+            <a:prstDash val="solid"/>
+          </a:ln>
+          <a:effectLst>
+            <a:outerShdw blurRad="40000" dist="20000" dir="5400000" rotWithShape="0">
+              <a:srgbClr val="000000">
+                <a:alpha val="38000"/>
+              </a:srgbClr>
+            </a:outerShdw>
+          </a:effectLst>
+        </p:spPr>
+        <p:txBody>
+          <a:bodyPr wrap="square" tIns="0" bIns="0" rtlCol="0">
+            <a:noAutofit/>
+          </a:bodyPr>
+          <a:lstStyle/>
+          <a:p>
+            <a:pPr marL="111125" lvl="0" indent="-111125">
+              <a:lnSpc>
+                <a:spcPct val="150000"/>
+              </a:lnSpc>
+              <a:buClr>
+                <a:srgbClr val="EC8026"/>
+              </a:buClr>
+              <a:buSzPct val="130000"/>
+              <a:buFont typeface="Arial" pitchFamily="34" charset="0"/>
+              <a:buChar char="•"/>
+              <a:defRPr/>
+            </a:pPr>
+            <a:r>
+              <a:rPr lang="en-US" sz="1300" kern="0" dirty="0">
+                <a:solidFill>
+                  <a:srgbClr val="000000"/>
+                </a:solidFill>
+                <a:ea typeface="ＭＳ Ｐゴシック" charset="-128"/>
+              </a:rPr>
+              <a:t>Doctors with low rating in generally much less likely to get a large number of reviews</a:t>
+            </a:r>
+          </a:p>
+          <a:p>
+            <a:pPr marL="111125" marR="0" lvl="0" indent="-111125" defTabSz="914400" eaLnBrk="1" fontAlgn="auto" latinLnBrk="0" hangingPunct="1">
+              <a:lnSpc>
+                <a:spcPct val="150000"/>
+              </a:lnSpc>
+              <a:spcBef>
+                <a:spcPts val="0"/>
+              </a:spcBef>
+              <a:spcAft>
+                <a:spcPts val="0"/>
+              </a:spcAft>
+              <a:buClr>
+                <a:srgbClr val="EC8026"/>
+              </a:buClr>
+              <a:buSzPct val="130000"/>
+              <a:buFont typeface="Arial" pitchFamily="34" charset="0"/>
+              <a:buChar char="•"/>
+              <a:tabLst/>
+              <a:defRPr/>
+            </a:pPr>
+            <a:r>
+              <a:rPr lang="en-US" sz="1300" kern="0" dirty="0">
+                <a:solidFill>
+                  <a:srgbClr val="000000"/>
+                </a:solidFill>
+                <a:latin typeface="Arial"/>
+                <a:ea typeface="ＭＳ Ｐゴシック" charset="-128"/>
+              </a:rPr>
+              <a:t>Among patients submitting a review, more are motivated by positive than negative experiences</a:t>
+            </a:r>
+          </a:p>
+        </p:txBody>
+      </p:sp>
+    </p:spTree>
+    <p:extLst>
+      <p:ext uri="{BB962C8B-B14F-4D97-AF65-F5344CB8AC3E}">
+        <p14:creationId xmlns:p14="http://schemas.microsoft.com/office/powerpoint/2010/main" val="15389748"/>
+      </p:ext>
+    </p:extLst>
+  </p:cSld>
+  <p:clrMapOvr>
+    <a:masterClrMapping/>
+  </p:clrMapOvr>
+  <p:timing>
+    <p:tnLst>
+      <p:par>
+        <p:cTn id="1" dur="indefinite" restart="never" nodeType="tmRoot">
+          <p:childTnLst>
+            <p:seq concurrent="1" nextAc="seek">
+              <p:cTn id="2" dur="indefinite" nodeType="mainSeq">
+                <p:childTnLst>
+                  <p:par>
+                    <p:cTn id="3" fill="hold">
+                      <p:stCondLst>
+                        <p:cond delay="indefinite"/>
+                      </p:stCondLst>
+                      <p:childTnLst>
+                        <p:par>
+                          <p:cTn id="4" fill="hold">
+                            <p:stCondLst>
+                              <p:cond delay="0"/>
+                            </p:stCondLst>
+                            <p:childTnLst>
+                              <p:par>
+                                <p:cTn id="5" presetID="1" presetClass="entr" presetSubtype="0" fill="hold" grpId="0" nodeType="clickEffect">
+                                  <p:stCondLst>
+                                    <p:cond delay="0"/>
+                                  </p:stCondLst>
+                                  <p:childTnLst>
+                                    <p:set>
+                                      <p:cBhvr>
+                                        <p:cTn id="6" dur="1" fill="hold">
+                                          <p:stCondLst>
+                                            <p:cond delay="0"/>
+                                          </p:stCondLst>
+                                        </p:cTn>
+                                        <p:tgtEl>
+                                          <p:spTgt spid="8"/>
+                                        </p:tgtEl>
+                                        <p:attrNameLst>
+                                          <p:attrName>style.visibility</p:attrName>
+                                        </p:attrNameLst>
+                                      </p:cBhvr>
+                                      <p:to>
+                                        <p:strVal val="visible"/>
+                                      </p:to>
+                                    </p:set>
+                                  </p:childTnLst>
+                                </p:cTn>
+                              </p:par>
+                              <p:par>
+                                <p:cTn id="7" presetID="1" presetClass="entr" presetSubtype="0" fill="hold" grpId="0" nodeType="withEffect">
+                                  <p:stCondLst>
+                                    <p:cond delay="0"/>
+                                  </p:stCondLst>
+                                  <p:childTnLst>
+                                    <p:set>
+                                      <p:cBhvr>
+                                        <p:cTn id="8" dur="1" fill="hold">
+                                          <p:stCondLst>
+                                            <p:cond delay="0"/>
+                                          </p:stCondLst>
+                                        </p:cTn>
+                                        <p:tgtEl>
+                                          <p:spTgt spid="11"/>
+                                        </p:tgtEl>
+                                        <p:attrNameLst>
+                                          <p:attrName>style.visibility</p:attrName>
+                                        </p:attrNameLst>
+                                      </p:cBhvr>
+                                      <p:to>
+                                        <p:strVal val="visible"/>
+                                      </p:to>
+                                    </p:set>
+                                  </p:childTnLst>
+                                </p:cTn>
+                              </p:par>
+                              <p:par>
+                                <p:cTn id="9" presetID="1" presetClass="entr" presetSubtype="0" fill="hold" grpId="0" nodeType="withEffect">
+                                  <p:stCondLst>
+                                    <p:cond delay="0"/>
+                                  </p:stCondLst>
+                                  <p:childTnLst>
+                                    <p:set>
+                                      <p:cBhvr>
+                                        <p:cTn id="10" dur="1" fill="hold">
+                                          <p:stCondLst>
+                                            <p:cond delay="0"/>
+                                          </p:stCondLst>
+                                        </p:cTn>
+                                        <p:tgtEl>
+                                          <p:spTgt spid="12"/>
+                                        </p:tgtEl>
+                                        <p:attrNameLst>
+                                          <p:attrName>style.visibility</p:attrName>
+                                        </p:attrNameLst>
+                                      </p:cBhvr>
+                                      <p:to>
+                                        <p:strVal val="visible"/>
+                                      </p:to>
+                                    </p:set>
+                                  </p:childTnLst>
+                                </p:cTn>
+                              </p:par>
+                              <p:par>
+                                <p:cTn id="11" presetID="1" presetClass="entr" presetSubtype="0" fill="hold" nodeType="withEffect">
+                                  <p:stCondLst>
+                                    <p:cond delay="0"/>
+                                  </p:stCondLst>
+                                  <p:childTnLst>
+                                    <p:set>
+                                      <p:cBhvr>
+                                        <p:cTn id="12" dur="1" fill="hold">
+                                          <p:stCondLst>
+                                            <p:cond delay="0"/>
+                                          </p:stCondLst>
+                                        </p:cTn>
+                                        <p:tgtEl>
+                                          <p:spTgt spid="16"/>
+                                        </p:tgtEl>
+                                        <p:attrNameLst>
+                                          <p:attrName>style.visibility</p:attrName>
+                                        </p:attrNameLst>
+                                      </p:cBhvr>
+                                      <p:to>
+                                        <p:strVal val="visible"/>
+                                      </p:to>
+                                    </p:set>
+                                  </p:childTnLst>
+                                </p:cTn>
+                              </p:par>
+                            </p:childTnLst>
+                          </p:cTn>
+                        </p:par>
+                      </p:childTnLst>
+                    </p:cTn>
+                  </p:par>
+                  <p:par>
+                    <p:cTn id="13" fill="hold">
+                      <p:stCondLst>
+                        <p:cond delay="indefinite"/>
+                      </p:stCondLst>
+                      <p:childTnLst>
+                        <p:par>
+                          <p:cTn id="14" fill="hold">
+                            <p:stCondLst>
+                              <p:cond delay="0"/>
+                            </p:stCondLst>
+                            <p:childTnLst>
+                              <p:par>
+                                <p:cTn id="15" presetID="1" presetClass="entr" presetSubtype="0" fill="hold" grpId="0" nodeType="clickEffect">
+                                  <p:stCondLst>
+                                    <p:cond delay="0"/>
+                                  </p:stCondLst>
+                                  <p:childTnLst>
+                                    <p:set>
+                                      <p:cBhvr>
+                                        <p:cTn id="16" dur="1" fill="hold">
+                                          <p:stCondLst>
+                                            <p:cond delay="0"/>
+                                          </p:stCondLst>
+                                        </p:cTn>
+                                        <p:tgtEl>
+                                          <p:spTgt spid="4"/>
+                                        </p:tgtEl>
+                                        <p:attrNameLst>
+                                          <p:attrName>style.visibility</p:attrName>
+                                        </p:attrNameLst>
+                                      </p:cBhvr>
+                                      <p:to>
+                                        <p:strVal val="visible"/>
+                                      </p:to>
+                                    </p:set>
+                                  </p:childTnLst>
+                                </p:cTn>
+                              </p:par>
+                              <p:par>
+                                <p:cTn id="17" presetID="1" presetClass="entr" presetSubtype="0" fill="hold" grpId="0" nodeType="withEffect">
+                                  <p:stCondLst>
+                                    <p:cond delay="0"/>
+                                  </p:stCondLst>
+                                  <p:childTnLst>
+                                    <p:set>
+                                      <p:cBhvr>
+                                        <p:cTn id="18" dur="1" fill="hold">
+                                          <p:stCondLst>
+                                            <p:cond delay="0"/>
+                                          </p:stCondLst>
+                                        </p:cTn>
+                                        <p:tgtEl>
+                                          <p:spTgt spid="13"/>
+                                        </p:tgtEl>
+                                        <p:attrNameLst>
+                                          <p:attrName>style.visibility</p:attrName>
+                                        </p:attrNameLst>
+                                      </p:cBhvr>
+                                      <p:to>
+                                        <p:strVal val="visible"/>
+                                      </p:to>
+                                    </p:set>
+                                  </p:childTnLst>
+                                </p:cTn>
+                              </p:par>
+                              <p:par>
+                                <p:cTn id="19" presetID="1" presetClass="entr" presetSubtype="0" fill="hold" grpId="0" nodeType="withEffect">
+                                  <p:stCondLst>
+                                    <p:cond delay="0"/>
+                                  </p:stCondLst>
+                                  <p:childTnLst>
+                                    <p:set>
+                                      <p:cBhvr>
+                                        <p:cTn id="20" dur="1" fill="hold">
+                                          <p:stCondLst>
+                                            <p:cond delay="0"/>
+                                          </p:stCondLst>
+                                        </p:cTn>
+                                        <p:tgtEl>
+                                          <p:spTgt spid="17"/>
+                                        </p:tgtEl>
+                                        <p:attrNameLst>
+                                          <p:attrName>style.visibility</p:attrName>
+                                        </p:attrNameLst>
+                                      </p:cBhvr>
+                                      <p:to>
+                                        <p:strVal val="visible"/>
+                                      </p:to>
+                                    </p:set>
+                                  </p:childTnLst>
+                                </p:cTn>
+                              </p:par>
+                              <p:par>
+                                <p:cTn id="21" presetID="1" presetClass="entr" presetSubtype="0" fill="hold" nodeType="withEffect">
+                                  <p:stCondLst>
+                                    <p:cond delay="0"/>
+                                  </p:stCondLst>
+                                  <p:childTnLst>
+                                    <p:set>
+                                      <p:cBhvr>
+                                        <p:cTn id="22" dur="1" fill="hold">
+                                          <p:stCondLst>
+                                            <p:cond delay="0"/>
+                                          </p:stCondLst>
+                                        </p:cTn>
+                                        <p:tgtEl>
+                                          <p:spTgt spid="18"/>
+                                        </p:tgtEl>
+                                        <p:attrNameLst>
+                                          <p:attrName>style.visibility</p:attrName>
+                                        </p:attrNameLst>
+                                      </p:cBhvr>
+                                      <p:to>
+                                        <p:strVal val="visible"/>
+                                      </p:to>
+                                    </p:set>
+                                  </p:childTnLst>
+                                </p:cTn>
+                              </p:par>
+                            </p:childTnLst>
+                          </p:cTn>
+                        </p:par>
+                      </p:childTnLst>
+                    </p:cTn>
+                  </p:par>
+                  <p:par>
+                    <p:cTn id="23" fill="hold">
+                      <p:stCondLst>
+                        <p:cond delay="indefinite"/>
+                      </p:stCondLst>
+                      <p:childTnLst>
+                        <p:par>
+                          <p:cTn id="24" fill="hold">
+                            <p:stCondLst>
+                              <p:cond delay="0"/>
+                            </p:stCondLst>
+                            <p:childTnLst>
+                              <p:par>
+                                <p:cTn id="25" presetID="1" presetClass="entr" presetSubtype="0" fill="hold" grpId="0" nodeType="clickEffect">
+                                  <p:stCondLst>
+                                    <p:cond delay="0"/>
+                                  </p:stCondLst>
+                                  <p:childTnLst>
+                                    <p:set>
+                                      <p:cBhvr>
+                                        <p:cTn id="26" dur="1" fill="hold">
+                                          <p:stCondLst>
+                                            <p:cond delay="0"/>
+                                          </p:stCondLst>
+                                        </p:cTn>
+                                        <p:tgtEl>
+                                          <p:spTgt spid="5"/>
+                                        </p:tgtEl>
+                                        <p:attrNameLst>
+                                          <p:attrName>style.visibility</p:attrName>
+                                        </p:attrNameLst>
+                                      </p:cBhvr>
+                                      <p:to>
+                                        <p:strVal val="visible"/>
+                                      </p:to>
+                                    </p:set>
+                                  </p:childTnLst>
+                                </p:cTn>
+                              </p:par>
+                              <p:par>
+                                <p:cTn id="27" presetID="1" presetClass="entr" presetSubtype="0" fill="hold" grpId="0" nodeType="withEffect">
+                                  <p:stCondLst>
+                                    <p:cond delay="0"/>
+                                  </p:stCondLst>
+                                  <p:childTnLst>
+                                    <p:set>
+                                      <p:cBhvr>
+                                        <p:cTn id="28" dur="1" fill="hold">
+                                          <p:stCondLst>
+                                            <p:cond delay="0"/>
+                                          </p:stCondLst>
+                                        </p:cTn>
+                                        <p:tgtEl>
+                                          <p:spTgt spid="20"/>
+                                        </p:tgtEl>
+                                        <p:attrNameLst>
+                                          <p:attrName>style.visibility</p:attrName>
+                                        </p:attrNameLst>
+                                      </p:cBhvr>
+                                      <p:to>
+                                        <p:strVal val="visible"/>
+                                      </p:to>
+                                    </p:set>
+                                  </p:childTnLst>
+                                </p:cTn>
+                              </p:par>
+                              <p:par>
+                                <p:cTn id="29" presetID="1" presetClass="entr" presetSubtype="0" fill="hold" grpId="0" nodeType="withEffect">
+                                  <p:stCondLst>
+                                    <p:cond delay="0"/>
+                                  </p:stCondLst>
+                                  <p:childTnLst>
+                                    <p:set>
+                                      <p:cBhvr>
+                                        <p:cTn id="30" dur="1" fill="hold">
+                                          <p:stCondLst>
+                                            <p:cond delay="0"/>
+                                          </p:stCondLst>
+                                        </p:cTn>
+                                        <p:tgtEl>
+                                          <p:spTgt spid="21"/>
+                                        </p:tgtEl>
+                                        <p:attrNameLst>
+                                          <p:attrName>style.visibility</p:attrName>
+                                        </p:attrNameLst>
+                                      </p:cBhvr>
+                                      <p:to>
+                                        <p:strVal val="visible"/>
+                                      </p:to>
+                                    </p:set>
+                                  </p:childTnLst>
+                                </p:cTn>
+                              </p:par>
+                              <p:par>
+                                <p:cTn id="31" presetID="1" presetClass="entr" presetSubtype="0" fill="hold" nodeType="withEffect">
+                                  <p:stCondLst>
+                                    <p:cond delay="0"/>
+                                  </p:stCondLst>
+                                  <p:childTnLst>
+                                    <p:set>
+                                      <p:cBhvr>
+                                        <p:cTn id="32" dur="1" fill="hold">
+                                          <p:stCondLst>
+                                            <p:cond delay="0"/>
+                                          </p:stCondLst>
+                                        </p:cTn>
+                                        <p:tgtEl>
+                                          <p:spTgt spid="22"/>
+                                        </p:tgtEl>
+                                        <p:attrNameLst>
+                                          <p:attrName>style.visibility</p:attrName>
+                                        </p:attrNameLst>
+                                      </p:cBhvr>
+                                      <p:to>
+                                        <p:strVal val="visible"/>
+                                      </p:to>
+                                    </p:set>
+                                  </p:childTnLst>
+                                </p:cTn>
+                              </p:par>
+                            </p:childTnLst>
+                          </p:cTn>
+                        </p:par>
+                      </p:childTnLst>
+                    </p:cTn>
+                  </p:par>
+                </p:childTnLst>
+              </p:cTn>
+              <p:prevCondLst>
+                <p:cond evt="onPrev" delay="0">
+                  <p:tgtEl>
+                    <p:sldTgt/>
+                  </p:tgtEl>
+                </p:cond>
+              </p:prevCondLst>
+              <p:nextCondLst>
+                <p:cond evt="onNext" delay="0">
+                  <p:tgtEl>
+                    <p:sldTgt/>
+                  </p:tgtEl>
+                </p:cond>
+              </p:nextCondLst>
+            </p:seq>
+          </p:childTnLst>
+        </p:cTn>
+      </p:par>
+    </p:tnLst>
+    <p:bldLst>
+      <p:bldP spid="4" grpId="0" animBg="1"/>
+      <p:bldP spid="5" grpId="0" animBg="1"/>
+      <p:bldP spid="8" grpId="0" animBg="1"/>
+      <p:bldP spid="11" grpId="0" animBg="1"/>
+      <p:bldP spid="12" grpId="0" animBg="1"/>
+      <p:bldP spid="13" grpId="0" animBg="1"/>
+      <p:bldP spid="17" grpId="0" animBg="1"/>
+      <p:bldP spid="20" grpId="0" animBg="1"/>
+      <p:bldP spid="21" grpId="0" animBg="1"/>
+    </p:bldLst>
+  </p:timing>
 </p:sld>
 </file>
 

--- a/2019-01-28 Webscraping project presentation (healthgrades physician reviews).pptx
+++ b/2019-01-28 Webscraping project presentation (healthgrades physician reviews).pptx
@@ -19,10 +19,10 @@
     <p:sldId id="265" r:id="rId10"/>
     <p:sldId id="266" r:id="rId11"/>
     <p:sldId id="268" r:id="rId12"/>
-    <p:sldId id="267" r:id="rId13"/>
-    <p:sldId id="271" r:id="rId14"/>
-    <p:sldId id="280" r:id="rId15"/>
-    <p:sldId id="273" r:id="rId16"/>
+    <p:sldId id="280" r:id="rId13"/>
+    <p:sldId id="273" r:id="rId14"/>
+    <p:sldId id="267" r:id="rId15"/>
+    <p:sldId id="271" r:id="rId16"/>
     <p:sldId id="274" r:id="rId17"/>
     <p:sldId id="275" r:id="rId18"/>
     <p:sldId id="277" r:id="rId19"/>
@@ -1180,7 +1180,7 @@
           <a:p>
             <a:fld id="{7A854366-437A-48A0-AD87-86B9458E7F30}" type="datetimeFigureOut">
               <a:rPr lang="en-US" smtClean="0"/>
-              <a:t>1/29/2019</a:t>
+              <a:t>1/30/2019</a:t>
             </a:fld>
             <a:endParaRPr lang="en-US"/>
           </a:p>
@@ -2116,16 +2116,76 @@
           <a:bodyPr/>
           <a:lstStyle/>
           <a:p>
-            <a:r>
-              <a:rPr lang="en-US" dirty="0"/>
-              <a:t>N for [30,40) = 17</a:t>
-            </a:r>
-          </a:p>
-          <a:p>
-            <a:r>
-              <a:rPr lang="en-US" dirty="0"/>
-              <a:t>Age does seem to have an impact on doctor’s rating for cardiologists (correlation = -0.15), </a:t>
-            </a:r>
+            <a:pPr marL="0" marR="0" lvl="0" indent="0" algn="l" defTabSz="914400" rtl="0" eaLnBrk="1" fontAlgn="auto" latinLnBrk="0" hangingPunct="1">
+              <a:lnSpc>
+                <a:spcPct val="100000"/>
+              </a:lnSpc>
+              <a:spcBef>
+                <a:spcPts val="0"/>
+              </a:spcBef>
+              <a:spcAft>
+                <a:spcPts val="0"/>
+              </a:spcAft>
+              <a:buClrTx/>
+              <a:buSzTx/>
+              <a:buFontTx/>
+              <a:buNone/>
+              <a:tabLst/>
+              <a:defRPr/>
+            </a:pPr>
+            <a:r>
+              <a:rPr lang="en-US" sz="1200" dirty="0"/>
+              <a:t>Doctor score – Staff score: </a:t>
+            </a:r>
+          </a:p>
+          <a:p>
+            <a:pPr marL="0" marR="0" lvl="0" indent="0" algn="l" defTabSz="914400" rtl="0" eaLnBrk="1" fontAlgn="auto" latinLnBrk="0" hangingPunct="1">
+              <a:lnSpc>
+                <a:spcPct val="100000"/>
+              </a:lnSpc>
+              <a:spcBef>
+                <a:spcPts val="0"/>
+              </a:spcBef>
+              <a:spcAft>
+                <a:spcPts val="0"/>
+              </a:spcAft>
+              <a:buClrTx/>
+              <a:buSzTx/>
+              <a:buFontTx/>
+              <a:buNone/>
+              <a:tabLst/>
+              <a:defRPr/>
+            </a:pPr>
+            <a:r>
+              <a:rPr lang="en-US" sz="1200" dirty="0"/>
+              <a:t>Mean 0 </a:t>
+            </a:r>
+          </a:p>
+          <a:p>
+            <a:pPr marL="0" marR="0" lvl="0" indent="0" algn="l" defTabSz="914400" rtl="0" eaLnBrk="1" fontAlgn="auto" latinLnBrk="0" hangingPunct="1">
+              <a:lnSpc>
+                <a:spcPct val="100000"/>
+              </a:lnSpc>
+              <a:spcBef>
+                <a:spcPts val="0"/>
+              </a:spcBef>
+              <a:spcAft>
+                <a:spcPts val="0"/>
+              </a:spcAft>
+              <a:buClrTx/>
+              <a:buSzTx/>
+              <a:buFontTx/>
+              <a:buNone/>
+              <a:tabLst/>
+              <a:defRPr/>
+            </a:pPr>
+            <a:r>
+              <a:rPr lang="en-US" sz="1200" dirty="0"/>
+              <a:t>Std: 0.4 </a:t>
+            </a:r>
+          </a:p>
+          <a:p>
+            <a:endParaRPr lang="en-US" dirty="0"/>
           </a:p>
         </p:txBody>
       </p:sp>
@@ -2155,7 +2215,7 @@
     </p:spTree>
     <p:extLst>
       <p:ext uri="{BB962C8B-B14F-4D97-AF65-F5344CB8AC3E}">
-        <p14:creationId xmlns:p14="http://schemas.microsoft.com/office/powerpoint/2010/main" val="845662542"/>
+        <p14:creationId xmlns:p14="http://schemas.microsoft.com/office/powerpoint/2010/main" val="474917449"/>
       </p:ext>
     </p:extLst>
   </p:cSld>
@@ -2211,19 +2271,19 @@
           <a:p>
             <a:r>
               <a:rPr lang="en-US" dirty="0"/>
-              <a:t>Same trend holds true for cardiologists both in terms of number of reviews and rating distribution</a:t>
+              <a:t>Rating – doc score: distribution skewed to the negative side</a:t>
             </a:r>
           </a:p>
           <a:p>
             <a:r>
               <a:rPr lang="en-US" dirty="0"/>
-              <a:t>GI mean Female: 4; Male: 8</a:t>
+              <a:t>Mean: -0.1 </a:t>
             </a:r>
           </a:p>
           <a:p>
             <a:r>
               <a:rPr lang="en-US" dirty="0"/>
-              <a:t>Cardio mean Female: 2.8; Male 5.3</a:t>
+              <a:t>Std: 0.23</a:t>
             </a:r>
           </a:p>
         </p:txBody>
@@ -2254,7 +2314,7 @@
     </p:spTree>
     <p:extLst>
       <p:ext uri="{BB962C8B-B14F-4D97-AF65-F5344CB8AC3E}">
-        <p14:creationId xmlns:p14="http://schemas.microsoft.com/office/powerpoint/2010/main" val="3755137529"/>
+        <p14:creationId xmlns:p14="http://schemas.microsoft.com/office/powerpoint/2010/main" val="3933745571"/>
       </p:ext>
     </p:extLst>
   </p:cSld>
@@ -2308,76 +2368,16 @@
           <a:bodyPr/>
           <a:lstStyle/>
           <a:p>
-            <a:pPr marL="0" marR="0" lvl="0" indent="0" algn="l" defTabSz="914400" rtl="0" eaLnBrk="1" fontAlgn="auto" latinLnBrk="0" hangingPunct="1">
-              <a:lnSpc>
-                <a:spcPct val="100000"/>
-              </a:lnSpc>
-              <a:spcBef>
-                <a:spcPts val="0"/>
-              </a:spcBef>
-              <a:spcAft>
-                <a:spcPts val="0"/>
-              </a:spcAft>
-              <a:buClrTx/>
-              <a:buSzTx/>
-              <a:buFontTx/>
-              <a:buNone/>
-              <a:tabLst/>
-              <a:defRPr/>
-            </a:pPr>
-            <a:r>
-              <a:rPr lang="en-US" sz="1200" dirty="0"/>
-              <a:t>Doctor score – Staff score: </a:t>
-            </a:r>
-          </a:p>
-          <a:p>
-            <a:pPr marL="0" marR="0" lvl="0" indent="0" algn="l" defTabSz="914400" rtl="0" eaLnBrk="1" fontAlgn="auto" latinLnBrk="0" hangingPunct="1">
-              <a:lnSpc>
-                <a:spcPct val="100000"/>
-              </a:lnSpc>
-              <a:spcBef>
-                <a:spcPts val="0"/>
-              </a:spcBef>
-              <a:spcAft>
-                <a:spcPts val="0"/>
-              </a:spcAft>
-              <a:buClrTx/>
-              <a:buSzTx/>
-              <a:buFontTx/>
-              <a:buNone/>
-              <a:tabLst/>
-              <a:defRPr/>
-            </a:pPr>
-            <a:r>
-              <a:rPr lang="en-US" sz="1200" dirty="0"/>
-              <a:t>Mean 0 </a:t>
-            </a:r>
-          </a:p>
-          <a:p>
-            <a:pPr marL="0" marR="0" lvl="0" indent="0" algn="l" defTabSz="914400" rtl="0" eaLnBrk="1" fontAlgn="auto" latinLnBrk="0" hangingPunct="1">
-              <a:lnSpc>
-                <a:spcPct val="100000"/>
-              </a:lnSpc>
-              <a:spcBef>
-                <a:spcPts val="0"/>
-              </a:spcBef>
-              <a:spcAft>
-                <a:spcPts val="0"/>
-              </a:spcAft>
-              <a:buClrTx/>
-              <a:buSzTx/>
-              <a:buFontTx/>
-              <a:buNone/>
-              <a:tabLst/>
-              <a:defRPr/>
-            </a:pPr>
-            <a:r>
-              <a:rPr lang="en-US" sz="1200" dirty="0"/>
-              <a:t>Std: 0.4 </a:t>
-            </a:r>
-          </a:p>
-          <a:p>
-            <a:endParaRPr lang="en-US" dirty="0"/>
+            <a:r>
+              <a:rPr lang="en-US" dirty="0"/>
+              <a:t>N for [30,40) = 17</a:t>
+            </a:r>
+          </a:p>
+          <a:p>
+            <a:r>
+              <a:rPr lang="en-US" dirty="0"/>
+              <a:t>Age does seem to have an impact on doctor’s rating for cardiologists (correlation = -0.15), </a:t>
+            </a:r>
           </a:p>
         </p:txBody>
       </p:sp>
@@ -2407,7 +2407,7 @@
     </p:spTree>
     <p:extLst>
       <p:ext uri="{BB962C8B-B14F-4D97-AF65-F5344CB8AC3E}">
-        <p14:creationId xmlns:p14="http://schemas.microsoft.com/office/powerpoint/2010/main" val="474917449"/>
+        <p14:creationId xmlns:p14="http://schemas.microsoft.com/office/powerpoint/2010/main" val="845662542"/>
       </p:ext>
     </p:extLst>
   </p:cSld>
@@ -2463,19 +2463,19 @@
           <a:p>
             <a:r>
               <a:rPr lang="en-US" dirty="0"/>
-              <a:t>Rating – doc score: distribution skewed to the negative side</a:t>
+              <a:t>Same trend holds true for cardiologists both in terms of number of reviews and rating distribution</a:t>
             </a:r>
           </a:p>
           <a:p>
             <a:r>
               <a:rPr lang="en-US" dirty="0"/>
-              <a:t>Mean: -0.1 </a:t>
+              <a:t>GI mean Female: 4; Male: 8</a:t>
             </a:r>
           </a:p>
           <a:p>
             <a:r>
               <a:rPr lang="en-US" dirty="0"/>
-              <a:t>Std: 0.23</a:t>
+              <a:t>Cardio mean Female: 2.8; Male 5.3</a:t>
             </a:r>
           </a:p>
         </p:txBody>
@@ -2506,7 +2506,7 @@
     </p:spTree>
     <p:extLst>
       <p:ext uri="{BB962C8B-B14F-4D97-AF65-F5344CB8AC3E}">
-        <p14:creationId xmlns:p14="http://schemas.microsoft.com/office/powerpoint/2010/main" val="3933745571"/>
+        <p14:creationId xmlns:p14="http://schemas.microsoft.com/office/powerpoint/2010/main" val="3755137529"/>
       </p:ext>
     </p:extLst>
   </p:cSld>
@@ -2702,7 +2702,7 @@
           <a:p>
             <a:fld id="{D3848E1C-89ED-4A9D-B82B-A79B27F37B5E}" type="datetime2">
               <a:rPr lang="en-US" smtClean="0"/>
-              <a:t>Tuesday, January 29, 2019</a:t>
+              <a:t>Wednesday, January 30, 2019</a:t>
             </a:fld>
             <a:endParaRPr lang="en-US"/>
           </a:p>
@@ -2920,7 +2920,7 @@
           <a:p>
             <a:fld id="{EEA0E15E-AC25-4311-A8BD-7236DC688F73}" type="datetime2">
               <a:rPr lang="en-US" smtClean="0"/>
-              <a:t>Tuesday, January 29, 2019</a:t>
+              <a:t>Wednesday, January 30, 2019</a:t>
             </a:fld>
             <a:endParaRPr lang="en-US"/>
           </a:p>
@@ -3073,7 +3073,7 @@
           <a:p>
             <a:fld id="{4ED1AA39-4B19-48F8-B7BC-C966F91EBDA3}" type="datetime2">
               <a:rPr lang="en-US" smtClean="0"/>
-              <a:t>Tuesday, January 29, 2019</a:t>
+              <a:t>Wednesday, January 30, 2019</a:t>
             </a:fld>
             <a:endParaRPr lang="en-US"/>
           </a:p>
@@ -3234,7 +3234,7 @@
           <a:p>
             <a:fld id="{FB2E9AD9-34C2-44BD-9E81-65687102272E}" type="datetime2">
               <a:rPr lang="en-US" smtClean="0"/>
-              <a:t>Tuesday, January 29, 2019</a:t>
+              <a:t>Wednesday, January 30, 2019</a:t>
             </a:fld>
             <a:endParaRPr lang="en-US"/>
           </a:p>
@@ -3590,7 +3590,7 @@
           <a:p>
             <a:fld id="{9FFD6704-699A-4F42-AB17-09919A402336}" type="datetime2">
               <a:rPr lang="en-US" smtClean="0"/>
-              <a:t>Tuesday, January 29, 2019</a:t>
+              <a:t>Wednesday, January 30, 2019</a:t>
             </a:fld>
             <a:endParaRPr lang="en-US"/>
           </a:p>
@@ -3889,7 +3889,7 @@
           <a:p>
             <a:fld id="{83AC6CCE-BB11-457A-A481-35C367855D71}" type="datetime2">
               <a:rPr lang="en-US" smtClean="0"/>
-              <a:t>Tuesday, January 29, 2019</a:t>
+              <a:t>Wednesday, January 30, 2019</a:t>
             </a:fld>
             <a:endParaRPr lang="en-US"/>
           </a:p>
@@ -4332,7 +4332,7 @@
           <a:p>
             <a:fld id="{9B2C3A35-E3B8-40D5-BD3D-673E6029BFB1}" type="datetime2">
               <a:rPr lang="en-US" smtClean="0"/>
-              <a:t>Tuesday, January 29, 2019</a:t>
+              <a:t>Wednesday, January 30, 2019</a:t>
             </a:fld>
             <a:endParaRPr lang="en-US"/>
           </a:p>
@@ -4463,7 +4463,7 @@
           <a:p>
             <a:fld id="{5E1356A2-4381-4485-A6ED-CCA92C47C082}" type="datetime2">
               <a:rPr lang="en-US" smtClean="0"/>
-              <a:t>Tuesday, January 29, 2019</a:t>
+              <a:t>Wednesday, January 30, 2019</a:t>
             </a:fld>
             <a:endParaRPr lang="en-US"/>
           </a:p>
@@ -4661,7 +4661,7 @@
           <a:p>
             <a:fld id="{0FFA9D5A-86CE-48AD-9CCA-EDE3D4A15468}" type="datetime2">
               <a:rPr lang="en-US" smtClean="0"/>
-              <a:t>Tuesday, January 29, 2019</a:t>
+              <a:t>Wednesday, January 30, 2019</a:t>
             </a:fld>
             <a:endParaRPr lang="en-US"/>
           </a:p>
@@ -5042,7 +5042,7 @@
           <a:p>
             <a:fld id="{3FB264F4-D3BA-4246-8F3D-E2E537469BF1}" type="datetime2">
               <a:rPr lang="en-US" smtClean="0"/>
-              <a:t>Tuesday, January 29, 2019</a:t>
+              <a:t>Wednesday, January 30, 2019</a:t>
             </a:fld>
             <a:endParaRPr lang="en-US"/>
           </a:p>
@@ -5325,7 +5325,7 @@
           <a:p>
             <a:fld id="{440379FA-2752-47BA-BB43-EBFA51A43CFC}" type="datetime2">
               <a:rPr lang="en-US" smtClean="0"/>
-              <a:t>Tuesday, January 29, 2019</a:t>
+              <a:t>Wednesday, January 30, 2019</a:t>
             </a:fld>
             <a:endParaRPr lang="en-US"/>
           </a:p>
@@ -5601,7 +5601,7 @@
           <a:p>
             <a:fld id="{1AAAB486-9B77-4865-A016-029732D93890}" type="datetime2">
               <a:rPr lang="en-US" smtClean="0"/>
-              <a:t>Tuesday, January 29, 2019</a:t>
+              <a:t>Wednesday, January 30, 2019</a:t>
             </a:fld>
             <a:endParaRPr lang="en-US" dirty="0"/>
           </a:p>
@@ -6048,9 +6048,18 @@
             </a:r>
           </a:p>
           <a:p>
-            <a:r>
-              <a:rPr lang="en-US" dirty="0"/>
-              <a:t>By Yan Qi</a:t>
+            <a:endParaRPr lang="en-US" sz="2000" dirty="0"/>
+          </a:p>
+          <a:p>
+            <a:r>
+              <a:rPr lang="en-US" sz="2000" dirty="0"/>
+              <a:t>Yan Qi</a:t>
+            </a:r>
+          </a:p>
+          <a:p>
+            <a:r>
+              <a:rPr lang="en-US" sz="2000" i="1" dirty="0"/>
+              <a:t>1/30/2017</a:t>
             </a:r>
           </a:p>
         </p:txBody>
@@ -6932,14 +6941,14 @@
           <p:nvPr>
             <p:extLst>
               <p:ext uri="{D42A27DB-BD31-4B8C-83A1-F6EECF244321}">
-                <p14:modId xmlns:p14="http://schemas.microsoft.com/office/powerpoint/2010/main" val="1133645994"/>
+                <p14:modId xmlns:p14="http://schemas.microsoft.com/office/powerpoint/2010/main" val="1735923281"/>
               </p:ext>
             </p:extLst>
           </p:nvPr>
         </p:nvGraphicFramePr>
         <p:xfrm>
           <a:off x="989370" y="2230447"/>
-          <a:ext cx="7057104" cy="2937879"/>
+          <a:ext cx="7057104" cy="3384640"/>
         </p:xfrm>
         <a:graphic>
           <a:graphicData uri="http://schemas.openxmlformats.org/drawingml/2006/table">
@@ -7345,6 +7354,338 @@
                           <a:solidFill>
                             <a:srgbClr val="000000"/>
                           </a:solidFill>
+                          <a:latin typeface="Arial"/>
+                        </a:rPr>
+                        <a:t>Doctor’s own performance vs. Staff Performance</a:t>
+                      </a:r>
+                    </a:p>
+                  </a:txBody>
+                  <a:tcPr marL="45720" marR="45720" anchor="ctr">
+                    <a:lnL w="12700" cap="flat" cmpd="sng" algn="ctr">
+                      <a:solidFill>
+                        <a:sysClr val="window" lastClr="FFFFFF">
+                          <a:lumMod val="50000"/>
+                        </a:sysClr>
+                      </a:solidFill>
+                      <a:prstDash val="solid"/>
+                      <a:round/>
+                      <a:headEnd type="none" w="med" len="med"/>
+                      <a:tailEnd type="none" w="med" len="med"/>
+                    </a:lnL>
+                    <a:lnR w="12700" cap="flat" cmpd="sng" algn="ctr">
+                      <a:solidFill>
+                        <a:sysClr val="window" lastClr="FFFFFF">
+                          <a:lumMod val="50000"/>
+                        </a:sysClr>
+                      </a:solidFill>
+                      <a:prstDash val="solid"/>
+                      <a:round/>
+                      <a:headEnd type="none" w="med" len="med"/>
+                      <a:tailEnd type="none" w="med" len="med"/>
+                    </a:lnR>
+                    <a:lnT w="12700" cap="flat" cmpd="sng" algn="ctr">
+                      <a:solidFill>
+                        <a:sysClr val="window" lastClr="FFFFFF">
+                          <a:lumMod val="50000"/>
+                        </a:sysClr>
+                      </a:solidFill>
+                      <a:prstDash val="solid"/>
+                      <a:round/>
+                      <a:headEnd type="none" w="med" len="med"/>
+                      <a:tailEnd type="none" w="med" len="med"/>
+                    </a:lnT>
+                    <a:lnB w="12700" cap="flat" cmpd="sng" algn="ctr">
+                      <a:solidFill>
+                        <a:sysClr val="window" lastClr="FFFFFF">
+                          <a:lumMod val="50000"/>
+                        </a:sysClr>
+                      </a:solidFill>
+                      <a:prstDash val="solid"/>
+                      <a:round/>
+                      <a:headEnd type="none" w="med" len="med"/>
+                      <a:tailEnd type="none" w="med" len="med"/>
+                    </a:lnB>
+                    <a:lnTlToBr w="12700" cmpd="sng">
+                      <a:noFill/>
+                      <a:prstDash val="solid"/>
+                    </a:lnTlToBr>
+                    <a:lnBlToTr w="12700" cmpd="sng">
+                      <a:noFill/>
+                      <a:prstDash val="solid"/>
+                    </a:lnBlToTr>
+                    <a:noFill/>
+                  </a:tcPr>
+                </a:tc>
+                <a:tc>
+                  <a:txBody>
+                    <a:bodyPr/>
+                    <a:lstStyle>
+                      <a:lvl1pPr marL="0" algn="l" defTabSz="914400" rtl="0" eaLnBrk="1" latinLnBrk="0" hangingPunct="1">
+                        <a:defRPr sz="1800" kern="1200">
+                          <a:solidFill>
+                            <a:schemeClr val="dk1"/>
+                          </a:solidFill>
+                          <a:latin typeface="Calibri"/>
+                        </a:defRPr>
+                      </a:lvl1pPr>
+                      <a:lvl2pPr marL="457200" algn="l" defTabSz="914400" rtl="0" eaLnBrk="1" latinLnBrk="0" hangingPunct="1">
+                        <a:defRPr sz="1800" kern="1200">
+                          <a:solidFill>
+                            <a:schemeClr val="dk1"/>
+                          </a:solidFill>
+                          <a:latin typeface="Calibri"/>
+                        </a:defRPr>
+                      </a:lvl2pPr>
+                      <a:lvl3pPr marL="914400" algn="l" defTabSz="914400" rtl="0" eaLnBrk="1" latinLnBrk="0" hangingPunct="1">
+                        <a:defRPr sz="1800" kern="1200">
+                          <a:solidFill>
+                            <a:schemeClr val="dk1"/>
+                          </a:solidFill>
+                          <a:latin typeface="Calibri"/>
+                        </a:defRPr>
+                      </a:lvl3pPr>
+                      <a:lvl4pPr marL="1371600" algn="l" defTabSz="914400" rtl="0" eaLnBrk="1" latinLnBrk="0" hangingPunct="1">
+                        <a:defRPr sz="1800" kern="1200">
+                          <a:solidFill>
+                            <a:schemeClr val="dk1"/>
+                          </a:solidFill>
+                          <a:latin typeface="Calibri"/>
+                        </a:defRPr>
+                      </a:lvl4pPr>
+                      <a:lvl5pPr marL="1828800" algn="l" defTabSz="914400" rtl="0" eaLnBrk="1" latinLnBrk="0" hangingPunct="1">
+                        <a:defRPr sz="1800" kern="1200">
+                          <a:solidFill>
+                            <a:schemeClr val="dk1"/>
+                          </a:solidFill>
+                          <a:latin typeface="Calibri"/>
+                        </a:defRPr>
+                      </a:lvl5pPr>
+                      <a:lvl6pPr marL="2286000" algn="l" defTabSz="914400" rtl="0" eaLnBrk="1" latinLnBrk="0" hangingPunct="1">
+                        <a:defRPr sz="1800" kern="1200">
+                          <a:solidFill>
+                            <a:schemeClr val="dk1"/>
+                          </a:solidFill>
+                          <a:latin typeface="Calibri"/>
+                        </a:defRPr>
+                      </a:lvl6pPr>
+                      <a:lvl7pPr marL="2743200" algn="l" defTabSz="914400" rtl="0" eaLnBrk="1" latinLnBrk="0" hangingPunct="1">
+                        <a:defRPr sz="1800" kern="1200">
+                          <a:solidFill>
+                            <a:schemeClr val="dk1"/>
+                          </a:solidFill>
+                          <a:latin typeface="Calibri"/>
+                        </a:defRPr>
+                      </a:lvl7pPr>
+                      <a:lvl8pPr marL="3200400" algn="l" defTabSz="914400" rtl="0" eaLnBrk="1" latinLnBrk="0" hangingPunct="1">
+                        <a:defRPr sz="1800" kern="1200">
+                          <a:solidFill>
+                            <a:schemeClr val="dk1"/>
+                          </a:solidFill>
+                          <a:latin typeface="Calibri"/>
+                        </a:defRPr>
+                      </a:lvl8pPr>
+                      <a:lvl9pPr marL="3657600" algn="l" defTabSz="914400" rtl="0" eaLnBrk="1" latinLnBrk="0" hangingPunct="1">
+                        <a:defRPr sz="1800" kern="1200">
+                          <a:solidFill>
+                            <a:schemeClr val="dk1"/>
+                          </a:solidFill>
+                          <a:latin typeface="Calibri"/>
+                        </a:defRPr>
+                      </a:lvl9pPr>
+                    </a:lstStyle>
+                    <a:p>
+                      <a:pPr marL="285750" indent="-285750" algn="l" fontAlgn="ctr">
+                        <a:buFont typeface="Arial" panose="020B0604020202020204" pitchFamily="34" charset="0"/>
+                        <a:buChar char="•"/>
+                      </a:pPr>
+                      <a:r>
+                        <a:rPr lang="en-US" sz="1600" b="0" i="1" u="none" strike="noStrike" dirty="0">
+                          <a:solidFill>
+                            <a:srgbClr val="000000"/>
+                          </a:solidFill>
+                          <a:latin typeface="Arial"/>
+                        </a:rPr>
+                        <a:t>How well do doc score and staff score correlate with overall rating?</a:t>
+                      </a:r>
+                    </a:p>
+                    <a:p>
+                      <a:pPr marL="285750" indent="-285750" algn="l" fontAlgn="ctr">
+                        <a:buFont typeface="Arial" panose="020B0604020202020204" pitchFamily="34" charset="0"/>
+                        <a:buChar char="•"/>
+                      </a:pPr>
+                      <a:r>
+                        <a:rPr lang="en-US" sz="1600" b="0" i="1" u="none" strike="noStrike" dirty="0">
+                          <a:solidFill>
+                            <a:srgbClr val="000000"/>
+                          </a:solidFill>
+                          <a:latin typeface="Arial"/>
+                        </a:rPr>
+                        <a:t>How well does doctor score correlate with staff score? </a:t>
+                      </a:r>
+                    </a:p>
+                    <a:p>
+                      <a:pPr marL="285750" indent="-285750" algn="l" fontAlgn="ctr">
+                        <a:buFont typeface="Arial" panose="020B0604020202020204" pitchFamily="34" charset="0"/>
+                        <a:buChar char="•"/>
+                      </a:pPr>
+                      <a:r>
+                        <a:rPr lang="en-US" sz="1600" b="0" i="1" u="none" strike="noStrike" dirty="0">
+                          <a:solidFill>
+                            <a:srgbClr val="000000"/>
+                          </a:solidFill>
+                          <a:latin typeface="Arial"/>
+                        </a:rPr>
+                        <a:t>What kind of impact does office staff’s performance have on the doctor’s overall rating?</a:t>
+                      </a:r>
+                    </a:p>
+                  </a:txBody>
+                  <a:tcPr marL="182880" marR="182880" marT="91440" marB="91440" anchor="ctr">
+                    <a:lnL w="12700" cap="flat" cmpd="sng" algn="ctr">
+                      <a:solidFill>
+                        <a:sysClr val="window" lastClr="FFFFFF">
+                          <a:lumMod val="50000"/>
+                        </a:sysClr>
+                      </a:solidFill>
+                      <a:prstDash val="solid"/>
+                      <a:round/>
+                      <a:headEnd type="none" w="med" len="med"/>
+                      <a:tailEnd type="none" w="med" len="med"/>
+                    </a:lnL>
+                    <a:lnR w="12700" cap="flat" cmpd="sng" algn="ctr">
+                      <a:solidFill>
+                        <a:sysClr val="window" lastClr="FFFFFF">
+                          <a:lumMod val="50000"/>
+                        </a:sysClr>
+                      </a:solidFill>
+                      <a:prstDash val="solid"/>
+                      <a:round/>
+                      <a:headEnd type="none" w="med" len="med"/>
+                      <a:tailEnd type="none" w="med" len="med"/>
+                    </a:lnR>
+                    <a:lnT w="12700" cap="flat" cmpd="sng" algn="ctr">
+                      <a:solidFill>
+                        <a:sysClr val="window" lastClr="FFFFFF">
+                          <a:lumMod val="50000"/>
+                        </a:sysClr>
+                      </a:solidFill>
+                      <a:prstDash val="solid"/>
+                      <a:round/>
+                      <a:headEnd type="none" w="med" len="med"/>
+                      <a:tailEnd type="none" w="med" len="med"/>
+                    </a:lnT>
+                    <a:lnB w="12700" cap="flat" cmpd="sng" algn="ctr">
+                      <a:solidFill>
+                        <a:sysClr val="window" lastClr="FFFFFF">
+                          <a:lumMod val="50000"/>
+                        </a:sysClr>
+                      </a:solidFill>
+                      <a:prstDash val="solid"/>
+                      <a:round/>
+                      <a:headEnd type="none" w="med" len="med"/>
+                      <a:tailEnd type="none" w="med" len="med"/>
+                    </a:lnB>
+                    <a:lnTlToBr w="12700" cmpd="sng">
+                      <a:noFill/>
+                      <a:prstDash val="solid"/>
+                    </a:lnTlToBr>
+                    <a:lnBlToTr w="12700" cmpd="sng">
+                      <a:noFill/>
+                      <a:prstDash val="solid"/>
+                    </a:lnBlToTr>
+                    <a:noFill/>
+                  </a:tcPr>
+                </a:tc>
+                <a:extLst>
+                  <a:ext uri="{0D108BD9-81ED-4DB2-BD59-A6C34878D82A}">
+                    <a16:rowId xmlns:a16="http://schemas.microsoft.com/office/drawing/2014/main" val="10001"/>
+                  </a:ext>
+                </a:extLst>
+              </a:tr>
+              <a:tr h="688704">
+                <a:tc>
+                  <a:txBody>
+                    <a:bodyPr/>
+                    <a:lstStyle>
+                      <a:lvl1pPr marL="0" algn="l" defTabSz="914400" rtl="0" eaLnBrk="1" latinLnBrk="0" hangingPunct="1">
+                        <a:defRPr sz="1800" kern="1200">
+                          <a:solidFill>
+                            <a:schemeClr val="dk1"/>
+                          </a:solidFill>
+                          <a:latin typeface="Calibri"/>
+                        </a:defRPr>
+                      </a:lvl1pPr>
+                      <a:lvl2pPr marL="457200" algn="l" defTabSz="914400" rtl="0" eaLnBrk="1" latinLnBrk="0" hangingPunct="1">
+                        <a:defRPr sz="1800" kern="1200">
+                          <a:solidFill>
+                            <a:schemeClr val="dk1"/>
+                          </a:solidFill>
+                          <a:latin typeface="Calibri"/>
+                        </a:defRPr>
+                      </a:lvl2pPr>
+                      <a:lvl3pPr marL="914400" algn="l" defTabSz="914400" rtl="0" eaLnBrk="1" latinLnBrk="0" hangingPunct="1">
+                        <a:defRPr sz="1800" kern="1200">
+                          <a:solidFill>
+                            <a:schemeClr val="dk1"/>
+                          </a:solidFill>
+                          <a:latin typeface="Calibri"/>
+                        </a:defRPr>
+                      </a:lvl3pPr>
+                      <a:lvl4pPr marL="1371600" algn="l" defTabSz="914400" rtl="0" eaLnBrk="1" latinLnBrk="0" hangingPunct="1">
+                        <a:defRPr sz="1800" kern="1200">
+                          <a:solidFill>
+                            <a:schemeClr val="dk1"/>
+                          </a:solidFill>
+                          <a:latin typeface="Calibri"/>
+                        </a:defRPr>
+                      </a:lvl4pPr>
+                      <a:lvl5pPr marL="1828800" algn="l" defTabSz="914400" rtl="0" eaLnBrk="1" latinLnBrk="0" hangingPunct="1">
+                        <a:defRPr sz="1800" kern="1200">
+                          <a:solidFill>
+                            <a:schemeClr val="dk1"/>
+                          </a:solidFill>
+                          <a:latin typeface="Calibri"/>
+                        </a:defRPr>
+                      </a:lvl5pPr>
+                      <a:lvl6pPr marL="2286000" algn="l" defTabSz="914400" rtl="0" eaLnBrk="1" latinLnBrk="0" hangingPunct="1">
+                        <a:defRPr sz="1800" kern="1200">
+                          <a:solidFill>
+                            <a:schemeClr val="dk1"/>
+                          </a:solidFill>
+                          <a:latin typeface="Calibri"/>
+                        </a:defRPr>
+                      </a:lvl6pPr>
+                      <a:lvl7pPr marL="2743200" algn="l" defTabSz="914400" rtl="0" eaLnBrk="1" latinLnBrk="0" hangingPunct="1">
+                        <a:defRPr sz="1800" kern="1200">
+                          <a:solidFill>
+                            <a:schemeClr val="dk1"/>
+                          </a:solidFill>
+                          <a:latin typeface="Calibri"/>
+                        </a:defRPr>
+                      </a:lvl7pPr>
+                      <a:lvl8pPr marL="3200400" algn="l" defTabSz="914400" rtl="0" eaLnBrk="1" latinLnBrk="0" hangingPunct="1">
+                        <a:defRPr sz="1800" kern="1200">
+                          <a:solidFill>
+                            <a:schemeClr val="dk1"/>
+                          </a:solidFill>
+                          <a:latin typeface="Calibri"/>
+                        </a:defRPr>
+                      </a:lvl8pPr>
+                      <a:lvl9pPr marL="3657600" algn="l" defTabSz="914400" rtl="0" eaLnBrk="1" latinLnBrk="0" hangingPunct="1">
+                        <a:defRPr sz="1800" kern="1200">
+                          <a:solidFill>
+                            <a:schemeClr val="dk1"/>
+                          </a:solidFill>
+                          <a:latin typeface="Calibri"/>
+                        </a:defRPr>
+                      </a:lvl9pPr>
+                    </a:lstStyle>
+                    <a:p>
+                      <a:pPr algn="ctr" fontAlgn="ctr"/>
+                      <a:r>
+                        <a:rPr lang="en-US" sz="1600" b="1" i="0" u="none" strike="noStrike" dirty="0">
+                          <a:solidFill>
+                            <a:srgbClr val="000000"/>
+                          </a:solidFill>
                           <a:latin typeface="+mn-lt"/>
                         </a:rPr>
                         <a:t>Age</a:t>
@@ -7561,11 +7902,11 @@
                 </a:tc>
                 <a:extLst>
                   <a:ext uri="{0D108BD9-81ED-4DB2-BD59-A6C34878D82A}">
-                    <a16:rowId xmlns:a16="http://schemas.microsoft.com/office/drawing/2014/main" val="10001"/>
+                    <a16:rowId xmlns:a16="http://schemas.microsoft.com/office/drawing/2014/main" val="10002"/>
                   </a:ext>
                 </a:extLst>
               </a:tr>
-              <a:tr h="688704">
+              <a:tr h="390087">
                 <a:tc>
                   <a:txBody>
                     <a:bodyPr/>
@@ -7860,323 +8201,6 @@
                 </a:tc>
                 <a:extLst>
                   <a:ext uri="{0D108BD9-81ED-4DB2-BD59-A6C34878D82A}">
-                    <a16:rowId xmlns:a16="http://schemas.microsoft.com/office/drawing/2014/main" val="10002"/>
-                  </a:ext>
-                </a:extLst>
-              </a:tr>
-              <a:tr h="390087">
-                <a:tc>
-                  <a:txBody>
-                    <a:bodyPr/>
-                    <a:lstStyle>
-                      <a:lvl1pPr marL="0" algn="l" defTabSz="914400" rtl="0" eaLnBrk="1" latinLnBrk="0" hangingPunct="1">
-                        <a:defRPr sz="1800" kern="1200">
-                          <a:solidFill>
-                            <a:schemeClr val="dk1"/>
-                          </a:solidFill>
-                          <a:latin typeface="Calibri"/>
-                        </a:defRPr>
-                      </a:lvl1pPr>
-                      <a:lvl2pPr marL="457200" algn="l" defTabSz="914400" rtl="0" eaLnBrk="1" latinLnBrk="0" hangingPunct="1">
-                        <a:defRPr sz="1800" kern="1200">
-                          <a:solidFill>
-                            <a:schemeClr val="dk1"/>
-                          </a:solidFill>
-                          <a:latin typeface="Calibri"/>
-                        </a:defRPr>
-                      </a:lvl2pPr>
-                      <a:lvl3pPr marL="914400" algn="l" defTabSz="914400" rtl="0" eaLnBrk="1" latinLnBrk="0" hangingPunct="1">
-                        <a:defRPr sz="1800" kern="1200">
-                          <a:solidFill>
-                            <a:schemeClr val="dk1"/>
-                          </a:solidFill>
-                          <a:latin typeface="Calibri"/>
-                        </a:defRPr>
-                      </a:lvl3pPr>
-                      <a:lvl4pPr marL="1371600" algn="l" defTabSz="914400" rtl="0" eaLnBrk="1" latinLnBrk="0" hangingPunct="1">
-                        <a:defRPr sz="1800" kern="1200">
-                          <a:solidFill>
-                            <a:schemeClr val="dk1"/>
-                          </a:solidFill>
-                          <a:latin typeface="Calibri"/>
-                        </a:defRPr>
-                      </a:lvl4pPr>
-                      <a:lvl5pPr marL="1828800" algn="l" defTabSz="914400" rtl="0" eaLnBrk="1" latinLnBrk="0" hangingPunct="1">
-                        <a:defRPr sz="1800" kern="1200">
-                          <a:solidFill>
-                            <a:schemeClr val="dk1"/>
-                          </a:solidFill>
-                          <a:latin typeface="Calibri"/>
-                        </a:defRPr>
-                      </a:lvl5pPr>
-                      <a:lvl6pPr marL="2286000" algn="l" defTabSz="914400" rtl="0" eaLnBrk="1" latinLnBrk="0" hangingPunct="1">
-                        <a:defRPr sz="1800" kern="1200">
-                          <a:solidFill>
-                            <a:schemeClr val="dk1"/>
-                          </a:solidFill>
-                          <a:latin typeface="Calibri"/>
-                        </a:defRPr>
-                      </a:lvl6pPr>
-                      <a:lvl7pPr marL="2743200" algn="l" defTabSz="914400" rtl="0" eaLnBrk="1" latinLnBrk="0" hangingPunct="1">
-                        <a:defRPr sz="1800" kern="1200">
-                          <a:solidFill>
-                            <a:schemeClr val="dk1"/>
-                          </a:solidFill>
-                          <a:latin typeface="Calibri"/>
-                        </a:defRPr>
-                      </a:lvl7pPr>
-                      <a:lvl8pPr marL="3200400" algn="l" defTabSz="914400" rtl="0" eaLnBrk="1" latinLnBrk="0" hangingPunct="1">
-                        <a:defRPr sz="1800" kern="1200">
-                          <a:solidFill>
-                            <a:schemeClr val="dk1"/>
-                          </a:solidFill>
-                          <a:latin typeface="Calibri"/>
-                        </a:defRPr>
-                      </a:lvl8pPr>
-                      <a:lvl9pPr marL="3657600" algn="l" defTabSz="914400" rtl="0" eaLnBrk="1" latinLnBrk="0" hangingPunct="1">
-                        <a:defRPr sz="1800" kern="1200">
-                          <a:solidFill>
-                            <a:schemeClr val="dk1"/>
-                          </a:solidFill>
-                          <a:latin typeface="Calibri"/>
-                        </a:defRPr>
-                      </a:lvl9pPr>
-                    </a:lstStyle>
-                    <a:p>
-                      <a:pPr algn="ctr" fontAlgn="ctr"/>
-                      <a:r>
-                        <a:rPr lang="en-US" sz="1600" b="1" i="0" u="none" strike="noStrike" dirty="0">
-                          <a:solidFill>
-                            <a:srgbClr val="000000"/>
-                          </a:solidFill>
-                          <a:latin typeface="Arial"/>
-                        </a:rPr>
-                        <a:t>Doctor’s own performance vs. Staff Performance</a:t>
-                      </a:r>
-                    </a:p>
-                  </a:txBody>
-                  <a:tcPr marL="45720" marR="45720" anchor="ctr">
-                    <a:lnL w="12700" cap="flat" cmpd="sng" algn="ctr">
-                      <a:solidFill>
-                        <a:sysClr val="window" lastClr="FFFFFF">
-                          <a:lumMod val="50000"/>
-                        </a:sysClr>
-                      </a:solidFill>
-                      <a:prstDash val="solid"/>
-                      <a:round/>
-                      <a:headEnd type="none" w="med" len="med"/>
-                      <a:tailEnd type="none" w="med" len="med"/>
-                    </a:lnL>
-                    <a:lnR w="12700" cap="flat" cmpd="sng" algn="ctr">
-                      <a:solidFill>
-                        <a:sysClr val="window" lastClr="FFFFFF">
-                          <a:lumMod val="50000"/>
-                        </a:sysClr>
-                      </a:solidFill>
-                      <a:prstDash val="solid"/>
-                      <a:round/>
-                      <a:headEnd type="none" w="med" len="med"/>
-                      <a:tailEnd type="none" w="med" len="med"/>
-                    </a:lnR>
-                    <a:lnT w="12700" cap="flat" cmpd="sng" algn="ctr">
-                      <a:solidFill>
-                        <a:sysClr val="window" lastClr="FFFFFF">
-                          <a:lumMod val="50000"/>
-                        </a:sysClr>
-                      </a:solidFill>
-                      <a:prstDash val="solid"/>
-                      <a:round/>
-                      <a:headEnd type="none" w="med" len="med"/>
-                      <a:tailEnd type="none" w="med" len="med"/>
-                    </a:lnT>
-                    <a:lnB w="12700" cap="flat" cmpd="sng" algn="ctr">
-                      <a:solidFill>
-                        <a:sysClr val="window" lastClr="FFFFFF">
-                          <a:lumMod val="50000"/>
-                        </a:sysClr>
-                      </a:solidFill>
-                      <a:prstDash val="solid"/>
-                      <a:round/>
-                      <a:headEnd type="none" w="med" len="med"/>
-                      <a:tailEnd type="none" w="med" len="med"/>
-                    </a:lnB>
-                    <a:lnTlToBr w="12700" cmpd="sng">
-                      <a:noFill/>
-                      <a:prstDash val="solid"/>
-                    </a:lnTlToBr>
-                    <a:lnBlToTr w="12700" cmpd="sng">
-                      <a:noFill/>
-                      <a:prstDash val="solid"/>
-                    </a:lnBlToTr>
-                    <a:noFill/>
-                  </a:tcPr>
-                </a:tc>
-                <a:tc>
-                  <a:txBody>
-                    <a:bodyPr/>
-                    <a:lstStyle>
-                      <a:lvl1pPr marL="0" algn="l" defTabSz="914400" rtl="0" eaLnBrk="1" latinLnBrk="0" hangingPunct="1">
-                        <a:defRPr sz="1800" kern="1200">
-                          <a:solidFill>
-                            <a:schemeClr val="dk1"/>
-                          </a:solidFill>
-                          <a:latin typeface="Calibri"/>
-                        </a:defRPr>
-                      </a:lvl1pPr>
-                      <a:lvl2pPr marL="457200" algn="l" defTabSz="914400" rtl="0" eaLnBrk="1" latinLnBrk="0" hangingPunct="1">
-                        <a:defRPr sz="1800" kern="1200">
-                          <a:solidFill>
-                            <a:schemeClr val="dk1"/>
-                          </a:solidFill>
-                          <a:latin typeface="Calibri"/>
-                        </a:defRPr>
-                      </a:lvl2pPr>
-                      <a:lvl3pPr marL="914400" algn="l" defTabSz="914400" rtl="0" eaLnBrk="1" latinLnBrk="0" hangingPunct="1">
-                        <a:defRPr sz="1800" kern="1200">
-                          <a:solidFill>
-                            <a:schemeClr val="dk1"/>
-                          </a:solidFill>
-                          <a:latin typeface="Calibri"/>
-                        </a:defRPr>
-                      </a:lvl3pPr>
-                      <a:lvl4pPr marL="1371600" algn="l" defTabSz="914400" rtl="0" eaLnBrk="1" latinLnBrk="0" hangingPunct="1">
-                        <a:defRPr sz="1800" kern="1200">
-                          <a:solidFill>
-                            <a:schemeClr val="dk1"/>
-                          </a:solidFill>
-                          <a:latin typeface="Calibri"/>
-                        </a:defRPr>
-                      </a:lvl4pPr>
-                      <a:lvl5pPr marL="1828800" algn="l" defTabSz="914400" rtl="0" eaLnBrk="1" latinLnBrk="0" hangingPunct="1">
-                        <a:defRPr sz="1800" kern="1200">
-                          <a:solidFill>
-                            <a:schemeClr val="dk1"/>
-                          </a:solidFill>
-                          <a:latin typeface="Calibri"/>
-                        </a:defRPr>
-                      </a:lvl5pPr>
-                      <a:lvl6pPr marL="2286000" algn="l" defTabSz="914400" rtl="0" eaLnBrk="1" latinLnBrk="0" hangingPunct="1">
-                        <a:defRPr sz="1800" kern="1200">
-                          <a:solidFill>
-                            <a:schemeClr val="dk1"/>
-                          </a:solidFill>
-                          <a:latin typeface="Calibri"/>
-                        </a:defRPr>
-                      </a:lvl6pPr>
-                      <a:lvl7pPr marL="2743200" algn="l" defTabSz="914400" rtl="0" eaLnBrk="1" latinLnBrk="0" hangingPunct="1">
-                        <a:defRPr sz="1800" kern="1200">
-                          <a:solidFill>
-                            <a:schemeClr val="dk1"/>
-                          </a:solidFill>
-                          <a:latin typeface="Calibri"/>
-                        </a:defRPr>
-                      </a:lvl7pPr>
-                      <a:lvl8pPr marL="3200400" algn="l" defTabSz="914400" rtl="0" eaLnBrk="1" latinLnBrk="0" hangingPunct="1">
-                        <a:defRPr sz="1800" kern="1200">
-                          <a:solidFill>
-                            <a:schemeClr val="dk1"/>
-                          </a:solidFill>
-                          <a:latin typeface="Calibri"/>
-                        </a:defRPr>
-                      </a:lvl8pPr>
-                      <a:lvl9pPr marL="3657600" algn="l" defTabSz="914400" rtl="0" eaLnBrk="1" latinLnBrk="0" hangingPunct="1">
-                        <a:defRPr sz="1800" kern="1200">
-                          <a:solidFill>
-                            <a:schemeClr val="dk1"/>
-                          </a:solidFill>
-                          <a:latin typeface="Calibri"/>
-                        </a:defRPr>
-                      </a:lvl9pPr>
-                    </a:lstStyle>
-                    <a:p>
-                      <a:pPr marL="285750" indent="-285750" algn="l" fontAlgn="ctr">
-                        <a:buFont typeface="Arial" panose="020B0604020202020204" pitchFamily="34" charset="0"/>
-                        <a:buChar char="•"/>
-                      </a:pPr>
-                      <a:r>
-                        <a:rPr lang="en-US" sz="1600" b="0" i="1" u="none" strike="noStrike" dirty="0">
-                          <a:solidFill>
-                            <a:srgbClr val="000000"/>
-                          </a:solidFill>
-                          <a:latin typeface="Arial"/>
-                        </a:rPr>
-                        <a:t>How well does doctor score correlate with staff score? </a:t>
-                      </a:r>
-                    </a:p>
-                    <a:p>
-                      <a:pPr marL="285750" indent="-285750" algn="l" fontAlgn="ctr">
-                        <a:buFont typeface="Arial" panose="020B0604020202020204" pitchFamily="34" charset="0"/>
-                        <a:buChar char="•"/>
-                      </a:pPr>
-                      <a:r>
-                        <a:rPr lang="en-US" sz="1600" b="0" i="1" u="none" strike="noStrike" dirty="0">
-                          <a:solidFill>
-                            <a:srgbClr val="000000"/>
-                          </a:solidFill>
-                          <a:latin typeface="Arial"/>
-                        </a:rPr>
-                        <a:t>What kind of impact does office staff’s performance have on the doctor’s overall rating?</a:t>
-                      </a:r>
-                    </a:p>
-                  </a:txBody>
-                  <a:tcPr marL="182880" marR="182880" marT="91440" marB="91440" anchor="ctr">
-                    <a:lnL w="12700" cap="flat" cmpd="sng" algn="ctr">
-                      <a:solidFill>
-                        <a:sysClr val="window" lastClr="FFFFFF">
-                          <a:lumMod val="50000"/>
-                        </a:sysClr>
-                      </a:solidFill>
-                      <a:prstDash val="solid"/>
-                      <a:round/>
-                      <a:headEnd type="none" w="med" len="med"/>
-                      <a:tailEnd type="none" w="med" len="med"/>
-                    </a:lnL>
-                    <a:lnR w="12700" cap="flat" cmpd="sng" algn="ctr">
-                      <a:solidFill>
-                        <a:sysClr val="window" lastClr="FFFFFF">
-                          <a:lumMod val="50000"/>
-                        </a:sysClr>
-                      </a:solidFill>
-                      <a:prstDash val="solid"/>
-                      <a:round/>
-                      <a:headEnd type="none" w="med" len="med"/>
-                      <a:tailEnd type="none" w="med" len="med"/>
-                    </a:lnR>
-                    <a:lnT w="12700" cap="flat" cmpd="sng" algn="ctr">
-                      <a:solidFill>
-                        <a:sysClr val="window" lastClr="FFFFFF">
-                          <a:lumMod val="50000"/>
-                        </a:sysClr>
-                      </a:solidFill>
-                      <a:prstDash val="solid"/>
-                      <a:round/>
-                      <a:headEnd type="none" w="med" len="med"/>
-                      <a:tailEnd type="none" w="med" len="med"/>
-                    </a:lnT>
-                    <a:lnB w="12700" cap="flat" cmpd="sng" algn="ctr">
-                      <a:solidFill>
-                        <a:sysClr val="window" lastClr="FFFFFF">
-                          <a:lumMod val="50000"/>
-                        </a:sysClr>
-                      </a:solidFill>
-                      <a:prstDash val="solid"/>
-                      <a:round/>
-                      <a:headEnd type="none" w="med" len="med"/>
-                      <a:tailEnd type="none" w="med" len="med"/>
-                    </a:lnB>
-                    <a:lnTlToBr w="12700" cmpd="sng">
-                      <a:noFill/>
-                      <a:prstDash val="solid"/>
-                    </a:lnTlToBr>
-                    <a:lnBlToTr w="12700" cmpd="sng">
-                      <a:noFill/>
-                      <a:prstDash val="solid"/>
-                    </a:lnBlToTr>
-                    <a:noFill/>
-                  </a:tcPr>
-                </a:tc>
-                <a:extLst>
-                  <a:ext uri="{0D108BD9-81ED-4DB2-BD59-A6C34878D82A}">
                     <a16:rowId xmlns:a16="http://schemas.microsoft.com/office/drawing/2014/main" val="10003"/>
                   </a:ext>
                 </a:extLst>
@@ -8199,583 +8223,6 @@
 </file>
 
 <file path=ppt/slides/slide12.xml><?xml version="1.0" encoding="utf-8"?>
-<p:sld xmlns:a="http://schemas.openxmlformats.org/drawingml/2006/main" xmlns:r="http://schemas.openxmlformats.org/officeDocument/2006/relationships" xmlns:p="http://schemas.openxmlformats.org/presentationml/2006/main">
-  <p:cSld>
-    <p:spTree>
-      <p:nvGrpSpPr>
-        <p:cNvPr id="1" name=""/>
-        <p:cNvGrpSpPr/>
-        <p:nvPr/>
-      </p:nvGrpSpPr>
-      <p:grpSpPr>
-        <a:xfrm>
-          <a:off x="0" y="0"/>
-          <a:ext cx="0" cy="0"/>
-          <a:chOff x="0" y="0"/>
-          <a:chExt cx="0" cy="0"/>
-        </a:xfrm>
-      </p:grpSpPr>
-      <p:sp>
-        <p:nvSpPr>
-          <p:cNvPr id="3" name="Title 2">
-            <a:extLst>
-              <a:ext uri="{FF2B5EF4-FFF2-40B4-BE49-F238E27FC236}">
-                <a16:creationId xmlns:a16="http://schemas.microsoft.com/office/drawing/2014/main" id="{FC45B0A3-9FD3-4759-A2DD-31967F31F038}"/>
-              </a:ext>
-            </a:extLst>
-          </p:cNvPr>
-          <p:cNvSpPr>
-            <a:spLocks noGrp="1"/>
-          </p:cNvSpPr>
-          <p:nvPr>
-            <p:ph type="title"/>
-          </p:nvPr>
-        </p:nvSpPr>
-        <p:spPr/>
-        <p:txBody>
-          <a:bodyPr>
-            <a:normAutofit fontScale="90000"/>
-          </a:bodyPr>
-          <a:lstStyle/>
-          <a:p>
-            <a:r>
-              <a:rPr lang="en-US" dirty="0"/>
-              <a:t>Surprisingly, more experienced doctors do not have a higher average rating than younger ones</a:t>
-            </a:r>
-          </a:p>
-        </p:txBody>
-      </p:sp>
-      <p:pic>
-        <p:nvPicPr>
-          <p:cNvPr id="4" name="Picture 3">
-            <a:extLst>
-              <a:ext uri="{FF2B5EF4-FFF2-40B4-BE49-F238E27FC236}">
-                <a16:creationId xmlns:a16="http://schemas.microsoft.com/office/drawing/2014/main" id="{D308AED2-A091-4199-90F5-7C8FA0AC054C}"/>
-              </a:ext>
-            </a:extLst>
-          </p:cNvPr>
-          <p:cNvPicPr>
-            <a:picLocks noChangeAspect="1"/>
-          </p:cNvPicPr>
-          <p:nvPr/>
-        </p:nvPicPr>
-        <p:blipFill>
-          <a:blip r:embed="rId3"/>
-          <a:stretch>
-            <a:fillRect/>
-          </a:stretch>
-        </p:blipFill>
-        <p:spPr>
-          <a:xfrm>
-            <a:off x="1258529" y="1944010"/>
-            <a:ext cx="6528619" cy="3926602"/>
-          </a:xfrm>
-          <a:prstGeom prst="rect">
-            <a:avLst/>
-          </a:prstGeom>
-        </p:spPr>
-      </p:pic>
-      <p:sp>
-        <p:nvSpPr>
-          <p:cNvPr id="5" name="TextBox 4">
-            <a:extLst>
-              <a:ext uri="{FF2B5EF4-FFF2-40B4-BE49-F238E27FC236}">
-                <a16:creationId xmlns:a16="http://schemas.microsoft.com/office/drawing/2014/main" id="{F222797D-5C5B-4E59-95CD-00BF4110F5B1}"/>
-              </a:ext>
-            </a:extLst>
-          </p:cNvPr>
-          <p:cNvSpPr txBox="1"/>
-          <p:nvPr/>
-        </p:nvSpPr>
-        <p:spPr>
-          <a:xfrm>
-            <a:off x="6299960" y="4488632"/>
-            <a:ext cx="1369201" cy="954107"/>
-          </a:xfrm>
-          <a:prstGeom prst="rect">
-            <a:avLst/>
-          </a:prstGeom>
-          <a:noFill/>
-          <a:ln>
-            <a:solidFill>
-              <a:schemeClr val="bg1">
-                <a:lumMod val="65000"/>
-              </a:schemeClr>
-            </a:solidFill>
-          </a:ln>
-        </p:spPr>
-        <p:txBody>
-          <a:bodyPr wrap="square" rtlCol="0">
-            <a:spAutoFit/>
-          </a:bodyPr>
-          <a:lstStyle/>
-          <a:p>
-            <a:pPr algn="ctr"/>
-            <a:r>
-              <a:rPr lang="en-US" sz="1400" i="1" dirty="0">
-                <a:latin typeface="Calibri" panose="020F0502020204030204" pitchFamily="34" charset="0"/>
-                <a:cs typeface="Calibri" panose="020F0502020204030204" pitchFamily="34" charset="0"/>
-              </a:rPr>
-              <a:t>N = </a:t>
-            </a:r>
-            <a:r>
-              <a:rPr lang="en-US" sz="1400" dirty="0">
-                <a:latin typeface="Calibri" panose="020F0502020204030204" pitchFamily="34" charset="0"/>
-                <a:cs typeface="Calibri" panose="020F0502020204030204" pitchFamily="34" charset="0"/>
-              </a:rPr>
-              <a:t>433 </a:t>
-            </a:r>
-          </a:p>
-          <a:p>
-            <a:pPr algn="ctr"/>
-            <a:r>
-              <a:rPr lang="en-US" sz="1400" dirty="0">
-                <a:latin typeface="Calibri" panose="020F0502020204030204" pitchFamily="34" charset="0"/>
-                <a:cs typeface="Calibri" panose="020F0502020204030204" pitchFamily="34" charset="0"/>
-              </a:rPr>
-              <a:t>doctors with age information and ≥ 5 reviews</a:t>
-            </a:r>
-          </a:p>
-        </p:txBody>
-      </p:sp>
-      <p:sp>
-        <p:nvSpPr>
-          <p:cNvPr id="6" name="TextBox 5">
-            <a:extLst>
-              <a:ext uri="{FF2B5EF4-FFF2-40B4-BE49-F238E27FC236}">
-                <a16:creationId xmlns:a16="http://schemas.microsoft.com/office/drawing/2014/main" id="{5102E82B-39BF-43E6-A761-A426CA92AFF4}"/>
-              </a:ext>
-            </a:extLst>
-          </p:cNvPr>
-          <p:cNvSpPr txBox="1"/>
-          <p:nvPr/>
-        </p:nvSpPr>
-        <p:spPr>
-          <a:xfrm>
-            <a:off x="1789471" y="5966158"/>
-            <a:ext cx="5933768" cy="523220"/>
-          </a:xfrm>
-          <a:prstGeom prst="rect">
-            <a:avLst/>
-          </a:prstGeom>
-          <a:noFill/>
-          <a:ln>
-            <a:solidFill>
-              <a:schemeClr val="bg1">
-                <a:lumMod val="65000"/>
-              </a:schemeClr>
-            </a:solidFill>
-          </a:ln>
-        </p:spPr>
-        <p:txBody>
-          <a:bodyPr wrap="square" rtlCol="0">
-            <a:spAutoFit/>
-          </a:bodyPr>
-          <a:lstStyle/>
-          <a:p>
-            <a:r>
-              <a:rPr lang="en-US" sz="1400" i="1" dirty="0">
-                <a:latin typeface="Calibri" panose="020F0502020204030204" pitchFamily="34" charset="0"/>
-                <a:cs typeface="Calibri" panose="020F0502020204030204" pitchFamily="34" charset="0"/>
-              </a:rPr>
-              <a:t>One way </a:t>
-            </a:r>
-            <a:r>
-              <a:rPr lang="en-US" sz="1400" i="1" dirty="0" err="1">
-                <a:latin typeface="Calibri" panose="020F0502020204030204" pitchFamily="34" charset="0"/>
-                <a:cs typeface="Calibri" panose="020F0502020204030204" pitchFamily="34" charset="0"/>
-              </a:rPr>
-              <a:t>anova</a:t>
-            </a:r>
-            <a:r>
-              <a:rPr lang="en-US" sz="1400" i="1" dirty="0">
-                <a:latin typeface="Calibri" panose="020F0502020204030204" pitchFamily="34" charset="0"/>
-                <a:cs typeface="Calibri" panose="020F0502020204030204" pitchFamily="34" charset="0"/>
-              </a:rPr>
-              <a:t> test shows there is no statistically significant difference between the group means</a:t>
-            </a:r>
-          </a:p>
-        </p:txBody>
-      </p:sp>
-    </p:spTree>
-    <p:extLst>
-      <p:ext uri="{BB962C8B-B14F-4D97-AF65-F5344CB8AC3E}">
-        <p14:creationId xmlns:p14="http://schemas.microsoft.com/office/powerpoint/2010/main" val="3717108525"/>
-      </p:ext>
-    </p:extLst>
-  </p:cSld>
-  <p:clrMapOvr>
-    <a:masterClrMapping/>
-  </p:clrMapOvr>
-</p:sld>
-</file>
-
-<file path=ppt/slides/slide13.xml><?xml version="1.0" encoding="utf-8"?>
-<p:sld xmlns:a="http://schemas.openxmlformats.org/drawingml/2006/main" xmlns:r="http://schemas.openxmlformats.org/officeDocument/2006/relationships" xmlns:p="http://schemas.openxmlformats.org/presentationml/2006/main">
-  <p:cSld>
-    <p:spTree>
-      <p:nvGrpSpPr>
-        <p:cNvPr id="1" name=""/>
-        <p:cNvGrpSpPr/>
-        <p:nvPr/>
-      </p:nvGrpSpPr>
-      <p:grpSpPr>
-        <a:xfrm>
-          <a:off x="0" y="0"/>
-          <a:ext cx="0" cy="0"/>
-          <a:chOff x="0" y="0"/>
-          <a:chExt cx="0" cy="0"/>
-        </a:xfrm>
-      </p:grpSpPr>
-      <p:sp>
-        <p:nvSpPr>
-          <p:cNvPr id="2" name="Title 1">
-            <a:extLst>
-              <a:ext uri="{FF2B5EF4-FFF2-40B4-BE49-F238E27FC236}">
-                <a16:creationId xmlns:a16="http://schemas.microsoft.com/office/drawing/2014/main" id="{F23C3C64-25B9-4E5E-AA31-1589FE83D806}"/>
-              </a:ext>
-            </a:extLst>
-          </p:cNvPr>
-          <p:cNvSpPr>
-            <a:spLocks noGrp="1"/>
-          </p:cNvSpPr>
-          <p:nvPr>
-            <p:ph type="title"/>
-          </p:nvPr>
-        </p:nvSpPr>
-        <p:spPr/>
-        <p:txBody>
-          <a:bodyPr>
-            <a:normAutofit fontScale="90000"/>
-          </a:bodyPr>
-          <a:lstStyle/>
-          <a:p>
-            <a:r>
-              <a:rPr lang="en-US" dirty="0"/>
-              <a:t>Number of reviews is biased by gender, but rating distribution is not</a:t>
-            </a:r>
-            <a:endParaRPr lang="en-US" sz="2400" dirty="0"/>
-          </a:p>
-        </p:txBody>
-      </p:sp>
-      <p:pic>
-        <p:nvPicPr>
-          <p:cNvPr id="9" name="Picture 8">
-            <a:extLst>
-              <a:ext uri="{FF2B5EF4-FFF2-40B4-BE49-F238E27FC236}">
-                <a16:creationId xmlns:a16="http://schemas.microsoft.com/office/drawing/2014/main" id="{30000D7F-9EC1-416A-92C8-B30554E0E8B1}"/>
-              </a:ext>
-            </a:extLst>
-          </p:cNvPr>
-          <p:cNvPicPr>
-            <a:picLocks noChangeAspect="1"/>
-          </p:cNvPicPr>
-          <p:nvPr/>
-        </p:nvPicPr>
-        <p:blipFill>
-          <a:blip r:embed="rId3"/>
-          <a:stretch>
-            <a:fillRect/>
-          </a:stretch>
-        </p:blipFill>
-        <p:spPr>
-          <a:xfrm>
-            <a:off x="578903" y="1740162"/>
-            <a:ext cx="3541826" cy="3943527"/>
-          </a:xfrm>
-          <a:prstGeom prst="rect">
-            <a:avLst/>
-          </a:prstGeom>
-        </p:spPr>
-      </p:pic>
-      <p:pic>
-        <p:nvPicPr>
-          <p:cNvPr id="10" name="Picture 9">
-            <a:extLst>
-              <a:ext uri="{FF2B5EF4-FFF2-40B4-BE49-F238E27FC236}">
-                <a16:creationId xmlns:a16="http://schemas.microsoft.com/office/drawing/2014/main" id="{549ECA3C-EEDB-4CA5-B991-9DB5A17B1CF6}"/>
-              </a:ext>
-            </a:extLst>
-          </p:cNvPr>
-          <p:cNvPicPr>
-            <a:picLocks noChangeAspect="1"/>
-          </p:cNvPicPr>
-          <p:nvPr/>
-        </p:nvPicPr>
-        <p:blipFill>
-          <a:blip r:embed="rId4"/>
-          <a:stretch>
-            <a:fillRect/>
-          </a:stretch>
-        </p:blipFill>
-        <p:spPr>
-          <a:xfrm>
-            <a:off x="4635910" y="1751811"/>
-            <a:ext cx="3557586" cy="3943527"/>
-          </a:xfrm>
-          <a:prstGeom prst="rect">
-            <a:avLst/>
-          </a:prstGeom>
-        </p:spPr>
-      </p:pic>
-      <p:sp>
-        <p:nvSpPr>
-          <p:cNvPr id="11" name="TextBox 10">
-            <a:extLst>
-              <a:ext uri="{FF2B5EF4-FFF2-40B4-BE49-F238E27FC236}">
-                <a16:creationId xmlns:a16="http://schemas.microsoft.com/office/drawing/2014/main" id="{B3282774-76AA-4258-943F-0B19D10A19D7}"/>
-              </a:ext>
-            </a:extLst>
-          </p:cNvPr>
-          <p:cNvSpPr txBox="1"/>
-          <p:nvPr/>
-        </p:nvSpPr>
-        <p:spPr>
-          <a:xfrm>
-            <a:off x="2274476" y="2443195"/>
-            <a:ext cx="1477541" cy="276999"/>
-          </a:xfrm>
-          <a:prstGeom prst="rect">
-            <a:avLst/>
-          </a:prstGeom>
-          <a:noFill/>
-          <a:ln>
-            <a:solidFill>
-              <a:schemeClr val="bg1">
-                <a:lumMod val="65000"/>
-              </a:schemeClr>
-            </a:solidFill>
-          </a:ln>
-        </p:spPr>
-        <p:txBody>
-          <a:bodyPr wrap="square" rtlCol="0">
-            <a:spAutoFit/>
-          </a:bodyPr>
-          <a:lstStyle/>
-          <a:p>
-            <a:r>
-              <a:rPr lang="en-US" sz="1200" i="1" dirty="0">
-                <a:latin typeface="Calibri" panose="020F0502020204030204" pitchFamily="34" charset="0"/>
-                <a:cs typeface="Calibri" panose="020F0502020204030204" pitchFamily="34" charset="0"/>
-              </a:rPr>
-              <a:t>N = </a:t>
-            </a:r>
-            <a:r>
-              <a:rPr lang="en-US" sz="1200" dirty="0">
-                <a:latin typeface="Calibri" panose="020F0502020204030204" pitchFamily="34" charset="0"/>
-                <a:cs typeface="Calibri" panose="020F0502020204030204" pitchFamily="34" charset="0"/>
-              </a:rPr>
-              <a:t>947 (all doctors)</a:t>
-            </a:r>
-          </a:p>
-        </p:txBody>
-      </p:sp>
-      <p:sp>
-        <p:nvSpPr>
-          <p:cNvPr id="12" name="TextBox 11">
-            <a:extLst>
-              <a:ext uri="{FF2B5EF4-FFF2-40B4-BE49-F238E27FC236}">
-                <a16:creationId xmlns:a16="http://schemas.microsoft.com/office/drawing/2014/main" id="{C004B274-2401-4F88-8E6A-8B27FE091D83}"/>
-              </a:ext>
-            </a:extLst>
-          </p:cNvPr>
-          <p:cNvSpPr txBox="1"/>
-          <p:nvPr/>
-        </p:nvSpPr>
-        <p:spPr>
-          <a:xfrm>
-            <a:off x="6010739" y="3467935"/>
-            <a:ext cx="1112734" cy="830997"/>
-          </a:xfrm>
-          <a:prstGeom prst="rect">
-            <a:avLst/>
-          </a:prstGeom>
-          <a:noFill/>
-          <a:ln>
-            <a:solidFill>
-              <a:schemeClr val="bg1">
-                <a:lumMod val="65000"/>
-              </a:schemeClr>
-            </a:solidFill>
-          </a:ln>
-        </p:spPr>
-        <p:txBody>
-          <a:bodyPr wrap="square" rtlCol="0">
-            <a:spAutoFit/>
-          </a:bodyPr>
-          <a:lstStyle/>
-          <a:p>
-            <a:r>
-              <a:rPr lang="en-US" sz="1200" i="1" dirty="0">
-                <a:latin typeface="Calibri" panose="020F0502020204030204" pitchFamily="34" charset="0"/>
-                <a:cs typeface="Calibri" panose="020F0502020204030204" pitchFamily="34" charset="0"/>
-              </a:rPr>
-              <a:t>N = </a:t>
-            </a:r>
-            <a:r>
-              <a:rPr lang="en-US" sz="1200" dirty="0">
-                <a:latin typeface="Calibri" panose="020F0502020204030204" pitchFamily="34" charset="0"/>
-                <a:cs typeface="Calibri" panose="020F0502020204030204" pitchFamily="34" charset="0"/>
-              </a:rPr>
-              <a:t>404 </a:t>
-            </a:r>
-          </a:p>
-          <a:p>
-            <a:r>
-              <a:rPr lang="en-US" sz="1200" dirty="0">
-                <a:latin typeface="Calibri" panose="020F0502020204030204" pitchFamily="34" charset="0"/>
-                <a:cs typeface="Calibri" panose="020F0502020204030204" pitchFamily="34" charset="0"/>
-              </a:rPr>
-              <a:t>(has gender info, and ≥ 5 reviews)</a:t>
-            </a:r>
-          </a:p>
-        </p:txBody>
-      </p:sp>
-      <p:sp>
-        <p:nvSpPr>
-          <p:cNvPr id="13" name="Rectangle 12">
-            <a:extLst>
-              <a:ext uri="{FF2B5EF4-FFF2-40B4-BE49-F238E27FC236}">
-                <a16:creationId xmlns:a16="http://schemas.microsoft.com/office/drawing/2014/main" id="{1F275EF3-B34B-425E-A630-470285785BB0}"/>
-              </a:ext>
-            </a:extLst>
-          </p:cNvPr>
-          <p:cNvSpPr/>
-          <p:nvPr/>
-        </p:nvSpPr>
-        <p:spPr bwMode="auto">
-          <a:xfrm>
-            <a:off x="1189703" y="5798799"/>
-            <a:ext cx="6784258" cy="702405"/>
-          </a:xfrm>
-          <a:prstGeom prst="rect">
-            <a:avLst/>
-          </a:prstGeom>
-          <a:gradFill rotWithShape="1">
-            <a:gsLst>
-              <a:gs pos="0">
-                <a:srgbClr val="FDD4AB">
-                  <a:tint val="50000"/>
-                  <a:satMod val="300000"/>
-                </a:srgbClr>
-              </a:gs>
-              <a:gs pos="35000">
-                <a:srgbClr val="FDD4AB">
-                  <a:tint val="37000"/>
-                  <a:satMod val="300000"/>
-                </a:srgbClr>
-              </a:gs>
-              <a:gs pos="100000">
-                <a:srgbClr val="FDD4AB">
-                  <a:tint val="15000"/>
-                  <a:satMod val="350000"/>
-                </a:srgbClr>
-              </a:gs>
-            </a:gsLst>
-            <a:lin ang="16200000" scaled="1"/>
-          </a:gradFill>
-          <a:ln w="9525" cap="flat" cmpd="sng" algn="ctr">
-            <a:solidFill>
-              <a:srgbClr val="FDD4AB">
-                <a:shade val="95000"/>
-                <a:satMod val="105000"/>
-              </a:srgbClr>
-            </a:solidFill>
-            <a:prstDash val="solid"/>
-          </a:ln>
-          <a:effectLst>
-            <a:outerShdw blurRad="40000" dist="20000" dir="5400000" rotWithShape="0">
-              <a:srgbClr val="000000">
-                <a:alpha val="38000"/>
-              </a:srgbClr>
-            </a:outerShdw>
-          </a:effectLst>
-        </p:spPr>
-        <p:txBody>
-          <a:bodyPr wrap="square" tIns="0" bIns="0" rtlCol="0">
-            <a:noAutofit/>
-          </a:bodyPr>
-          <a:lstStyle/>
-          <a:p>
-            <a:pPr marL="111125" lvl="0" indent="-111125">
-              <a:lnSpc>
-                <a:spcPct val="150000"/>
-              </a:lnSpc>
-              <a:buClr>
-                <a:srgbClr val="EC8026"/>
-              </a:buClr>
-              <a:buSzPct val="130000"/>
-              <a:buFont typeface="Arial" pitchFamily="34" charset="0"/>
-              <a:buChar char="•"/>
-              <a:defRPr/>
-            </a:pPr>
-            <a:r>
-              <a:rPr lang="en-US" sz="1300" kern="0" dirty="0">
-                <a:solidFill>
-                  <a:srgbClr val="000000"/>
-                </a:solidFill>
-                <a:ea typeface="ＭＳ Ｐゴシック" charset="-128"/>
-              </a:rPr>
-              <a:t>Female doctors tend to have fewer reviews than male doctors (p-</a:t>
-            </a:r>
-            <a:r>
-              <a:rPr lang="en-US" sz="1300" kern="0" dirty="0" err="1">
-                <a:solidFill>
-                  <a:srgbClr val="000000"/>
-                </a:solidFill>
-                <a:ea typeface="ＭＳ Ｐゴシック" charset="-128"/>
-              </a:rPr>
-              <a:t>val</a:t>
-            </a:r>
-            <a:r>
-              <a:rPr lang="en-US" sz="1300" kern="0" dirty="0">
-                <a:solidFill>
-                  <a:srgbClr val="000000"/>
-                </a:solidFill>
-                <a:ea typeface="ＭＳ Ｐゴシック" charset="-128"/>
-              </a:rPr>
-              <a:t> = 0.0002) </a:t>
-            </a:r>
-          </a:p>
-          <a:p>
-            <a:pPr marL="111125" lvl="0" indent="-111125">
-              <a:lnSpc>
-                <a:spcPct val="150000"/>
-              </a:lnSpc>
-              <a:buClr>
-                <a:srgbClr val="EC8026"/>
-              </a:buClr>
-              <a:buSzPct val="130000"/>
-              <a:buFont typeface="Arial" pitchFamily="34" charset="0"/>
-              <a:buChar char="•"/>
-              <a:defRPr/>
-            </a:pPr>
-            <a:r>
-              <a:rPr lang="en-US" sz="1300" kern="0" dirty="0">
-                <a:solidFill>
-                  <a:srgbClr val="000000"/>
-                </a:solidFill>
-                <a:ea typeface="ＭＳ Ｐゴシック" charset="-128"/>
-              </a:rPr>
-              <a:t>The doctors with &gt; 25 reviews are almost all male</a:t>
-            </a:r>
-          </a:p>
-        </p:txBody>
-      </p:sp>
-    </p:spTree>
-    <p:extLst>
-      <p:ext uri="{BB962C8B-B14F-4D97-AF65-F5344CB8AC3E}">
-        <p14:creationId xmlns:p14="http://schemas.microsoft.com/office/powerpoint/2010/main" val="3877481786"/>
-      </p:ext>
-    </p:extLst>
-  </p:cSld>
-  <p:clrMapOvr>
-    <a:masterClrMapping/>
-  </p:clrMapOvr>
-</p:sld>
-</file>
-
-<file path=ppt/slides/slide14.xml><?xml version="1.0" encoding="utf-8"?>
 <p:sld xmlns:a="http://schemas.openxmlformats.org/drawingml/2006/main" xmlns:r="http://schemas.openxmlformats.org/officeDocument/2006/relationships" xmlns:p="http://schemas.openxmlformats.org/presentationml/2006/main">
   <p:cSld>
     <p:spTree>
@@ -9641,7 +9088,7 @@
 </p:sld>
 </file>
 
-<file path=ppt/slides/slide15.xml><?xml version="1.0" encoding="utf-8"?>
+<file path=ppt/slides/slide13.xml><?xml version="1.0" encoding="utf-8"?>
 <p:sld xmlns:a="http://schemas.openxmlformats.org/drawingml/2006/main" xmlns:r="http://schemas.openxmlformats.org/officeDocument/2006/relationships" xmlns:p="http://schemas.openxmlformats.org/presentationml/2006/main">
   <p:cSld>
     <p:spTree>
@@ -10752,6 +10199,583 @@
 </p:sld>
 </file>
 
+<file path=ppt/slides/slide14.xml><?xml version="1.0" encoding="utf-8"?>
+<p:sld xmlns:a="http://schemas.openxmlformats.org/drawingml/2006/main" xmlns:r="http://schemas.openxmlformats.org/officeDocument/2006/relationships" xmlns:p="http://schemas.openxmlformats.org/presentationml/2006/main">
+  <p:cSld>
+    <p:spTree>
+      <p:nvGrpSpPr>
+        <p:cNvPr id="1" name=""/>
+        <p:cNvGrpSpPr/>
+        <p:nvPr/>
+      </p:nvGrpSpPr>
+      <p:grpSpPr>
+        <a:xfrm>
+          <a:off x="0" y="0"/>
+          <a:ext cx="0" cy="0"/>
+          <a:chOff x="0" y="0"/>
+          <a:chExt cx="0" cy="0"/>
+        </a:xfrm>
+      </p:grpSpPr>
+      <p:sp>
+        <p:nvSpPr>
+          <p:cNvPr id="3" name="Title 2">
+            <a:extLst>
+              <a:ext uri="{FF2B5EF4-FFF2-40B4-BE49-F238E27FC236}">
+                <a16:creationId xmlns:a16="http://schemas.microsoft.com/office/drawing/2014/main" id="{FC45B0A3-9FD3-4759-A2DD-31967F31F038}"/>
+              </a:ext>
+            </a:extLst>
+          </p:cNvPr>
+          <p:cNvSpPr>
+            <a:spLocks noGrp="1"/>
+          </p:cNvSpPr>
+          <p:nvPr>
+            <p:ph type="title"/>
+          </p:nvPr>
+        </p:nvSpPr>
+        <p:spPr/>
+        <p:txBody>
+          <a:bodyPr>
+            <a:normAutofit fontScale="90000"/>
+          </a:bodyPr>
+          <a:lstStyle/>
+          <a:p>
+            <a:r>
+              <a:rPr lang="en-US" dirty="0"/>
+              <a:t>Surprisingly, more experienced doctors do not have a higher average rating than younger ones</a:t>
+            </a:r>
+          </a:p>
+        </p:txBody>
+      </p:sp>
+      <p:pic>
+        <p:nvPicPr>
+          <p:cNvPr id="4" name="Picture 3">
+            <a:extLst>
+              <a:ext uri="{FF2B5EF4-FFF2-40B4-BE49-F238E27FC236}">
+                <a16:creationId xmlns:a16="http://schemas.microsoft.com/office/drawing/2014/main" id="{D308AED2-A091-4199-90F5-7C8FA0AC054C}"/>
+              </a:ext>
+            </a:extLst>
+          </p:cNvPr>
+          <p:cNvPicPr>
+            <a:picLocks noChangeAspect="1"/>
+          </p:cNvPicPr>
+          <p:nvPr/>
+        </p:nvPicPr>
+        <p:blipFill>
+          <a:blip r:embed="rId3"/>
+          <a:stretch>
+            <a:fillRect/>
+          </a:stretch>
+        </p:blipFill>
+        <p:spPr>
+          <a:xfrm>
+            <a:off x="1258529" y="1944010"/>
+            <a:ext cx="6528619" cy="3926602"/>
+          </a:xfrm>
+          <a:prstGeom prst="rect">
+            <a:avLst/>
+          </a:prstGeom>
+        </p:spPr>
+      </p:pic>
+      <p:sp>
+        <p:nvSpPr>
+          <p:cNvPr id="5" name="TextBox 4">
+            <a:extLst>
+              <a:ext uri="{FF2B5EF4-FFF2-40B4-BE49-F238E27FC236}">
+                <a16:creationId xmlns:a16="http://schemas.microsoft.com/office/drawing/2014/main" id="{F222797D-5C5B-4E59-95CD-00BF4110F5B1}"/>
+              </a:ext>
+            </a:extLst>
+          </p:cNvPr>
+          <p:cNvSpPr txBox="1"/>
+          <p:nvPr/>
+        </p:nvSpPr>
+        <p:spPr>
+          <a:xfrm>
+            <a:off x="6299960" y="4488632"/>
+            <a:ext cx="1369201" cy="954107"/>
+          </a:xfrm>
+          <a:prstGeom prst="rect">
+            <a:avLst/>
+          </a:prstGeom>
+          <a:noFill/>
+          <a:ln>
+            <a:solidFill>
+              <a:schemeClr val="bg1">
+                <a:lumMod val="65000"/>
+              </a:schemeClr>
+            </a:solidFill>
+          </a:ln>
+        </p:spPr>
+        <p:txBody>
+          <a:bodyPr wrap="square" rtlCol="0">
+            <a:spAutoFit/>
+          </a:bodyPr>
+          <a:lstStyle/>
+          <a:p>
+            <a:pPr algn="ctr"/>
+            <a:r>
+              <a:rPr lang="en-US" sz="1400" i="1" dirty="0">
+                <a:latin typeface="Calibri" panose="020F0502020204030204" pitchFamily="34" charset="0"/>
+                <a:cs typeface="Calibri" panose="020F0502020204030204" pitchFamily="34" charset="0"/>
+              </a:rPr>
+              <a:t>N = </a:t>
+            </a:r>
+            <a:r>
+              <a:rPr lang="en-US" sz="1400" dirty="0">
+                <a:latin typeface="Calibri" panose="020F0502020204030204" pitchFamily="34" charset="0"/>
+                <a:cs typeface="Calibri" panose="020F0502020204030204" pitchFamily="34" charset="0"/>
+              </a:rPr>
+              <a:t>433 </a:t>
+            </a:r>
+          </a:p>
+          <a:p>
+            <a:pPr algn="ctr"/>
+            <a:r>
+              <a:rPr lang="en-US" sz="1400" dirty="0">
+                <a:latin typeface="Calibri" panose="020F0502020204030204" pitchFamily="34" charset="0"/>
+                <a:cs typeface="Calibri" panose="020F0502020204030204" pitchFamily="34" charset="0"/>
+              </a:rPr>
+              <a:t>doctors with age information and ≥ 5 reviews</a:t>
+            </a:r>
+          </a:p>
+        </p:txBody>
+      </p:sp>
+      <p:sp>
+        <p:nvSpPr>
+          <p:cNvPr id="6" name="TextBox 5">
+            <a:extLst>
+              <a:ext uri="{FF2B5EF4-FFF2-40B4-BE49-F238E27FC236}">
+                <a16:creationId xmlns:a16="http://schemas.microsoft.com/office/drawing/2014/main" id="{5102E82B-39BF-43E6-A761-A426CA92AFF4}"/>
+              </a:ext>
+            </a:extLst>
+          </p:cNvPr>
+          <p:cNvSpPr txBox="1"/>
+          <p:nvPr/>
+        </p:nvSpPr>
+        <p:spPr>
+          <a:xfrm>
+            <a:off x="1789471" y="5966158"/>
+            <a:ext cx="5933768" cy="523220"/>
+          </a:xfrm>
+          <a:prstGeom prst="rect">
+            <a:avLst/>
+          </a:prstGeom>
+          <a:noFill/>
+          <a:ln>
+            <a:solidFill>
+              <a:schemeClr val="bg1">
+                <a:lumMod val="65000"/>
+              </a:schemeClr>
+            </a:solidFill>
+          </a:ln>
+        </p:spPr>
+        <p:txBody>
+          <a:bodyPr wrap="square" rtlCol="0">
+            <a:spAutoFit/>
+          </a:bodyPr>
+          <a:lstStyle/>
+          <a:p>
+            <a:r>
+              <a:rPr lang="en-US" sz="1400" i="1" dirty="0">
+                <a:latin typeface="Calibri" panose="020F0502020204030204" pitchFamily="34" charset="0"/>
+                <a:cs typeface="Calibri" panose="020F0502020204030204" pitchFamily="34" charset="0"/>
+              </a:rPr>
+              <a:t>One way </a:t>
+            </a:r>
+            <a:r>
+              <a:rPr lang="en-US" sz="1400" i="1" dirty="0" err="1">
+                <a:latin typeface="Calibri" panose="020F0502020204030204" pitchFamily="34" charset="0"/>
+                <a:cs typeface="Calibri" panose="020F0502020204030204" pitchFamily="34" charset="0"/>
+              </a:rPr>
+              <a:t>anova</a:t>
+            </a:r>
+            <a:r>
+              <a:rPr lang="en-US" sz="1400" i="1" dirty="0">
+                <a:latin typeface="Calibri" panose="020F0502020204030204" pitchFamily="34" charset="0"/>
+                <a:cs typeface="Calibri" panose="020F0502020204030204" pitchFamily="34" charset="0"/>
+              </a:rPr>
+              <a:t> test shows there is no statistically significant difference between the group means</a:t>
+            </a:r>
+          </a:p>
+        </p:txBody>
+      </p:sp>
+    </p:spTree>
+    <p:extLst>
+      <p:ext uri="{BB962C8B-B14F-4D97-AF65-F5344CB8AC3E}">
+        <p14:creationId xmlns:p14="http://schemas.microsoft.com/office/powerpoint/2010/main" val="3717108525"/>
+      </p:ext>
+    </p:extLst>
+  </p:cSld>
+  <p:clrMapOvr>
+    <a:masterClrMapping/>
+  </p:clrMapOvr>
+</p:sld>
+</file>
+
+<file path=ppt/slides/slide15.xml><?xml version="1.0" encoding="utf-8"?>
+<p:sld xmlns:a="http://schemas.openxmlformats.org/drawingml/2006/main" xmlns:r="http://schemas.openxmlformats.org/officeDocument/2006/relationships" xmlns:p="http://schemas.openxmlformats.org/presentationml/2006/main">
+  <p:cSld>
+    <p:spTree>
+      <p:nvGrpSpPr>
+        <p:cNvPr id="1" name=""/>
+        <p:cNvGrpSpPr/>
+        <p:nvPr/>
+      </p:nvGrpSpPr>
+      <p:grpSpPr>
+        <a:xfrm>
+          <a:off x="0" y="0"/>
+          <a:ext cx="0" cy="0"/>
+          <a:chOff x="0" y="0"/>
+          <a:chExt cx="0" cy="0"/>
+        </a:xfrm>
+      </p:grpSpPr>
+      <p:sp>
+        <p:nvSpPr>
+          <p:cNvPr id="2" name="Title 1">
+            <a:extLst>
+              <a:ext uri="{FF2B5EF4-FFF2-40B4-BE49-F238E27FC236}">
+                <a16:creationId xmlns:a16="http://schemas.microsoft.com/office/drawing/2014/main" id="{F23C3C64-25B9-4E5E-AA31-1589FE83D806}"/>
+              </a:ext>
+            </a:extLst>
+          </p:cNvPr>
+          <p:cNvSpPr>
+            <a:spLocks noGrp="1"/>
+          </p:cNvSpPr>
+          <p:nvPr>
+            <p:ph type="title"/>
+          </p:nvPr>
+        </p:nvSpPr>
+        <p:spPr/>
+        <p:txBody>
+          <a:bodyPr>
+            <a:normAutofit fontScale="90000"/>
+          </a:bodyPr>
+          <a:lstStyle/>
+          <a:p>
+            <a:r>
+              <a:rPr lang="en-US" dirty="0"/>
+              <a:t>Number of reviews is biased by gender, but rating distribution is not</a:t>
+            </a:r>
+            <a:endParaRPr lang="en-US" sz="2400" dirty="0"/>
+          </a:p>
+        </p:txBody>
+      </p:sp>
+      <p:pic>
+        <p:nvPicPr>
+          <p:cNvPr id="9" name="Picture 8">
+            <a:extLst>
+              <a:ext uri="{FF2B5EF4-FFF2-40B4-BE49-F238E27FC236}">
+                <a16:creationId xmlns:a16="http://schemas.microsoft.com/office/drawing/2014/main" id="{30000D7F-9EC1-416A-92C8-B30554E0E8B1}"/>
+              </a:ext>
+            </a:extLst>
+          </p:cNvPr>
+          <p:cNvPicPr>
+            <a:picLocks noChangeAspect="1"/>
+          </p:cNvPicPr>
+          <p:nvPr/>
+        </p:nvPicPr>
+        <p:blipFill>
+          <a:blip r:embed="rId3"/>
+          <a:stretch>
+            <a:fillRect/>
+          </a:stretch>
+        </p:blipFill>
+        <p:spPr>
+          <a:xfrm>
+            <a:off x="578903" y="1740162"/>
+            <a:ext cx="3541826" cy="3943527"/>
+          </a:xfrm>
+          <a:prstGeom prst="rect">
+            <a:avLst/>
+          </a:prstGeom>
+        </p:spPr>
+      </p:pic>
+      <p:pic>
+        <p:nvPicPr>
+          <p:cNvPr id="10" name="Picture 9">
+            <a:extLst>
+              <a:ext uri="{FF2B5EF4-FFF2-40B4-BE49-F238E27FC236}">
+                <a16:creationId xmlns:a16="http://schemas.microsoft.com/office/drawing/2014/main" id="{549ECA3C-EEDB-4CA5-B991-9DB5A17B1CF6}"/>
+              </a:ext>
+            </a:extLst>
+          </p:cNvPr>
+          <p:cNvPicPr>
+            <a:picLocks noChangeAspect="1"/>
+          </p:cNvPicPr>
+          <p:nvPr/>
+        </p:nvPicPr>
+        <p:blipFill>
+          <a:blip r:embed="rId4"/>
+          <a:stretch>
+            <a:fillRect/>
+          </a:stretch>
+        </p:blipFill>
+        <p:spPr>
+          <a:xfrm>
+            <a:off x="4635910" y="1751811"/>
+            <a:ext cx="3557586" cy="3943527"/>
+          </a:xfrm>
+          <a:prstGeom prst="rect">
+            <a:avLst/>
+          </a:prstGeom>
+        </p:spPr>
+      </p:pic>
+      <p:sp>
+        <p:nvSpPr>
+          <p:cNvPr id="11" name="TextBox 10">
+            <a:extLst>
+              <a:ext uri="{FF2B5EF4-FFF2-40B4-BE49-F238E27FC236}">
+                <a16:creationId xmlns:a16="http://schemas.microsoft.com/office/drawing/2014/main" id="{B3282774-76AA-4258-943F-0B19D10A19D7}"/>
+              </a:ext>
+            </a:extLst>
+          </p:cNvPr>
+          <p:cNvSpPr txBox="1"/>
+          <p:nvPr/>
+        </p:nvSpPr>
+        <p:spPr>
+          <a:xfrm>
+            <a:off x="2274476" y="2443195"/>
+            <a:ext cx="1477541" cy="276999"/>
+          </a:xfrm>
+          <a:prstGeom prst="rect">
+            <a:avLst/>
+          </a:prstGeom>
+          <a:noFill/>
+          <a:ln>
+            <a:solidFill>
+              <a:schemeClr val="bg1">
+                <a:lumMod val="65000"/>
+              </a:schemeClr>
+            </a:solidFill>
+          </a:ln>
+        </p:spPr>
+        <p:txBody>
+          <a:bodyPr wrap="square" rtlCol="0">
+            <a:spAutoFit/>
+          </a:bodyPr>
+          <a:lstStyle/>
+          <a:p>
+            <a:r>
+              <a:rPr lang="en-US" sz="1200" i="1" dirty="0">
+                <a:latin typeface="Calibri" panose="020F0502020204030204" pitchFamily="34" charset="0"/>
+                <a:cs typeface="Calibri" panose="020F0502020204030204" pitchFamily="34" charset="0"/>
+              </a:rPr>
+              <a:t>N = </a:t>
+            </a:r>
+            <a:r>
+              <a:rPr lang="en-US" sz="1200" dirty="0">
+                <a:latin typeface="Calibri" panose="020F0502020204030204" pitchFamily="34" charset="0"/>
+                <a:cs typeface="Calibri" panose="020F0502020204030204" pitchFamily="34" charset="0"/>
+              </a:rPr>
+              <a:t>947 (all doctors)</a:t>
+            </a:r>
+          </a:p>
+        </p:txBody>
+      </p:sp>
+      <p:sp>
+        <p:nvSpPr>
+          <p:cNvPr id="12" name="TextBox 11">
+            <a:extLst>
+              <a:ext uri="{FF2B5EF4-FFF2-40B4-BE49-F238E27FC236}">
+                <a16:creationId xmlns:a16="http://schemas.microsoft.com/office/drawing/2014/main" id="{C004B274-2401-4F88-8E6A-8B27FE091D83}"/>
+              </a:ext>
+            </a:extLst>
+          </p:cNvPr>
+          <p:cNvSpPr txBox="1"/>
+          <p:nvPr/>
+        </p:nvSpPr>
+        <p:spPr>
+          <a:xfrm>
+            <a:off x="6010739" y="3467935"/>
+            <a:ext cx="1112734" cy="830997"/>
+          </a:xfrm>
+          <a:prstGeom prst="rect">
+            <a:avLst/>
+          </a:prstGeom>
+          <a:noFill/>
+          <a:ln>
+            <a:solidFill>
+              <a:schemeClr val="bg1">
+                <a:lumMod val="65000"/>
+              </a:schemeClr>
+            </a:solidFill>
+          </a:ln>
+        </p:spPr>
+        <p:txBody>
+          <a:bodyPr wrap="square" rtlCol="0">
+            <a:spAutoFit/>
+          </a:bodyPr>
+          <a:lstStyle/>
+          <a:p>
+            <a:r>
+              <a:rPr lang="en-US" sz="1200" i="1" dirty="0">
+                <a:latin typeface="Calibri" panose="020F0502020204030204" pitchFamily="34" charset="0"/>
+                <a:cs typeface="Calibri" panose="020F0502020204030204" pitchFamily="34" charset="0"/>
+              </a:rPr>
+              <a:t>N = </a:t>
+            </a:r>
+            <a:r>
+              <a:rPr lang="en-US" sz="1200" dirty="0">
+                <a:latin typeface="Calibri" panose="020F0502020204030204" pitchFamily="34" charset="0"/>
+                <a:cs typeface="Calibri" panose="020F0502020204030204" pitchFamily="34" charset="0"/>
+              </a:rPr>
+              <a:t>404 </a:t>
+            </a:r>
+          </a:p>
+          <a:p>
+            <a:r>
+              <a:rPr lang="en-US" sz="1200" dirty="0">
+                <a:latin typeface="Calibri" panose="020F0502020204030204" pitchFamily="34" charset="0"/>
+                <a:cs typeface="Calibri" panose="020F0502020204030204" pitchFamily="34" charset="0"/>
+              </a:rPr>
+              <a:t>(has gender info, and ≥ 5 reviews)</a:t>
+            </a:r>
+          </a:p>
+        </p:txBody>
+      </p:sp>
+      <p:sp>
+        <p:nvSpPr>
+          <p:cNvPr id="13" name="Rectangle 12">
+            <a:extLst>
+              <a:ext uri="{FF2B5EF4-FFF2-40B4-BE49-F238E27FC236}">
+                <a16:creationId xmlns:a16="http://schemas.microsoft.com/office/drawing/2014/main" id="{1F275EF3-B34B-425E-A630-470285785BB0}"/>
+              </a:ext>
+            </a:extLst>
+          </p:cNvPr>
+          <p:cNvSpPr/>
+          <p:nvPr/>
+        </p:nvSpPr>
+        <p:spPr bwMode="auto">
+          <a:xfrm>
+            <a:off x="1189703" y="5798799"/>
+            <a:ext cx="6784258" cy="702405"/>
+          </a:xfrm>
+          <a:prstGeom prst="rect">
+            <a:avLst/>
+          </a:prstGeom>
+          <a:gradFill rotWithShape="1">
+            <a:gsLst>
+              <a:gs pos="0">
+                <a:srgbClr val="FDD4AB">
+                  <a:tint val="50000"/>
+                  <a:satMod val="300000"/>
+                </a:srgbClr>
+              </a:gs>
+              <a:gs pos="35000">
+                <a:srgbClr val="FDD4AB">
+                  <a:tint val="37000"/>
+                  <a:satMod val="300000"/>
+                </a:srgbClr>
+              </a:gs>
+              <a:gs pos="100000">
+                <a:srgbClr val="FDD4AB">
+                  <a:tint val="15000"/>
+                  <a:satMod val="350000"/>
+                </a:srgbClr>
+              </a:gs>
+            </a:gsLst>
+            <a:lin ang="16200000" scaled="1"/>
+          </a:gradFill>
+          <a:ln w="9525" cap="flat" cmpd="sng" algn="ctr">
+            <a:solidFill>
+              <a:srgbClr val="FDD4AB">
+                <a:shade val="95000"/>
+                <a:satMod val="105000"/>
+              </a:srgbClr>
+            </a:solidFill>
+            <a:prstDash val="solid"/>
+          </a:ln>
+          <a:effectLst>
+            <a:outerShdw blurRad="40000" dist="20000" dir="5400000" rotWithShape="0">
+              <a:srgbClr val="000000">
+                <a:alpha val="38000"/>
+              </a:srgbClr>
+            </a:outerShdw>
+          </a:effectLst>
+        </p:spPr>
+        <p:txBody>
+          <a:bodyPr wrap="square" tIns="0" bIns="0" rtlCol="0">
+            <a:noAutofit/>
+          </a:bodyPr>
+          <a:lstStyle/>
+          <a:p>
+            <a:pPr marL="111125" lvl="0" indent="-111125">
+              <a:lnSpc>
+                <a:spcPct val="150000"/>
+              </a:lnSpc>
+              <a:buClr>
+                <a:srgbClr val="EC8026"/>
+              </a:buClr>
+              <a:buSzPct val="130000"/>
+              <a:buFont typeface="Arial" pitchFamily="34" charset="0"/>
+              <a:buChar char="•"/>
+              <a:defRPr/>
+            </a:pPr>
+            <a:r>
+              <a:rPr lang="en-US" sz="1300" kern="0" dirty="0">
+                <a:solidFill>
+                  <a:srgbClr val="000000"/>
+                </a:solidFill>
+                <a:ea typeface="ＭＳ Ｐゴシック" charset="-128"/>
+              </a:rPr>
+              <a:t>Female doctors tend to have fewer reviews than male doctors (p-</a:t>
+            </a:r>
+            <a:r>
+              <a:rPr lang="en-US" sz="1300" kern="0" dirty="0" err="1">
+                <a:solidFill>
+                  <a:srgbClr val="000000"/>
+                </a:solidFill>
+                <a:ea typeface="ＭＳ Ｐゴシック" charset="-128"/>
+              </a:rPr>
+              <a:t>val</a:t>
+            </a:r>
+            <a:r>
+              <a:rPr lang="en-US" sz="1300" kern="0" dirty="0">
+                <a:solidFill>
+                  <a:srgbClr val="000000"/>
+                </a:solidFill>
+                <a:ea typeface="ＭＳ Ｐゴシック" charset="-128"/>
+              </a:rPr>
+              <a:t> = 0.0002) </a:t>
+            </a:r>
+          </a:p>
+          <a:p>
+            <a:pPr marL="111125" lvl="0" indent="-111125">
+              <a:lnSpc>
+                <a:spcPct val="150000"/>
+              </a:lnSpc>
+              <a:buClr>
+                <a:srgbClr val="EC8026"/>
+              </a:buClr>
+              <a:buSzPct val="130000"/>
+              <a:buFont typeface="Arial" pitchFamily="34" charset="0"/>
+              <a:buChar char="•"/>
+              <a:defRPr/>
+            </a:pPr>
+            <a:r>
+              <a:rPr lang="en-US" sz="1300" kern="0" dirty="0">
+                <a:solidFill>
+                  <a:srgbClr val="000000"/>
+                </a:solidFill>
+                <a:ea typeface="ＭＳ Ｐゴシック" charset="-128"/>
+              </a:rPr>
+              <a:t>The doctors with &gt; 25 reviews are almost all male</a:t>
+            </a:r>
+          </a:p>
+        </p:txBody>
+      </p:sp>
+    </p:spTree>
+    <p:extLst>
+      <p:ext uri="{BB962C8B-B14F-4D97-AF65-F5344CB8AC3E}">
+        <p14:creationId xmlns:p14="http://schemas.microsoft.com/office/powerpoint/2010/main" val="3877481786"/>
+      </p:ext>
+    </p:extLst>
+  </p:cSld>
+  <p:clrMapOvr>
+    <a:masterClrMapping/>
+  </p:clrMapOvr>
+</p:sld>
+</file>
+
 <file path=ppt/slides/slide16.xml><?xml version="1.0" encoding="utf-8"?>
 <p:sld xmlns:a="http://schemas.openxmlformats.org/drawingml/2006/main" xmlns:r="http://schemas.openxmlformats.org/officeDocument/2006/relationships" xmlns:p="http://schemas.openxmlformats.org/presentationml/2006/main">
   <p:cSld>
@@ -10854,7 +10878,7 @@
           <a:p>
             <a:r>
               <a:rPr lang="en-US" sz="1800" dirty="0"/>
-              <a:t>Physicians with different length of time in practice are perceived similarly by patients in terms of bedside matter and quality of interaction</a:t>
+              <a:t>GI doctors in NYC metro with different length of time in practice are perceived similarly by patients in terms of bedside matter and quality of interaction</a:t>
             </a:r>
           </a:p>
           <a:p>
@@ -11204,6 +11228,105 @@
           </a:graphicData>
         </a:graphic>
       </p:graphicFrame>
+      <p:sp>
+        <p:nvSpPr>
+          <p:cNvPr id="5" name="Comment1">
+            <a:extLst>
+              <a:ext uri="{FF2B5EF4-FFF2-40B4-BE49-F238E27FC236}">
+                <a16:creationId xmlns:a16="http://schemas.microsoft.com/office/drawing/2014/main" id="{98CE6E6F-0202-4E65-A7FA-B47591EE2B3B}"/>
+              </a:ext>
+            </a:extLst>
+          </p:cNvPr>
+          <p:cNvSpPr/>
+          <p:nvPr/>
+        </p:nvSpPr>
+        <p:spPr>
+          <a:xfrm>
+            <a:off x="4930877" y="5783565"/>
+            <a:ext cx="3151547" cy="715089"/>
+          </a:xfrm>
+          <a:prstGeom prst="wedgeRoundRectCallout">
+            <a:avLst>
+              <a:gd name="adj1" fmla="val -21370"/>
+              <a:gd name="adj2" fmla="val -81827"/>
+              <a:gd name="adj3" fmla="val 16667"/>
+            </a:avLst>
+          </a:prstGeom>
+          <a:gradFill rotWithShape="1">
+            <a:gsLst>
+              <a:gs pos="0">
+                <a:srgbClr val="FCAF17">
+                  <a:tint val="50000"/>
+                  <a:satMod val="300000"/>
+                </a:srgbClr>
+              </a:gs>
+              <a:gs pos="35000">
+                <a:srgbClr val="FCAF17">
+                  <a:tint val="37000"/>
+                  <a:satMod val="300000"/>
+                </a:srgbClr>
+              </a:gs>
+              <a:gs pos="100000">
+                <a:srgbClr val="FCAF17">
+                  <a:tint val="15000"/>
+                  <a:satMod val="350000"/>
+                </a:srgbClr>
+              </a:gs>
+            </a:gsLst>
+            <a:lin ang="16200000" scaled="1"/>
+          </a:gradFill>
+          <a:ln w="9525" cap="flat" cmpd="sng" algn="ctr">
+            <a:solidFill>
+              <a:srgbClr val="FCAF17">
+                <a:shade val="95000"/>
+                <a:satMod val="105000"/>
+              </a:srgbClr>
+            </a:solidFill>
+            <a:prstDash val="solid"/>
+          </a:ln>
+          <a:effectLst>
+            <a:outerShdw blurRad="40000" dist="20000" dir="5400000" rotWithShape="0">
+              <a:srgbClr val="000000">
+                <a:alpha val="38000"/>
+              </a:srgbClr>
+            </a:outerShdw>
+          </a:effectLst>
+        </p:spPr>
+        <p:txBody>
+          <a:bodyPr wrap="square" lIns="0" tIns="0" rIns="0" bIns="0">
+            <a:spAutoFit/>
+          </a:bodyPr>
+          <a:lstStyle/>
+          <a:p>
+            <a:pPr marL="109538" marR="0" lvl="0" indent="0" defTabSz="914400" eaLnBrk="1" fontAlgn="auto" latinLnBrk="0" hangingPunct="1">
+              <a:lnSpc>
+                <a:spcPct val="100000"/>
+              </a:lnSpc>
+              <a:spcBef>
+                <a:spcPts val="0"/>
+              </a:spcBef>
+              <a:spcAft>
+                <a:spcPts val="0"/>
+              </a:spcAft>
+              <a:buClrTx/>
+              <a:buSzTx/>
+              <a:buFontTx/>
+              <a:buNone/>
+              <a:tabLst/>
+              <a:defRPr/>
+            </a:pPr>
+            <a:r>
+              <a:rPr lang="en-US" sz="1400" kern="0" dirty="0">
+                <a:solidFill>
+                  <a:srgbClr val="000000"/>
+                </a:solidFill>
+                <a:latin typeface="Arial"/>
+              </a:rPr>
+              <a:t>Trends from analysis of cardiologists in NYC metro very similar to those from the GI doctor analysis</a:t>
+            </a:r>
+          </a:p>
+        </p:txBody>
+      </p:sp>
     </p:spTree>
     <p:extLst>
       <p:ext uri="{BB962C8B-B14F-4D97-AF65-F5344CB8AC3E}">
